--- a/Tutorial.pptx
+++ b/Tutorial.pptx
@@ -14,7 +14,7 @@
     <p:sldId id="270" r:id="rId5"/>
     <p:sldId id="276" r:id="rId6"/>
     <p:sldId id="277" r:id="rId7"/>
-    <p:sldId id="279" r:id="rId8"/>
+    <p:sldId id="307" r:id="rId8"/>
     <p:sldId id="280" r:id="rId9"/>
     <p:sldId id="281" r:id="rId10"/>
     <p:sldId id="282" r:id="rId11"/>
@@ -230,7 +230,7 @@
           <a:p>
             <a:fld id="{D33A1A6D-234A-42C6-88C5-85D1460EE3B8}" type="datetimeFigureOut">
               <a:rPr lang="de-DE" smtClean="0"/>
-              <a:t>19.10.2015</a:t>
+              <a:t>20.10.2015</a:t>
             </a:fld>
             <a:endParaRPr lang="de-DE"/>
           </a:p>
@@ -582,6 +582,1448 @@
 </p:notes>
 </file>
 
+<file path=ppt/notesSlides/notesSlide10.xml><?xml version="1.0" encoding="utf-8"?>
+<p:notes xmlns:a="http://schemas.openxmlformats.org/drawingml/2006/main" xmlns:r="http://schemas.openxmlformats.org/officeDocument/2006/relationships" xmlns:p="http://schemas.openxmlformats.org/presentationml/2006/main">
+  <p:cSld>
+    <p:spTree>
+      <p:nvGrpSpPr>
+        <p:cNvPr id="1" name=""/>
+        <p:cNvGrpSpPr/>
+        <p:nvPr/>
+      </p:nvGrpSpPr>
+      <p:grpSpPr>
+        <a:xfrm>
+          <a:off x="0" y="0"/>
+          <a:ext cx="0" cy="0"/>
+          <a:chOff x="0" y="0"/>
+          <a:chExt cx="0" cy="0"/>
+        </a:xfrm>
+      </p:grpSpPr>
+      <p:sp>
+        <p:nvSpPr>
+          <p:cNvPr id="2" name="Folienbildplatzhalter 1"/>
+          <p:cNvSpPr>
+            <a:spLocks noGrp="1" noRot="1" noChangeAspect="1"/>
+          </p:cNvSpPr>
+          <p:nvPr>
+            <p:ph type="sldImg"/>
+          </p:nvPr>
+        </p:nvSpPr>
+        <p:spPr/>
+      </p:sp>
+      <p:sp>
+        <p:nvSpPr>
+          <p:cNvPr id="3" name="Notizenplatzhalter 2"/>
+          <p:cNvSpPr>
+            <a:spLocks noGrp="1"/>
+          </p:cNvSpPr>
+          <p:nvPr>
+            <p:ph type="body" idx="1"/>
+          </p:nvPr>
+        </p:nvSpPr>
+        <p:spPr/>
+        <p:txBody>
+          <a:bodyPr/>
+          <a:lstStyle/>
+          <a:p>
+            <a:r>
+              <a:rPr lang="de-DE" dirty="0" smtClean="0"/>
+              <a:t>2:</a:t>
+            </a:r>
+            <a:r>
+              <a:rPr lang="de-DE" baseline="0" dirty="0" smtClean="0"/>
+              <a:t> die </a:t>
+            </a:r>
+            <a:r>
+              <a:rPr lang="de-DE" baseline="0" dirty="0" err="1" smtClean="0"/>
+              <a:t>Git</a:t>
+            </a:r>
+            <a:r>
+              <a:rPr lang="de-DE" baseline="0" dirty="0" smtClean="0"/>
+              <a:t> </a:t>
+            </a:r>
+            <a:r>
+              <a:rPr lang="de-DE" baseline="0" dirty="0" err="1" smtClean="0"/>
+              <a:t>Bash</a:t>
+            </a:r>
+            <a:endParaRPr lang="de-DE" baseline="0" dirty="0" smtClean="0"/>
+          </a:p>
+          <a:p>
+            <a:endParaRPr lang="de-DE" baseline="0" dirty="0" smtClean="0"/>
+          </a:p>
+          <a:p>
+            <a:r>
+              <a:rPr lang="de-DE" baseline="0" dirty="0" smtClean="0"/>
+              <a:t>3: mit dem Befehl: </a:t>
+            </a:r>
+            <a:r>
+              <a:rPr lang="de-DE" baseline="0" dirty="0" err="1" smtClean="0"/>
+              <a:t>git</a:t>
+            </a:r>
+            <a:r>
+              <a:rPr lang="de-DE" baseline="0" dirty="0" smtClean="0"/>
+              <a:t> </a:t>
+            </a:r>
+            <a:r>
+              <a:rPr lang="de-DE" baseline="0" dirty="0" err="1" smtClean="0"/>
+              <a:t>clone</a:t>
+            </a:r>
+            <a:r>
+              <a:rPr lang="de-DE" baseline="0" dirty="0" smtClean="0"/>
+              <a:t> https://github.com/</a:t>
+            </a:r>
+            <a:r>
+              <a:rPr lang="de-DE" b="1" baseline="0" dirty="0" smtClean="0"/>
+              <a:t>user</a:t>
+            </a:r>
+            <a:r>
+              <a:rPr lang="de-DE" b="0" baseline="0" dirty="0" smtClean="0"/>
+              <a:t>/</a:t>
+            </a:r>
+            <a:r>
+              <a:rPr lang="de-DE" b="1" baseline="0" dirty="0" smtClean="0"/>
+              <a:t>repo.git</a:t>
+            </a:r>
+            <a:r>
+              <a:rPr lang="de-DE" b="0" baseline="0" dirty="0" smtClean="0"/>
+              <a:t>  wird eine lokale Kopie angelegt</a:t>
+            </a:r>
+          </a:p>
+          <a:p>
+            <a:r>
+              <a:rPr lang="de-DE" b="0" baseline="0" dirty="0" smtClean="0"/>
+              <a:t>Den Link kann man sich aus </a:t>
+            </a:r>
+            <a:r>
+              <a:rPr lang="de-DE" b="0" baseline="0" dirty="0" err="1" smtClean="0"/>
+              <a:t>GitHub</a:t>
+            </a:r>
+            <a:r>
+              <a:rPr lang="de-DE" b="0" baseline="0" dirty="0" smtClean="0"/>
+              <a:t> kopieren (siehe Folie 6)</a:t>
+            </a:r>
+          </a:p>
+        </p:txBody>
+      </p:sp>
+      <p:sp>
+        <p:nvSpPr>
+          <p:cNvPr id="4" name="Foliennummernplatzhalter 3"/>
+          <p:cNvSpPr>
+            <a:spLocks noGrp="1"/>
+          </p:cNvSpPr>
+          <p:nvPr>
+            <p:ph type="sldNum" sz="quarter" idx="10"/>
+          </p:nvPr>
+        </p:nvSpPr>
+        <p:spPr/>
+        <p:txBody>
+          <a:bodyPr/>
+          <a:lstStyle/>
+          <a:p>
+            <a:fld id="{4A505144-3BC5-4B32-83CF-491494C34331}" type="slidenum">
+              <a:rPr lang="de-DE" smtClean="0"/>
+              <a:t>12</a:t>
+            </a:fld>
+            <a:endParaRPr lang="de-DE"/>
+          </a:p>
+        </p:txBody>
+      </p:sp>
+    </p:spTree>
+    <p:extLst>
+      <p:ext uri="{BB962C8B-B14F-4D97-AF65-F5344CB8AC3E}">
+        <p14:creationId xmlns:p14="http://schemas.microsoft.com/office/powerpoint/2010/main" val="4121361114"/>
+      </p:ext>
+    </p:extLst>
+  </p:cSld>
+  <p:clrMapOvr>
+    <a:masterClrMapping/>
+  </p:clrMapOvr>
+</p:notes>
+</file>
+
+<file path=ppt/notesSlides/notesSlide11.xml><?xml version="1.0" encoding="utf-8"?>
+<p:notes xmlns:a="http://schemas.openxmlformats.org/drawingml/2006/main" xmlns:r="http://schemas.openxmlformats.org/officeDocument/2006/relationships" xmlns:p="http://schemas.openxmlformats.org/presentationml/2006/main">
+  <p:cSld>
+    <p:spTree>
+      <p:nvGrpSpPr>
+        <p:cNvPr id="1" name=""/>
+        <p:cNvGrpSpPr/>
+        <p:nvPr/>
+      </p:nvGrpSpPr>
+      <p:grpSpPr>
+        <a:xfrm>
+          <a:off x="0" y="0"/>
+          <a:ext cx="0" cy="0"/>
+          <a:chOff x="0" y="0"/>
+          <a:chExt cx="0" cy="0"/>
+        </a:xfrm>
+      </p:grpSpPr>
+      <p:sp>
+        <p:nvSpPr>
+          <p:cNvPr id="2" name="Folienbildplatzhalter 1"/>
+          <p:cNvSpPr>
+            <a:spLocks noGrp="1" noRot="1" noChangeAspect="1"/>
+          </p:cNvSpPr>
+          <p:nvPr>
+            <p:ph type="sldImg"/>
+          </p:nvPr>
+        </p:nvSpPr>
+        <p:spPr/>
+      </p:sp>
+      <p:sp>
+        <p:nvSpPr>
+          <p:cNvPr id="3" name="Notizenplatzhalter 2"/>
+          <p:cNvSpPr>
+            <a:spLocks noGrp="1"/>
+          </p:cNvSpPr>
+          <p:nvPr>
+            <p:ph type="body" idx="1"/>
+          </p:nvPr>
+        </p:nvSpPr>
+        <p:spPr/>
+        <p:txBody>
+          <a:bodyPr/>
+          <a:lstStyle/>
+          <a:p>
+            <a:r>
+              <a:rPr lang="de-DE" dirty="0" smtClean="0"/>
+              <a:t>Der</a:t>
+            </a:r>
+            <a:r>
+              <a:rPr lang="de-DE" baseline="0" dirty="0" smtClean="0"/>
+              <a:t> Befehl „</a:t>
+            </a:r>
+            <a:r>
+              <a:rPr lang="de-DE" b="1" baseline="0" dirty="0" err="1" smtClean="0"/>
+              <a:t>git</a:t>
+            </a:r>
+            <a:r>
+              <a:rPr lang="de-DE" b="1" baseline="0" dirty="0" smtClean="0"/>
+              <a:t> </a:t>
+            </a:r>
+            <a:r>
+              <a:rPr lang="de-DE" b="1" baseline="0" dirty="0" err="1" smtClean="0"/>
+              <a:t>status</a:t>
+            </a:r>
+            <a:r>
+              <a:rPr lang="de-DE" baseline="0" dirty="0" smtClean="0"/>
+              <a:t>“ vergleicht das lokale Repository mit dem öffentlichen </a:t>
+            </a:r>
+            <a:r>
+              <a:rPr lang="de-DE" baseline="0" dirty="0" err="1" smtClean="0"/>
+              <a:t>Projektrepository</a:t>
+            </a:r>
+            <a:r>
+              <a:rPr lang="de-DE" baseline="0" dirty="0" smtClean="0"/>
+              <a:t> von </a:t>
+            </a:r>
+            <a:r>
+              <a:rPr lang="de-DE" baseline="0" dirty="0" err="1" smtClean="0"/>
+              <a:t>GitHub</a:t>
+            </a:r>
+            <a:endParaRPr lang="de-DE" baseline="0" dirty="0" smtClean="0"/>
+          </a:p>
+          <a:p>
+            <a:endParaRPr lang="de-DE" baseline="0" dirty="0" smtClean="0"/>
+          </a:p>
+          <a:p>
+            <a:r>
+              <a:rPr lang="de-DE" baseline="0" dirty="0" smtClean="0"/>
+              <a:t>1.1) In diesem Beispiel wurde die Datei „1 </a:t>
+            </a:r>
+            <a:r>
+              <a:rPr lang="de-DE" baseline="0" dirty="0" err="1" smtClean="0"/>
+              <a:t>UseCase_Neues</a:t>
+            </a:r>
+            <a:r>
+              <a:rPr lang="de-DE" baseline="0" dirty="0" smtClean="0"/>
+              <a:t> Spie.docx“ aus dem Unterordner „</a:t>
+            </a:r>
+            <a:r>
+              <a:rPr lang="de-DE" baseline="0" dirty="0" err="1" smtClean="0"/>
+              <a:t>Functions</a:t>
+            </a:r>
+            <a:r>
+              <a:rPr lang="de-DE" baseline="0" dirty="0" smtClean="0"/>
+              <a:t>“ gelöscht (siehe </a:t>
+            </a:r>
+            <a:r>
+              <a:rPr lang="de-DE" baseline="0" dirty="0" err="1" smtClean="0"/>
+              <a:t>obriges</a:t>
+            </a:r>
+            <a:r>
+              <a:rPr lang="de-DE" baseline="0" dirty="0" smtClean="0"/>
+              <a:t> Bild, roter Text)</a:t>
+            </a:r>
+          </a:p>
+          <a:p>
+            <a:endParaRPr lang="de-DE" baseline="0" dirty="0" smtClean="0"/>
+          </a:p>
+          <a:p>
+            <a:r>
+              <a:rPr lang="de-DE" baseline="0" dirty="0" smtClean="0"/>
+              <a:t>2.1) In diesem Beispiel wurde die Datei „dasasd.txt“ gefunden, welche in </a:t>
+            </a:r>
+            <a:r>
+              <a:rPr lang="de-DE" baseline="0" dirty="0" err="1" smtClean="0"/>
+              <a:t>GitHub</a:t>
+            </a:r>
+            <a:r>
+              <a:rPr lang="de-DE" baseline="0" dirty="0" smtClean="0"/>
+              <a:t> nicht vorkommt (</a:t>
+            </a:r>
+            <a:r>
+              <a:rPr lang="de-DE" baseline="0" dirty="0" err="1" smtClean="0"/>
+              <a:t>untracked</a:t>
+            </a:r>
+            <a:r>
+              <a:rPr lang="de-DE" baseline="0" dirty="0" smtClean="0"/>
+              <a:t> </a:t>
+            </a:r>
+            <a:r>
+              <a:rPr lang="de-DE" baseline="0" dirty="0" err="1" smtClean="0"/>
+              <a:t>file</a:t>
+            </a:r>
+            <a:r>
+              <a:rPr lang="de-DE" baseline="0" dirty="0" smtClean="0"/>
+              <a:t>)</a:t>
+            </a:r>
+            <a:endParaRPr lang="de-DE" dirty="0"/>
+          </a:p>
+        </p:txBody>
+      </p:sp>
+      <p:sp>
+        <p:nvSpPr>
+          <p:cNvPr id="4" name="Foliennummernplatzhalter 3"/>
+          <p:cNvSpPr>
+            <a:spLocks noGrp="1"/>
+          </p:cNvSpPr>
+          <p:nvPr>
+            <p:ph type="sldNum" sz="quarter" idx="10"/>
+          </p:nvPr>
+        </p:nvSpPr>
+        <p:spPr/>
+        <p:txBody>
+          <a:bodyPr/>
+          <a:lstStyle/>
+          <a:p>
+            <a:fld id="{4A505144-3BC5-4B32-83CF-491494C34331}" type="slidenum">
+              <a:rPr lang="de-DE" smtClean="0"/>
+              <a:t>13</a:t>
+            </a:fld>
+            <a:endParaRPr lang="de-DE"/>
+          </a:p>
+        </p:txBody>
+      </p:sp>
+    </p:spTree>
+    <p:extLst>
+      <p:ext uri="{BB962C8B-B14F-4D97-AF65-F5344CB8AC3E}">
+        <p14:creationId xmlns:p14="http://schemas.microsoft.com/office/powerpoint/2010/main" val="3247716302"/>
+      </p:ext>
+    </p:extLst>
+  </p:cSld>
+  <p:clrMapOvr>
+    <a:masterClrMapping/>
+  </p:clrMapOvr>
+</p:notes>
+</file>
+
+<file path=ppt/notesSlides/notesSlide12.xml><?xml version="1.0" encoding="utf-8"?>
+<p:notes xmlns:a="http://schemas.openxmlformats.org/drawingml/2006/main" xmlns:r="http://schemas.openxmlformats.org/officeDocument/2006/relationships" xmlns:p="http://schemas.openxmlformats.org/presentationml/2006/main">
+  <p:cSld>
+    <p:spTree>
+      <p:nvGrpSpPr>
+        <p:cNvPr id="1" name=""/>
+        <p:cNvGrpSpPr/>
+        <p:nvPr/>
+      </p:nvGrpSpPr>
+      <p:grpSpPr>
+        <a:xfrm>
+          <a:off x="0" y="0"/>
+          <a:ext cx="0" cy="0"/>
+          <a:chOff x="0" y="0"/>
+          <a:chExt cx="0" cy="0"/>
+        </a:xfrm>
+      </p:grpSpPr>
+      <p:sp>
+        <p:nvSpPr>
+          <p:cNvPr id="2" name="Folienbildplatzhalter 1"/>
+          <p:cNvSpPr>
+            <a:spLocks noGrp="1" noRot="1" noChangeAspect="1"/>
+          </p:cNvSpPr>
+          <p:nvPr>
+            <p:ph type="sldImg"/>
+          </p:nvPr>
+        </p:nvSpPr>
+        <p:spPr/>
+      </p:sp>
+      <p:sp>
+        <p:nvSpPr>
+          <p:cNvPr id="3" name="Notizenplatzhalter 2"/>
+          <p:cNvSpPr>
+            <a:spLocks noGrp="1"/>
+          </p:cNvSpPr>
+          <p:nvPr>
+            <p:ph type="body" idx="1"/>
+          </p:nvPr>
+        </p:nvSpPr>
+        <p:spPr/>
+        <p:txBody>
+          <a:bodyPr/>
+          <a:lstStyle/>
+          <a:p>
+            <a:r>
+              <a:rPr lang="de-DE" dirty="0" smtClean="0"/>
+              <a:t>1.2)</a:t>
+            </a:r>
+            <a:r>
+              <a:rPr lang="de-DE" baseline="0" dirty="0" smtClean="0"/>
+              <a:t> Um die gelöschte Datei endgültig zu löschen benutzt man den Befehl: </a:t>
+            </a:r>
+            <a:r>
+              <a:rPr lang="de-DE" b="1" baseline="0" dirty="0" err="1" smtClean="0"/>
+              <a:t>git</a:t>
+            </a:r>
+            <a:r>
+              <a:rPr lang="de-DE" b="1" baseline="0" dirty="0" smtClean="0"/>
+              <a:t> </a:t>
+            </a:r>
+            <a:r>
+              <a:rPr lang="de-DE" b="1" baseline="0" dirty="0" err="1" smtClean="0"/>
+              <a:t>rm</a:t>
+            </a:r>
+            <a:r>
+              <a:rPr lang="de-DE" b="1" baseline="0" dirty="0" smtClean="0"/>
+              <a:t> ‘</a:t>
+            </a:r>
+            <a:r>
+              <a:rPr lang="de-DE" b="1" baseline="0" dirty="0" err="1" smtClean="0"/>
+              <a:t>name</a:t>
+            </a:r>
+            <a:r>
+              <a:rPr lang="de-DE" b="1" baseline="0" dirty="0" smtClean="0"/>
+              <a:t>‘</a:t>
+            </a:r>
+            <a:endParaRPr lang="de-DE" b="0" baseline="0" dirty="0" smtClean="0"/>
+          </a:p>
+          <a:p>
+            <a:r>
+              <a:rPr lang="de-DE" b="0" baseline="0" dirty="0" smtClean="0"/>
+              <a:t>Befindet sich die Datei in einem Unterverzeichnis, so ist der Verzeichnis auch anzugeben (siehe Beispiel)</a:t>
+            </a:r>
+          </a:p>
+          <a:p>
+            <a:endParaRPr lang="de-DE" b="0" baseline="0" dirty="0" smtClean="0"/>
+          </a:p>
+          <a:p>
+            <a:r>
+              <a:rPr lang="de-DE" b="0" baseline="0" dirty="0" smtClean="0"/>
+              <a:t>2.2) Um eine veränderte oder neue Datei hinzuzufügen benutzt man den Befehl: </a:t>
+            </a:r>
+            <a:r>
+              <a:rPr lang="de-DE" b="1" baseline="0" dirty="0" err="1" smtClean="0"/>
+              <a:t>git</a:t>
+            </a:r>
+            <a:r>
+              <a:rPr lang="de-DE" b="1" baseline="0" dirty="0" smtClean="0"/>
+              <a:t> </a:t>
+            </a:r>
+            <a:r>
+              <a:rPr lang="de-DE" b="1" baseline="0" dirty="0" err="1" smtClean="0"/>
+              <a:t>add</a:t>
+            </a:r>
+            <a:r>
+              <a:rPr lang="de-DE" b="1" baseline="0" dirty="0" smtClean="0"/>
+              <a:t> ‘</a:t>
+            </a:r>
+            <a:r>
+              <a:rPr lang="de-DE" b="1" baseline="0" dirty="0" err="1" smtClean="0"/>
+              <a:t>name</a:t>
+            </a:r>
+            <a:r>
+              <a:rPr lang="de-DE" b="1" baseline="0" dirty="0" smtClean="0"/>
+              <a:t>‘</a:t>
+            </a:r>
+            <a:r>
+              <a:rPr lang="de-DE" b="0" baseline="0" dirty="0" smtClean="0"/>
+              <a:t/>
+            </a:r>
+            <a:br>
+              <a:rPr lang="de-DE" b="0" baseline="0" dirty="0" smtClean="0"/>
+            </a:br>
+            <a:r>
+              <a:rPr lang="de-DE" b="0" baseline="0" dirty="0" smtClean="0"/>
+              <a:t>Um mehrere Änderungen gleichzeitig hinzuzufügen kann anstatt des </a:t>
+            </a:r>
+            <a:r>
+              <a:rPr lang="de-DE" b="0" baseline="0" dirty="0" err="1" smtClean="0"/>
+              <a:t>Names</a:t>
+            </a:r>
+            <a:r>
+              <a:rPr lang="de-DE" b="0" baseline="0" dirty="0" smtClean="0"/>
+              <a:t> auch ein </a:t>
+            </a:r>
+            <a:r>
+              <a:rPr lang="de-DE" b="1" baseline="0" dirty="0" smtClean="0"/>
+              <a:t>* </a:t>
+            </a:r>
+            <a:r>
+              <a:rPr lang="de-DE" b="0" baseline="0" dirty="0" smtClean="0"/>
+              <a:t>(alle) geschrieben werden.</a:t>
+            </a:r>
+            <a:endParaRPr lang="de-DE" dirty="0"/>
+          </a:p>
+        </p:txBody>
+      </p:sp>
+      <p:sp>
+        <p:nvSpPr>
+          <p:cNvPr id="4" name="Foliennummernplatzhalter 3"/>
+          <p:cNvSpPr>
+            <a:spLocks noGrp="1"/>
+          </p:cNvSpPr>
+          <p:nvPr>
+            <p:ph type="sldNum" sz="quarter" idx="10"/>
+          </p:nvPr>
+        </p:nvSpPr>
+        <p:spPr/>
+        <p:txBody>
+          <a:bodyPr/>
+          <a:lstStyle/>
+          <a:p>
+            <a:fld id="{4A505144-3BC5-4B32-83CF-491494C34331}" type="slidenum">
+              <a:rPr lang="de-DE" smtClean="0"/>
+              <a:t>14</a:t>
+            </a:fld>
+            <a:endParaRPr lang="de-DE"/>
+          </a:p>
+        </p:txBody>
+      </p:sp>
+    </p:spTree>
+    <p:extLst>
+      <p:ext uri="{BB962C8B-B14F-4D97-AF65-F5344CB8AC3E}">
+        <p14:creationId xmlns:p14="http://schemas.microsoft.com/office/powerpoint/2010/main" val="1567232418"/>
+      </p:ext>
+    </p:extLst>
+  </p:cSld>
+  <p:clrMapOvr>
+    <a:masterClrMapping/>
+  </p:clrMapOvr>
+</p:notes>
+</file>
+
+<file path=ppt/notesSlides/notesSlide13.xml><?xml version="1.0" encoding="utf-8"?>
+<p:notes xmlns:a="http://schemas.openxmlformats.org/drawingml/2006/main" xmlns:r="http://schemas.openxmlformats.org/officeDocument/2006/relationships" xmlns:p="http://schemas.openxmlformats.org/presentationml/2006/main">
+  <p:cSld>
+    <p:spTree>
+      <p:nvGrpSpPr>
+        <p:cNvPr id="1" name=""/>
+        <p:cNvGrpSpPr/>
+        <p:nvPr/>
+      </p:nvGrpSpPr>
+      <p:grpSpPr>
+        <a:xfrm>
+          <a:off x="0" y="0"/>
+          <a:ext cx="0" cy="0"/>
+          <a:chOff x="0" y="0"/>
+          <a:chExt cx="0" cy="0"/>
+        </a:xfrm>
+      </p:grpSpPr>
+      <p:sp>
+        <p:nvSpPr>
+          <p:cNvPr id="2" name="Folienbildplatzhalter 1"/>
+          <p:cNvSpPr>
+            <a:spLocks noGrp="1" noRot="1" noChangeAspect="1"/>
+          </p:cNvSpPr>
+          <p:nvPr>
+            <p:ph type="sldImg"/>
+          </p:nvPr>
+        </p:nvSpPr>
+        <p:spPr/>
+      </p:sp>
+      <p:sp>
+        <p:nvSpPr>
+          <p:cNvPr id="3" name="Notizenplatzhalter 2"/>
+          <p:cNvSpPr>
+            <a:spLocks noGrp="1"/>
+          </p:cNvSpPr>
+          <p:nvPr>
+            <p:ph type="body" idx="1"/>
+          </p:nvPr>
+        </p:nvSpPr>
+        <p:spPr/>
+        <p:txBody>
+          <a:bodyPr/>
+          <a:lstStyle/>
+          <a:p>
+            <a:r>
+              <a:rPr lang="de-DE" dirty="0" smtClean="0"/>
+              <a:t>Nach dem</a:t>
+            </a:r>
+            <a:r>
+              <a:rPr lang="de-DE" baseline="0" dirty="0" smtClean="0"/>
+              <a:t> </a:t>
+            </a:r>
+            <a:r>
+              <a:rPr lang="de-DE" b="1" baseline="0" dirty="0" err="1" smtClean="0"/>
+              <a:t>rm</a:t>
+            </a:r>
+            <a:r>
+              <a:rPr lang="de-DE" b="1" baseline="0" dirty="0" smtClean="0"/>
+              <a:t> </a:t>
+            </a:r>
+            <a:r>
+              <a:rPr lang="de-DE" b="0" baseline="0" dirty="0" smtClean="0"/>
+              <a:t>oder </a:t>
+            </a:r>
+            <a:r>
+              <a:rPr lang="de-DE" b="1" baseline="0" dirty="0" err="1" smtClean="0"/>
+              <a:t>add</a:t>
+            </a:r>
+            <a:r>
+              <a:rPr lang="de-DE" b="1" baseline="0" dirty="0" smtClean="0"/>
+              <a:t> </a:t>
+            </a:r>
+            <a:r>
+              <a:rPr lang="de-DE" b="0" baseline="0" dirty="0" smtClean="0"/>
+              <a:t> befinden sich die markierten Dateien in der Zwischenebene (der </a:t>
+            </a:r>
+            <a:r>
+              <a:rPr lang="de-DE" b="0" baseline="0" dirty="0" err="1" smtClean="0"/>
+              <a:t>Stagingarea</a:t>
+            </a:r>
+            <a:r>
+              <a:rPr lang="de-DE" b="0" baseline="0" dirty="0" smtClean="0"/>
+              <a:t>)</a:t>
+            </a:r>
+          </a:p>
+          <a:p>
+            <a:endParaRPr lang="de-DE" b="0" baseline="0" dirty="0" smtClean="0"/>
+          </a:p>
+          <a:p>
+            <a:r>
+              <a:rPr lang="de-DE" b="0" baseline="0" dirty="0" smtClean="0"/>
+              <a:t>Mit dem Befehl </a:t>
+            </a:r>
+            <a:r>
+              <a:rPr lang="de-DE" b="1" baseline="0" dirty="0" err="1" smtClean="0"/>
+              <a:t>git</a:t>
+            </a:r>
+            <a:r>
+              <a:rPr lang="de-DE" b="1" baseline="0" dirty="0" smtClean="0"/>
+              <a:t> </a:t>
+            </a:r>
+            <a:r>
+              <a:rPr lang="de-DE" b="1" baseline="0" dirty="0" err="1" smtClean="0"/>
+              <a:t>commit</a:t>
+            </a:r>
+            <a:r>
+              <a:rPr lang="de-DE" b="1" baseline="0" dirty="0" smtClean="0"/>
+              <a:t> –m ‘Nachricht‘</a:t>
+            </a:r>
+            <a:r>
+              <a:rPr lang="de-DE" b="0" baseline="0" dirty="0" smtClean="0"/>
+              <a:t> werden die Änderungen übernommen und endgültig lokal gespeichert. Zudem wird ein neuer Hash generiert, welcher diesen Zeitpunkt wiederspiegelt.</a:t>
+            </a:r>
+          </a:p>
+          <a:p>
+            <a:endParaRPr lang="de-DE" b="0" baseline="0" dirty="0" smtClean="0"/>
+          </a:p>
+          <a:p>
+            <a:r>
+              <a:rPr lang="de-DE" b="0" baseline="0" dirty="0" smtClean="0"/>
+              <a:t>Mehrzeilige Kommentare sind möglich, indem das Hochkomma am Ende nicht geschlossen wird und erst nach Zeilenumbruch geschlossen wird</a:t>
+            </a:r>
+          </a:p>
+        </p:txBody>
+      </p:sp>
+      <p:sp>
+        <p:nvSpPr>
+          <p:cNvPr id="4" name="Foliennummernplatzhalter 3"/>
+          <p:cNvSpPr>
+            <a:spLocks noGrp="1"/>
+          </p:cNvSpPr>
+          <p:nvPr>
+            <p:ph type="sldNum" sz="quarter" idx="10"/>
+          </p:nvPr>
+        </p:nvSpPr>
+        <p:spPr/>
+        <p:txBody>
+          <a:bodyPr/>
+          <a:lstStyle/>
+          <a:p>
+            <a:fld id="{4A505144-3BC5-4B32-83CF-491494C34331}" type="slidenum">
+              <a:rPr lang="de-DE" smtClean="0"/>
+              <a:t>15</a:t>
+            </a:fld>
+            <a:endParaRPr lang="de-DE"/>
+          </a:p>
+        </p:txBody>
+      </p:sp>
+    </p:spTree>
+    <p:extLst>
+      <p:ext uri="{BB962C8B-B14F-4D97-AF65-F5344CB8AC3E}">
+        <p14:creationId xmlns:p14="http://schemas.microsoft.com/office/powerpoint/2010/main" val="2408658186"/>
+      </p:ext>
+    </p:extLst>
+  </p:cSld>
+  <p:clrMapOvr>
+    <a:masterClrMapping/>
+  </p:clrMapOvr>
+</p:notes>
+</file>
+
+<file path=ppt/notesSlides/notesSlide14.xml><?xml version="1.0" encoding="utf-8"?>
+<p:notes xmlns:a="http://schemas.openxmlformats.org/drawingml/2006/main" xmlns:r="http://schemas.openxmlformats.org/officeDocument/2006/relationships" xmlns:p="http://schemas.openxmlformats.org/presentationml/2006/main">
+  <p:cSld>
+    <p:spTree>
+      <p:nvGrpSpPr>
+        <p:cNvPr id="1" name=""/>
+        <p:cNvGrpSpPr/>
+        <p:nvPr/>
+      </p:nvGrpSpPr>
+      <p:grpSpPr>
+        <a:xfrm>
+          <a:off x="0" y="0"/>
+          <a:ext cx="0" cy="0"/>
+          <a:chOff x="0" y="0"/>
+          <a:chExt cx="0" cy="0"/>
+        </a:xfrm>
+      </p:grpSpPr>
+      <p:sp>
+        <p:nvSpPr>
+          <p:cNvPr id="2" name="Folienbildplatzhalter 1"/>
+          <p:cNvSpPr>
+            <a:spLocks noGrp="1" noRot="1" noChangeAspect="1"/>
+          </p:cNvSpPr>
+          <p:nvPr>
+            <p:ph type="sldImg"/>
+          </p:nvPr>
+        </p:nvSpPr>
+        <p:spPr/>
+      </p:sp>
+      <p:sp>
+        <p:nvSpPr>
+          <p:cNvPr id="3" name="Notizenplatzhalter 2"/>
+          <p:cNvSpPr>
+            <a:spLocks noGrp="1"/>
+          </p:cNvSpPr>
+          <p:nvPr>
+            <p:ph type="body" idx="1"/>
+          </p:nvPr>
+        </p:nvSpPr>
+        <p:spPr/>
+        <p:txBody>
+          <a:bodyPr/>
+          <a:lstStyle/>
+          <a:p>
+            <a:r>
+              <a:rPr lang="de-DE" dirty="0" smtClean="0"/>
+              <a:t>Mit</a:t>
+            </a:r>
+            <a:r>
+              <a:rPr lang="de-DE" baseline="0" dirty="0" smtClean="0"/>
+              <a:t> dem Befehl </a:t>
+            </a:r>
+            <a:r>
+              <a:rPr lang="de-DE" b="1" baseline="0" dirty="0" err="1" smtClean="0"/>
+              <a:t>git</a:t>
+            </a:r>
+            <a:r>
+              <a:rPr lang="de-DE" b="1" baseline="0" dirty="0" smtClean="0"/>
+              <a:t> push</a:t>
+            </a:r>
+            <a:r>
+              <a:rPr lang="de-DE" b="0" baseline="0" dirty="0" smtClean="0"/>
+              <a:t> werden die lokalen Änderungen auf den Server hochgeladen. Dafür gibt der Benutzer seinen Usernamen und Passwort für </a:t>
+            </a:r>
+            <a:r>
+              <a:rPr lang="de-DE" b="0" baseline="0" dirty="0" err="1" smtClean="0"/>
+              <a:t>GitHub</a:t>
+            </a:r>
+            <a:r>
+              <a:rPr lang="de-DE" b="0" baseline="0" dirty="0" smtClean="0"/>
+              <a:t> ein.</a:t>
+            </a:r>
+          </a:p>
+          <a:p>
+            <a:endParaRPr lang="de-DE" dirty="0"/>
+          </a:p>
+        </p:txBody>
+      </p:sp>
+      <p:sp>
+        <p:nvSpPr>
+          <p:cNvPr id="4" name="Foliennummernplatzhalter 3"/>
+          <p:cNvSpPr>
+            <a:spLocks noGrp="1"/>
+          </p:cNvSpPr>
+          <p:nvPr>
+            <p:ph type="sldNum" sz="quarter" idx="10"/>
+          </p:nvPr>
+        </p:nvSpPr>
+        <p:spPr/>
+        <p:txBody>
+          <a:bodyPr/>
+          <a:lstStyle/>
+          <a:p>
+            <a:fld id="{4A505144-3BC5-4B32-83CF-491494C34331}" type="slidenum">
+              <a:rPr lang="de-DE" smtClean="0"/>
+              <a:t>16</a:t>
+            </a:fld>
+            <a:endParaRPr lang="de-DE"/>
+          </a:p>
+        </p:txBody>
+      </p:sp>
+    </p:spTree>
+    <p:extLst>
+      <p:ext uri="{BB962C8B-B14F-4D97-AF65-F5344CB8AC3E}">
+        <p14:creationId xmlns:p14="http://schemas.microsoft.com/office/powerpoint/2010/main" val="2622053395"/>
+      </p:ext>
+    </p:extLst>
+  </p:cSld>
+  <p:clrMapOvr>
+    <a:masterClrMapping/>
+  </p:clrMapOvr>
+</p:notes>
+</file>
+
+<file path=ppt/notesSlides/notesSlide15.xml><?xml version="1.0" encoding="utf-8"?>
+<p:notes xmlns:a="http://schemas.openxmlformats.org/drawingml/2006/main" xmlns:r="http://schemas.openxmlformats.org/officeDocument/2006/relationships" xmlns:p="http://schemas.openxmlformats.org/presentationml/2006/main">
+  <p:cSld>
+    <p:spTree>
+      <p:nvGrpSpPr>
+        <p:cNvPr id="1" name=""/>
+        <p:cNvGrpSpPr/>
+        <p:nvPr/>
+      </p:nvGrpSpPr>
+      <p:grpSpPr>
+        <a:xfrm>
+          <a:off x="0" y="0"/>
+          <a:ext cx="0" cy="0"/>
+          <a:chOff x="0" y="0"/>
+          <a:chExt cx="0" cy="0"/>
+        </a:xfrm>
+      </p:grpSpPr>
+      <p:sp>
+        <p:nvSpPr>
+          <p:cNvPr id="2" name="Folienbildplatzhalter 1"/>
+          <p:cNvSpPr>
+            <a:spLocks noGrp="1" noRot="1" noChangeAspect="1"/>
+          </p:cNvSpPr>
+          <p:nvPr>
+            <p:ph type="sldImg"/>
+          </p:nvPr>
+        </p:nvSpPr>
+        <p:spPr/>
+      </p:sp>
+      <p:sp>
+        <p:nvSpPr>
+          <p:cNvPr id="3" name="Notizenplatzhalter 2"/>
+          <p:cNvSpPr>
+            <a:spLocks noGrp="1"/>
+          </p:cNvSpPr>
+          <p:nvPr>
+            <p:ph type="body" idx="1"/>
+          </p:nvPr>
+        </p:nvSpPr>
+        <p:spPr/>
+        <p:txBody>
+          <a:bodyPr/>
+          <a:lstStyle/>
+          <a:p>
+            <a:r>
+              <a:rPr lang="de-DE" dirty="0" smtClean="0"/>
+              <a:t>(Info:</a:t>
+            </a:r>
+            <a:r>
+              <a:rPr lang="de-DE" baseline="0" dirty="0" smtClean="0"/>
+              <a:t> Verwendete </a:t>
+            </a:r>
+            <a:r>
+              <a:rPr lang="de-DE" baseline="0" dirty="0" err="1" smtClean="0"/>
+              <a:t>IntelliJ</a:t>
+            </a:r>
+            <a:r>
+              <a:rPr lang="de-DE" baseline="0" dirty="0" smtClean="0"/>
+              <a:t> Version ist 14.1.5)</a:t>
+            </a:r>
+          </a:p>
+          <a:p>
+            <a:endParaRPr lang="de-DE" baseline="0" dirty="0" smtClean="0"/>
+          </a:p>
+          <a:p>
+            <a:r>
+              <a:rPr lang="de-DE" baseline="0" dirty="0" smtClean="0"/>
+              <a:t>Unter </a:t>
+            </a:r>
+            <a:r>
+              <a:rPr lang="de-DE" i="1" baseline="0" dirty="0" smtClean="0"/>
+              <a:t>File </a:t>
+            </a:r>
+            <a:r>
+              <a:rPr lang="de-DE" i="1" baseline="0" dirty="0" smtClean="0">
+                <a:sym typeface="Wingdings" panose="05000000000000000000" pitchFamily="2" charset="2"/>
+              </a:rPr>
+              <a:t> New  Project </a:t>
+            </a:r>
+            <a:r>
+              <a:rPr lang="de-DE" i="1" baseline="0" dirty="0" err="1" smtClean="0">
+                <a:sym typeface="Wingdings" panose="05000000000000000000" pitchFamily="2" charset="2"/>
+              </a:rPr>
+              <a:t>from</a:t>
+            </a:r>
+            <a:r>
+              <a:rPr lang="de-DE" i="1" baseline="0" dirty="0" smtClean="0">
+                <a:sym typeface="Wingdings" panose="05000000000000000000" pitchFamily="2" charset="2"/>
+              </a:rPr>
+              <a:t> Version Control  </a:t>
+            </a:r>
+            <a:r>
+              <a:rPr lang="de-DE" i="1" baseline="0" dirty="0" err="1" smtClean="0">
+                <a:sym typeface="Wingdings" panose="05000000000000000000" pitchFamily="2" charset="2"/>
+              </a:rPr>
+              <a:t>GitHub</a:t>
+            </a:r>
+            <a:r>
+              <a:rPr lang="de-DE" i="1" baseline="0" dirty="0" smtClean="0">
+                <a:sym typeface="Wingdings" panose="05000000000000000000" pitchFamily="2" charset="2"/>
+              </a:rPr>
+              <a:t>    </a:t>
+            </a:r>
+            <a:r>
+              <a:rPr lang="de-DE" i="0" baseline="0" dirty="0" smtClean="0">
+                <a:sym typeface="Wingdings" panose="05000000000000000000" pitchFamily="2" charset="2"/>
+              </a:rPr>
+              <a:t>kann ein neues Projekt in </a:t>
+            </a:r>
+            <a:r>
+              <a:rPr lang="de-DE" i="0" baseline="0" dirty="0" err="1" smtClean="0">
+                <a:sym typeface="Wingdings" panose="05000000000000000000" pitchFamily="2" charset="2"/>
+              </a:rPr>
+              <a:t>Intellij</a:t>
+            </a:r>
+            <a:r>
+              <a:rPr lang="de-DE" i="0" baseline="0" dirty="0" smtClean="0">
+                <a:sym typeface="Wingdings" panose="05000000000000000000" pitchFamily="2" charset="2"/>
+              </a:rPr>
+              <a:t> angebunden werden.</a:t>
+            </a:r>
+          </a:p>
+          <a:p>
+            <a:endParaRPr lang="de-DE" i="0" baseline="0" dirty="0" smtClean="0">
+              <a:sym typeface="Wingdings" panose="05000000000000000000" pitchFamily="2" charset="2"/>
+            </a:endParaRPr>
+          </a:p>
+          <a:p>
+            <a:endParaRPr lang="de-DE" i="1" dirty="0"/>
+          </a:p>
+        </p:txBody>
+      </p:sp>
+      <p:sp>
+        <p:nvSpPr>
+          <p:cNvPr id="4" name="Foliennummernplatzhalter 3"/>
+          <p:cNvSpPr>
+            <a:spLocks noGrp="1"/>
+          </p:cNvSpPr>
+          <p:nvPr>
+            <p:ph type="sldNum" sz="quarter" idx="10"/>
+          </p:nvPr>
+        </p:nvSpPr>
+        <p:spPr/>
+        <p:txBody>
+          <a:bodyPr/>
+          <a:lstStyle/>
+          <a:p>
+            <a:fld id="{4A505144-3BC5-4B32-83CF-491494C34331}" type="slidenum">
+              <a:rPr lang="de-DE" smtClean="0"/>
+              <a:t>17</a:t>
+            </a:fld>
+            <a:endParaRPr lang="de-DE"/>
+          </a:p>
+        </p:txBody>
+      </p:sp>
+    </p:spTree>
+    <p:extLst>
+      <p:ext uri="{BB962C8B-B14F-4D97-AF65-F5344CB8AC3E}">
+        <p14:creationId xmlns:p14="http://schemas.microsoft.com/office/powerpoint/2010/main" val="3788598351"/>
+      </p:ext>
+    </p:extLst>
+  </p:cSld>
+  <p:clrMapOvr>
+    <a:masterClrMapping/>
+  </p:clrMapOvr>
+</p:notes>
+</file>
+
+<file path=ppt/notesSlides/notesSlide16.xml><?xml version="1.0" encoding="utf-8"?>
+<p:notes xmlns:a="http://schemas.openxmlformats.org/drawingml/2006/main" xmlns:r="http://schemas.openxmlformats.org/officeDocument/2006/relationships" xmlns:p="http://schemas.openxmlformats.org/presentationml/2006/main">
+  <p:cSld>
+    <p:spTree>
+      <p:nvGrpSpPr>
+        <p:cNvPr id="1" name=""/>
+        <p:cNvGrpSpPr/>
+        <p:nvPr/>
+      </p:nvGrpSpPr>
+      <p:grpSpPr>
+        <a:xfrm>
+          <a:off x="0" y="0"/>
+          <a:ext cx="0" cy="0"/>
+          <a:chOff x="0" y="0"/>
+          <a:chExt cx="0" cy="0"/>
+        </a:xfrm>
+      </p:grpSpPr>
+      <p:sp>
+        <p:nvSpPr>
+          <p:cNvPr id="2" name="Folienbildplatzhalter 1"/>
+          <p:cNvSpPr>
+            <a:spLocks noGrp="1" noRot="1" noChangeAspect="1"/>
+          </p:cNvSpPr>
+          <p:nvPr>
+            <p:ph type="sldImg"/>
+          </p:nvPr>
+        </p:nvSpPr>
+        <p:spPr/>
+      </p:sp>
+      <p:sp>
+        <p:nvSpPr>
+          <p:cNvPr id="3" name="Notizenplatzhalter 2"/>
+          <p:cNvSpPr>
+            <a:spLocks noGrp="1"/>
+          </p:cNvSpPr>
+          <p:nvPr>
+            <p:ph type="body" idx="1"/>
+          </p:nvPr>
+        </p:nvSpPr>
+        <p:spPr/>
+        <p:txBody>
+          <a:bodyPr/>
+          <a:lstStyle/>
+          <a:p>
+            <a:r>
+              <a:rPr lang="de-DE" dirty="0" smtClean="0"/>
+              <a:t>Daraufhin</a:t>
+            </a:r>
+            <a:r>
+              <a:rPr lang="de-DE" baseline="0" dirty="0" smtClean="0"/>
+              <a:t> folgt ein Dialog, in dem der Benutzer seinen Benutzernamen und Passwort von </a:t>
+            </a:r>
+            <a:r>
+              <a:rPr lang="de-DE" baseline="0" dirty="0" err="1" smtClean="0"/>
+              <a:t>GitHub</a:t>
+            </a:r>
+            <a:r>
+              <a:rPr lang="de-DE" baseline="0" dirty="0" smtClean="0"/>
+              <a:t> einträgt. </a:t>
+            </a:r>
+          </a:p>
+          <a:p>
+            <a:r>
+              <a:rPr lang="de-DE" baseline="0" dirty="0" smtClean="0"/>
+              <a:t>Ist der Haken bei „Save </a:t>
+            </a:r>
+            <a:r>
+              <a:rPr lang="de-DE" baseline="0" dirty="0" err="1" smtClean="0"/>
+              <a:t>password</a:t>
+            </a:r>
+            <a:r>
+              <a:rPr lang="de-DE" baseline="0" dirty="0" smtClean="0"/>
+              <a:t>“ gesetzt, verlangt </a:t>
+            </a:r>
+            <a:r>
+              <a:rPr lang="de-DE" baseline="0" dirty="0" err="1" smtClean="0"/>
+              <a:t>IntelliJ</a:t>
+            </a:r>
+            <a:r>
+              <a:rPr lang="de-DE" baseline="0" dirty="0" smtClean="0"/>
+              <a:t> ein sogenanntes „Master Password“ zu setzten, damit ohne </a:t>
+            </a:r>
+            <a:r>
+              <a:rPr lang="de-DE" baseline="0" dirty="0" err="1" smtClean="0"/>
+              <a:t>anmeldung</a:t>
+            </a:r>
+            <a:r>
+              <a:rPr lang="de-DE" baseline="0" dirty="0" smtClean="0"/>
+              <a:t> an </a:t>
+            </a:r>
+            <a:r>
+              <a:rPr lang="de-DE" baseline="0" dirty="0" err="1" smtClean="0"/>
+              <a:t>GitHub</a:t>
+            </a:r>
+            <a:r>
+              <a:rPr lang="de-DE" baseline="0" dirty="0" smtClean="0"/>
+              <a:t> ein Push bzw. Pull möglich ist.</a:t>
+            </a:r>
+            <a:endParaRPr lang="de-DE" dirty="0"/>
+          </a:p>
+        </p:txBody>
+      </p:sp>
+      <p:sp>
+        <p:nvSpPr>
+          <p:cNvPr id="4" name="Foliennummernplatzhalter 3"/>
+          <p:cNvSpPr>
+            <a:spLocks noGrp="1"/>
+          </p:cNvSpPr>
+          <p:nvPr>
+            <p:ph type="sldNum" sz="quarter" idx="10"/>
+          </p:nvPr>
+        </p:nvSpPr>
+        <p:spPr/>
+        <p:txBody>
+          <a:bodyPr/>
+          <a:lstStyle/>
+          <a:p>
+            <a:fld id="{4A505144-3BC5-4B32-83CF-491494C34331}" type="slidenum">
+              <a:rPr lang="de-DE" smtClean="0"/>
+              <a:t>18</a:t>
+            </a:fld>
+            <a:endParaRPr lang="de-DE"/>
+          </a:p>
+        </p:txBody>
+      </p:sp>
+    </p:spTree>
+    <p:extLst>
+      <p:ext uri="{BB962C8B-B14F-4D97-AF65-F5344CB8AC3E}">
+        <p14:creationId xmlns:p14="http://schemas.microsoft.com/office/powerpoint/2010/main" val="387841210"/>
+      </p:ext>
+    </p:extLst>
+  </p:cSld>
+  <p:clrMapOvr>
+    <a:masterClrMapping/>
+  </p:clrMapOvr>
+</p:notes>
+</file>
+
+<file path=ppt/notesSlides/notesSlide17.xml><?xml version="1.0" encoding="utf-8"?>
+<p:notes xmlns:a="http://schemas.openxmlformats.org/drawingml/2006/main" xmlns:r="http://schemas.openxmlformats.org/officeDocument/2006/relationships" xmlns:p="http://schemas.openxmlformats.org/presentationml/2006/main">
+  <p:cSld>
+    <p:spTree>
+      <p:nvGrpSpPr>
+        <p:cNvPr id="1" name=""/>
+        <p:cNvGrpSpPr/>
+        <p:nvPr/>
+      </p:nvGrpSpPr>
+      <p:grpSpPr>
+        <a:xfrm>
+          <a:off x="0" y="0"/>
+          <a:ext cx="0" cy="0"/>
+          <a:chOff x="0" y="0"/>
+          <a:chExt cx="0" cy="0"/>
+        </a:xfrm>
+      </p:grpSpPr>
+      <p:sp>
+        <p:nvSpPr>
+          <p:cNvPr id="2" name="Folienbildplatzhalter 1"/>
+          <p:cNvSpPr>
+            <a:spLocks noGrp="1" noRot="1" noChangeAspect="1"/>
+          </p:cNvSpPr>
+          <p:nvPr>
+            <p:ph type="sldImg"/>
+          </p:nvPr>
+        </p:nvSpPr>
+        <p:spPr/>
+      </p:sp>
+      <p:sp>
+        <p:nvSpPr>
+          <p:cNvPr id="3" name="Notizenplatzhalter 2"/>
+          <p:cNvSpPr>
+            <a:spLocks noGrp="1"/>
+          </p:cNvSpPr>
+          <p:nvPr>
+            <p:ph type="body" idx="1"/>
+          </p:nvPr>
+        </p:nvSpPr>
+        <p:spPr/>
+        <p:txBody>
+          <a:bodyPr/>
+          <a:lstStyle/>
+          <a:p>
+            <a:r>
+              <a:rPr lang="de-DE" dirty="0" smtClean="0"/>
+              <a:t>Zu erst sollte</a:t>
+            </a:r>
+            <a:r>
+              <a:rPr lang="de-DE" baseline="0" dirty="0" smtClean="0"/>
+              <a:t> das Repository in irgendeinem Verzeichnis (lokal) </a:t>
+            </a:r>
+            <a:r>
+              <a:rPr lang="de-DE" baseline="0" dirty="0" err="1" smtClean="0"/>
+              <a:t>gecloned</a:t>
+            </a:r>
+            <a:r>
+              <a:rPr lang="de-DE" baseline="0" dirty="0" smtClean="0"/>
+              <a:t> sein, damit </a:t>
+            </a:r>
+            <a:r>
+              <a:rPr lang="de-DE" baseline="0" dirty="0" err="1" smtClean="0"/>
+              <a:t>IntelliJ</a:t>
+            </a:r>
+            <a:r>
+              <a:rPr lang="de-DE" baseline="0" dirty="0" smtClean="0"/>
+              <a:t> auf die lokale Version zugreifen kann.</a:t>
+            </a:r>
+          </a:p>
+          <a:p>
+            <a:r>
+              <a:rPr lang="de-DE" baseline="0" dirty="0" err="1" smtClean="0"/>
+              <a:t>IntelliJ</a:t>
+            </a:r>
+            <a:r>
+              <a:rPr lang="de-DE" baseline="0" dirty="0" smtClean="0"/>
+              <a:t> zeigt in dem </a:t>
+            </a:r>
+            <a:r>
+              <a:rPr lang="de-DE" baseline="0" dirty="0" err="1" smtClean="0"/>
+              <a:t>DropDown</a:t>
+            </a:r>
+            <a:r>
+              <a:rPr lang="de-DE" baseline="0" dirty="0" smtClean="0"/>
+              <a:t> Menu alle </a:t>
+            </a:r>
+            <a:r>
+              <a:rPr lang="de-DE" baseline="0" dirty="0" err="1" smtClean="0"/>
+              <a:t>Git-Repositories</a:t>
+            </a:r>
+            <a:r>
+              <a:rPr lang="de-DE" baseline="0" dirty="0" smtClean="0"/>
+              <a:t> die lokal vorhanden sind. </a:t>
+            </a:r>
+          </a:p>
+          <a:p>
+            <a:endParaRPr lang="de-DE" baseline="0" dirty="0" smtClean="0"/>
+          </a:p>
+          <a:p>
+            <a:r>
+              <a:rPr lang="de-DE" baseline="0" dirty="0" smtClean="0"/>
+              <a:t>Parent Directory: Das Verzeichnis, wo </a:t>
+            </a:r>
+            <a:r>
+              <a:rPr lang="de-DE" baseline="0" dirty="0" err="1" smtClean="0"/>
+              <a:t>IntelliJ</a:t>
+            </a:r>
+            <a:r>
+              <a:rPr lang="de-DE" baseline="0" dirty="0" smtClean="0"/>
+              <a:t> sein „Workspace“ ablegen soll.</a:t>
+            </a:r>
+          </a:p>
+          <a:p>
+            <a:endParaRPr lang="de-DE" dirty="0"/>
+          </a:p>
+        </p:txBody>
+      </p:sp>
+      <p:sp>
+        <p:nvSpPr>
+          <p:cNvPr id="4" name="Foliennummernplatzhalter 3"/>
+          <p:cNvSpPr>
+            <a:spLocks noGrp="1"/>
+          </p:cNvSpPr>
+          <p:nvPr>
+            <p:ph type="sldNum" sz="quarter" idx="10"/>
+          </p:nvPr>
+        </p:nvSpPr>
+        <p:spPr/>
+        <p:txBody>
+          <a:bodyPr/>
+          <a:lstStyle/>
+          <a:p>
+            <a:fld id="{4A505144-3BC5-4B32-83CF-491494C34331}" type="slidenum">
+              <a:rPr lang="de-DE" smtClean="0"/>
+              <a:t>19</a:t>
+            </a:fld>
+            <a:endParaRPr lang="de-DE"/>
+          </a:p>
+        </p:txBody>
+      </p:sp>
+    </p:spTree>
+    <p:extLst>
+      <p:ext uri="{BB962C8B-B14F-4D97-AF65-F5344CB8AC3E}">
+        <p14:creationId xmlns:p14="http://schemas.microsoft.com/office/powerpoint/2010/main" val="1054882133"/>
+      </p:ext>
+    </p:extLst>
+  </p:cSld>
+  <p:clrMapOvr>
+    <a:masterClrMapping/>
+  </p:clrMapOvr>
+</p:notes>
+</file>
+
+<file path=ppt/notesSlides/notesSlide18.xml><?xml version="1.0" encoding="utf-8"?>
+<p:notes xmlns:a="http://schemas.openxmlformats.org/drawingml/2006/main" xmlns:r="http://schemas.openxmlformats.org/officeDocument/2006/relationships" xmlns:p="http://schemas.openxmlformats.org/presentationml/2006/main">
+  <p:cSld>
+    <p:spTree>
+      <p:nvGrpSpPr>
+        <p:cNvPr id="1" name=""/>
+        <p:cNvGrpSpPr/>
+        <p:nvPr/>
+      </p:nvGrpSpPr>
+      <p:grpSpPr>
+        <a:xfrm>
+          <a:off x="0" y="0"/>
+          <a:ext cx="0" cy="0"/>
+          <a:chOff x="0" y="0"/>
+          <a:chExt cx="0" cy="0"/>
+        </a:xfrm>
+      </p:grpSpPr>
+      <p:sp>
+        <p:nvSpPr>
+          <p:cNvPr id="2" name="Folienbildplatzhalter 1"/>
+          <p:cNvSpPr>
+            <a:spLocks noGrp="1" noRot="1" noChangeAspect="1"/>
+          </p:cNvSpPr>
+          <p:nvPr>
+            <p:ph type="sldImg"/>
+          </p:nvPr>
+        </p:nvSpPr>
+        <p:spPr/>
+      </p:sp>
+      <p:sp>
+        <p:nvSpPr>
+          <p:cNvPr id="3" name="Notizenplatzhalter 2"/>
+          <p:cNvSpPr>
+            <a:spLocks noGrp="1"/>
+          </p:cNvSpPr>
+          <p:nvPr>
+            <p:ph type="body" idx="1"/>
+          </p:nvPr>
+        </p:nvSpPr>
+        <p:spPr/>
+        <p:txBody>
+          <a:bodyPr/>
+          <a:lstStyle/>
+          <a:p>
+            <a:r>
+              <a:rPr lang="de-DE" dirty="0" smtClean="0"/>
+              <a:t>Nach erfolgreichem Einbinden</a:t>
+            </a:r>
+            <a:r>
+              <a:rPr lang="de-DE" baseline="0" dirty="0" smtClean="0"/>
+              <a:t> erscheint im Menu (bspw. Rechtsklick in </a:t>
+            </a:r>
+            <a:r>
+              <a:rPr lang="de-DE" baseline="0" dirty="0" err="1" smtClean="0"/>
+              <a:t>Intellij</a:t>
+            </a:r>
+            <a:r>
+              <a:rPr lang="de-DE" baseline="0" dirty="0" smtClean="0"/>
+              <a:t>) der Unterpunkt: </a:t>
+            </a:r>
+            <a:r>
+              <a:rPr lang="de-DE" baseline="0" dirty="0" err="1" smtClean="0"/>
+              <a:t>Git</a:t>
+            </a:r>
+            <a:endParaRPr lang="de-DE" baseline="0" dirty="0" smtClean="0"/>
+          </a:p>
+          <a:p>
+            <a:endParaRPr lang="de-DE" baseline="0" dirty="0" smtClean="0"/>
+          </a:p>
+          <a:p>
+            <a:r>
+              <a:rPr lang="de-DE" baseline="0" dirty="0" smtClean="0"/>
+              <a:t>Dort können die veränderten Files </a:t>
+            </a:r>
+            <a:r>
+              <a:rPr lang="de-DE" b="0" baseline="0" dirty="0" err="1" smtClean="0"/>
+              <a:t>ge</a:t>
+            </a:r>
+            <a:r>
+              <a:rPr lang="de-DE" b="1" baseline="0" dirty="0" err="1" smtClean="0"/>
+              <a:t>add</a:t>
+            </a:r>
+            <a:r>
+              <a:rPr lang="de-DE" b="0" baseline="0" dirty="0" err="1" smtClean="0"/>
+              <a:t>ed</a:t>
+            </a:r>
+            <a:r>
+              <a:rPr lang="de-DE" b="0" baseline="0" dirty="0" smtClean="0"/>
+              <a:t> und </a:t>
+            </a:r>
+            <a:r>
+              <a:rPr lang="de-DE" b="1" baseline="0" dirty="0" err="1" smtClean="0"/>
+              <a:t>commit</a:t>
+            </a:r>
+            <a:r>
+              <a:rPr lang="de-DE" b="0" baseline="0" dirty="0" err="1" smtClean="0"/>
+              <a:t>ed</a:t>
+            </a:r>
+            <a:r>
+              <a:rPr lang="de-DE" b="0" baseline="0" dirty="0" smtClean="0"/>
+              <a:t>. Zudem gibt es weitere Funktionen, wie bspw.: Show </a:t>
+            </a:r>
+            <a:r>
+              <a:rPr lang="de-DE" b="0" baseline="0" dirty="0" err="1" smtClean="0"/>
+              <a:t>History</a:t>
+            </a:r>
+            <a:r>
+              <a:rPr lang="de-DE" b="0" baseline="0" dirty="0" smtClean="0"/>
+              <a:t>, </a:t>
+            </a:r>
+            <a:r>
+              <a:rPr lang="de-DE" b="0" baseline="0" dirty="0" err="1" smtClean="0"/>
+              <a:t>Compare</a:t>
+            </a:r>
+            <a:r>
+              <a:rPr lang="de-DE" b="0" baseline="0" dirty="0" smtClean="0"/>
+              <a:t> </a:t>
+            </a:r>
+            <a:r>
+              <a:rPr lang="de-DE" b="0" baseline="0" dirty="0" err="1" smtClean="0"/>
+              <a:t>with</a:t>
+            </a:r>
+            <a:r>
+              <a:rPr lang="de-DE" b="0" baseline="0" dirty="0" smtClean="0"/>
+              <a:t> </a:t>
+            </a:r>
+            <a:r>
+              <a:rPr lang="de-DE" b="0" baseline="0" dirty="0" err="1" smtClean="0"/>
+              <a:t>Branch</a:t>
+            </a:r>
+            <a:r>
+              <a:rPr lang="de-DE" b="0" baseline="0" dirty="0" smtClean="0"/>
+              <a:t>, …</a:t>
+            </a:r>
+          </a:p>
+          <a:p>
+            <a:endParaRPr lang="de-DE" b="0" baseline="0" dirty="0" smtClean="0"/>
+          </a:p>
+          <a:p>
+            <a:endParaRPr lang="de-DE" dirty="0"/>
+          </a:p>
+        </p:txBody>
+      </p:sp>
+      <p:sp>
+        <p:nvSpPr>
+          <p:cNvPr id="4" name="Foliennummernplatzhalter 3"/>
+          <p:cNvSpPr>
+            <a:spLocks noGrp="1"/>
+          </p:cNvSpPr>
+          <p:nvPr>
+            <p:ph type="sldNum" sz="quarter" idx="10"/>
+          </p:nvPr>
+        </p:nvSpPr>
+        <p:spPr/>
+        <p:txBody>
+          <a:bodyPr/>
+          <a:lstStyle/>
+          <a:p>
+            <a:fld id="{4A505144-3BC5-4B32-83CF-491494C34331}" type="slidenum">
+              <a:rPr lang="de-DE" smtClean="0"/>
+              <a:t>20</a:t>
+            </a:fld>
+            <a:endParaRPr lang="de-DE"/>
+          </a:p>
+        </p:txBody>
+      </p:sp>
+    </p:spTree>
+    <p:extLst>
+      <p:ext uri="{BB962C8B-B14F-4D97-AF65-F5344CB8AC3E}">
+        <p14:creationId xmlns:p14="http://schemas.microsoft.com/office/powerpoint/2010/main" val="3001496884"/>
+      </p:ext>
+    </p:extLst>
+  </p:cSld>
+  <p:clrMapOvr>
+    <a:masterClrMapping/>
+  </p:clrMapOvr>
+</p:notes>
+</file>
+
 <file path=ppt/notesSlides/notesSlide2.xml><?xml version="1.0" encoding="utf-8"?>
 <p:notes xmlns:a="http://schemas.openxmlformats.org/drawingml/2006/main" xmlns:r="http://schemas.openxmlformats.org/officeDocument/2006/relationships" xmlns:p="http://schemas.openxmlformats.org/presentationml/2006/main">
   <p:cSld>
@@ -626,6 +2068,63 @@
           <a:bodyPr/>
           <a:lstStyle/>
           <a:p>
+            <a:r>
+              <a:rPr lang="de-DE" dirty="0" smtClean="0"/>
+              <a:t>Roter Bereich:</a:t>
+            </a:r>
+          </a:p>
+          <a:p>
+            <a:r>
+              <a:rPr lang="de-DE" dirty="0" smtClean="0"/>
+              <a:t>Benutzer klickt oben auf das</a:t>
+            </a:r>
+            <a:r>
+              <a:rPr lang="de-DE" baseline="0" dirty="0" smtClean="0"/>
+              <a:t> (plus) Symbol. Es öffnet sich ein </a:t>
+            </a:r>
+            <a:r>
+              <a:rPr lang="de-DE" baseline="0" dirty="0" err="1" smtClean="0"/>
+              <a:t>DropDown</a:t>
+            </a:r>
+            <a:r>
+              <a:rPr lang="de-DE" baseline="0" dirty="0" smtClean="0"/>
+              <a:t>-Menu in dem der Benutzer auf „New </a:t>
+            </a:r>
+            <a:r>
+              <a:rPr lang="de-DE" baseline="0" dirty="0" err="1" smtClean="0"/>
+              <a:t>repository</a:t>
+            </a:r>
+            <a:r>
+              <a:rPr lang="de-DE" baseline="0" dirty="0" smtClean="0"/>
+              <a:t>“ klicken kann.</a:t>
+            </a:r>
+          </a:p>
+          <a:p>
+            <a:endParaRPr lang="de-DE" baseline="0" dirty="0" smtClean="0"/>
+          </a:p>
+          <a:p>
+            <a:r>
+              <a:rPr lang="de-DE" dirty="0" smtClean="0"/>
+              <a:t>Gelber</a:t>
+            </a:r>
+            <a:r>
+              <a:rPr lang="de-DE" baseline="0" dirty="0" smtClean="0"/>
+              <a:t> Bereich: </a:t>
+            </a:r>
+          </a:p>
+          <a:p>
+            <a:r>
+              <a:rPr lang="de-DE" baseline="0" dirty="0" smtClean="0"/>
+              <a:t>Auflistung aller Veröffentlichungen, </a:t>
+            </a:r>
+            <a:r>
+              <a:rPr lang="de-DE" baseline="0" dirty="0" err="1" smtClean="0"/>
+              <a:t>Repository‘s</a:t>
+            </a:r>
+            <a:r>
+              <a:rPr lang="de-DE" baseline="0" dirty="0" smtClean="0"/>
+              <a:t> und Öffentlicher Aktivität.</a:t>
+            </a:r>
             <a:endParaRPr lang="de-DE" dirty="0"/>
           </a:p>
         </p:txBody>
@@ -710,6 +2209,162 @@
           <a:bodyPr/>
           <a:lstStyle/>
           <a:p>
+            <a:r>
+              <a:rPr lang="de-DE" dirty="0" smtClean="0"/>
+              <a:t>Nach dem Klick auf „New Repository“ öffnet</a:t>
+            </a:r>
+            <a:r>
+              <a:rPr lang="de-DE" baseline="0" dirty="0" smtClean="0"/>
+              <a:t> sich dieses Formular.</a:t>
+            </a:r>
+          </a:p>
+          <a:p>
+            <a:endParaRPr lang="de-DE" baseline="0" dirty="0" smtClean="0"/>
+          </a:p>
+          <a:p>
+            <a:r>
+              <a:rPr lang="de-DE" baseline="0" dirty="0" smtClean="0"/>
+              <a:t>Roter Bereich:</a:t>
+            </a:r>
+          </a:p>
+          <a:p>
+            <a:r>
+              <a:rPr lang="de-DE" baseline="0" dirty="0" err="1" smtClean="0"/>
+              <a:t>Owner</a:t>
+            </a:r>
+            <a:r>
+              <a:rPr lang="de-DE" baseline="0" dirty="0" smtClean="0"/>
+              <a:t>: aktuell angemeldete Person (ggf. falls eine Organisation existiert kann diese auch gewählt werden)</a:t>
+            </a:r>
+          </a:p>
+          <a:p>
+            <a:r>
+              <a:rPr lang="de-DE" baseline="0" dirty="0" smtClean="0"/>
+              <a:t>Repository Name: Name des </a:t>
+            </a:r>
+            <a:r>
+              <a:rPr lang="de-DE" baseline="0" dirty="0" err="1" smtClean="0"/>
+              <a:t>Repository‘s</a:t>
+            </a:r>
+            <a:r>
+              <a:rPr lang="de-DE" baseline="0" dirty="0" smtClean="0"/>
+              <a:t>, Leerzeichen werden durch „-“ ersetzt.</a:t>
+            </a:r>
+          </a:p>
+          <a:p>
+            <a:endParaRPr lang="de-DE" baseline="0" dirty="0" smtClean="0"/>
+          </a:p>
+          <a:p>
+            <a:r>
+              <a:rPr lang="de-DE" baseline="0" dirty="0" smtClean="0"/>
+              <a:t>Blauer Bereich:</a:t>
+            </a:r>
+          </a:p>
+          <a:p>
+            <a:r>
+              <a:rPr lang="de-DE" baseline="0" dirty="0" smtClean="0"/>
+              <a:t>Description: optionale Beschreibung des </a:t>
+            </a:r>
+            <a:r>
+              <a:rPr lang="de-DE" baseline="0" dirty="0" err="1" smtClean="0"/>
+              <a:t>Repository‘s</a:t>
+            </a:r>
+            <a:r>
+              <a:rPr lang="de-DE" baseline="0" dirty="0" smtClean="0"/>
+              <a:t>. Diese Beschreibung erscheint bei der Übersicht der </a:t>
+            </a:r>
+            <a:r>
+              <a:rPr lang="de-DE" baseline="0" dirty="0" err="1" smtClean="0"/>
+              <a:t>Repository‘s</a:t>
+            </a:r>
+            <a:endParaRPr lang="de-DE" baseline="0" dirty="0" smtClean="0"/>
+          </a:p>
+          <a:p>
+            <a:endParaRPr lang="de-DE" baseline="0" dirty="0" smtClean="0"/>
+          </a:p>
+          <a:p>
+            <a:r>
+              <a:rPr lang="de-DE" baseline="0" dirty="0" smtClean="0"/>
+              <a:t>Grüner Bereich:</a:t>
+            </a:r>
+          </a:p>
+          <a:p>
+            <a:r>
+              <a:rPr lang="de-DE" baseline="0" dirty="0" smtClean="0"/>
+              <a:t>Die Auswahl: Public oder Private (private ist nur möglich, falls kostenpflichtige Version</a:t>
+            </a:r>
+          </a:p>
+          <a:p>
+            <a:endParaRPr lang="de-DE" baseline="0" dirty="0" smtClean="0"/>
+          </a:p>
+          <a:p>
+            <a:r>
+              <a:rPr lang="de-DE" baseline="0" dirty="0" smtClean="0"/>
+              <a:t>Schwarzer Bereich:</a:t>
+            </a:r>
+          </a:p>
+          <a:p>
+            <a:r>
+              <a:rPr lang="de-DE" dirty="0" smtClean="0"/>
+              <a:t>Initialize </a:t>
+            </a:r>
+            <a:r>
+              <a:rPr lang="de-DE" dirty="0" err="1" smtClean="0"/>
+              <a:t>with</a:t>
+            </a:r>
+            <a:r>
+              <a:rPr lang="de-DE" dirty="0" smtClean="0"/>
+              <a:t> a README: Ist eine .md Datei die</a:t>
+            </a:r>
+            <a:r>
+              <a:rPr lang="de-DE" baseline="0" dirty="0" smtClean="0"/>
+              <a:t> wichtige Informationen über das Projekt beinhaltet.</a:t>
+            </a:r>
+          </a:p>
+          <a:p>
+            <a:endParaRPr lang="de-DE" baseline="0" dirty="0" smtClean="0"/>
+          </a:p>
+          <a:p>
+            <a:r>
+              <a:rPr lang="de-DE" baseline="0" dirty="0" smtClean="0"/>
+              <a:t>Gelber Bereich:</a:t>
+            </a:r>
+          </a:p>
+          <a:p>
+            <a:r>
+              <a:rPr lang="de-DE" baseline="0" dirty="0" smtClean="0"/>
+              <a:t>Add </a:t>
+            </a:r>
+            <a:r>
+              <a:rPr lang="de-DE" baseline="0" dirty="0" err="1" smtClean="0"/>
+              <a:t>gitignore</a:t>
+            </a:r>
+            <a:r>
+              <a:rPr lang="de-DE" baseline="0" dirty="0" smtClean="0"/>
+              <a:t>: In dieser Datei können Dateitypen (bspw. C, Java, …) angekreuzt werden die beim Push, Pull, Commit ignoriert werden.</a:t>
+            </a:r>
+          </a:p>
+          <a:p>
+            <a:r>
+              <a:rPr lang="de-DE" baseline="0" dirty="0" smtClean="0"/>
+              <a:t>Add </a:t>
+            </a:r>
+            <a:r>
+              <a:rPr lang="de-DE" baseline="0" dirty="0" err="1" smtClean="0"/>
+              <a:t>license</a:t>
+            </a:r>
+            <a:r>
+              <a:rPr lang="de-DE" baseline="0" dirty="0" smtClean="0"/>
+              <a:t>: Hinzufügen von Lizenzen aus </a:t>
+            </a:r>
+            <a:r>
+              <a:rPr lang="de-DE" baseline="0" dirty="0" err="1" smtClean="0"/>
+              <a:t>DropDown</a:t>
+            </a:r>
+            <a:r>
+              <a:rPr lang="de-DE" baseline="0" dirty="0" smtClean="0"/>
+              <a:t>-Menu</a:t>
+            </a:r>
             <a:endParaRPr lang="de-DE" dirty="0"/>
           </a:p>
         </p:txBody>
@@ -794,7 +2449,117 @@
           <a:bodyPr/>
           <a:lstStyle/>
           <a:p>
-            <a:endParaRPr lang="de-DE" dirty="0"/>
+            <a:r>
+              <a:rPr lang="de-DE" dirty="0" smtClean="0"/>
+              <a:t>Fertige Ansicht</a:t>
+            </a:r>
+            <a:r>
+              <a:rPr lang="de-DE" baseline="0" dirty="0" smtClean="0"/>
+              <a:t> eines erstellten </a:t>
+            </a:r>
+            <a:r>
+              <a:rPr lang="de-DE" baseline="0" dirty="0" err="1" smtClean="0"/>
+              <a:t>Repository‘s</a:t>
+            </a:r>
+            <a:r>
+              <a:rPr lang="de-DE" baseline="0" dirty="0" smtClean="0"/>
+              <a:t> </a:t>
+            </a:r>
+          </a:p>
+          <a:p>
+            <a:endParaRPr lang="de-DE" baseline="0" dirty="0" smtClean="0"/>
+          </a:p>
+          <a:p>
+            <a:r>
+              <a:rPr lang="de-DE" baseline="0" dirty="0" smtClean="0"/>
+              <a:t>Roter Bereich: Auswahl des </a:t>
+            </a:r>
+            <a:r>
+              <a:rPr lang="de-DE" baseline="0" dirty="0" err="1" smtClean="0"/>
+              <a:t>Branches</a:t>
+            </a:r>
+            <a:r>
+              <a:rPr lang="de-DE" baseline="0" dirty="0" smtClean="0"/>
+              <a:t>. Standardmäßig ist der master-</a:t>
+            </a:r>
+            <a:r>
+              <a:rPr lang="de-DE" baseline="0" dirty="0" err="1" smtClean="0"/>
+              <a:t>branch</a:t>
+            </a:r>
+            <a:r>
+              <a:rPr lang="de-DE" baseline="0" dirty="0" smtClean="0"/>
+              <a:t> ausgewählt. Dort können über </a:t>
+            </a:r>
+            <a:r>
+              <a:rPr lang="de-DE" baseline="0" dirty="0" err="1" smtClean="0"/>
+              <a:t>GitHub</a:t>
+            </a:r>
+            <a:r>
+              <a:rPr lang="de-DE" baseline="0" dirty="0" smtClean="0"/>
+              <a:t> weitere </a:t>
+            </a:r>
+            <a:r>
+              <a:rPr lang="de-DE" baseline="0" dirty="0" err="1" smtClean="0"/>
+              <a:t>Branches</a:t>
+            </a:r>
+            <a:r>
+              <a:rPr lang="de-DE" baseline="0" dirty="0" smtClean="0"/>
+              <a:t> erstellt werden.</a:t>
+            </a:r>
+          </a:p>
+          <a:p>
+            <a:r>
+              <a:rPr lang="de-DE" baseline="0" dirty="0" smtClean="0"/>
+              <a:t/>
+            </a:r>
+            <a:br>
+              <a:rPr lang="de-DE" baseline="0" dirty="0" smtClean="0"/>
+            </a:br>
+            <a:r>
+              <a:rPr lang="de-DE" baseline="0" dirty="0" smtClean="0"/>
+              <a:t>Schwarzer Bereich: Inhalt des </a:t>
+            </a:r>
+            <a:r>
+              <a:rPr lang="de-DE" baseline="0" dirty="0" err="1" smtClean="0"/>
+              <a:t>Repository‘s</a:t>
+            </a:r>
+            <a:endParaRPr lang="de-DE" baseline="0" dirty="0" smtClean="0"/>
+          </a:p>
+          <a:p>
+            <a:endParaRPr lang="de-DE" baseline="0" dirty="0" smtClean="0"/>
+          </a:p>
+          <a:p>
+            <a:r>
+              <a:rPr lang="de-DE" baseline="0" dirty="0" smtClean="0"/>
+              <a:t>Gelber Bereich: Vorschau der ausgewählten Datei (falls möglich)</a:t>
+            </a:r>
+          </a:p>
+          <a:p>
+            <a:endParaRPr lang="de-DE" baseline="0" dirty="0" smtClean="0"/>
+          </a:p>
+          <a:p>
+            <a:r>
+              <a:rPr lang="de-DE" baseline="0" dirty="0" smtClean="0"/>
+              <a:t>Grüner Bereich: Projektmanagement Tools (bspw. Wiki, </a:t>
+            </a:r>
+            <a:r>
+              <a:rPr lang="de-DE" baseline="0" dirty="0" err="1" smtClean="0"/>
+              <a:t>Issues</a:t>
+            </a:r>
+            <a:r>
+              <a:rPr lang="de-DE" baseline="0" dirty="0" smtClean="0"/>
+              <a:t>, Settings) und weitere</a:t>
+            </a:r>
+          </a:p>
+          <a:p>
+            <a:endParaRPr lang="de-DE" baseline="0" dirty="0" smtClean="0"/>
+          </a:p>
+          <a:p>
+            <a:r>
+              <a:rPr lang="de-DE" baseline="0" dirty="0" smtClean="0"/>
+              <a:t>Blauer Bereich: Verschiedene Links (HTTPS, SSH oder Subversion) um das Repository lokal kopieren zu können</a:t>
+            </a:r>
+            <a:endParaRPr lang="de-DE" dirty="0" smtClean="0"/>
           </a:p>
         </p:txBody>
       </p:sp>
@@ -878,6 +2643,63 @@
           <a:bodyPr/>
           <a:lstStyle/>
           <a:p>
+            <a:r>
+              <a:rPr lang="de-DE" dirty="0" smtClean="0"/>
+              <a:t>Roter Bereich:</a:t>
+            </a:r>
+          </a:p>
+          <a:p>
+            <a:r>
+              <a:rPr lang="de-DE" dirty="0" smtClean="0"/>
+              <a:t>Benutzer klickt oben auf das</a:t>
+            </a:r>
+            <a:r>
+              <a:rPr lang="de-DE" baseline="0" dirty="0" smtClean="0"/>
+              <a:t> (plus) Symbol. Es öffnet sich ein </a:t>
+            </a:r>
+            <a:r>
+              <a:rPr lang="de-DE" baseline="0" dirty="0" err="1" smtClean="0"/>
+              <a:t>DropDown</a:t>
+            </a:r>
+            <a:r>
+              <a:rPr lang="de-DE" baseline="0" dirty="0" smtClean="0"/>
+              <a:t>-Menu in dem der Benutzer auf „New </a:t>
+            </a:r>
+            <a:r>
+              <a:rPr lang="de-DE" baseline="0" dirty="0" err="1" smtClean="0"/>
+              <a:t>organization</a:t>
+            </a:r>
+            <a:r>
+              <a:rPr lang="de-DE" baseline="0" dirty="0" smtClean="0"/>
+              <a:t>“ klicken kann.</a:t>
+            </a:r>
+          </a:p>
+          <a:p>
+            <a:endParaRPr lang="de-DE" baseline="0" dirty="0" smtClean="0"/>
+          </a:p>
+          <a:p>
+            <a:r>
+              <a:rPr lang="de-DE" dirty="0" smtClean="0"/>
+              <a:t>Gelber</a:t>
+            </a:r>
+            <a:r>
+              <a:rPr lang="de-DE" baseline="0" dirty="0" smtClean="0"/>
+              <a:t> Bereich: </a:t>
+            </a:r>
+          </a:p>
+          <a:p>
+            <a:r>
+              <a:rPr lang="de-DE" baseline="0" dirty="0" smtClean="0"/>
+              <a:t>Auflistung aller Veröffentlichungen, </a:t>
+            </a:r>
+            <a:r>
+              <a:rPr lang="de-DE" baseline="0" dirty="0" err="1" smtClean="0"/>
+              <a:t>Repository‘s</a:t>
+            </a:r>
+            <a:r>
+              <a:rPr lang="de-DE" baseline="0" dirty="0" smtClean="0"/>
+              <a:t> und Öffentlicher Aktivität.</a:t>
+            </a:r>
             <a:endParaRPr lang="de-DE" dirty="0"/>
           </a:p>
         </p:txBody>
@@ -962,6 +2784,47 @@
           <a:bodyPr/>
           <a:lstStyle/>
           <a:p>
+            <a:r>
+              <a:rPr lang="de-DE" dirty="0" smtClean="0"/>
+              <a:t>Roter</a:t>
+            </a:r>
+            <a:r>
+              <a:rPr lang="de-DE" baseline="0" dirty="0" smtClean="0"/>
+              <a:t> Bereich:</a:t>
+            </a:r>
+          </a:p>
+          <a:p>
+            <a:r>
+              <a:rPr lang="de-DE" baseline="0" dirty="0" smtClean="0"/>
+              <a:t>Angabe des Namens und E-Mail für die Organisation.</a:t>
+            </a:r>
+          </a:p>
+          <a:p>
+            <a:endParaRPr lang="de-DE" baseline="0" dirty="0" smtClean="0"/>
+          </a:p>
+          <a:p>
+            <a:r>
+              <a:rPr lang="de-DE" baseline="0" dirty="0" smtClean="0"/>
+              <a:t>Gelber Bereich:</a:t>
+            </a:r>
+          </a:p>
+          <a:p>
+            <a:r>
+              <a:rPr lang="de-DE" baseline="0" dirty="0" smtClean="0"/>
+              <a:t>Auswahl, ob kostenlose oder kostenpflichte Version. </a:t>
+            </a:r>
+            <a:r>
+              <a:rPr lang="de-DE" baseline="0" dirty="0" smtClean="0"/>
+              <a:t>Unterschied: </a:t>
+            </a:r>
+            <a:r>
+              <a:rPr lang="de-DE" baseline="0" dirty="0" smtClean="0"/>
+              <a:t>Anzahl an privaten </a:t>
+            </a:r>
+            <a:r>
+              <a:rPr lang="de-DE" baseline="0" dirty="0" err="1" smtClean="0"/>
+              <a:t>Repository‘s</a:t>
+            </a:r>
             <a:endParaRPr lang="de-DE" dirty="0"/>
           </a:p>
         </p:txBody>
@@ -1046,7 +2909,29 @@
           <a:bodyPr/>
           <a:lstStyle/>
           <a:p>
-            <a:endParaRPr lang="de-DE" dirty="0"/>
+            <a:r>
+              <a:rPr lang="de-DE" dirty="0" smtClean="0"/>
+              <a:t>Roter Bereich:</a:t>
+            </a:r>
+          </a:p>
+          <a:p>
+            <a:r>
+              <a:rPr lang="de-DE" dirty="0" smtClean="0"/>
+              <a:t>Mitglieder</a:t>
+            </a:r>
+            <a:r>
+              <a:rPr lang="de-DE" baseline="0" dirty="0" smtClean="0"/>
+              <a:t> für die Organisation können über den </a:t>
+            </a:r>
+            <a:r>
+              <a:rPr lang="de-DE" baseline="0" dirty="0" err="1" smtClean="0"/>
+              <a:t>usernamen</a:t>
+            </a:r>
+            <a:r>
+              <a:rPr lang="de-DE" baseline="0" dirty="0" smtClean="0"/>
+              <a:t>, realen Namen oder E-Mail Adresse beworben werden. Diese werden benachrichtigt und können der Organisation beitreten. Eine Maximalanzahl an Mitgliedern gibt es nicht.</a:t>
+            </a:r>
+            <a:endParaRPr lang="de-DE" dirty="0" smtClean="0"/>
           </a:p>
         </p:txBody>
       </p:sp>
@@ -1130,6 +3015,87 @@
           <a:bodyPr/>
           <a:lstStyle/>
           <a:p>
+            <a:r>
+              <a:rPr lang="de-DE" dirty="0" smtClean="0"/>
+              <a:t>Startseite</a:t>
+            </a:r>
+            <a:r>
+              <a:rPr lang="de-DE" baseline="0" dirty="0" smtClean="0"/>
+              <a:t> der Organisation</a:t>
+            </a:r>
+            <a:endParaRPr lang="de-DE" dirty="0" smtClean="0"/>
+          </a:p>
+          <a:p>
+            <a:endParaRPr lang="de-DE" dirty="0" smtClean="0"/>
+          </a:p>
+          <a:p>
+            <a:r>
+              <a:rPr lang="de-DE" dirty="0" smtClean="0"/>
+              <a:t>Roter Bereich:</a:t>
+            </a:r>
+          </a:p>
+          <a:p>
+            <a:r>
+              <a:rPr lang="de-DE" dirty="0" smtClean="0"/>
+              <a:t>4</a:t>
+            </a:r>
+            <a:r>
+              <a:rPr lang="de-DE" baseline="0" dirty="0" smtClean="0"/>
+              <a:t> unterschiedliche Tabs zur Navigation</a:t>
+            </a:r>
+          </a:p>
+          <a:p>
+            <a:endParaRPr lang="de-DE" baseline="0" dirty="0" smtClean="0"/>
+          </a:p>
+          <a:p>
+            <a:r>
+              <a:rPr lang="de-DE" baseline="0" dirty="0" smtClean="0"/>
+              <a:t>Grüner Bereich:</a:t>
+            </a:r>
+          </a:p>
+          <a:p>
+            <a:pPr marL="0" marR="0" indent="0" algn="l" defTabSz="914400" rtl="0" eaLnBrk="1" fontAlgn="auto" latinLnBrk="0" hangingPunct="1">
+              <a:lnSpc>
+                <a:spcPct val="100000"/>
+              </a:lnSpc>
+              <a:spcBef>
+                <a:spcPts val="0"/>
+              </a:spcBef>
+              <a:spcAft>
+                <a:spcPts val="0"/>
+              </a:spcAft>
+              <a:buClrTx/>
+              <a:buSzTx/>
+              <a:buFontTx/>
+              <a:buNone/>
+              <a:tabLst/>
+              <a:defRPr/>
+            </a:pPr>
+            <a:r>
+              <a:rPr lang="de-DE" baseline="0" dirty="0" smtClean="0"/>
+              <a:t>1) Ansicht </a:t>
+            </a:r>
+            <a:r>
+              <a:rPr lang="de-DE" baseline="0" dirty="0" err="1" smtClean="0"/>
+              <a:t>Repositories</a:t>
+            </a:r>
+            <a:r>
+              <a:rPr lang="de-DE" baseline="0" dirty="0" smtClean="0"/>
+              <a:t> 2) Mitglieder der Organisation 3) Untergruppierungen in der Organisation 4) Einstellungen</a:t>
+            </a:r>
+          </a:p>
+          <a:p>
+            <a:endParaRPr lang="de-DE" dirty="0" smtClean="0"/>
+          </a:p>
+          <a:p>
+            <a:r>
+              <a:rPr lang="de-DE" dirty="0" smtClean="0"/>
+              <a:t>2) Es können nachträglich weitere</a:t>
+            </a:r>
+            <a:r>
+              <a:rPr lang="de-DE" baseline="0" dirty="0" smtClean="0"/>
+              <a:t> Mitglieder eingeladen werden</a:t>
+            </a:r>
             <a:endParaRPr lang="de-DE" dirty="0"/>
           </a:p>
         </p:txBody>
@@ -1161,6 +3127,167 @@
     <p:extLst>
       <p:ext uri="{BB962C8B-B14F-4D97-AF65-F5344CB8AC3E}">
         <p14:creationId xmlns:p14="http://schemas.microsoft.com/office/powerpoint/2010/main" val="4142138505"/>
+      </p:ext>
+    </p:extLst>
+  </p:cSld>
+  <p:clrMapOvr>
+    <a:masterClrMapping/>
+  </p:clrMapOvr>
+</p:notes>
+</file>
+
+<file path=ppt/notesSlides/notesSlide9.xml><?xml version="1.0" encoding="utf-8"?>
+<p:notes xmlns:a="http://schemas.openxmlformats.org/drawingml/2006/main" xmlns:r="http://schemas.openxmlformats.org/officeDocument/2006/relationships" xmlns:p="http://schemas.openxmlformats.org/presentationml/2006/main">
+  <p:cSld>
+    <p:spTree>
+      <p:nvGrpSpPr>
+        <p:cNvPr id="1" name=""/>
+        <p:cNvGrpSpPr/>
+        <p:nvPr/>
+      </p:nvGrpSpPr>
+      <p:grpSpPr>
+        <a:xfrm>
+          <a:off x="0" y="0"/>
+          <a:ext cx="0" cy="0"/>
+          <a:chOff x="0" y="0"/>
+          <a:chExt cx="0" cy="0"/>
+        </a:xfrm>
+      </p:grpSpPr>
+      <p:sp>
+        <p:nvSpPr>
+          <p:cNvPr id="2" name="Folienbildplatzhalter 1"/>
+          <p:cNvSpPr>
+            <a:spLocks noGrp="1" noRot="1" noChangeAspect="1"/>
+          </p:cNvSpPr>
+          <p:nvPr>
+            <p:ph type="sldImg"/>
+          </p:nvPr>
+        </p:nvSpPr>
+        <p:spPr/>
+      </p:sp>
+      <p:sp>
+        <p:nvSpPr>
+          <p:cNvPr id="3" name="Notizenplatzhalter 2"/>
+          <p:cNvSpPr>
+            <a:spLocks noGrp="1"/>
+          </p:cNvSpPr>
+          <p:nvPr>
+            <p:ph type="body" idx="1"/>
+          </p:nvPr>
+        </p:nvSpPr>
+        <p:spPr/>
+        <p:txBody>
+          <a:bodyPr/>
+          <a:lstStyle/>
+          <a:p>
+            <a:r>
+              <a:rPr lang="de-DE" dirty="0" smtClean="0"/>
+              <a:t>Rechtsklick im Explorer</a:t>
+            </a:r>
+            <a:r>
+              <a:rPr lang="de-DE" baseline="0" dirty="0" smtClean="0"/>
+              <a:t>/Zielordner, wo die lokale Kopie abgelegt werden soll</a:t>
+            </a:r>
+          </a:p>
+          <a:p>
+            <a:endParaRPr lang="de-DE" baseline="0" dirty="0" smtClean="0"/>
+          </a:p>
+          <a:p>
+            <a:r>
+              <a:rPr lang="de-DE" baseline="0" dirty="0" smtClean="0"/>
+              <a:t>Roter Bereich:</a:t>
+            </a:r>
+          </a:p>
+          <a:p>
+            <a:r>
+              <a:rPr lang="de-DE" baseline="0" dirty="0" smtClean="0"/>
+              <a:t>Der Benutzer kann mit der </a:t>
+            </a:r>
+            <a:r>
+              <a:rPr lang="de-DE" baseline="0" dirty="0" err="1" smtClean="0"/>
+              <a:t>Git</a:t>
+            </a:r>
+            <a:r>
+              <a:rPr lang="de-DE" baseline="0" dirty="0" smtClean="0"/>
+              <a:t> GUI oder mit der </a:t>
+            </a:r>
+            <a:r>
+              <a:rPr lang="de-DE" baseline="0" dirty="0" err="1" smtClean="0"/>
+              <a:t>Git</a:t>
+            </a:r>
+            <a:r>
+              <a:rPr lang="de-DE" baseline="0" dirty="0" smtClean="0"/>
+              <a:t> </a:t>
+            </a:r>
+            <a:r>
+              <a:rPr lang="de-DE" baseline="0" dirty="0" err="1" smtClean="0"/>
+              <a:t>Bash</a:t>
+            </a:r>
+            <a:r>
+              <a:rPr lang="de-DE" baseline="0" dirty="0" smtClean="0"/>
+              <a:t> arbeiten.</a:t>
+            </a:r>
+          </a:p>
+          <a:p>
+            <a:r>
+              <a:rPr lang="de-DE" dirty="0" smtClean="0"/>
+              <a:t>(in diesem Tutorial wird auf die </a:t>
+            </a:r>
+            <a:r>
+              <a:rPr lang="de-DE" dirty="0" err="1" smtClean="0"/>
+              <a:t>Git</a:t>
+            </a:r>
+            <a:r>
+              <a:rPr lang="de-DE" dirty="0" smtClean="0"/>
+              <a:t> </a:t>
+            </a:r>
+            <a:r>
+              <a:rPr lang="de-DE" dirty="0" err="1" smtClean="0"/>
+              <a:t>Bash</a:t>
+            </a:r>
+            <a:r>
+              <a:rPr lang="de-DE" dirty="0" smtClean="0"/>
+              <a:t> </a:t>
+            </a:r>
+            <a:r>
+              <a:rPr lang="de-DE" dirty="0" err="1" smtClean="0"/>
+              <a:t>eingangen</a:t>
+            </a:r>
+            <a:r>
+              <a:rPr lang="de-DE" dirty="0" smtClean="0"/>
+              <a:t>)</a:t>
+            </a:r>
+            <a:endParaRPr lang="de-DE" dirty="0"/>
+          </a:p>
+        </p:txBody>
+      </p:sp>
+      <p:sp>
+        <p:nvSpPr>
+          <p:cNvPr id="4" name="Foliennummernplatzhalter 3"/>
+          <p:cNvSpPr>
+            <a:spLocks noGrp="1"/>
+          </p:cNvSpPr>
+          <p:nvPr>
+            <p:ph type="sldNum" sz="quarter" idx="10"/>
+          </p:nvPr>
+        </p:nvSpPr>
+        <p:spPr/>
+        <p:txBody>
+          <a:bodyPr/>
+          <a:lstStyle/>
+          <a:p>
+            <a:fld id="{4A505144-3BC5-4B32-83CF-491494C34331}" type="slidenum">
+              <a:rPr lang="de-DE" smtClean="0"/>
+              <a:t>11</a:t>
+            </a:fld>
+            <a:endParaRPr lang="de-DE"/>
+          </a:p>
+        </p:txBody>
+      </p:sp>
+    </p:spTree>
+    <p:extLst>
+      <p:ext uri="{BB962C8B-B14F-4D97-AF65-F5344CB8AC3E}">
+        <p14:creationId xmlns:p14="http://schemas.microsoft.com/office/powerpoint/2010/main" val="3957290494"/>
       </p:ext>
     </p:extLst>
   </p:cSld>
@@ -1313,7 +3440,7 @@
           <a:p>
             <a:fld id="{D74EE171-6FB9-44C2-999A-3C78585CC55F}" type="datetime1">
               <a:rPr lang="de-DE" smtClean="0"/>
-              <a:t>19.10.2015</a:t>
+              <a:t>20.10.2015</a:t>
             </a:fld>
             <a:endParaRPr lang="de-DE"/>
           </a:p>
@@ -1676,7 +3803,7 @@
           <a:p>
             <a:fld id="{966EF4C5-04F6-4CAA-916B-E3B314346F2C}" type="datetime1">
               <a:rPr lang="de-DE" smtClean="0"/>
-              <a:t>19.10.2015</a:t>
+              <a:t>20.10.2015</a:t>
             </a:fld>
             <a:endParaRPr lang="de-DE"/>
           </a:p>
@@ -1855,7 +3982,7 @@
           <a:p>
             <a:fld id="{D4A1C9C1-76E8-482F-AC38-46CD1EA3A4C9}" type="datetime1">
               <a:rPr lang="de-DE" smtClean="0"/>
-              <a:t>19.10.2015</a:t>
+              <a:t>20.10.2015</a:t>
             </a:fld>
             <a:endParaRPr lang="de-DE"/>
           </a:p>
@@ -2094,7 +4221,7 @@
           <a:p>
             <a:fld id="{09957CAC-BFF1-498D-82E7-9462D790BC9E}" type="datetime1">
               <a:rPr lang="de-DE" smtClean="0"/>
-              <a:t>19.10.2015</a:t>
+              <a:t>20.10.2015</a:t>
             </a:fld>
             <a:endParaRPr lang="de-DE"/>
           </a:p>
@@ -2367,7 +4494,7 @@
           <a:p>
             <a:fld id="{67E9C1B2-C123-4CB8-B829-0B1DE6516455}" type="datetime1">
               <a:rPr lang="de-DE" smtClean="0"/>
-              <a:t>19.10.2015</a:t>
+              <a:t>20.10.2015</a:t>
             </a:fld>
             <a:endParaRPr lang="de-DE"/>
           </a:p>
@@ -2591,7 +4718,7 @@
           <a:p>
             <a:fld id="{5F82951D-51DD-43CB-9395-2CD87029427A}" type="datetime1">
               <a:rPr lang="de-DE" smtClean="0"/>
-              <a:t>19.10.2015</a:t>
+              <a:t>20.10.2015</a:t>
             </a:fld>
             <a:endParaRPr lang="de-DE"/>
           </a:p>
@@ -2947,7 +5074,7 @@
           <a:p>
             <a:fld id="{F75640B3-CD2F-468A-9D6A-8FCCA521EAD8}" type="datetime1">
               <a:rPr lang="de-DE" smtClean="0"/>
-              <a:t>19.10.2015</a:t>
+              <a:t>20.10.2015</a:t>
             </a:fld>
             <a:endParaRPr lang="de-DE"/>
           </a:p>
@@ -3183,7 +5310,7 @@
           <a:p>
             <a:fld id="{66B70435-1AE2-40EE-BD35-BF23134777A3}" type="datetime1">
               <a:rPr lang="de-DE" smtClean="0"/>
-              <a:t>19.10.2015</a:t>
+              <a:t>20.10.2015</a:t>
             </a:fld>
             <a:endParaRPr lang="de-DE"/>
           </a:p>
@@ -3327,7 +5454,7 @@
           <a:p>
             <a:fld id="{8264DE6B-16CC-45D3-A85A-C342E3C400B1}" type="datetime1">
               <a:rPr lang="de-DE" smtClean="0"/>
-              <a:t>19.10.2015</a:t>
+              <a:t>20.10.2015</a:t>
             </a:fld>
             <a:endParaRPr lang="de-DE"/>
           </a:p>
@@ -3608,7 +5735,7 @@
           <a:p>
             <a:fld id="{3012F5FB-2D99-4EE6-8329-8BC403EF3BB7}" type="datetime1">
               <a:rPr lang="de-DE" smtClean="0"/>
-              <a:t>19.10.2015</a:t>
+              <a:t>20.10.2015</a:t>
             </a:fld>
             <a:endParaRPr lang="de-DE"/>
           </a:p>
@@ -4019,7 +6146,7 @@
           <a:p>
             <a:fld id="{4ACBB3FE-65F3-496E-9475-85FAF27CCA0A}" type="datetime1">
               <a:rPr lang="de-DE" smtClean="0"/>
-              <a:t>19.10.2015</a:t>
+              <a:t>20.10.2015</a:t>
             </a:fld>
             <a:endParaRPr lang="de-DE"/>
           </a:p>
@@ -4361,7 +6488,7 @@
           <a:p>
             <a:fld id="{1198494A-36A3-42DF-97C6-C12EB15310DD}" type="datetime1">
               <a:rPr lang="de-DE" smtClean="0"/>
-              <a:t>19.10.2015</a:t>
+              <a:t>20.10.2015</a:t>
             </a:fld>
             <a:endParaRPr lang="de-DE"/>
           </a:p>
@@ -5126,6 +7253,94 @@
           </a:extLst>
         </p:spPr>
       </p:pic>
+      <p:sp>
+        <p:nvSpPr>
+          <p:cNvPr id="7" name="Rechteck 6"/>
+          <p:cNvSpPr/>
+          <p:nvPr/>
+        </p:nvSpPr>
+        <p:spPr>
+          <a:xfrm>
+            <a:off x="755576" y="2996952"/>
+            <a:ext cx="3556099" cy="432048"/>
+          </a:xfrm>
+          <a:prstGeom prst="rect">
+            <a:avLst/>
+          </a:prstGeom>
+          <a:noFill/>
+          <a:ln>
+            <a:solidFill>
+              <a:srgbClr val="FF0000"/>
+            </a:solidFill>
+          </a:ln>
+        </p:spPr>
+        <p:style>
+          <a:lnRef idx="2">
+            <a:schemeClr val="accent6"/>
+          </a:lnRef>
+          <a:fillRef idx="1">
+            <a:schemeClr val="lt1"/>
+          </a:fillRef>
+          <a:effectRef idx="0">
+            <a:schemeClr val="accent6"/>
+          </a:effectRef>
+          <a:fontRef idx="minor">
+            <a:schemeClr val="dk1"/>
+          </a:fontRef>
+        </p:style>
+        <p:txBody>
+          <a:bodyPr rtlCol="0" anchor="ctr"/>
+          <a:lstStyle/>
+          <a:p>
+            <a:pPr algn="ctr"/>
+            <a:endParaRPr lang="de-DE"/>
+          </a:p>
+        </p:txBody>
+      </p:sp>
+      <p:sp>
+        <p:nvSpPr>
+          <p:cNvPr id="8" name="Rechteck 7"/>
+          <p:cNvSpPr/>
+          <p:nvPr/>
+        </p:nvSpPr>
+        <p:spPr>
+          <a:xfrm>
+            <a:off x="731193" y="3594520"/>
+            <a:ext cx="7684939" cy="1274639"/>
+          </a:xfrm>
+          <a:prstGeom prst="rect">
+            <a:avLst/>
+          </a:prstGeom>
+          <a:noFill/>
+          <a:ln>
+            <a:solidFill>
+              <a:srgbClr val="92D050"/>
+            </a:solidFill>
+          </a:ln>
+        </p:spPr>
+        <p:style>
+          <a:lnRef idx="2">
+            <a:schemeClr val="accent6"/>
+          </a:lnRef>
+          <a:fillRef idx="1">
+            <a:schemeClr val="lt1"/>
+          </a:fillRef>
+          <a:effectRef idx="0">
+            <a:schemeClr val="accent6"/>
+          </a:effectRef>
+          <a:fontRef idx="minor">
+            <a:schemeClr val="dk1"/>
+          </a:fontRef>
+        </p:style>
+        <p:txBody>
+          <a:bodyPr rtlCol="0" anchor="ctr"/>
+          <a:lstStyle/>
+          <a:p>
+            <a:pPr algn="ctr"/>
+            <a:endParaRPr lang="de-DE"/>
+          </a:p>
+        </p:txBody>
+      </p:sp>
     </p:spTree>
     <p:extLst>
       <p:ext uri="{BB962C8B-B14F-4D97-AF65-F5344CB8AC3E}">
@@ -5250,7 +7465,7 @@
           <p:nvPr/>
         </p:nvPicPr>
         <p:blipFill>
-          <a:blip r:embed="rId2">
+          <a:blip r:embed="rId3">
             <a:extLst>
               <a:ext uri="{28A0092B-C50C-407E-A947-70E740481C1C}">
                 <a14:useLocalDpi xmlns:a14="http://schemas.microsoft.com/office/drawing/2010/main" val="0"/>
@@ -5282,6 +7497,50 @@
           </a:extLst>
         </p:spPr>
       </p:pic>
+      <p:sp>
+        <p:nvSpPr>
+          <p:cNvPr id="6" name="Rechteck 5"/>
+          <p:cNvSpPr/>
+          <p:nvPr/>
+        </p:nvSpPr>
+        <p:spPr>
+          <a:xfrm>
+            <a:off x="2916139" y="3428752"/>
+            <a:ext cx="3096022" cy="432048"/>
+          </a:xfrm>
+          <a:prstGeom prst="rect">
+            <a:avLst/>
+          </a:prstGeom>
+          <a:noFill/>
+          <a:ln>
+            <a:solidFill>
+              <a:srgbClr val="FF0000"/>
+            </a:solidFill>
+          </a:ln>
+        </p:spPr>
+        <p:style>
+          <a:lnRef idx="2">
+            <a:schemeClr val="accent6"/>
+          </a:lnRef>
+          <a:fillRef idx="1">
+            <a:schemeClr val="lt1"/>
+          </a:fillRef>
+          <a:effectRef idx="0">
+            <a:schemeClr val="accent6"/>
+          </a:effectRef>
+          <a:fontRef idx="minor">
+            <a:schemeClr val="dk1"/>
+          </a:fontRef>
+        </p:style>
+        <p:txBody>
+          <a:bodyPr rtlCol="0" anchor="ctr"/>
+          <a:lstStyle/>
+          <a:p>
+            <a:pPr algn="ctr"/>
+            <a:endParaRPr lang="de-DE"/>
+          </a:p>
+        </p:txBody>
+      </p:sp>
     </p:spTree>
     <p:extLst>
       <p:ext uri="{BB962C8B-B14F-4D97-AF65-F5344CB8AC3E}">
@@ -5383,7 +7642,7 @@
           <p:nvPr/>
         </p:nvPicPr>
         <p:blipFill>
-          <a:blip r:embed="rId2">
+          <a:blip r:embed="rId3">
             <a:extLst>
               <a:ext uri="{28A0092B-C50C-407E-A947-70E740481C1C}">
                 <a14:useLocalDpi xmlns:a14="http://schemas.microsoft.com/office/drawing/2010/main" val="0"/>
@@ -5447,7 +7706,7 @@
           <p:nvPr/>
         </p:nvPicPr>
         <p:blipFill>
-          <a:blip r:embed="rId3">
+          <a:blip r:embed="rId4">
             <a:extLst>
               <a:ext uri="{28A0092B-C50C-407E-A947-70E740481C1C}">
                 <a14:useLocalDpi xmlns:a14="http://schemas.microsoft.com/office/drawing/2010/main" val="0"/>
@@ -5540,6 +7799,10 @@
               <a:rPr lang="de-DE" dirty="0" err="1" smtClean="0"/>
               <a:t>changes</a:t>
             </a:r>
+            <a:r>
+              <a:rPr lang="de-DE" dirty="0" smtClean="0"/>
+              <a:t> (1.1 + 2.1)</a:t>
+            </a:r>
             <a:endParaRPr lang="de-DE" dirty="0"/>
           </a:p>
         </p:txBody>
@@ -5598,23 +7861,21 @@
           </p:cNvPicPr>
           <p:nvPr/>
         </p:nvPicPr>
-        <p:blipFill>
-          <a:blip r:embed="rId2">
+        <p:blipFill rotWithShape="1">
+          <a:blip r:embed="rId3">
             <a:extLst>
               <a:ext uri="{28A0092B-C50C-407E-A947-70E740481C1C}">
                 <a14:useLocalDpi xmlns:a14="http://schemas.microsoft.com/office/drawing/2010/main" val="0"/>
               </a:ext>
             </a:extLst>
           </a:blip>
-          <a:srcRect/>
-          <a:stretch>
-            <a:fillRect/>
-          </a:stretch>
+          <a:srcRect b="24796"/>
+          <a:stretch/>
         </p:blipFill>
         <p:spPr bwMode="auto">
           <a:xfrm>
-            <a:off x="1738313" y="1866900"/>
-            <a:ext cx="5667375" cy="3124200"/>
+            <a:off x="179512" y="1295524"/>
+            <a:ext cx="5667375" cy="2349500"/>
           </a:xfrm>
           <a:prstGeom prst="rect">
             <a:avLst/>
@@ -5653,7 +7914,7 @@
           <p:nvPr/>
         </p:nvPicPr>
         <p:blipFill>
-          <a:blip r:embed="rId3">
+          <a:blip r:embed="rId4">
             <a:extLst>
               <a:ext uri="{28A0092B-C50C-407E-A947-70E740481C1C}">
                 <a14:useLocalDpi xmlns:a14="http://schemas.microsoft.com/office/drawing/2010/main" val="0"/>
@@ -5667,7 +7928,7 @@
         </p:blipFill>
         <p:spPr bwMode="auto">
           <a:xfrm>
-            <a:off x="3131840" y="3645024"/>
+            <a:off x="3275856" y="4005064"/>
             <a:ext cx="5734050" cy="2095500"/>
           </a:xfrm>
           <a:prstGeom prst="rect">
@@ -5759,6 +8020,10 @@
               <a:rPr lang="de-DE" dirty="0" err="1" smtClean="0"/>
               <a:t>changes</a:t>
             </a:r>
+            <a:r>
+              <a:rPr lang="de-DE" dirty="0" smtClean="0"/>
+              <a:t> (1.2 + 2.2)</a:t>
+            </a:r>
             <a:endParaRPr lang="de-DE" dirty="0"/>
           </a:p>
         </p:txBody>
@@ -5817,23 +8082,21 @@
           </p:cNvPicPr>
           <p:nvPr/>
         </p:nvPicPr>
-        <p:blipFill>
-          <a:blip r:embed="rId2">
+        <p:blipFill rotWithShape="1">
+          <a:blip r:embed="rId3">
             <a:extLst>
               <a:ext uri="{28A0092B-C50C-407E-A947-70E740481C1C}">
                 <a14:useLocalDpi xmlns:a14="http://schemas.microsoft.com/office/drawing/2010/main" val="0"/>
               </a:ext>
             </a:extLst>
           </a:blip>
-          <a:srcRect/>
-          <a:stretch>
-            <a:fillRect/>
-          </a:stretch>
+          <a:srcRect b="23354"/>
+          <a:stretch/>
         </p:blipFill>
         <p:spPr bwMode="auto">
           <a:xfrm>
-            <a:off x="1738313" y="1866900"/>
-            <a:ext cx="5667375" cy="3124200"/>
+            <a:off x="179512" y="1196752"/>
+            <a:ext cx="5453576" cy="2304256"/>
           </a:xfrm>
           <a:prstGeom prst="rect">
             <a:avLst/>
@@ -5871,23 +8134,21 @@
           </p:cNvPicPr>
           <p:nvPr/>
         </p:nvPicPr>
-        <p:blipFill>
-          <a:blip r:embed="rId3">
+        <p:blipFill rotWithShape="1">
+          <a:blip r:embed="rId4">
             <a:extLst>
               <a:ext uri="{28A0092B-C50C-407E-A947-70E740481C1C}">
                 <a14:useLocalDpi xmlns:a14="http://schemas.microsoft.com/office/drawing/2010/main" val="0"/>
               </a:ext>
             </a:extLst>
           </a:blip>
-          <a:srcRect/>
-          <a:stretch>
-            <a:fillRect/>
-          </a:stretch>
+          <a:srcRect b="23040"/>
+          <a:stretch/>
         </p:blipFill>
         <p:spPr bwMode="auto">
           <a:xfrm>
-            <a:off x="1890713" y="2019300"/>
-            <a:ext cx="5667375" cy="3124200"/>
+            <a:off x="3650737" y="3717032"/>
+            <a:ext cx="5369115" cy="2472432"/>
           </a:xfrm>
           <a:prstGeom prst="rect">
             <a:avLst/>
@@ -5978,6 +8239,10 @@
               <a:rPr lang="de-DE" dirty="0" err="1" smtClean="0"/>
               <a:t>changes</a:t>
             </a:r>
+            <a:r>
+              <a:rPr lang="de-DE" dirty="0" smtClean="0"/>
+              <a:t> (3)</a:t>
+            </a:r>
             <a:endParaRPr lang="de-DE" dirty="0"/>
           </a:p>
         </p:txBody>
@@ -6037,7 +8302,7 @@
           <p:nvPr/>
         </p:nvPicPr>
         <p:blipFill>
-          <a:blip r:embed="rId2">
+          <a:blip r:embed="rId3">
             <a:extLst>
               <a:ext uri="{28A0092B-C50C-407E-A947-70E740481C1C}">
                 <a14:useLocalDpi xmlns:a14="http://schemas.microsoft.com/office/drawing/2010/main" val="0"/>
@@ -6124,7 +8389,9 @@
         </p:nvSpPr>
         <p:spPr/>
         <p:txBody>
-          <a:bodyPr/>
+          <a:bodyPr>
+            <a:normAutofit/>
+          </a:bodyPr>
           <a:lstStyle/>
           <a:p>
             <a:r>
@@ -6142,6 +8409,10 @@
             <a:r>
               <a:rPr lang="de-DE" dirty="0" err="1" smtClean="0"/>
               <a:t>changes</a:t>
+            </a:r>
+            <a:r>
+              <a:rPr lang="de-DE" dirty="0" smtClean="0"/>
+              <a:t> (4)</a:t>
             </a:r>
             <a:endParaRPr lang="de-DE" dirty="0"/>
           </a:p>
@@ -6202,7 +8473,7 @@
           <p:nvPr/>
         </p:nvPicPr>
         <p:blipFill>
-          <a:blip r:embed="rId2">
+          <a:blip r:embed="rId3">
             <a:extLst>
               <a:ext uri="{28A0092B-C50C-407E-A947-70E740481C1C}">
                 <a14:useLocalDpi xmlns:a14="http://schemas.microsoft.com/office/drawing/2010/main" val="0"/>
@@ -6375,7 +8646,7 @@
           <p:nvPr/>
         </p:nvPicPr>
         <p:blipFill>
-          <a:blip r:embed="rId2">
+          <a:blip r:embed="rId3">
             <a:extLst>
               <a:ext uri="{28A0092B-C50C-407E-A947-70E740481C1C}">
                 <a14:useLocalDpi xmlns:a14="http://schemas.microsoft.com/office/drawing/2010/main" val="0"/>
@@ -6535,7 +8806,7 @@
           <p:nvPr/>
         </p:nvPicPr>
         <p:blipFill rotWithShape="1">
-          <a:blip r:embed="rId2">
+          <a:blip r:embed="rId3">
             <a:extLst>
               <a:ext uri="{28A0092B-C50C-407E-A947-70E740481C1C}">
                 <a14:useLocalDpi xmlns:a14="http://schemas.microsoft.com/office/drawing/2010/main" val="0"/>
@@ -6574,7 +8845,7 @@
           <p:nvPr/>
         </p:nvPicPr>
         <p:blipFill rotWithShape="1">
-          <a:blip r:embed="rId3">
+          <a:blip r:embed="rId4">
             <a:extLst>
               <a:ext uri="{28A0092B-C50C-407E-A947-70E740481C1C}">
                 <a14:useLocalDpi xmlns:a14="http://schemas.microsoft.com/office/drawing/2010/main" val="0"/>
@@ -6734,7 +9005,7 @@
           <p:nvPr/>
         </p:nvPicPr>
         <p:blipFill rotWithShape="1">
-          <a:blip r:embed="rId2">
+          <a:blip r:embed="rId3">
             <a:extLst>
               <a:ext uri="{28A0092B-C50C-407E-A947-70E740481C1C}">
                 <a14:useLocalDpi xmlns:a14="http://schemas.microsoft.com/office/drawing/2010/main" val="0"/>
@@ -7162,7 +9433,7 @@
           <p:nvPr/>
         </p:nvPicPr>
         <p:blipFill>
-          <a:blip r:embed="rId2">
+          <a:blip r:embed="rId3">
             <a:extLst>
               <a:ext uri="{28A0092B-C50C-407E-A947-70E740481C1C}">
                 <a14:useLocalDpi xmlns:a14="http://schemas.microsoft.com/office/drawing/2010/main" val="0"/>
@@ -7194,6 +9465,50 @@
           </a:extLst>
         </p:spPr>
       </p:pic>
+      <p:sp>
+        <p:nvSpPr>
+          <p:cNvPr id="6" name="Rechteck 5"/>
+          <p:cNvSpPr/>
+          <p:nvPr/>
+        </p:nvSpPr>
+        <p:spPr>
+          <a:xfrm>
+            <a:off x="4427984" y="4725144"/>
+            <a:ext cx="2624311" cy="288032"/>
+          </a:xfrm>
+          <a:prstGeom prst="rect">
+            <a:avLst/>
+          </a:prstGeom>
+          <a:noFill/>
+          <a:ln>
+            <a:solidFill>
+              <a:srgbClr val="FF0000"/>
+            </a:solidFill>
+          </a:ln>
+        </p:spPr>
+        <p:style>
+          <a:lnRef idx="2">
+            <a:schemeClr val="accent6"/>
+          </a:lnRef>
+          <a:fillRef idx="1">
+            <a:schemeClr val="lt1"/>
+          </a:fillRef>
+          <a:effectRef idx="0">
+            <a:schemeClr val="accent6"/>
+          </a:effectRef>
+          <a:fontRef idx="minor">
+            <a:schemeClr val="dk1"/>
+          </a:fontRef>
+        </p:style>
+        <p:txBody>
+          <a:bodyPr rtlCol="0" anchor="ctr"/>
+          <a:lstStyle/>
+          <a:p>
+            <a:pPr algn="ctr"/>
+            <a:endParaRPr lang="de-DE"/>
+          </a:p>
+        </p:txBody>
+      </p:sp>
     </p:spTree>
     <p:extLst>
       <p:ext uri="{BB962C8B-B14F-4D97-AF65-F5344CB8AC3E}">
@@ -8540,15 +10855,7 @@
             </a:r>
             <a:r>
               <a:rPr lang="de-DE" sz="1100" dirty="0" smtClean="0"/>
-              <a:t>(</a:t>
-            </a:r>
-            <a:r>
-              <a:rPr lang="de-DE" sz="1100" dirty="0" smtClean="0"/>
-              <a:t>19.10.2015</a:t>
-            </a:r>
-            <a:r>
-              <a:rPr lang="de-DE" sz="1100" dirty="0" smtClean="0"/>
-              <a:t>)</a:t>
+              <a:t>(19.10.2015)</a:t>
             </a:r>
           </a:p>
           <a:p>
@@ -8557,11 +10864,7 @@
             </a:pPr>
             <a:r>
               <a:rPr lang="de-DE" sz="2000" b="1" dirty="0" smtClean="0"/>
-              <a:t>Bilder</a:t>
-            </a:r>
-            <a:r>
-              <a:rPr lang="de-DE" sz="2000" b="1" dirty="0" smtClean="0"/>
-              <a:t>:</a:t>
+              <a:t>Bilder:</a:t>
             </a:r>
             <a:endParaRPr lang="de-DE" sz="2000" b="1" dirty="0"/>
           </a:p>
@@ -8570,7 +10873,6 @@
               <a:rPr lang="de-DE" sz="2000" dirty="0" smtClean="0"/>
               <a:t>selbstgemachte Screenshots</a:t>
             </a:r>
-            <a:endParaRPr lang="de-DE" sz="2000" dirty="0" smtClean="0"/>
           </a:p>
           <a:p>
             <a:endParaRPr lang="de-DE" sz="2000" dirty="0" smtClean="0"/>
@@ -8972,6 +11274,94 @@
           </a:extLst>
         </p:spPr>
       </p:pic>
+      <p:sp>
+        <p:nvSpPr>
+          <p:cNvPr id="6" name="Rechteck 5"/>
+          <p:cNvSpPr/>
+          <p:nvPr/>
+        </p:nvSpPr>
+        <p:spPr>
+          <a:xfrm>
+            <a:off x="7596335" y="2204864"/>
+            <a:ext cx="360041" cy="184211"/>
+          </a:xfrm>
+          <a:prstGeom prst="rect">
+            <a:avLst/>
+          </a:prstGeom>
+          <a:noFill/>
+          <a:ln>
+            <a:solidFill>
+              <a:srgbClr val="FF0000"/>
+            </a:solidFill>
+          </a:ln>
+        </p:spPr>
+        <p:style>
+          <a:lnRef idx="2">
+            <a:schemeClr val="accent6"/>
+          </a:lnRef>
+          <a:fillRef idx="1">
+            <a:schemeClr val="lt1"/>
+          </a:fillRef>
+          <a:effectRef idx="0">
+            <a:schemeClr val="accent6"/>
+          </a:effectRef>
+          <a:fontRef idx="minor">
+            <a:schemeClr val="dk1"/>
+          </a:fontRef>
+        </p:style>
+        <p:txBody>
+          <a:bodyPr rtlCol="0" anchor="ctr"/>
+          <a:lstStyle/>
+          <a:p>
+            <a:pPr algn="ctr"/>
+            <a:endParaRPr lang="de-DE"/>
+          </a:p>
+        </p:txBody>
+      </p:sp>
+      <p:sp>
+        <p:nvSpPr>
+          <p:cNvPr id="7" name="Rechteck 6"/>
+          <p:cNvSpPr/>
+          <p:nvPr/>
+        </p:nvSpPr>
+        <p:spPr>
+          <a:xfrm>
+            <a:off x="2805913" y="3415589"/>
+            <a:ext cx="2774199" cy="229435"/>
+          </a:xfrm>
+          <a:prstGeom prst="rect">
+            <a:avLst/>
+          </a:prstGeom>
+          <a:noFill/>
+          <a:ln>
+            <a:solidFill>
+              <a:srgbClr val="FFFF00"/>
+            </a:solidFill>
+          </a:ln>
+        </p:spPr>
+        <p:style>
+          <a:lnRef idx="2">
+            <a:schemeClr val="accent6"/>
+          </a:lnRef>
+          <a:fillRef idx="1">
+            <a:schemeClr val="lt1"/>
+          </a:fillRef>
+          <a:effectRef idx="0">
+            <a:schemeClr val="accent6"/>
+          </a:effectRef>
+          <a:fontRef idx="minor">
+            <a:schemeClr val="dk1"/>
+          </a:fontRef>
+        </p:style>
+        <p:txBody>
+          <a:bodyPr rtlCol="0" anchor="ctr"/>
+          <a:lstStyle/>
+          <a:p>
+            <a:pPr algn="ctr"/>
+            <a:endParaRPr lang="de-DE"/>
+          </a:p>
+        </p:txBody>
+      </p:sp>
     </p:spTree>
     <p:extLst>
       <p:ext uri="{BB962C8B-B14F-4D97-AF65-F5344CB8AC3E}">
@@ -9128,6 +11518,226 @@
           </a:extLst>
         </p:spPr>
       </p:pic>
+      <p:sp>
+        <p:nvSpPr>
+          <p:cNvPr id="6" name="Rechteck 5"/>
+          <p:cNvSpPr/>
+          <p:nvPr/>
+        </p:nvSpPr>
+        <p:spPr>
+          <a:xfrm>
+            <a:off x="1539292" y="2132856"/>
+            <a:ext cx="3536763" cy="576064"/>
+          </a:xfrm>
+          <a:prstGeom prst="rect">
+            <a:avLst/>
+          </a:prstGeom>
+          <a:noFill/>
+          <a:ln>
+            <a:solidFill>
+              <a:srgbClr val="FF0000"/>
+            </a:solidFill>
+          </a:ln>
+        </p:spPr>
+        <p:style>
+          <a:lnRef idx="2">
+            <a:schemeClr val="accent6"/>
+          </a:lnRef>
+          <a:fillRef idx="1">
+            <a:schemeClr val="lt1"/>
+          </a:fillRef>
+          <a:effectRef idx="0">
+            <a:schemeClr val="accent6"/>
+          </a:effectRef>
+          <a:fontRef idx="minor">
+            <a:schemeClr val="dk1"/>
+          </a:fontRef>
+        </p:style>
+        <p:txBody>
+          <a:bodyPr rtlCol="0" anchor="ctr"/>
+          <a:lstStyle/>
+          <a:p>
+            <a:pPr algn="ctr"/>
+            <a:endParaRPr lang="de-DE"/>
+          </a:p>
+        </p:txBody>
+      </p:sp>
+      <p:sp>
+        <p:nvSpPr>
+          <p:cNvPr id="7" name="Rechteck 6"/>
+          <p:cNvSpPr/>
+          <p:nvPr/>
+        </p:nvSpPr>
+        <p:spPr>
+          <a:xfrm>
+            <a:off x="1532397" y="2996952"/>
+            <a:ext cx="6135947" cy="648072"/>
+          </a:xfrm>
+          <a:prstGeom prst="rect">
+            <a:avLst/>
+          </a:prstGeom>
+          <a:noFill/>
+          <a:ln>
+            <a:solidFill>
+              <a:srgbClr val="00B0F0"/>
+            </a:solidFill>
+          </a:ln>
+        </p:spPr>
+        <p:style>
+          <a:lnRef idx="2">
+            <a:schemeClr val="accent6"/>
+          </a:lnRef>
+          <a:fillRef idx="1">
+            <a:schemeClr val="lt1"/>
+          </a:fillRef>
+          <a:effectRef idx="0">
+            <a:schemeClr val="accent6"/>
+          </a:effectRef>
+          <a:fontRef idx="minor">
+            <a:schemeClr val="dk1"/>
+          </a:fontRef>
+        </p:style>
+        <p:txBody>
+          <a:bodyPr rtlCol="0" anchor="ctr"/>
+          <a:lstStyle/>
+          <a:p>
+            <a:pPr algn="ctr"/>
+            <a:endParaRPr lang="de-DE"/>
+          </a:p>
+        </p:txBody>
+      </p:sp>
+      <p:sp>
+        <p:nvSpPr>
+          <p:cNvPr id="8" name="Rechteck 7"/>
+          <p:cNvSpPr/>
+          <p:nvPr/>
+        </p:nvSpPr>
+        <p:spPr>
+          <a:xfrm>
+            <a:off x="1532398" y="3775322"/>
+            <a:ext cx="3543658" cy="877813"/>
+          </a:xfrm>
+          <a:prstGeom prst="rect">
+            <a:avLst/>
+          </a:prstGeom>
+          <a:noFill/>
+          <a:ln>
+            <a:solidFill>
+              <a:srgbClr val="92D050"/>
+            </a:solidFill>
+          </a:ln>
+        </p:spPr>
+        <p:style>
+          <a:lnRef idx="2">
+            <a:schemeClr val="accent6"/>
+          </a:lnRef>
+          <a:fillRef idx="1">
+            <a:schemeClr val="lt1"/>
+          </a:fillRef>
+          <a:effectRef idx="0">
+            <a:schemeClr val="accent6"/>
+          </a:effectRef>
+          <a:fontRef idx="minor">
+            <a:schemeClr val="dk1"/>
+          </a:fontRef>
+        </p:style>
+        <p:txBody>
+          <a:bodyPr rtlCol="0" anchor="ctr"/>
+          <a:lstStyle/>
+          <a:p>
+            <a:pPr algn="ctr"/>
+            <a:endParaRPr lang="de-DE"/>
+          </a:p>
+        </p:txBody>
+      </p:sp>
+      <p:sp>
+        <p:nvSpPr>
+          <p:cNvPr id="9" name="Rechteck 8"/>
+          <p:cNvSpPr/>
+          <p:nvPr/>
+        </p:nvSpPr>
+        <p:spPr>
+          <a:xfrm>
+            <a:off x="1549935" y="4828965"/>
+            <a:ext cx="2518009" cy="184211"/>
+          </a:xfrm>
+          <a:prstGeom prst="rect">
+            <a:avLst/>
+          </a:prstGeom>
+          <a:noFill/>
+          <a:ln>
+            <a:solidFill>
+              <a:schemeClr val="tx1"/>
+            </a:solidFill>
+          </a:ln>
+        </p:spPr>
+        <p:style>
+          <a:lnRef idx="2">
+            <a:schemeClr val="accent6"/>
+          </a:lnRef>
+          <a:fillRef idx="1">
+            <a:schemeClr val="lt1"/>
+          </a:fillRef>
+          <a:effectRef idx="0">
+            <a:schemeClr val="accent6"/>
+          </a:effectRef>
+          <a:fontRef idx="minor">
+            <a:schemeClr val="dk1"/>
+          </a:fontRef>
+        </p:style>
+        <p:txBody>
+          <a:bodyPr rtlCol="0" anchor="ctr"/>
+          <a:lstStyle/>
+          <a:p>
+            <a:pPr algn="ctr"/>
+            <a:endParaRPr lang="de-DE"/>
+          </a:p>
+        </p:txBody>
+      </p:sp>
+      <p:sp>
+        <p:nvSpPr>
+          <p:cNvPr id="10" name="Rechteck 9"/>
+          <p:cNvSpPr/>
+          <p:nvPr/>
+        </p:nvSpPr>
+        <p:spPr>
+          <a:xfrm>
+            <a:off x="1539292" y="5229200"/>
+            <a:ext cx="3248732" cy="360040"/>
+          </a:xfrm>
+          <a:prstGeom prst="rect">
+            <a:avLst/>
+          </a:prstGeom>
+          <a:noFill/>
+          <a:ln>
+            <a:solidFill>
+              <a:srgbClr val="FFFF00"/>
+            </a:solidFill>
+          </a:ln>
+        </p:spPr>
+        <p:style>
+          <a:lnRef idx="2">
+            <a:schemeClr val="accent6"/>
+          </a:lnRef>
+          <a:fillRef idx="1">
+            <a:schemeClr val="lt1"/>
+          </a:fillRef>
+          <a:effectRef idx="0">
+            <a:schemeClr val="accent6"/>
+          </a:effectRef>
+          <a:fontRef idx="minor">
+            <a:schemeClr val="dk1"/>
+          </a:fontRef>
+        </p:style>
+        <p:txBody>
+          <a:bodyPr rtlCol="0" anchor="ctr"/>
+          <a:lstStyle/>
+          <a:p>
+            <a:pPr algn="ctr"/>
+            <a:endParaRPr lang="de-DE"/>
+          </a:p>
+        </p:txBody>
+      </p:sp>
     </p:spTree>
     <p:extLst>
       <p:ext uri="{BB962C8B-B14F-4D97-AF65-F5344CB8AC3E}">
@@ -9284,6 +11894,226 @@
           </a:extLst>
         </p:spPr>
       </p:pic>
+      <p:sp>
+        <p:nvSpPr>
+          <p:cNvPr id="5" name="Rechteck 4"/>
+          <p:cNvSpPr/>
+          <p:nvPr/>
+        </p:nvSpPr>
+        <p:spPr>
+          <a:xfrm>
+            <a:off x="899592" y="2564904"/>
+            <a:ext cx="1080120" cy="288032"/>
+          </a:xfrm>
+          <a:prstGeom prst="rect">
+            <a:avLst/>
+          </a:prstGeom>
+          <a:noFill/>
+          <a:ln>
+            <a:solidFill>
+              <a:srgbClr val="FF0000"/>
+            </a:solidFill>
+          </a:ln>
+        </p:spPr>
+        <p:style>
+          <a:lnRef idx="2">
+            <a:schemeClr val="accent6"/>
+          </a:lnRef>
+          <a:fillRef idx="1">
+            <a:schemeClr val="lt1"/>
+          </a:fillRef>
+          <a:effectRef idx="0">
+            <a:schemeClr val="accent6"/>
+          </a:effectRef>
+          <a:fontRef idx="minor">
+            <a:schemeClr val="dk1"/>
+          </a:fontRef>
+        </p:style>
+        <p:txBody>
+          <a:bodyPr rtlCol="0" anchor="ctr"/>
+          <a:lstStyle/>
+          <a:p>
+            <a:pPr algn="ctr"/>
+            <a:endParaRPr lang="de-DE"/>
+          </a:p>
+        </p:txBody>
+      </p:sp>
+      <p:sp>
+        <p:nvSpPr>
+          <p:cNvPr id="7" name="Rechteck 6"/>
+          <p:cNvSpPr/>
+          <p:nvPr/>
+        </p:nvSpPr>
+        <p:spPr>
+          <a:xfrm>
+            <a:off x="7236296" y="2060848"/>
+            <a:ext cx="1421954" cy="2592288"/>
+          </a:xfrm>
+          <a:prstGeom prst="rect">
+            <a:avLst/>
+          </a:prstGeom>
+          <a:noFill/>
+          <a:ln>
+            <a:solidFill>
+              <a:srgbClr val="92D050"/>
+            </a:solidFill>
+          </a:ln>
+        </p:spPr>
+        <p:style>
+          <a:lnRef idx="2">
+            <a:schemeClr val="accent6"/>
+          </a:lnRef>
+          <a:fillRef idx="1">
+            <a:schemeClr val="lt1"/>
+          </a:fillRef>
+          <a:effectRef idx="0">
+            <a:schemeClr val="accent6"/>
+          </a:effectRef>
+          <a:fontRef idx="minor">
+            <a:schemeClr val="dk1"/>
+          </a:fontRef>
+        </p:style>
+        <p:txBody>
+          <a:bodyPr rtlCol="0" anchor="ctr"/>
+          <a:lstStyle/>
+          <a:p>
+            <a:pPr algn="ctr"/>
+            <a:endParaRPr lang="de-DE"/>
+          </a:p>
+        </p:txBody>
+      </p:sp>
+      <p:sp>
+        <p:nvSpPr>
+          <p:cNvPr id="8" name="Rechteck 7"/>
+          <p:cNvSpPr/>
+          <p:nvPr/>
+        </p:nvSpPr>
+        <p:spPr>
+          <a:xfrm>
+            <a:off x="7213004" y="4818856"/>
+            <a:ext cx="1421954" cy="770384"/>
+          </a:xfrm>
+          <a:prstGeom prst="rect">
+            <a:avLst/>
+          </a:prstGeom>
+          <a:noFill/>
+          <a:ln>
+            <a:solidFill>
+              <a:srgbClr val="00B0F0"/>
+            </a:solidFill>
+          </a:ln>
+        </p:spPr>
+        <p:style>
+          <a:lnRef idx="2">
+            <a:schemeClr val="accent6"/>
+          </a:lnRef>
+          <a:fillRef idx="1">
+            <a:schemeClr val="lt1"/>
+          </a:fillRef>
+          <a:effectRef idx="0">
+            <a:schemeClr val="accent6"/>
+          </a:effectRef>
+          <a:fontRef idx="minor">
+            <a:schemeClr val="dk1"/>
+          </a:fontRef>
+        </p:style>
+        <p:txBody>
+          <a:bodyPr rtlCol="0" anchor="ctr"/>
+          <a:lstStyle/>
+          <a:p>
+            <a:pPr algn="ctr"/>
+            <a:endParaRPr lang="de-DE"/>
+          </a:p>
+        </p:txBody>
+      </p:sp>
+      <p:sp>
+        <p:nvSpPr>
+          <p:cNvPr id="9" name="Rechteck 8"/>
+          <p:cNvSpPr/>
+          <p:nvPr/>
+        </p:nvSpPr>
+        <p:spPr>
+          <a:xfrm>
+            <a:off x="557758" y="3212976"/>
+            <a:ext cx="6462514" cy="288032"/>
+          </a:xfrm>
+          <a:prstGeom prst="rect">
+            <a:avLst/>
+          </a:prstGeom>
+          <a:noFill/>
+          <a:ln>
+            <a:solidFill>
+              <a:schemeClr val="tx1"/>
+            </a:solidFill>
+          </a:ln>
+        </p:spPr>
+        <p:style>
+          <a:lnRef idx="2">
+            <a:schemeClr val="accent6"/>
+          </a:lnRef>
+          <a:fillRef idx="1">
+            <a:schemeClr val="lt1"/>
+          </a:fillRef>
+          <a:effectRef idx="0">
+            <a:schemeClr val="accent6"/>
+          </a:effectRef>
+          <a:fontRef idx="minor">
+            <a:schemeClr val="dk1"/>
+          </a:fontRef>
+        </p:style>
+        <p:txBody>
+          <a:bodyPr rtlCol="0" anchor="ctr"/>
+          <a:lstStyle/>
+          <a:p>
+            <a:pPr algn="ctr"/>
+            <a:endParaRPr lang="de-DE"/>
+          </a:p>
+        </p:txBody>
+      </p:sp>
+      <p:sp>
+        <p:nvSpPr>
+          <p:cNvPr id="10" name="Rechteck 9"/>
+          <p:cNvSpPr/>
+          <p:nvPr/>
+        </p:nvSpPr>
+        <p:spPr>
+          <a:xfrm>
+            <a:off x="587226" y="3653408"/>
+            <a:ext cx="6462514" cy="1550640"/>
+          </a:xfrm>
+          <a:prstGeom prst="rect">
+            <a:avLst/>
+          </a:prstGeom>
+          <a:noFill/>
+          <a:ln>
+            <a:solidFill>
+              <a:srgbClr val="FFFF00"/>
+            </a:solidFill>
+          </a:ln>
+        </p:spPr>
+        <p:style>
+          <a:lnRef idx="2">
+            <a:schemeClr val="accent6"/>
+          </a:lnRef>
+          <a:fillRef idx="1">
+            <a:schemeClr val="lt1"/>
+          </a:fillRef>
+          <a:effectRef idx="0">
+            <a:schemeClr val="accent6"/>
+          </a:effectRef>
+          <a:fontRef idx="minor">
+            <a:schemeClr val="dk1"/>
+          </a:fontRef>
+        </p:style>
+        <p:txBody>
+          <a:bodyPr rtlCol="0" anchor="ctr"/>
+          <a:lstStyle/>
+          <a:p>
+            <a:pPr algn="ctr"/>
+            <a:endParaRPr lang="de-DE"/>
+          </a:p>
+        </p:txBody>
+      </p:sp>
     </p:spTree>
     <p:extLst>
       <p:ext uri="{BB962C8B-B14F-4D97-AF65-F5344CB8AC3E}">
@@ -9330,26 +12160,25 @@
           <a:lstStyle/>
           <a:p>
             <a:r>
-              <a:rPr lang="de-DE" dirty="0" smtClean="0"/>
+              <a:rPr lang="de-DE" dirty="0"/>
               <a:t>Create </a:t>
             </a:r>
             <a:r>
-              <a:rPr lang="de-DE" dirty="0" err="1" smtClean="0"/>
+              <a:rPr lang="de-DE" dirty="0" err="1"/>
               <a:t>new</a:t>
             </a:r>
             <a:r>
-              <a:rPr lang="de-DE" dirty="0" smtClean="0"/>
+              <a:rPr lang="de-DE" dirty="0"/>
               <a:t> </a:t>
             </a:r>
             <a:r>
-              <a:rPr lang="de-DE" dirty="0" err="1" smtClean="0"/>
+              <a:rPr lang="de-DE" dirty="0" err="1"/>
               <a:t>organisation</a:t>
             </a:r>
             <a:r>
-              <a:rPr lang="de-DE" dirty="0" smtClean="0"/>
+              <a:rPr lang="de-DE" dirty="0"/>
               <a:t>(1)</a:t>
             </a:r>
-            <a:endParaRPr lang="de-DE" dirty="0"/>
           </a:p>
         </p:txBody>
       </p:sp>
@@ -9422,8 +12251,8 @@
         </p:blipFill>
         <p:spPr bwMode="auto">
           <a:xfrm>
-            <a:off x="419410" y="1975027"/>
-            <a:ext cx="8305180" cy="3254173"/>
+            <a:off x="827584" y="2132856"/>
+            <a:ext cx="7488832" cy="2934308"/>
           </a:xfrm>
           <a:prstGeom prst="rect">
             <a:avLst/>
@@ -9440,10 +12269,98 @@
           </a:extLst>
         </p:spPr>
       </p:pic>
+      <p:sp>
+        <p:nvSpPr>
+          <p:cNvPr id="6" name="Rechteck 5"/>
+          <p:cNvSpPr/>
+          <p:nvPr/>
+        </p:nvSpPr>
+        <p:spPr>
+          <a:xfrm>
+            <a:off x="7596335" y="2204864"/>
+            <a:ext cx="360041" cy="184211"/>
+          </a:xfrm>
+          <a:prstGeom prst="rect">
+            <a:avLst/>
+          </a:prstGeom>
+          <a:noFill/>
+          <a:ln>
+            <a:solidFill>
+              <a:srgbClr val="FF0000"/>
+            </a:solidFill>
+          </a:ln>
+        </p:spPr>
+        <p:style>
+          <a:lnRef idx="2">
+            <a:schemeClr val="accent6"/>
+          </a:lnRef>
+          <a:fillRef idx="1">
+            <a:schemeClr val="lt1"/>
+          </a:fillRef>
+          <a:effectRef idx="0">
+            <a:schemeClr val="accent6"/>
+          </a:effectRef>
+          <a:fontRef idx="minor">
+            <a:schemeClr val="dk1"/>
+          </a:fontRef>
+        </p:style>
+        <p:txBody>
+          <a:bodyPr rtlCol="0" anchor="ctr"/>
+          <a:lstStyle/>
+          <a:p>
+            <a:pPr algn="ctr"/>
+            <a:endParaRPr lang="de-DE"/>
+          </a:p>
+        </p:txBody>
+      </p:sp>
+      <p:sp>
+        <p:nvSpPr>
+          <p:cNvPr id="7" name="Rechteck 6"/>
+          <p:cNvSpPr/>
+          <p:nvPr/>
+        </p:nvSpPr>
+        <p:spPr>
+          <a:xfrm>
+            <a:off x="2805913" y="3415589"/>
+            <a:ext cx="2774199" cy="229435"/>
+          </a:xfrm>
+          <a:prstGeom prst="rect">
+            <a:avLst/>
+          </a:prstGeom>
+          <a:noFill/>
+          <a:ln>
+            <a:solidFill>
+              <a:srgbClr val="FFFF00"/>
+            </a:solidFill>
+          </a:ln>
+        </p:spPr>
+        <p:style>
+          <a:lnRef idx="2">
+            <a:schemeClr val="accent6"/>
+          </a:lnRef>
+          <a:fillRef idx="1">
+            <a:schemeClr val="lt1"/>
+          </a:fillRef>
+          <a:effectRef idx="0">
+            <a:schemeClr val="accent6"/>
+          </a:effectRef>
+          <a:fontRef idx="minor">
+            <a:schemeClr val="dk1"/>
+          </a:fontRef>
+        </p:style>
+        <p:txBody>
+          <a:bodyPr rtlCol="0" anchor="ctr"/>
+          <a:lstStyle/>
+          <a:p>
+            <a:pPr algn="ctr"/>
+            <a:endParaRPr lang="de-DE"/>
+          </a:p>
+        </p:txBody>
+      </p:sp>
     </p:spTree>
     <p:extLst>
       <p:ext uri="{BB962C8B-B14F-4D97-AF65-F5344CB8AC3E}">
-        <p14:creationId xmlns:p14="http://schemas.microsoft.com/office/powerpoint/2010/main" val="1519846180"/>
+        <p14:creationId xmlns:p14="http://schemas.microsoft.com/office/powerpoint/2010/main" val="2826362524"/>
       </p:ext>
     </p:extLst>
   </p:cSld>
@@ -9596,6 +12513,94 @@
           </a:extLst>
         </p:spPr>
       </p:pic>
+      <p:sp>
+        <p:nvSpPr>
+          <p:cNvPr id="6" name="Rechteck 5"/>
+          <p:cNvSpPr/>
+          <p:nvPr/>
+        </p:nvSpPr>
+        <p:spPr>
+          <a:xfrm>
+            <a:off x="2295745" y="2492896"/>
+            <a:ext cx="2780311" cy="1080120"/>
+          </a:xfrm>
+          <a:prstGeom prst="rect">
+            <a:avLst/>
+          </a:prstGeom>
+          <a:noFill/>
+          <a:ln>
+            <a:solidFill>
+              <a:srgbClr val="FF0000"/>
+            </a:solidFill>
+          </a:ln>
+        </p:spPr>
+        <p:style>
+          <a:lnRef idx="2">
+            <a:schemeClr val="accent6"/>
+          </a:lnRef>
+          <a:fillRef idx="1">
+            <a:schemeClr val="lt1"/>
+          </a:fillRef>
+          <a:effectRef idx="0">
+            <a:schemeClr val="accent6"/>
+          </a:effectRef>
+          <a:fontRef idx="minor">
+            <a:schemeClr val="dk1"/>
+          </a:fontRef>
+        </p:style>
+        <p:txBody>
+          <a:bodyPr rtlCol="0" anchor="ctr"/>
+          <a:lstStyle/>
+          <a:p>
+            <a:pPr algn="ctr"/>
+            <a:endParaRPr lang="de-DE"/>
+          </a:p>
+        </p:txBody>
+      </p:sp>
+      <p:sp>
+        <p:nvSpPr>
+          <p:cNvPr id="7" name="Rechteck 6"/>
+          <p:cNvSpPr/>
+          <p:nvPr/>
+        </p:nvSpPr>
+        <p:spPr>
+          <a:xfrm>
+            <a:off x="2275217" y="3645024"/>
+            <a:ext cx="2800839" cy="2088232"/>
+          </a:xfrm>
+          <a:prstGeom prst="rect">
+            <a:avLst/>
+          </a:prstGeom>
+          <a:noFill/>
+          <a:ln>
+            <a:solidFill>
+              <a:srgbClr val="FFFF00"/>
+            </a:solidFill>
+          </a:ln>
+        </p:spPr>
+        <p:style>
+          <a:lnRef idx="2">
+            <a:schemeClr val="accent6"/>
+          </a:lnRef>
+          <a:fillRef idx="1">
+            <a:schemeClr val="lt1"/>
+          </a:fillRef>
+          <a:effectRef idx="0">
+            <a:schemeClr val="accent6"/>
+          </a:effectRef>
+          <a:fontRef idx="minor">
+            <a:schemeClr val="dk1"/>
+          </a:fontRef>
+        </p:style>
+        <p:txBody>
+          <a:bodyPr rtlCol="0" anchor="ctr"/>
+          <a:lstStyle/>
+          <a:p>
+            <a:pPr algn="ctr"/>
+            <a:endParaRPr lang="de-DE"/>
+          </a:p>
+        </p:txBody>
+      </p:sp>
     </p:spTree>
     <p:extLst>
       <p:ext uri="{BB962C8B-B14F-4D97-AF65-F5344CB8AC3E}">
@@ -9752,6 +12757,50 @@
           </a:extLst>
         </p:spPr>
       </p:pic>
+      <p:sp>
+        <p:nvSpPr>
+          <p:cNvPr id="6" name="Rechteck 5"/>
+          <p:cNvSpPr/>
+          <p:nvPr/>
+        </p:nvSpPr>
+        <p:spPr>
+          <a:xfrm>
+            <a:off x="2065288" y="2564904"/>
+            <a:ext cx="3078212" cy="432048"/>
+          </a:xfrm>
+          <a:prstGeom prst="rect">
+            <a:avLst/>
+          </a:prstGeom>
+          <a:noFill/>
+          <a:ln>
+            <a:solidFill>
+              <a:srgbClr val="FF0000"/>
+            </a:solidFill>
+          </a:ln>
+        </p:spPr>
+        <p:style>
+          <a:lnRef idx="2">
+            <a:schemeClr val="accent6"/>
+          </a:lnRef>
+          <a:fillRef idx="1">
+            <a:schemeClr val="lt1"/>
+          </a:fillRef>
+          <a:effectRef idx="0">
+            <a:schemeClr val="accent6"/>
+          </a:effectRef>
+          <a:fontRef idx="minor">
+            <a:schemeClr val="dk1"/>
+          </a:fontRef>
+        </p:style>
+        <p:txBody>
+          <a:bodyPr rtlCol="0" anchor="ctr"/>
+          <a:lstStyle/>
+          <a:p>
+            <a:pPr algn="ctr"/>
+            <a:endParaRPr lang="de-DE"/>
+          </a:p>
+        </p:txBody>
+      </p:sp>
     </p:spTree>
     <p:extLst>
       <p:ext uri="{BB962C8B-B14F-4D97-AF65-F5344CB8AC3E}">

--- a/Tutorial.pptx
+++ b/Tutorial.pptx
@@ -5,7 +5,7 @@
     <p:sldMasterId id="2147483660" r:id="rId1"/>
   </p:sldMasterIdLst>
   <p:notesMasterIdLst>
-    <p:notesMasterId r:id="rId25"/>
+    <p:notesMasterId r:id="rId33"/>
   </p:notesMasterIdLst>
   <p:sldIdLst>
     <p:sldId id="256" r:id="rId2"/>
@@ -28,9 +28,17 @@
     <p:sldId id="304" r:id="rId19"/>
     <p:sldId id="305" r:id="rId20"/>
     <p:sldId id="306" r:id="rId21"/>
-    <p:sldId id="269" r:id="rId22"/>
-    <p:sldId id="302" r:id="rId23"/>
-    <p:sldId id="262" r:id="rId24"/>
+    <p:sldId id="315" r:id="rId22"/>
+    <p:sldId id="316" r:id="rId23"/>
+    <p:sldId id="317" r:id="rId24"/>
+    <p:sldId id="319" r:id="rId25"/>
+    <p:sldId id="322" r:id="rId26"/>
+    <p:sldId id="318" r:id="rId27"/>
+    <p:sldId id="320" r:id="rId28"/>
+    <p:sldId id="321" r:id="rId29"/>
+    <p:sldId id="269" r:id="rId30"/>
+    <p:sldId id="302" r:id="rId31"/>
+    <p:sldId id="262" r:id="rId32"/>
   </p:sldIdLst>
   <p:sldSz cx="9144000" cy="6858000" type="screen4x3"/>
   <p:notesSz cx="6858000" cy="9144000"/>
@@ -131,7 +139,7 @@
   </p:defaultTextStyle>
   <p:extLst>
     <p:ext uri="{EFAFB233-063F-42B5-8137-9DF3F51BA10A}">
-      <p15:sldGuideLst xmlns:p15="http://schemas.microsoft.com/office/powerpoint/2012/main" xmlns="">
+      <p15:sldGuideLst xmlns="" xmlns:p15="http://schemas.microsoft.com/office/powerpoint/2012/main">
         <p15:guide id="1" orient="horz" pos="2160">
           <p15:clr>
             <a:srgbClr val="A4A3A4"/>
@@ -230,7 +238,7 @@
           <a:p>
             <a:fld id="{D33A1A6D-234A-42C6-88C5-85D1460EE3B8}" type="datetimeFigureOut">
               <a:rPr lang="de-DE" smtClean="0"/>
-              <a:t>20.10.2015</a:t>
+              <a:t>23.10.2015</a:t>
             </a:fld>
             <a:endParaRPr lang="de-DE"/>
           </a:p>
@@ -2024,6 +2032,197 @@
 </p:notes>
 </file>
 
+<file path=ppt/notesSlides/notesSlide19.xml><?xml version="1.0" encoding="utf-8"?>
+<p:notes xmlns:a="http://schemas.openxmlformats.org/drawingml/2006/main" xmlns:r="http://schemas.openxmlformats.org/officeDocument/2006/relationships" xmlns:p="http://schemas.openxmlformats.org/presentationml/2006/main">
+  <p:cSld>
+    <p:spTree>
+      <p:nvGrpSpPr>
+        <p:cNvPr id="1" name=""/>
+        <p:cNvGrpSpPr/>
+        <p:nvPr/>
+      </p:nvGrpSpPr>
+      <p:grpSpPr>
+        <a:xfrm>
+          <a:off x="0" y="0"/>
+          <a:ext cx="0" cy="0"/>
+          <a:chOff x="0" y="0"/>
+          <a:chExt cx="0" cy="0"/>
+        </a:xfrm>
+      </p:grpSpPr>
+      <p:sp>
+        <p:nvSpPr>
+          <p:cNvPr id="2" name="Folienbildplatzhalter 1"/>
+          <p:cNvSpPr>
+            <a:spLocks noGrp="1" noRot="1" noChangeAspect="1"/>
+          </p:cNvSpPr>
+          <p:nvPr>
+            <p:ph type="sldImg"/>
+          </p:nvPr>
+        </p:nvSpPr>
+        <p:spPr/>
+      </p:sp>
+      <p:sp>
+        <p:nvSpPr>
+          <p:cNvPr id="3" name="Notizenplatzhalter 2"/>
+          <p:cNvSpPr>
+            <a:spLocks noGrp="1"/>
+          </p:cNvSpPr>
+          <p:nvPr>
+            <p:ph type="body" idx="1"/>
+          </p:nvPr>
+        </p:nvSpPr>
+        <p:spPr/>
+        <p:txBody>
+          <a:bodyPr/>
+          <a:lstStyle/>
+          <a:p>
+            <a:pPr marL="0" indent="0">
+              <a:buFont typeface="Arial" charset="0"/>
+              <a:buNone/>
+            </a:pPr>
+            <a:r>
+              <a:rPr lang="de-DE" dirty="0" smtClean="0"/>
+              <a:t>*Es sollte zu keinen </a:t>
+            </a:r>
+            <a:r>
+              <a:rPr lang="de-DE" dirty="0" err="1" smtClean="0"/>
+              <a:t>Mergekonfikten</a:t>
+            </a:r>
+            <a:r>
+              <a:rPr lang="de-DE" dirty="0" smtClean="0"/>
+              <a:t> kommen,</a:t>
+            </a:r>
+            <a:r>
+              <a:rPr lang="de-DE" baseline="0" dirty="0" smtClean="0"/>
+              <a:t> da jede Person seine Dateien (redundante ausgeschlossen) auf den Server </a:t>
+            </a:r>
+            <a:r>
+              <a:rPr lang="de-DE" b="1" baseline="0" dirty="0" err="1" smtClean="0"/>
+              <a:t>push</a:t>
+            </a:r>
+            <a:r>
+              <a:rPr lang="de-DE" b="0" baseline="0" dirty="0" err="1" smtClean="0"/>
+              <a:t>ed</a:t>
+            </a:r>
+            <a:r>
+              <a:rPr lang="de-DE" b="0" baseline="0" dirty="0" smtClean="0"/>
+              <a:t>.</a:t>
+            </a:r>
+          </a:p>
+          <a:p>
+            <a:pPr marL="0" indent="0">
+              <a:buFont typeface="Arial" charset="0"/>
+              <a:buNone/>
+            </a:pPr>
+            <a:r>
+              <a:rPr lang="de-DE" dirty="0" smtClean="0"/>
+              <a:t>Der</a:t>
+            </a:r>
+            <a:r>
+              <a:rPr lang="de-DE" baseline="0" dirty="0" smtClean="0"/>
+              <a:t> Befehl lautet: </a:t>
+            </a:r>
+            <a:r>
+              <a:rPr lang="de-DE" b="1" baseline="0" dirty="0" err="1" smtClean="0"/>
+              <a:t>git</a:t>
+            </a:r>
+            <a:r>
+              <a:rPr lang="de-DE" b="1" baseline="0" dirty="0" smtClean="0"/>
+              <a:t> pull</a:t>
+            </a:r>
+            <a:endParaRPr lang="de-DE" b="1" dirty="0" smtClean="0"/>
+          </a:p>
+          <a:p>
+            <a:endParaRPr lang="de-DE" dirty="0" smtClean="0"/>
+          </a:p>
+          <a:p>
+            <a:r>
+              <a:rPr lang="de-DE" dirty="0" smtClean="0"/>
+              <a:t>INFO: Vor jedem </a:t>
+            </a:r>
+            <a:r>
+              <a:rPr lang="de-DE" b="1" dirty="0" err="1" smtClean="0"/>
+              <a:t>commit</a:t>
+            </a:r>
+            <a:r>
+              <a:rPr lang="de-DE" b="1" baseline="0" dirty="0" smtClean="0"/>
+              <a:t> </a:t>
+            </a:r>
+            <a:r>
+              <a:rPr lang="de-DE" b="0" baseline="0" dirty="0" smtClean="0"/>
+              <a:t>lieber einmal das lokale Verzeichnis </a:t>
+            </a:r>
+            <a:r>
+              <a:rPr lang="de-DE" b="1" baseline="0" dirty="0" smtClean="0"/>
+              <a:t>pull</a:t>
+            </a:r>
+            <a:r>
+              <a:rPr lang="de-DE" b="0" baseline="0" dirty="0" smtClean="0"/>
+              <a:t>en, damit die Ausgangssituation identisch ist </a:t>
+            </a:r>
+            <a:r>
+              <a:rPr lang="de-DE" b="0" baseline="0" dirty="0" smtClean="0">
+                <a:sym typeface="Wingdings" panose="05000000000000000000" pitchFamily="2" charset="2"/>
+              </a:rPr>
+              <a:t> Befehl: </a:t>
+            </a:r>
+            <a:r>
+              <a:rPr lang="de-DE" b="1" baseline="0" dirty="0" err="1" smtClean="0">
+                <a:sym typeface="Wingdings" panose="05000000000000000000" pitchFamily="2" charset="2"/>
+              </a:rPr>
+              <a:t>git</a:t>
+            </a:r>
+            <a:r>
+              <a:rPr lang="de-DE" b="1" baseline="0" dirty="0" smtClean="0">
+                <a:sym typeface="Wingdings" panose="05000000000000000000" pitchFamily="2" charset="2"/>
+              </a:rPr>
+              <a:t> pull</a:t>
+            </a:r>
+            <a:endParaRPr lang="de-DE" b="0" baseline="0" dirty="0" smtClean="0">
+              <a:sym typeface="Wingdings" panose="05000000000000000000" pitchFamily="2" charset="2"/>
+            </a:endParaRPr>
+          </a:p>
+          <a:p>
+            <a:endParaRPr lang="de-DE" dirty="0"/>
+          </a:p>
+        </p:txBody>
+      </p:sp>
+      <p:sp>
+        <p:nvSpPr>
+          <p:cNvPr id="4" name="Foliennummernplatzhalter 3"/>
+          <p:cNvSpPr>
+            <a:spLocks noGrp="1"/>
+          </p:cNvSpPr>
+          <p:nvPr>
+            <p:ph type="sldNum" sz="quarter" idx="10"/>
+          </p:nvPr>
+        </p:nvSpPr>
+        <p:spPr/>
+        <p:txBody>
+          <a:bodyPr/>
+          <a:lstStyle/>
+          <a:p>
+            <a:fld id="{4A505144-3BC5-4B32-83CF-491494C34331}" type="slidenum">
+              <a:rPr lang="de-DE" smtClean="0"/>
+              <a:t>22</a:t>
+            </a:fld>
+            <a:endParaRPr lang="de-DE"/>
+          </a:p>
+        </p:txBody>
+      </p:sp>
+    </p:spTree>
+    <p:extLst>
+      <p:ext uri="{BB962C8B-B14F-4D97-AF65-F5344CB8AC3E}">
+        <p14:creationId xmlns:p14="http://schemas.microsoft.com/office/powerpoint/2010/main" val="3343837465"/>
+      </p:ext>
+    </p:extLst>
+  </p:cSld>
+  <p:clrMapOvr>
+    <a:masterClrMapping/>
+  </p:clrMapOvr>
+</p:notes>
+</file>
+
 <file path=ppt/notesSlides/notesSlide2.xml><?xml version="1.0" encoding="utf-8"?>
 <p:notes xmlns:a="http://schemas.openxmlformats.org/drawingml/2006/main" xmlns:r="http://schemas.openxmlformats.org/officeDocument/2006/relationships" xmlns:p="http://schemas.openxmlformats.org/presentationml/2006/main">
   <p:cSld>
@@ -2156,6 +2355,1322 @@
     <p:extLst>
       <p:ext uri="{BB962C8B-B14F-4D97-AF65-F5344CB8AC3E}">
         <p14:creationId xmlns:p14="http://schemas.microsoft.com/office/powerpoint/2010/main" val="4142138505"/>
+      </p:ext>
+    </p:extLst>
+  </p:cSld>
+  <p:clrMapOvr>
+    <a:masterClrMapping/>
+  </p:clrMapOvr>
+</p:notes>
+</file>
+
+<file path=ppt/notesSlides/notesSlide20.xml><?xml version="1.0" encoding="utf-8"?>
+<p:notes xmlns:a="http://schemas.openxmlformats.org/drawingml/2006/main" xmlns:r="http://schemas.openxmlformats.org/officeDocument/2006/relationships" xmlns:p="http://schemas.openxmlformats.org/presentationml/2006/main">
+  <p:cSld>
+    <p:spTree>
+      <p:nvGrpSpPr>
+        <p:cNvPr id="1" name=""/>
+        <p:cNvGrpSpPr/>
+        <p:nvPr/>
+      </p:nvGrpSpPr>
+      <p:grpSpPr>
+        <a:xfrm>
+          <a:off x="0" y="0"/>
+          <a:ext cx="0" cy="0"/>
+          <a:chOff x="0" y="0"/>
+          <a:chExt cx="0" cy="0"/>
+        </a:xfrm>
+      </p:grpSpPr>
+      <p:sp>
+        <p:nvSpPr>
+          <p:cNvPr id="2" name="Folienbildplatzhalter 1"/>
+          <p:cNvSpPr>
+            <a:spLocks noGrp="1" noRot="1" noChangeAspect="1"/>
+          </p:cNvSpPr>
+          <p:nvPr>
+            <p:ph type="sldImg"/>
+          </p:nvPr>
+        </p:nvSpPr>
+        <p:spPr/>
+      </p:sp>
+      <p:sp>
+        <p:nvSpPr>
+          <p:cNvPr id="3" name="Notizenplatzhalter 2"/>
+          <p:cNvSpPr>
+            <a:spLocks noGrp="1"/>
+          </p:cNvSpPr>
+          <p:nvPr>
+            <p:ph type="body" idx="1"/>
+          </p:nvPr>
+        </p:nvSpPr>
+        <p:spPr/>
+        <p:txBody>
+          <a:bodyPr/>
+          <a:lstStyle/>
+          <a:p>
+            <a:pPr marL="0" marR="0" indent="0" algn="l" defTabSz="914400" rtl="0" eaLnBrk="1" fontAlgn="auto" latinLnBrk="0" hangingPunct="1">
+              <a:lnSpc>
+                <a:spcPct val="100000"/>
+              </a:lnSpc>
+              <a:spcBef>
+                <a:spcPts val="0"/>
+              </a:spcBef>
+              <a:spcAft>
+                <a:spcPts val="0"/>
+              </a:spcAft>
+              <a:buClrTx/>
+              <a:buSzTx/>
+              <a:buFontTx/>
+              <a:buNone/>
+              <a:tabLst/>
+              <a:defRPr/>
+            </a:pPr>
+            <a:r>
+              <a:rPr lang="de-DE" dirty="0" smtClean="0"/>
+              <a:t>INFO: Vor jedem </a:t>
+            </a:r>
+            <a:r>
+              <a:rPr lang="de-DE" b="1" dirty="0" err="1" smtClean="0"/>
+              <a:t>commit</a:t>
+            </a:r>
+            <a:r>
+              <a:rPr lang="de-DE" b="1" baseline="0" dirty="0" smtClean="0"/>
+              <a:t> </a:t>
+            </a:r>
+            <a:r>
+              <a:rPr lang="de-DE" b="0" baseline="0" dirty="0" smtClean="0"/>
+              <a:t>lieber einmal das lokale Verzeichnis </a:t>
+            </a:r>
+            <a:r>
+              <a:rPr lang="de-DE" b="1" baseline="0" dirty="0" smtClean="0"/>
+              <a:t>pull</a:t>
+            </a:r>
+            <a:r>
+              <a:rPr lang="de-DE" b="0" baseline="0" dirty="0" smtClean="0"/>
+              <a:t>en, damit die Ausgangssituation identisch ist </a:t>
+            </a:r>
+            <a:r>
+              <a:rPr lang="de-DE" b="0" baseline="0" dirty="0" smtClean="0">
+                <a:sym typeface="Wingdings" panose="05000000000000000000" pitchFamily="2" charset="2"/>
+              </a:rPr>
+              <a:t> Befehl: </a:t>
+            </a:r>
+            <a:r>
+              <a:rPr lang="de-DE" b="1" baseline="0" dirty="0" err="1" smtClean="0">
+                <a:sym typeface="Wingdings" panose="05000000000000000000" pitchFamily="2" charset="2"/>
+              </a:rPr>
+              <a:t>git</a:t>
+            </a:r>
+            <a:r>
+              <a:rPr lang="de-DE" b="1" baseline="0" dirty="0" smtClean="0">
+                <a:sym typeface="Wingdings" panose="05000000000000000000" pitchFamily="2" charset="2"/>
+              </a:rPr>
+              <a:t> pull</a:t>
+            </a:r>
+          </a:p>
+          <a:p>
+            <a:pPr marL="0" marR="0" indent="0" algn="l" defTabSz="914400" rtl="0" eaLnBrk="1" fontAlgn="auto" latinLnBrk="0" hangingPunct="1">
+              <a:lnSpc>
+                <a:spcPct val="100000"/>
+              </a:lnSpc>
+              <a:spcBef>
+                <a:spcPts val="0"/>
+              </a:spcBef>
+              <a:spcAft>
+                <a:spcPts val="0"/>
+              </a:spcAft>
+              <a:buClrTx/>
+              <a:buSzTx/>
+              <a:buFontTx/>
+              <a:buNone/>
+              <a:tabLst/>
+              <a:defRPr/>
+            </a:pPr>
+            <a:endParaRPr lang="de-DE" b="1" baseline="0" dirty="0" smtClean="0">
+              <a:sym typeface="Wingdings" panose="05000000000000000000" pitchFamily="2" charset="2"/>
+            </a:endParaRPr>
+          </a:p>
+          <a:p>
+            <a:pPr marL="0" marR="0" indent="0" algn="l" defTabSz="914400" rtl="0" eaLnBrk="1" fontAlgn="auto" latinLnBrk="0" hangingPunct="1">
+              <a:lnSpc>
+                <a:spcPct val="100000"/>
+              </a:lnSpc>
+              <a:spcBef>
+                <a:spcPts val="0"/>
+              </a:spcBef>
+              <a:spcAft>
+                <a:spcPts val="0"/>
+              </a:spcAft>
+              <a:buClrTx/>
+              <a:buSzTx/>
+              <a:buFontTx/>
+              <a:buNone/>
+              <a:tabLst/>
+              <a:defRPr/>
+            </a:pPr>
+            <a:r>
+              <a:rPr lang="de-DE" b="1" baseline="0" dirty="0" smtClean="0">
+                <a:sym typeface="Wingdings" panose="05000000000000000000" pitchFamily="2" charset="2"/>
+              </a:rPr>
+              <a:t>GELB: </a:t>
+            </a:r>
+            <a:r>
+              <a:rPr lang="de-DE" b="0" baseline="0" dirty="0" smtClean="0">
+                <a:sym typeface="Wingdings" panose="05000000000000000000" pitchFamily="2" charset="2"/>
+              </a:rPr>
+              <a:t>pull</a:t>
+            </a:r>
+          </a:p>
+          <a:p>
+            <a:pPr marL="0" marR="0" indent="0" algn="l" defTabSz="914400" rtl="0" eaLnBrk="1" fontAlgn="auto" latinLnBrk="0" hangingPunct="1">
+              <a:lnSpc>
+                <a:spcPct val="100000"/>
+              </a:lnSpc>
+              <a:spcBef>
+                <a:spcPts val="0"/>
+              </a:spcBef>
+              <a:spcAft>
+                <a:spcPts val="0"/>
+              </a:spcAft>
+              <a:buClrTx/>
+              <a:buSzTx/>
+              <a:buFontTx/>
+              <a:buNone/>
+              <a:tabLst/>
+              <a:defRPr/>
+            </a:pPr>
+            <a:r>
+              <a:rPr lang="de-DE" b="1" baseline="0" dirty="0" smtClean="0">
+                <a:sym typeface="Wingdings" panose="05000000000000000000" pitchFamily="2" charset="2"/>
+              </a:rPr>
+              <a:t>ROT: </a:t>
+            </a:r>
+            <a:r>
+              <a:rPr lang="de-DE" b="0" baseline="0" dirty="0" smtClean="0">
+                <a:sym typeface="Wingdings" panose="05000000000000000000" pitchFamily="2" charset="2"/>
+              </a:rPr>
+              <a:t>push von A</a:t>
+            </a:r>
+          </a:p>
+          <a:p>
+            <a:pPr marL="0" marR="0" indent="0" algn="l" defTabSz="914400" rtl="0" eaLnBrk="1" fontAlgn="auto" latinLnBrk="0" hangingPunct="1">
+              <a:lnSpc>
+                <a:spcPct val="100000"/>
+              </a:lnSpc>
+              <a:spcBef>
+                <a:spcPts val="0"/>
+              </a:spcBef>
+              <a:spcAft>
+                <a:spcPts val="0"/>
+              </a:spcAft>
+              <a:buClrTx/>
+              <a:buSzTx/>
+              <a:buFontTx/>
+              <a:buNone/>
+              <a:tabLst/>
+              <a:defRPr/>
+            </a:pPr>
+            <a:r>
+              <a:rPr lang="de-DE" b="1" baseline="0" dirty="0" smtClean="0">
+                <a:sym typeface="Wingdings" panose="05000000000000000000" pitchFamily="2" charset="2"/>
+              </a:rPr>
+              <a:t>GRÜN: </a:t>
+            </a:r>
+            <a:r>
+              <a:rPr lang="de-DE" b="0" baseline="0" dirty="0" smtClean="0">
+                <a:sym typeface="Wingdings" panose="05000000000000000000" pitchFamily="2" charset="2"/>
+              </a:rPr>
+              <a:t>push von B</a:t>
+            </a:r>
+          </a:p>
+          <a:p>
+            <a:pPr marL="0" marR="0" indent="0" algn="l" defTabSz="914400" rtl="0" eaLnBrk="1" fontAlgn="auto" latinLnBrk="0" hangingPunct="1">
+              <a:lnSpc>
+                <a:spcPct val="100000"/>
+              </a:lnSpc>
+              <a:spcBef>
+                <a:spcPts val="0"/>
+              </a:spcBef>
+              <a:spcAft>
+                <a:spcPts val="0"/>
+              </a:spcAft>
+              <a:buClrTx/>
+              <a:buSzTx/>
+              <a:buFontTx/>
+              <a:buNone/>
+              <a:tabLst/>
+              <a:defRPr/>
+            </a:pPr>
+            <a:endParaRPr lang="de-DE" b="0" baseline="0" dirty="0" smtClean="0">
+              <a:sym typeface="Wingdings" panose="05000000000000000000" pitchFamily="2" charset="2"/>
+            </a:endParaRPr>
+          </a:p>
+          <a:p>
+            <a:pPr marL="0" marR="0" indent="0" algn="l" defTabSz="914400" rtl="0" eaLnBrk="1" fontAlgn="auto" latinLnBrk="0" hangingPunct="1">
+              <a:lnSpc>
+                <a:spcPct val="100000"/>
+              </a:lnSpc>
+              <a:spcBef>
+                <a:spcPts val="0"/>
+              </a:spcBef>
+              <a:spcAft>
+                <a:spcPts val="0"/>
+              </a:spcAft>
+              <a:buClrTx/>
+              <a:buSzTx/>
+              <a:buFontTx/>
+              <a:buNone/>
+              <a:tabLst/>
+              <a:defRPr/>
+            </a:pPr>
+            <a:endParaRPr lang="de-DE" b="0" baseline="0" dirty="0" smtClean="0">
+              <a:sym typeface="Wingdings" panose="05000000000000000000" pitchFamily="2" charset="2"/>
+            </a:endParaRPr>
+          </a:p>
+          <a:p>
+            <a:pPr marL="0" marR="0" indent="0" algn="l" defTabSz="914400" rtl="0" eaLnBrk="1" fontAlgn="auto" latinLnBrk="0" hangingPunct="1">
+              <a:lnSpc>
+                <a:spcPct val="100000"/>
+              </a:lnSpc>
+              <a:spcBef>
+                <a:spcPts val="0"/>
+              </a:spcBef>
+              <a:spcAft>
+                <a:spcPts val="0"/>
+              </a:spcAft>
+              <a:buClrTx/>
+              <a:buSzTx/>
+              <a:buFontTx/>
+              <a:buNone/>
+              <a:tabLst/>
+              <a:defRPr/>
+            </a:pPr>
+            <a:endParaRPr lang="de-DE" b="1" baseline="0" dirty="0" smtClean="0">
+              <a:sym typeface="Wingdings" panose="05000000000000000000" pitchFamily="2" charset="2"/>
+            </a:endParaRPr>
+          </a:p>
+        </p:txBody>
+      </p:sp>
+      <p:sp>
+        <p:nvSpPr>
+          <p:cNvPr id="4" name="Foliennummernplatzhalter 3"/>
+          <p:cNvSpPr>
+            <a:spLocks noGrp="1"/>
+          </p:cNvSpPr>
+          <p:nvPr>
+            <p:ph type="sldNum" sz="quarter" idx="10"/>
+          </p:nvPr>
+        </p:nvSpPr>
+        <p:spPr/>
+        <p:txBody>
+          <a:bodyPr/>
+          <a:lstStyle/>
+          <a:p>
+            <a:fld id="{4A505144-3BC5-4B32-83CF-491494C34331}" type="slidenum">
+              <a:rPr lang="de-DE" smtClean="0"/>
+              <a:t>23</a:t>
+            </a:fld>
+            <a:endParaRPr lang="de-DE"/>
+          </a:p>
+        </p:txBody>
+      </p:sp>
+    </p:spTree>
+    <p:extLst>
+      <p:ext uri="{BB962C8B-B14F-4D97-AF65-F5344CB8AC3E}">
+        <p14:creationId xmlns:p14="http://schemas.microsoft.com/office/powerpoint/2010/main" val="1751113324"/>
+      </p:ext>
+    </p:extLst>
+  </p:cSld>
+  <p:clrMapOvr>
+    <a:masterClrMapping/>
+  </p:clrMapOvr>
+</p:notes>
+</file>
+
+<file path=ppt/notesSlides/notesSlide21.xml><?xml version="1.0" encoding="utf-8"?>
+<p:notes xmlns:a="http://schemas.openxmlformats.org/drawingml/2006/main" xmlns:r="http://schemas.openxmlformats.org/officeDocument/2006/relationships" xmlns:p="http://schemas.openxmlformats.org/presentationml/2006/main">
+  <p:cSld>
+    <p:spTree>
+      <p:nvGrpSpPr>
+        <p:cNvPr id="1" name=""/>
+        <p:cNvGrpSpPr/>
+        <p:nvPr/>
+      </p:nvGrpSpPr>
+      <p:grpSpPr>
+        <a:xfrm>
+          <a:off x="0" y="0"/>
+          <a:ext cx="0" cy="0"/>
+          <a:chOff x="0" y="0"/>
+          <a:chExt cx="0" cy="0"/>
+        </a:xfrm>
+      </p:grpSpPr>
+      <p:sp>
+        <p:nvSpPr>
+          <p:cNvPr id="2" name="Folienbildplatzhalter 1"/>
+          <p:cNvSpPr>
+            <a:spLocks noGrp="1" noRot="1" noChangeAspect="1"/>
+          </p:cNvSpPr>
+          <p:nvPr>
+            <p:ph type="sldImg"/>
+          </p:nvPr>
+        </p:nvSpPr>
+        <p:spPr/>
+      </p:sp>
+      <p:sp>
+        <p:nvSpPr>
+          <p:cNvPr id="3" name="Notizenplatzhalter 2"/>
+          <p:cNvSpPr>
+            <a:spLocks noGrp="1"/>
+          </p:cNvSpPr>
+          <p:nvPr>
+            <p:ph type="body" idx="1"/>
+          </p:nvPr>
+        </p:nvSpPr>
+        <p:spPr/>
+        <p:txBody>
+          <a:bodyPr/>
+          <a:lstStyle/>
+          <a:p>
+            <a:pPr marL="0" indent="0">
+              <a:buFont typeface="Arial" charset="0"/>
+              <a:buNone/>
+            </a:pPr>
+            <a:r>
+              <a:rPr lang="de-DE" dirty="0" smtClean="0"/>
+              <a:t>*Es sollte zu keinen </a:t>
+            </a:r>
+            <a:r>
+              <a:rPr lang="de-DE" dirty="0" err="1" smtClean="0"/>
+              <a:t>Mergekonfikten</a:t>
+            </a:r>
+            <a:r>
+              <a:rPr lang="de-DE" dirty="0" smtClean="0"/>
+              <a:t> kommen,</a:t>
+            </a:r>
+            <a:r>
+              <a:rPr lang="de-DE" baseline="0" dirty="0" smtClean="0"/>
+              <a:t> da jede Person seine Dateien (redundante ausgeschlossen) auf den Server </a:t>
+            </a:r>
+            <a:r>
+              <a:rPr lang="de-DE" b="1" baseline="0" dirty="0" err="1" smtClean="0"/>
+              <a:t>push</a:t>
+            </a:r>
+            <a:r>
+              <a:rPr lang="de-DE" b="0" baseline="0" dirty="0" err="1" smtClean="0"/>
+              <a:t>ed</a:t>
+            </a:r>
+            <a:r>
+              <a:rPr lang="de-DE" b="0" baseline="0" dirty="0" smtClean="0"/>
+              <a:t>.</a:t>
+            </a:r>
+          </a:p>
+          <a:p>
+            <a:pPr marL="0" indent="0">
+              <a:buFont typeface="Arial" charset="0"/>
+              <a:buNone/>
+            </a:pPr>
+            <a:r>
+              <a:rPr lang="de-DE" dirty="0" smtClean="0"/>
+              <a:t>Der</a:t>
+            </a:r>
+            <a:r>
+              <a:rPr lang="de-DE" baseline="0" dirty="0" smtClean="0"/>
+              <a:t> Befehl lautet: </a:t>
+            </a:r>
+            <a:r>
+              <a:rPr lang="de-DE" b="1" baseline="0" dirty="0" err="1" smtClean="0"/>
+              <a:t>git</a:t>
+            </a:r>
+            <a:r>
+              <a:rPr lang="de-DE" b="1" baseline="0" dirty="0" smtClean="0"/>
+              <a:t> pull</a:t>
+            </a:r>
+            <a:endParaRPr lang="de-DE" b="1" dirty="0" smtClean="0"/>
+          </a:p>
+          <a:p>
+            <a:endParaRPr lang="de-DE" dirty="0" smtClean="0"/>
+          </a:p>
+          <a:p>
+            <a:r>
+              <a:rPr lang="de-DE" dirty="0" smtClean="0"/>
+              <a:t>INFO: Vor jedem </a:t>
+            </a:r>
+            <a:r>
+              <a:rPr lang="de-DE" b="1" dirty="0" err="1" smtClean="0"/>
+              <a:t>commit</a:t>
+            </a:r>
+            <a:r>
+              <a:rPr lang="de-DE" b="1" baseline="0" dirty="0" smtClean="0"/>
+              <a:t> </a:t>
+            </a:r>
+            <a:r>
+              <a:rPr lang="de-DE" b="0" baseline="0" dirty="0" smtClean="0"/>
+              <a:t>lieber einmal das lokale Verzeichnis </a:t>
+            </a:r>
+            <a:r>
+              <a:rPr lang="de-DE" b="1" baseline="0" dirty="0" smtClean="0"/>
+              <a:t>pull</a:t>
+            </a:r>
+            <a:r>
+              <a:rPr lang="de-DE" b="0" baseline="0" dirty="0" smtClean="0"/>
+              <a:t>en, damit die Ausgangssituation identisch ist </a:t>
+            </a:r>
+            <a:r>
+              <a:rPr lang="de-DE" b="0" baseline="0" dirty="0" smtClean="0">
+                <a:sym typeface="Wingdings" panose="05000000000000000000" pitchFamily="2" charset="2"/>
+              </a:rPr>
+              <a:t> Befehl: </a:t>
+            </a:r>
+            <a:r>
+              <a:rPr lang="de-DE" b="1" baseline="0" dirty="0" err="1" smtClean="0">
+                <a:sym typeface="Wingdings" panose="05000000000000000000" pitchFamily="2" charset="2"/>
+              </a:rPr>
+              <a:t>git</a:t>
+            </a:r>
+            <a:r>
+              <a:rPr lang="de-DE" b="1" baseline="0" dirty="0" smtClean="0">
+                <a:sym typeface="Wingdings" panose="05000000000000000000" pitchFamily="2" charset="2"/>
+              </a:rPr>
+              <a:t> pull</a:t>
+            </a:r>
+            <a:endParaRPr lang="de-DE" b="0" baseline="0" dirty="0" smtClean="0">
+              <a:sym typeface="Wingdings" panose="05000000000000000000" pitchFamily="2" charset="2"/>
+            </a:endParaRPr>
+          </a:p>
+          <a:p>
+            <a:endParaRPr lang="de-DE" dirty="0"/>
+          </a:p>
+        </p:txBody>
+      </p:sp>
+      <p:sp>
+        <p:nvSpPr>
+          <p:cNvPr id="4" name="Foliennummernplatzhalter 3"/>
+          <p:cNvSpPr>
+            <a:spLocks noGrp="1"/>
+          </p:cNvSpPr>
+          <p:nvPr>
+            <p:ph type="sldNum" sz="quarter" idx="10"/>
+          </p:nvPr>
+        </p:nvSpPr>
+        <p:spPr/>
+        <p:txBody>
+          <a:bodyPr/>
+          <a:lstStyle/>
+          <a:p>
+            <a:fld id="{4A505144-3BC5-4B32-83CF-491494C34331}" type="slidenum">
+              <a:rPr lang="de-DE" smtClean="0"/>
+              <a:t>24</a:t>
+            </a:fld>
+            <a:endParaRPr lang="de-DE"/>
+          </a:p>
+        </p:txBody>
+      </p:sp>
+    </p:spTree>
+    <p:extLst>
+      <p:ext uri="{BB962C8B-B14F-4D97-AF65-F5344CB8AC3E}">
+        <p14:creationId xmlns:p14="http://schemas.microsoft.com/office/powerpoint/2010/main" val="3343837465"/>
+      </p:ext>
+    </p:extLst>
+  </p:cSld>
+  <p:clrMapOvr>
+    <a:masterClrMapping/>
+  </p:clrMapOvr>
+</p:notes>
+</file>
+
+<file path=ppt/notesSlides/notesSlide22.xml><?xml version="1.0" encoding="utf-8"?>
+<p:notes xmlns:a="http://schemas.openxmlformats.org/drawingml/2006/main" xmlns:r="http://schemas.openxmlformats.org/officeDocument/2006/relationships" xmlns:p="http://schemas.openxmlformats.org/presentationml/2006/main">
+  <p:cSld>
+    <p:spTree>
+      <p:nvGrpSpPr>
+        <p:cNvPr id="1" name=""/>
+        <p:cNvGrpSpPr/>
+        <p:nvPr/>
+      </p:nvGrpSpPr>
+      <p:grpSpPr>
+        <a:xfrm>
+          <a:off x="0" y="0"/>
+          <a:ext cx="0" cy="0"/>
+          <a:chOff x="0" y="0"/>
+          <a:chExt cx="0" cy="0"/>
+        </a:xfrm>
+      </p:grpSpPr>
+      <p:sp>
+        <p:nvSpPr>
+          <p:cNvPr id="2" name="Folienbildplatzhalter 1"/>
+          <p:cNvSpPr>
+            <a:spLocks noGrp="1" noRot="1" noChangeAspect="1"/>
+          </p:cNvSpPr>
+          <p:nvPr>
+            <p:ph type="sldImg"/>
+          </p:nvPr>
+        </p:nvSpPr>
+        <p:spPr/>
+      </p:sp>
+      <p:sp>
+        <p:nvSpPr>
+          <p:cNvPr id="3" name="Notizenplatzhalter 2"/>
+          <p:cNvSpPr>
+            <a:spLocks noGrp="1"/>
+          </p:cNvSpPr>
+          <p:nvPr>
+            <p:ph type="body" idx="1"/>
+          </p:nvPr>
+        </p:nvSpPr>
+        <p:spPr/>
+        <p:txBody>
+          <a:bodyPr/>
+          <a:lstStyle/>
+          <a:p>
+            <a:pPr marL="0" indent="0">
+              <a:buFont typeface="Arial" charset="0"/>
+              <a:buNone/>
+            </a:pPr>
+            <a:r>
+              <a:rPr lang="de-DE" dirty="0" smtClean="0"/>
+              <a:t>*Es sollte zu keinen </a:t>
+            </a:r>
+            <a:r>
+              <a:rPr lang="de-DE" dirty="0" err="1" smtClean="0"/>
+              <a:t>Mergekonfikten</a:t>
+            </a:r>
+            <a:r>
+              <a:rPr lang="de-DE" dirty="0" smtClean="0"/>
+              <a:t> kommen,</a:t>
+            </a:r>
+            <a:r>
+              <a:rPr lang="de-DE" baseline="0" dirty="0" smtClean="0"/>
+              <a:t> da jede Person seine Dateien (redundante ausgeschlossen) auf den Server </a:t>
+            </a:r>
+            <a:r>
+              <a:rPr lang="de-DE" b="1" baseline="0" dirty="0" err="1" smtClean="0"/>
+              <a:t>push</a:t>
+            </a:r>
+            <a:r>
+              <a:rPr lang="de-DE" b="0" baseline="0" dirty="0" err="1" smtClean="0"/>
+              <a:t>ed</a:t>
+            </a:r>
+            <a:r>
+              <a:rPr lang="de-DE" b="0" baseline="0" dirty="0" smtClean="0"/>
+              <a:t>.</a:t>
+            </a:r>
+          </a:p>
+          <a:p>
+            <a:pPr marL="0" indent="0">
+              <a:buFont typeface="Arial" charset="0"/>
+              <a:buNone/>
+            </a:pPr>
+            <a:r>
+              <a:rPr lang="de-DE" dirty="0" smtClean="0"/>
+              <a:t>Der</a:t>
+            </a:r>
+            <a:r>
+              <a:rPr lang="de-DE" baseline="0" dirty="0" smtClean="0"/>
+              <a:t> Befehl lautet: </a:t>
+            </a:r>
+            <a:r>
+              <a:rPr lang="de-DE" b="1" baseline="0" dirty="0" err="1" smtClean="0"/>
+              <a:t>git</a:t>
+            </a:r>
+            <a:r>
+              <a:rPr lang="de-DE" b="1" baseline="0" dirty="0" smtClean="0"/>
+              <a:t> pull</a:t>
+            </a:r>
+            <a:endParaRPr lang="de-DE" b="1" dirty="0" smtClean="0"/>
+          </a:p>
+          <a:p>
+            <a:endParaRPr lang="de-DE" dirty="0" smtClean="0"/>
+          </a:p>
+          <a:p>
+            <a:r>
+              <a:rPr lang="de-DE" dirty="0" smtClean="0"/>
+              <a:t>INFO: Vor jedem </a:t>
+            </a:r>
+            <a:r>
+              <a:rPr lang="de-DE" b="1" dirty="0" err="1" smtClean="0"/>
+              <a:t>commit</a:t>
+            </a:r>
+            <a:r>
+              <a:rPr lang="de-DE" b="1" baseline="0" dirty="0" smtClean="0"/>
+              <a:t> </a:t>
+            </a:r>
+            <a:r>
+              <a:rPr lang="de-DE" b="0" baseline="0" dirty="0" smtClean="0"/>
+              <a:t>lieber einmal das lokale Verzeichnis </a:t>
+            </a:r>
+            <a:r>
+              <a:rPr lang="de-DE" b="1" baseline="0" dirty="0" smtClean="0"/>
+              <a:t>pull</a:t>
+            </a:r>
+            <a:r>
+              <a:rPr lang="de-DE" b="0" baseline="0" dirty="0" smtClean="0"/>
+              <a:t>en, damit die Ausgangssituation identisch ist </a:t>
+            </a:r>
+            <a:r>
+              <a:rPr lang="de-DE" b="0" baseline="0" dirty="0" smtClean="0">
+                <a:sym typeface="Wingdings" panose="05000000000000000000" pitchFamily="2" charset="2"/>
+              </a:rPr>
+              <a:t> Befehl: </a:t>
+            </a:r>
+            <a:r>
+              <a:rPr lang="de-DE" b="1" baseline="0" dirty="0" err="1" smtClean="0">
+                <a:sym typeface="Wingdings" panose="05000000000000000000" pitchFamily="2" charset="2"/>
+              </a:rPr>
+              <a:t>git</a:t>
+            </a:r>
+            <a:r>
+              <a:rPr lang="de-DE" b="1" baseline="0" dirty="0" smtClean="0">
+                <a:sym typeface="Wingdings" panose="05000000000000000000" pitchFamily="2" charset="2"/>
+              </a:rPr>
+              <a:t> pull</a:t>
+            </a:r>
+            <a:endParaRPr lang="de-DE" b="0" baseline="0" dirty="0" smtClean="0">
+              <a:sym typeface="Wingdings" panose="05000000000000000000" pitchFamily="2" charset="2"/>
+            </a:endParaRPr>
+          </a:p>
+          <a:p>
+            <a:endParaRPr lang="de-DE" dirty="0"/>
+          </a:p>
+        </p:txBody>
+      </p:sp>
+      <p:sp>
+        <p:nvSpPr>
+          <p:cNvPr id="4" name="Foliennummernplatzhalter 3"/>
+          <p:cNvSpPr>
+            <a:spLocks noGrp="1"/>
+          </p:cNvSpPr>
+          <p:nvPr>
+            <p:ph type="sldNum" sz="quarter" idx="10"/>
+          </p:nvPr>
+        </p:nvSpPr>
+        <p:spPr/>
+        <p:txBody>
+          <a:bodyPr/>
+          <a:lstStyle/>
+          <a:p>
+            <a:fld id="{4A505144-3BC5-4B32-83CF-491494C34331}" type="slidenum">
+              <a:rPr lang="de-DE" smtClean="0"/>
+              <a:t>25</a:t>
+            </a:fld>
+            <a:endParaRPr lang="de-DE"/>
+          </a:p>
+        </p:txBody>
+      </p:sp>
+    </p:spTree>
+    <p:extLst>
+      <p:ext uri="{BB962C8B-B14F-4D97-AF65-F5344CB8AC3E}">
+        <p14:creationId xmlns:p14="http://schemas.microsoft.com/office/powerpoint/2010/main" val="3343837465"/>
+      </p:ext>
+    </p:extLst>
+  </p:cSld>
+  <p:clrMapOvr>
+    <a:masterClrMapping/>
+  </p:clrMapOvr>
+</p:notes>
+</file>
+
+<file path=ppt/notesSlides/notesSlide23.xml><?xml version="1.0" encoding="utf-8"?>
+<p:notes xmlns:a="http://schemas.openxmlformats.org/drawingml/2006/main" xmlns:r="http://schemas.openxmlformats.org/officeDocument/2006/relationships" xmlns:p="http://schemas.openxmlformats.org/presentationml/2006/main">
+  <p:cSld>
+    <p:spTree>
+      <p:nvGrpSpPr>
+        <p:cNvPr id="1" name=""/>
+        <p:cNvGrpSpPr/>
+        <p:nvPr/>
+      </p:nvGrpSpPr>
+      <p:grpSpPr>
+        <a:xfrm>
+          <a:off x="0" y="0"/>
+          <a:ext cx="0" cy="0"/>
+          <a:chOff x="0" y="0"/>
+          <a:chExt cx="0" cy="0"/>
+        </a:xfrm>
+      </p:grpSpPr>
+      <p:sp>
+        <p:nvSpPr>
+          <p:cNvPr id="2" name="Folienbildplatzhalter 1"/>
+          <p:cNvSpPr>
+            <a:spLocks noGrp="1" noRot="1" noChangeAspect="1"/>
+          </p:cNvSpPr>
+          <p:nvPr>
+            <p:ph type="sldImg"/>
+          </p:nvPr>
+        </p:nvSpPr>
+        <p:spPr/>
+      </p:sp>
+      <p:sp>
+        <p:nvSpPr>
+          <p:cNvPr id="3" name="Notizenplatzhalter 2"/>
+          <p:cNvSpPr>
+            <a:spLocks noGrp="1"/>
+          </p:cNvSpPr>
+          <p:nvPr>
+            <p:ph type="body" idx="1"/>
+          </p:nvPr>
+        </p:nvSpPr>
+        <p:spPr/>
+        <p:txBody>
+          <a:bodyPr/>
+          <a:lstStyle/>
+          <a:p>
+            <a:pPr marL="0" marR="0" indent="0" algn="l" defTabSz="914400" rtl="0" eaLnBrk="1" fontAlgn="auto" latinLnBrk="0" hangingPunct="1">
+              <a:lnSpc>
+                <a:spcPct val="100000"/>
+              </a:lnSpc>
+              <a:spcBef>
+                <a:spcPts val="0"/>
+              </a:spcBef>
+              <a:spcAft>
+                <a:spcPts val="0"/>
+              </a:spcAft>
+              <a:buClrTx/>
+              <a:buSzTx/>
+              <a:buFontTx/>
+              <a:buNone/>
+              <a:tabLst/>
+              <a:defRPr/>
+            </a:pPr>
+            <a:r>
+              <a:rPr lang="de-DE" b="1" baseline="0" dirty="0" smtClean="0">
+                <a:sym typeface="Wingdings" panose="05000000000000000000" pitchFamily="2" charset="2"/>
+              </a:rPr>
+              <a:t>GELB: </a:t>
+            </a:r>
+            <a:r>
+              <a:rPr lang="de-DE" b="0" baseline="0" dirty="0" smtClean="0">
+                <a:sym typeface="Wingdings" panose="05000000000000000000" pitchFamily="2" charset="2"/>
+              </a:rPr>
+              <a:t>pull</a:t>
+            </a:r>
+          </a:p>
+          <a:p>
+            <a:pPr marL="0" marR="0" indent="0" algn="l" defTabSz="914400" rtl="0" eaLnBrk="1" fontAlgn="auto" latinLnBrk="0" hangingPunct="1">
+              <a:lnSpc>
+                <a:spcPct val="100000"/>
+              </a:lnSpc>
+              <a:spcBef>
+                <a:spcPts val="0"/>
+              </a:spcBef>
+              <a:spcAft>
+                <a:spcPts val="0"/>
+              </a:spcAft>
+              <a:buClrTx/>
+              <a:buSzTx/>
+              <a:buFontTx/>
+              <a:buNone/>
+              <a:tabLst/>
+              <a:defRPr/>
+            </a:pPr>
+            <a:r>
+              <a:rPr lang="de-DE" b="1" baseline="0" dirty="0" smtClean="0">
+                <a:sym typeface="Wingdings" panose="05000000000000000000" pitchFamily="2" charset="2"/>
+              </a:rPr>
+              <a:t>ORANGE</a:t>
+            </a:r>
+            <a:r>
+              <a:rPr lang="de-DE" b="1" baseline="0" smtClean="0">
+                <a:sym typeface="Wingdings" panose="05000000000000000000" pitchFamily="2" charset="2"/>
+              </a:rPr>
+              <a:t>: </a:t>
+            </a:r>
+            <a:r>
+              <a:rPr lang="de-DE" b="0" baseline="0" smtClean="0">
+                <a:sym typeface="Wingdings" panose="05000000000000000000" pitchFamily="2" charset="2"/>
+              </a:rPr>
+              <a:t>push</a:t>
+            </a:r>
+            <a:endParaRPr lang="de-DE" b="1" baseline="0" dirty="0" smtClean="0">
+              <a:sym typeface="Wingdings" panose="05000000000000000000" pitchFamily="2" charset="2"/>
+            </a:endParaRPr>
+          </a:p>
+          <a:p>
+            <a:pPr marL="0" marR="0" indent="0" algn="l" defTabSz="914400" rtl="0" eaLnBrk="1" fontAlgn="auto" latinLnBrk="0" hangingPunct="1">
+              <a:lnSpc>
+                <a:spcPct val="100000"/>
+              </a:lnSpc>
+              <a:spcBef>
+                <a:spcPts val="0"/>
+              </a:spcBef>
+              <a:spcAft>
+                <a:spcPts val="0"/>
+              </a:spcAft>
+              <a:buClrTx/>
+              <a:buSzTx/>
+              <a:buFontTx/>
+              <a:buNone/>
+              <a:tabLst/>
+              <a:defRPr/>
+            </a:pPr>
+            <a:r>
+              <a:rPr lang="de-DE" b="1" baseline="0" dirty="0" smtClean="0">
+                <a:sym typeface="Wingdings" panose="05000000000000000000" pitchFamily="2" charset="2"/>
+              </a:rPr>
+              <a:t>ROT: </a:t>
+            </a:r>
+            <a:r>
+              <a:rPr lang="de-DE" b="0" baseline="0" dirty="0" err="1" smtClean="0">
+                <a:sym typeface="Wingdings" panose="05000000000000000000" pitchFamily="2" charset="2"/>
+              </a:rPr>
+              <a:t>Branch</a:t>
+            </a:r>
+            <a:r>
+              <a:rPr lang="de-DE" b="0" baseline="0" dirty="0" smtClean="0">
+                <a:sym typeface="Wingdings" panose="05000000000000000000" pitchFamily="2" charset="2"/>
+              </a:rPr>
+              <a:t> von A</a:t>
+            </a:r>
+          </a:p>
+          <a:p>
+            <a:pPr marL="0" marR="0" indent="0" algn="l" defTabSz="914400" rtl="0" eaLnBrk="1" fontAlgn="auto" latinLnBrk="0" hangingPunct="1">
+              <a:lnSpc>
+                <a:spcPct val="100000"/>
+              </a:lnSpc>
+              <a:spcBef>
+                <a:spcPts val="0"/>
+              </a:spcBef>
+              <a:spcAft>
+                <a:spcPts val="0"/>
+              </a:spcAft>
+              <a:buClrTx/>
+              <a:buSzTx/>
+              <a:buFontTx/>
+              <a:buNone/>
+              <a:tabLst/>
+              <a:defRPr/>
+            </a:pPr>
+            <a:r>
+              <a:rPr lang="de-DE" b="1" baseline="0" dirty="0" smtClean="0">
+                <a:sym typeface="Wingdings" panose="05000000000000000000" pitchFamily="2" charset="2"/>
+              </a:rPr>
+              <a:t>GRÜN: </a:t>
+            </a:r>
+            <a:r>
+              <a:rPr lang="de-DE" b="0" baseline="0" dirty="0" err="1" smtClean="0">
+                <a:sym typeface="Wingdings" panose="05000000000000000000" pitchFamily="2" charset="2"/>
+              </a:rPr>
+              <a:t>Branch</a:t>
+            </a:r>
+            <a:r>
+              <a:rPr lang="de-DE" b="0" baseline="0" dirty="0" smtClean="0">
+                <a:sym typeface="Wingdings" panose="05000000000000000000" pitchFamily="2" charset="2"/>
+              </a:rPr>
+              <a:t> von B</a:t>
+            </a:r>
+          </a:p>
+          <a:p>
+            <a:endParaRPr lang="de-DE" dirty="0"/>
+          </a:p>
+        </p:txBody>
+      </p:sp>
+      <p:sp>
+        <p:nvSpPr>
+          <p:cNvPr id="4" name="Foliennummernplatzhalter 3"/>
+          <p:cNvSpPr>
+            <a:spLocks noGrp="1"/>
+          </p:cNvSpPr>
+          <p:nvPr>
+            <p:ph type="sldNum" sz="quarter" idx="10"/>
+          </p:nvPr>
+        </p:nvSpPr>
+        <p:spPr/>
+        <p:txBody>
+          <a:bodyPr/>
+          <a:lstStyle/>
+          <a:p>
+            <a:fld id="{4A505144-3BC5-4B32-83CF-491494C34331}" type="slidenum">
+              <a:rPr lang="de-DE" smtClean="0"/>
+              <a:t>26</a:t>
+            </a:fld>
+            <a:endParaRPr lang="de-DE"/>
+          </a:p>
+        </p:txBody>
+      </p:sp>
+    </p:spTree>
+    <p:extLst>
+      <p:ext uri="{BB962C8B-B14F-4D97-AF65-F5344CB8AC3E}">
+        <p14:creationId xmlns:p14="http://schemas.microsoft.com/office/powerpoint/2010/main" val="3037083289"/>
+      </p:ext>
+    </p:extLst>
+  </p:cSld>
+  <p:clrMapOvr>
+    <a:masterClrMapping/>
+  </p:clrMapOvr>
+</p:notes>
+</file>
+
+<file path=ppt/notesSlides/notesSlide24.xml><?xml version="1.0" encoding="utf-8"?>
+<p:notes xmlns:a="http://schemas.openxmlformats.org/drawingml/2006/main" xmlns:r="http://schemas.openxmlformats.org/officeDocument/2006/relationships" xmlns:p="http://schemas.openxmlformats.org/presentationml/2006/main">
+  <p:cSld>
+    <p:spTree>
+      <p:nvGrpSpPr>
+        <p:cNvPr id="1" name=""/>
+        <p:cNvGrpSpPr/>
+        <p:nvPr/>
+      </p:nvGrpSpPr>
+      <p:grpSpPr>
+        <a:xfrm>
+          <a:off x="0" y="0"/>
+          <a:ext cx="0" cy="0"/>
+          <a:chOff x="0" y="0"/>
+          <a:chExt cx="0" cy="0"/>
+        </a:xfrm>
+      </p:grpSpPr>
+      <p:sp>
+        <p:nvSpPr>
+          <p:cNvPr id="2" name="Folienbildplatzhalter 1"/>
+          <p:cNvSpPr>
+            <a:spLocks noGrp="1" noRot="1" noChangeAspect="1"/>
+          </p:cNvSpPr>
+          <p:nvPr>
+            <p:ph type="sldImg"/>
+          </p:nvPr>
+        </p:nvSpPr>
+        <p:spPr/>
+      </p:sp>
+      <p:sp>
+        <p:nvSpPr>
+          <p:cNvPr id="3" name="Notizenplatzhalter 2"/>
+          <p:cNvSpPr>
+            <a:spLocks noGrp="1"/>
+          </p:cNvSpPr>
+          <p:nvPr>
+            <p:ph type="body" idx="1"/>
+          </p:nvPr>
+        </p:nvSpPr>
+        <p:spPr/>
+        <p:txBody>
+          <a:bodyPr/>
+          <a:lstStyle/>
+          <a:p>
+            <a:pPr marL="0" indent="0">
+              <a:buFont typeface="Arial" charset="0"/>
+              <a:buNone/>
+            </a:pPr>
+            <a:r>
+              <a:rPr lang="de-DE" dirty="0" smtClean="0"/>
+              <a:t>*Es sollte zu keinen </a:t>
+            </a:r>
+            <a:r>
+              <a:rPr lang="de-DE" dirty="0" err="1" smtClean="0"/>
+              <a:t>Mergekonfikten</a:t>
+            </a:r>
+            <a:r>
+              <a:rPr lang="de-DE" dirty="0" smtClean="0"/>
+              <a:t> kommen,</a:t>
+            </a:r>
+            <a:r>
+              <a:rPr lang="de-DE" baseline="0" dirty="0" smtClean="0"/>
+              <a:t> da jede Person seine Dateien (redundante ausgeschlossen) auf den Server </a:t>
+            </a:r>
+            <a:r>
+              <a:rPr lang="de-DE" b="1" baseline="0" dirty="0" err="1" smtClean="0"/>
+              <a:t>push</a:t>
+            </a:r>
+            <a:r>
+              <a:rPr lang="de-DE" b="0" baseline="0" dirty="0" err="1" smtClean="0"/>
+              <a:t>ed</a:t>
+            </a:r>
+            <a:r>
+              <a:rPr lang="de-DE" b="0" baseline="0" dirty="0" smtClean="0"/>
+              <a:t>.</a:t>
+            </a:r>
+          </a:p>
+          <a:p>
+            <a:pPr marL="0" indent="0">
+              <a:buFont typeface="Arial" charset="0"/>
+              <a:buNone/>
+            </a:pPr>
+            <a:r>
+              <a:rPr lang="de-DE" dirty="0" smtClean="0"/>
+              <a:t>Der</a:t>
+            </a:r>
+            <a:r>
+              <a:rPr lang="de-DE" baseline="0" dirty="0" smtClean="0"/>
+              <a:t> Befehl lautet: </a:t>
+            </a:r>
+            <a:r>
+              <a:rPr lang="de-DE" b="1" baseline="0" dirty="0" err="1" smtClean="0"/>
+              <a:t>git</a:t>
+            </a:r>
+            <a:r>
+              <a:rPr lang="de-DE" b="1" baseline="0" dirty="0" smtClean="0"/>
+              <a:t> pull</a:t>
+            </a:r>
+            <a:endParaRPr lang="de-DE" b="1" dirty="0" smtClean="0"/>
+          </a:p>
+          <a:p>
+            <a:endParaRPr lang="de-DE" dirty="0" smtClean="0"/>
+          </a:p>
+          <a:p>
+            <a:r>
+              <a:rPr lang="de-DE" dirty="0" smtClean="0"/>
+              <a:t>INFO: Vor jedem </a:t>
+            </a:r>
+            <a:r>
+              <a:rPr lang="de-DE" b="1" dirty="0" err="1" smtClean="0"/>
+              <a:t>commit</a:t>
+            </a:r>
+            <a:r>
+              <a:rPr lang="de-DE" b="1" baseline="0" dirty="0" smtClean="0"/>
+              <a:t> </a:t>
+            </a:r>
+            <a:r>
+              <a:rPr lang="de-DE" b="0" baseline="0" dirty="0" smtClean="0"/>
+              <a:t>lieber einmal das lokale Verzeichnis </a:t>
+            </a:r>
+            <a:r>
+              <a:rPr lang="de-DE" b="1" baseline="0" dirty="0" smtClean="0"/>
+              <a:t>pull</a:t>
+            </a:r>
+            <a:r>
+              <a:rPr lang="de-DE" b="0" baseline="0" dirty="0" smtClean="0"/>
+              <a:t>en, damit die Ausgangssituation identisch ist </a:t>
+            </a:r>
+            <a:r>
+              <a:rPr lang="de-DE" b="0" baseline="0" dirty="0" smtClean="0">
+                <a:sym typeface="Wingdings" panose="05000000000000000000" pitchFamily="2" charset="2"/>
+              </a:rPr>
+              <a:t> Befehl: </a:t>
+            </a:r>
+            <a:r>
+              <a:rPr lang="de-DE" b="1" baseline="0" dirty="0" err="1" smtClean="0">
+                <a:sym typeface="Wingdings" panose="05000000000000000000" pitchFamily="2" charset="2"/>
+              </a:rPr>
+              <a:t>git</a:t>
+            </a:r>
+            <a:r>
+              <a:rPr lang="de-DE" b="1" baseline="0" dirty="0" smtClean="0">
+                <a:sym typeface="Wingdings" panose="05000000000000000000" pitchFamily="2" charset="2"/>
+              </a:rPr>
+              <a:t> pull</a:t>
+            </a:r>
+            <a:endParaRPr lang="de-DE" b="0" baseline="0" dirty="0" smtClean="0">
+              <a:sym typeface="Wingdings" panose="05000000000000000000" pitchFamily="2" charset="2"/>
+            </a:endParaRPr>
+          </a:p>
+          <a:p>
+            <a:endParaRPr lang="de-DE" dirty="0"/>
+          </a:p>
+        </p:txBody>
+      </p:sp>
+      <p:sp>
+        <p:nvSpPr>
+          <p:cNvPr id="4" name="Foliennummernplatzhalter 3"/>
+          <p:cNvSpPr>
+            <a:spLocks noGrp="1"/>
+          </p:cNvSpPr>
+          <p:nvPr>
+            <p:ph type="sldNum" sz="quarter" idx="10"/>
+          </p:nvPr>
+        </p:nvSpPr>
+        <p:spPr/>
+        <p:txBody>
+          <a:bodyPr/>
+          <a:lstStyle/>
+          <a:p>
+            <a:fld id="{4A505144-3BC5-4B32-83CF-491494C34331}" type="slidenum">
+              <a:rPr lang="de-DE" smtClean="0"/>
+              <a:t>27</a:t>
+            </a:fld>
+            <a:endParaRPr lang="de-DE"/>
+          </a:p>
+        </p:txBody>
+      </p:sp>
+    </p:spTree>
+    <p:extLst>
+      <p:ext uri="{BB962C8B-B14F-4D97-AF65-F5344CB8AC3E}">
+        <p14:creationId xmlns:p14="http://schemas.microsoft.com/office/powerpoint/2010/main" val="3343837465"/>
+      </p:ext>
+    </p:extLst>
+  </p:cSld>
+  <p:clrMapOvr>
+    <a:masterClrMapping/>
+  </p:clrMapOvr>
+</p:notes>
+</file>
+
+<file path=ppt/notesSlides/notesSlide25.xml><?xml version="1.0" encoding="utf-8"?>
+<p:notes xmlns:a="http://schemas.openxmlformats.org/drawingml/2006/main" xmlns:r="http://schemas.openxmlformats.org/officeDocument/2006/relationships" xmlns:p="http://schemas.openxmlformats.org/presentationml/2006/main">
+  <p:cSld>
+    <p:spTree>
+      <p:nvGrpSpPr>
+        <p:cNvPr id="1" name=""/>
+        <p:cNvGrpSpPr/>
+        <p:nvPr/>
+      </p:nvGrpSpPr>
+      <p:grpSpPr>
+        <a:xfrm>
+          <a:off x="0" y="0"/>
+          <a:ext cx="0" cy="0"/>
+          <a:chOff x="0" y="0"/>
+          <a:chExt cx="0" cy="0"/>
+        </a:xfrm>
+      </p:grpSpPr>
+      <p:sp>
+        <p:nvSpPr>
+          <p:cNvPr id="2" name="Folienbildplatzhalter 1"/>
+          <p:cNvSpPr>
+            <a:spLocks noGrp="1" noRot="1" noChangeAspect="1"/>
+          </p:cNvSpPr>
+          <p:nvPr>
+            <p:ph type="sldImg"/>
+          </p:nvPr>
+        </p:nvSpPr>
+        <p:spPr/>
+      </p:sp>
+      <p:sp>
+        <p:nvSpPr>
+          <p:cNvPr id="3" name="Notizenplatzhalter 2"/>
+          <p:cNvSpPr>
+            <a:spLocks noGrp="1"/>
+          </p:cNvSpPr>
+          <p:nvPr>
+            <p:ph type="body" idx="1"/>
+          </p:nvPr>
+        </p:nvSpPr>
+        <p:spPr/>
+        <p:txBody>
+          <a:bodyPr/>
+          <a:lstStyle/>
+          <a:p>
+            <a:pPr marL="0" indent="0">
+              <a:buFont typeface="Arial" charset="0"/>
+              <a:buNone/>
+            </a:pPr>
+            <a:r>
+              <a:rPr lang="de-DE" dirty="0" smtClean="0"/>
+              <a:t>*Es sollte zu keinen </a:t>
+            </a:r>
+            <a:r>
+              <a:rPr lang="de-DE" dirty="0" err="1" smtClean="0"/>
+              <a:t>Mergekonfikten</a:t>
+            </a:r>
+            <a:r>
+              <a:rPr lang="de-DE" dirty="0" smtClean="0"/>
+              <a:t> kommen,</a:t>
+            </a:r>
+            <a:r>
+              <a:rPr lang="de-DE" baseline="0" dirty="0" smtClean="0"/>
+              <a:t> da jede Person seine Dateien (redundante ausgeschlossen) auf den Server </a:t>
+            </a:r>
+            <a:r>
+              <a:rPr lang="de-DE" b="1" baseline="0" dirty="0" err="1" smtClean="0"/>
+              <a:t>push</a:t>
+            </a:r>
+            <a:r>
+              <a:rPr lang="de-DE" b="0" baseline="0" dirty="0" err="1" smtClean="0"/>
+              <a:t>ed</a:t>
+            </a:r>
+            <a:r>
+              <a:rPr lang="de-DE" b="0" baseline="0" dirty="0" smtClean="0"/>
+              <a:t>.</a:t>
+            </a:r>
+          </a:p>
+          <a:p>
+            <a:pPr marL="0" indent="0">
+              <a:buFont typeface="Arial" charset="0"/>
+              <a:buNone/>
+            </a:pPr>
+            <a:r>
+              <a:rPr lang="de-DE" dirty="0" smtClean="0"/>
+              <a:t>Der</a:t>
+            </a:r>
+            <a:r>
+              <a:rPr lang="de-DE" baseline="0" dirty="0" smtClean="0"/>
+              <a:t> Befehl lautet: </a:t>
+            </a:r>
+            <a:r>
+              <a:rPr lang="de-DE" b="1" baseline="0" dirty="0" err="1" smtClean="0"/>
+              <a:t>git</a:t>
+            </a:r>
+            <a:r>
+              <a:rPr lang="de-DE" b="1" baseline="0" dirty="0" smtClean="0"/>
+              <a:t> pull</a:t>
+            </a:r>
+            <a:endParaRPr lang="de-DE" b="1" dirty="0" smtClean="0"/>
+          </a:p>
+          <a:p>
+            <a:endParaRPr lang="de-DE" dirty="0" smtClean="0"/>
+          </a:p>
+          <a:p>
+            <a:r>
+              <a:rPr lang="de-DE" dirty="0" smtClean="0"/>
+              <a:t>INFO: Vor jedem </a:t>
+            </a:r>
+            <a:r>
+              <a:rPr lang="de-DE" b="1" dirty="0" err="1" smtClean="0"/>
+              <a:t>commit</a:t>
+            </a:r>
+            <a:r>
+              <a:rPr lang="de-DE" b="1" baseline="0" dirty="0" smtClean="0"/>
+              <a:t> </a:t>
+            </a:r>
+            <a:r>
+              <a:rPr lang="de-DE" b="0" baseline="0" dirty="0" smtClean="0"/>
+              <a:t>lieber einmal das lokale Verzeichnis </a:t>
+            </a:r>
+            <a:r>
+              <a:rPr lang="de-DE" b="1" baseline="0" dirty="0" smtClean="0"/>
+              <a:t>pull</a:t>
+            </a:r>
+            <a:r>
+              <a:rPr lang="de-DE" b="0" baseline="0" dirty="0" smtClean="0"/>
+              <a:t>en, damit die Ausgangssituation identisch ist </a:t>
+            </a:r>
+            <a:r>
+              <a:rPr lang="de-DE" b="0" baseline="0" dirty="0" smtClean="0">
+                <a:sym typeface="Wingdings" panose="05000000000000000000" pitchFamily="2" charset="2"/>
+              </a:rPr>
+              <a:t> Befehl: </a:t>
+            </a:r>
+            <a:r>
+              <a:rPr lang="de-DE" b="1" baseline="0" dirty="0" err="1" smtClean="0">
+                <a:sym typeface="Wingdings" panose="05000000000000000000" pitchFamily="2" charset="2"/>
+              </a:rPr>
+              <a:t>git</a:t>
+            </a:r>
+            <a:r>
+              <a:rPr lang="de-DE" b="1" baseline="0" dirty="0" smtClean="0">
+                <a:sym typeface="Wingdings" panose="05000000000000000000" pitchFamily="2" charset="2"/>
+              </a:rPr>
+              <a:t> pull</a:t>
+            </a:r>
+            <a:endParaRPr lang="de-DE" b="0" baseline="0" dirty="0" smtClean="0">
+              <a:sym typeface="Wingdings" panose="05000000000000000000" pitchFamily="2" charset="2"/>
+            </a:endParaRPr>
+          </a:p>
+          <a:p>
+            <a:endParaRPr lang="de-DE" dirty="0"/>
+          </a:p>
+        </p:txBody>
+      </p:sp>
+      <p:sp>
+        <p:nvSpPr>
+          <p:cNvPr id="4" name="Foliennummernplatzhalter 3"/>
+          <p:cNvSpPr>
+            <a:spLocks noGrp="1"/>
+          </p:cNvSpPr>
+          <p:nvPr>
+            <p:ph type="sldNum" sz="quarter" idx="10"/>
+          </p:nvPr>
+        </p:nvSpPr>
+        <p:spPr/>
+        <p:txBody>
+          <a:bodyPr/>
+          <a:lstStyle/>
+          <a:p>
+            <a:fld id="{4A505144-3BC5-4B32-83CF-491494C34331}" type="slidenum">
+              <a:rPr lang="de-DE" smtClean="0"/>
+              <a:t>28</a:t>
+            </a:fld>
+            <a:endParaRPr lang="de-DE"/>
+          </a:p>
+        </p:txBody>
+      </p:sp>
+    </p:spTree>
+    <p:extLst>
+      <p:ext uri="{BB962C8B-B14F-4D97-AF65-F5344CB8AC3E}">
+        <p14:creationId xmlns:p14="http://schemas.microsoft.com/office/powerpoint/2010/main" val="3343837465"/>
       </p:ext>
     </p:extLst>
   </p:cSld>
@@ -2811,15 +4326,7 @@
           <a:p>
             <a:r>
               <a:rPr lang="de-DE" baseline="0" dirty="0" smtClean="0"/>
-              <a:t>Auswahl, ob kostenlose oder kostenpflichte Version. </a:t>
-            </a:r>
-            <a:r>
-              <a:rPr lang="de-DE" baseline="0" dirty="0" smtClean="0"/>
-              <a:t>Unterschied: </a:t>
-            </a:r>
-            <a:r>
-              <a:rPr lang="de-DE" baseline="0" dirty="0" smtClean="0"/>
-              <a:t>Anzahl an privaten </a:t>
+              <a:t>Auswahl, ob kostenlose oder kostenpflichte Version. Unterschied: Anzahl an privaten </a:t>
             </a:r>
             <a:r>
               <a:rPr lang="de-DE" baseline="0" dirty="0" err="1" smtClean="0"/>
@@ -3440,7 +4947,7 @@
           <a:p>
             <a:fld id="{D74EE171-6FB9-44C2-999A-3C78585CC55F}" type="datetime1">
               <a:rPr lang="de-DE" smtClean="0"/>
-              <a:t>20.10.2015</a:t>
+              <a:t>23.10.2015</a:t>
             </a:fld>
             <a:endParaRPr lang="de-DE"/>
           </a:p>
@@ -3803,7 +5310,7 @@
           <a:p>
             <a:fld id="{966EF4C5-04F6-4CAA-916B-E3B314346F2C}" type="datetime1">
               <a:rPr lang="de-DE" smtClean="0"/>
-              <a:t>20.10.2015</a:t>
+              <a:t>23.10.2015</a:t>
             </a:fld>
             <a:endParaRPr lang="de-DE"/>
           </a:p>
@@ -3982,7 +5489,7 @@
           <a:p>
             <a:fld id="{D4A1C9C1-76E8-482F-AC38-46CD1EA3A4C9}" type="datetime1">
               <a:rPr lang="de-DE" smtClean="0"/>
-              <a:t>20.10.2015</a:t>
+              <a:t>23.10.2015</a:t>
             </a:fld>
             <a:endParaRPr lang="de-DE"/>
           </a:p>
@@ -4221,7 +5728,7 @@
           <a:p>
             <a:fld id="{09957CAC-BFF1-498D-82E7-9462D790BC9E}" type="datetime1">
               <a:rPr lang="de-DE" smtClean="0"/>
-              <a:t>20.10.2015</a:t>
+              <a:t>23.10.2015</a:t>
             </a:fld>
             <a:endParaRPr lang="de-DE"/>
           </a:p>
@@ -4494,7 +6001,7 @@
           <a:p>
             <a:fld id="{67E9C1B2-C123-4CB8-B829-0B1DE6516455}" type="datetime1">
               <a:rPr lang="de-DE" smtClean="0"/>
-              <a:t>20.10.2015</a:t>
+              <a:t>23.10.2015</a:t>
             </a:fld>
             <a:endParaRPr lang="de-DE"/>
           </a:p>
@@ -4718,7 +6225,7 @@
           <a:p>
             <a:fld id="{5F82951D-51DD-43CB-9395-2CD87029427A}" type="datetime1">
               <a:rPr lang="de-DE" smtClean="0"/>
-              <a:t>20.10.2015</a:t>
+              <a:t>23.10.2015</a:t>
             </a:fld>
             <a:endParaRPr lang="de-DE"/>
           </a:p>
@@ -5074,7 +6581,7 @@
           <a:p>
             <a:fld id="{F75640B3-CD2F-468A-9D6A-8FCCA521EAD8}" type="datetime1">
               <a:rPr lang="de-DE" smtClean="0"/>
-              <a:t>20.10.2015</a:t>
+              <a:t>23.10.2015</a:t>
             </a:fld>
             <a:endParaRPr lang="de-DE"/>
           </a:p>
@@ -5310,7 +6817,7 @@
           <a:p>
             <a:fld id="{66B70435-1AE2-40EE-BD35-BF23134777A3}" type="datetime1">
               <a:rPr lang="de-DE" smtClean="0"/>
-              <a:t>20.10.2015</a:t>
+              <a:t>23.10.2015</a:t>
             </a:fld>
             <a:endParaRPr lang="de-DE"/>
           </a:p>
@@ -5454,7 +6961,7 @@
           <a:p>
             <a:fld id="{8264DE6B-16CC-45D3-A85A-C342E3C400B1}" type="datetime1">
               <a:rPr lang="de-DE" smtClean="0"/>
-              <a:t>20.10.2015</a:t>
+              <a:t>23.10.2015</a:t>
             </a:fld>
             <a:endParaRPr lang="de-DE"/>
           </a:p>
@@ -5735,7 +7242,7 @@
           <a:p>
             <a:fld id="{3012F5FB-2D99-4EE6-8329-8BC403EF3BB7}" type="datetime1">
               <a:rPr lang="de-DE" smtClean="0"/>
-              <a:t>20.10.2015</a:t>
+              <a:t>23.10.2015</a:t>
             </a:fld>
             <a:endParaRPr lang="de-DE"/>
           </a:p>
@@ -6146,7 +7653,7 @@
           <a:p>
             <a:fld id="{4ACBB3FE-65F3-496E-9475-85FAF27CCA0A}" type="datetime1">
               <a:rPr lang="de-DE" smtClean="0"/>
-              <a:t>20.10.2015</a:t>
+              <a:t>23.10.2015</a:t>
             </a:fld>
             <a:endParaRPr lang="de-DE"/>
           </a:p>
@@ -6488,7 +7995,7 @@
           <a:p>
             <a:fld id="{1198494A-36A3-42DF-97C6-C12EB15310DD}" type="datetime1">
               <a:rPr lang="de-DE" smtClean="0"/>
-              <a:t>20.10.2015</a:t>
+              <a:t>23.10.2015</a:t>
             </a:fld>
             <a:endParaRPr lang="de-DE"/>
           </a:p>
@@ -9287,6 +10794,29 @@
             </a:pPr>
             <a:r>
               <a:rPr lang="de-DE" dirty="0" smtClean="0"/>
+              <a:t>Working </a:t>
+            </a:r>
+            <a:r>
+              <a:rPr lang="de-DE" dirty="0" err="1" smtClean="0"/>
+              <a:t>together</a:t>
+            </a:r>
+            <a:r>
+              <a:rPr lang="de-DE" dirty="0" smtClean="0"/>
+              <a:t> on a </a:t>
+            </a:r>
+            <a:r>
+              <a:rPr lang="de-DE" dirty="0" err="1" smtClean="0"/>
+              <a:t>repository</a:t>
+            </a:r>
+            <a:endParaRPr lang="de-DE" dirty="0" smtClean="0"/>
+          </a:p>
+          <a:p>
+            <a:pPr marL="514350" indent="-514350">
+              <a:buFont typeface="+mj-lt"/>
+              <a:buAutoNum type="arabicPeriod"/>
+            </a:pPr>
+            <a:r>
+              <a:rPr lang="de-DE" dirty="0" smtClean="0"/>
               <a:t>Befehlsübersicht</a:t>
             </a:r>
           </a:p>
@@ -9541,12 +11071,127 @@
       </p:grpSpPr>
       <p:sp>
         <p:nvSpPr>
-          <p:cNvPr id="2" name="Titel 1"/>
+          <p:cNvPr id="9" name="Titel 8"/>
           <p:cNvSpPr>
             <a:spLocks noGrp="1"/>
           </p:cNvSpPr>
           <p:nvPr>
             <p:ph type="title"/>
+          </p:nvPr>
+        </p:nvSpPr>
+        <p:spPr/>
+        <p:txBody>
+          <a:bodyPr/>
+          <a:lstStyle/>
+          <a:p>
+            <a:r>
+              <a:rPr lang="en-US" dirty="0" smtClean="0"/>
+              <a:t>Working together on a repository (1)</a:t>
+            </a:r>
+            <a:endParaRPr lang="en-US" dirty="0"/>
+          </a:p>
+        </p:txBody>
+      </p:sp>
+      <p:sp>
+        <p:nvSpPr>
+          <p:cNvPr id="10" name="Textplatzhalter 9"/>
+          <p:cNvSpPr>
+            <a:spLocks noGrp="1"/>
+          </p:cNvSpPr>
+          <p:nvPr>
+            <p:ph type="body" idx="1"/>
+          </p:nvPr>
+        </p:nvSpPr>
+        <p:spPr/>
+        <p:txBody>
+          <a:bodyPr/>
+          <a:lstStyle/>
+          <a:p>
+            <a:r>
+              <a:rPr lang="de-DE" dirty="0" smtClean="0"/>
+              <a:t>Person A</a:t>
+            </a:r>
+            <a:endParaRPr lang="de-DE" dirty="0"/>
+          </a:p>
+        </p:txBody>
+      </p:sp>
+      <p:sp>
+        <p:nvSpPr>
+          <p:cNvPr id="12" name="Textplatzhalter 11"/>
+          <p:cNvSpPr>
+            <a:spLocks noGrp="1"/>
+          </p:cNvSpPr>
+          <p:nvPr>
+            <p:ph type="body" sz="half" idx="3"/>
+          </p:nvPr>
+        </p:nvSpPr>
+        <p:spPr/>
+        <p:txBody>
+          <a:bodyPr/>
+          <a:lstStyle/>
+          <a:p>
+            <a:r>
+              <a:rPr lang="de-DE" dirty="0" smtClean="0"/>
+              <a:t>Person B</a:t>
+            </a:r>
+            <a:endParaRPr lang="de-DE" dirty="0"/>
+          </a:p>
+        </p:txBody>
+      </p:sp>
+      <p:sp>
+        <p:nvSpPr>
+          <p:cNvPr id="3" name="Fußzeilenplatzhalter 2"/>
+          <p:cNvSpPr>
+            <a:spLocks noGrp="1"/>
+          </p:cNvSpPr>
+          <p:nvPr>
+            <p:ph type="ftr" sz="quarter" idx="11"/>
+          </p:nvPr>
+        </p:nvSpPr>
+        <p:spPr/>
+        <p:txBody>
+          <a:bodyPr/>
+          <a:lstStyle/>
+          <a:p>
+            <a:r>
+              <a:rPr lang="de-DE" smtClean="0"/>
+              <a:t>ePortfolio von Mehmet Ali Incekara</a:t>
+            </a:r>
+            <a:endParaRPr lang="de-DE"/>
+          </a:p>
+        </p:txBody>
+      </p:sp>
+      <p:sp>
+        <p:nvSpPr>
+          <p:cNvPr id="4" name="Foliennummernplatzhalter 3"/>
+          <p:cNvSpPr>
+            <a:spLocks noGrp="1"/>
+          </p:cNvSpPr>
+          <p:nvPr>
+            <p:ph type="sldNum" sz="quarter" idx="12"/>
+          </p:nvPr>
+        </p:nvSpPr>
+        <p:spPr/>
+        <p:txBody>
+          <a:bodyPr/>
+          <a:lstStyle/>
+          <a:p>
+            <a:fld id="{32988457-9EFF-4998-891D-85ECFB4B79A4}" type="slidenum">
+              <a:rPr lang="de-DE" smtClean="0"/>
+              <a:t>21</a:t>
+            </a:fld>
+            <a:endParaRPr lang="de-DE"/>
+          </a:p>
+        </p:txBody>
+      </p:sp>
+      <p:sp>
+        <p:nvSpPr>
+          <p:cNvPr id="11" name="Inhaltsplatzhalter 10"/>
+          <p:cNvSpPr>
+            <a:spLocks noGrp="1"/>
+          </p:cNvSpPr>
+          <p:nvPr>
+            <p:ph sz="quarter" idx="2"/>
           </p:nvPr>
         </p:nvSpPr>
         <p:spPr/>
@@ -9556,6 +11201,3320 @@
           </a:bodyPr>
           <a:lstStyle/>
           <a:p>
+            <a:pPr marL="0" indent="0">
+              <a:buNone/>
+            </a:pPr>
+            <a:r>
+              <a:rPr lang="de-DE" dirty="0" smtClean="0"/>
+              <a:t>1. Erstellt Organisation und lädt Person B ein </a:t>
+            </a:r>
+            <a:r>
+              <a:rPr lang="de-DE" sz="1200" b="1" dirty="0" smtClean="0"/>
+              <a:t>(siehe Folie 7)</a:t>
+            </a:r>
+            <a:endParaRPr lang="de-DE" b="1" dirty="0" smtClean="0"/>
+          </a:p>
+          <a:p>
+            <a:pPr marL="0" indent="0">
+              <a:buNone/>
+            </a:pPr>
+            <a:endParaRPr lang="de-DE" dirty="0" smtClean="0"/>
+          </a:p>
+          <a:p>
+            <a:pPr marL="0" indent="0">
+              <a:buNone/>
+            </a:pPr>
+            <a:endParaRPr lang="de-DE" dirty="0"/>
+          </a:p>
+          <a:p>
+            <a:pPr marL="0" indent="0">
+              <a:buNone/>
+            </a:pPr>
+            <a:r>
+              <a:rPr lang="de-DE" dirty="0" smtClean="0"/>
+              <a:t>3. Erstellt Repository</a:t>
+            </a:r>
+            <a:r>
+              <a:rPr lang="de-DE" sz="1200" b="1" dirty="0" smtClean="0"/>
+              <a:t>(siehe </a:t>
+            </a:r>
+            <a:r>
+              <a:rPr lang="de-DE" sz="1200" b="1" dirty="0"/>
+              <a:t>Folie </a:t>
+            </a:r>
+            <a:r>
+              <a:rPr lang="de-DE" sz="1200" b="1" dirty="0" smtClean="0"/>
+              <a:t>5)</a:t>
+            </a:r>
+            <a:endParaRPr lang="de-DE" sz="1200" dirty="0" smtClean="0"/>
+          </a:p>
+          <a:p>
+            <a:pPr marL="0" indent="0">
+              <a:buNone/>
+            </a:pPr>
+            <a:endParaRPr lang="de-DE" dirty="0"/>
+          </a:p>
+          <a:p>
+            <a:pPr marL="0" indent="0">
+              <a:buNone/>
+            </a:pPr>
+            <a:r>
+              <a:rPr lang="de-DE" dirty="0" smtClean="0"/>
+              <a:t>4. Anlegen der lokalen Kopie</a:t>
+            </a:r>
+            <a:br>
+              <a:rPr lang="de-DE" dirty="0" smtClean="0"/>
+            </a:br>
+            <a:r>
+              <a:rPr lang="de-DE" sz="1200" b="1" dirty="0" smtClean="0"/>
+              <a:t>(siehe Folie 11)</a:t>
+            </a:r>
+            <a:endParaRPr lang="de-DE" b="1" dirty="0"/>
+          </a:p>
+        </p:txBody>
+      </p:sp>
+      <p:sp>
+        <p:nvSpPr>
+          <p:cNvPr id="13" name="Inhaltsplatzhalter 12"/>
+          <p:cNvSpPr>
+            <a:spLocks noGrp="1"/>
+          </p:cNvSpPr>
+          <p:nvPr>
+            <p:ph sz="quarter" idx="4"/>
+          </p:nvPr>
+        </p:nvSpPr>
+        <p:spPr/>
+        <p:txBody>
+          <a:bodyPr>
+            <a:normAutofit/>
+          </a:bodyPr>
+          <a:lstStyle/>
+          <a:p>
+            <a:pPr marL="0" indent="0">
+              <a:buNone/>
+            </a:pPr>
+            <a:endParaRPr lang="de-DE" dirty="0"/>
+          </a:p>
+          <a:p>
+            <a:pPr marL="0" indent="0">
+              <a:buNone/>
+            </a:pPr>
+            <a:endParaRPr lang="de-DE" dirty="0" smtClean="0"/>
+          </a:p>
+          <a:p>
+            <a:pPr marL="0" indent="0">
+              <a:buNone/>
+            </a:pPr>
+            <a:r>
+              <a:rPr lang="de-DE" dirty="0" smtClean="0"/>
+              <a:t>2. Person B nimmt Einladung an und tritt bei</a:t>
+            </a:r>
+          </a:p>
+          <a:p>
+            <a:pPr marL="0" indent="0">
+              <a:buNone/>
+            </a:pPr>
+            <a:endParaRPr lang="de-DE" dirty="0"/>
+          </a:p>
+          <a:p>
+            <a:pPr marL="0" indent="0">
+              <a:buNone/>
+            </a:pPr>
+            <a:endParaRPr lang="de-DE" dirty="0"/>
+          </a:p>
+          <a:p>
+            <a:pPr marL="0" indent="0">
+              <a:buNone/>
+            </a:pPr>
+            <a:r>
+              <a:rPr lang="de-DE" dirty="0" smtClean="0"/>
+              <a:t>4. Anlegen der lokalen Kopie</a:t>
+            </a:r>
+            <a:br>
+              <a:rPr lang="de-DE" dirty="0" smtClean="0"/>
+            </a:br>
+            <a:r>
+              <a:rPr lang="de-DE" sz="1200" b="1" dirty="0" smtClean="0"/>
+              <a:t>(siehe Folie 11)</a:t>
+            </a:r>
+            <a:endParaRPr lang="de-DE" dirty="0"/>
+          </a:p>
+        </p:txBody>
+      </p:sp>
+    </p:spTree>
+    <p:extLst>
+      <p:ext uri="{BB962C8B-B14F-4D97-AF65-F5344CB8AC3E}">
+        <p14:creationId xmlns:p14="http://schemas.microsoft.com/office/powerpoint/2010/main" val="1807651592"/>
+      </p:ext>
+    </p:extLst>
+  </p:cSld>
+  <p:clrMapOvr>
+    <a:masterClrMapping/>
+  </p:clrMapOvr>
+</p:sld>
+</file>
+
+<file path=ppt/slides/slide22.xml><?xml version="1.0" encoding="utf-8"?>
+<p:sld xmlns:a="http://schemas.openxmlformats.org/drawingml/2006/main" xmlns:r="http://schemas.openxmlformats.org/officeDocument/2006/relationships" xmlns:p="http://schemas.openxmlformats.org/presentationml/2006/main">
+  <p:cSld>
+    <p:spTree>
+      <p:nvGrpSpPr>
+        <p:cNvPr id="1" name=""/>
+        <p:cNvGrpSpPr/>
+        <p:nvPr/>
+      </p:nvGrpSpPr>
+      <p:grpSpPr>
+        <a:xfrm>
+          <a:off x="0" y="0"/>
+          <a:ext cx="0" cy="0"/>
+          <a:chOff x="0" y="0"/>
+          <a:chExt cx="0" cy="0"/>
+        </a:xfrm>
+      </p:grpSpPr>
+      <p:sp>
+        <p:nvSpPr>
+          <p:cNvPr id="9" name="Titel 8"/>
+          <p:cNvSpPr>
+            <a:spLocks noGrp="1"/>
+          </p:cNvSpPr>
+          <p:nvPr>
+            <p:ph type="title"/>
+          </p:nvPr>
+        </p:nvSpPr>
+        <p:spPr/>
+        <p:txBody>
+          <a:bodyPr/>
+          <a:lstStyle/>
+          <a:p>
+            <a:r>
+              <a:rPr lang="de-DE" dirty="0"/>
+              <a:t>Working </a:t>
+            </a:r>
+            <a:r>
+              <a:rPr lang="de-DE" dirty="0" err="1"/>
+              <a:t>together</a:t>
+            </a:r>
+            <a:r>
+              <a:rPr lang="de-DE" dirty="0"/>
+              <a:t> on a </a:t>
+            </a:r>
+            <a:r>
+              <a:rPr lang="de-DE" dirty="0" err="1"/>
+              <a:t>repository</a:t>
+            </a:r>
+            <a:r>
+              <a:rPr lang="de-DE" dirty="0"/>
+              <a:t> </a:t>
+            </a:r>
+            <a:r>
+              <a:rPr lang="de-DE" dirty="0" smtClean="0"/>
+              <a:t>(2)</a:t>
+            </a:r>
+            <a:endParaRPr lang="de-DE" dirty="0"/>
+          </a:p>
+        </p:txBody>
+      </p:sp>
+      <p:sp>
+        <p:nvSpPr>
+          <p:cNvPr id="10" name="Textplatzhalter 9"/>
+          <p:cNvSpPr>
+            <a:spLocks noGrp="1"/>
+          </p:cNvSpPr>
+          <p:nvPr>
+            <p:ph type="body" idx="1"/>
+          </p:nvPr>
+        </p:nvSpPr>
+        <p:spPr/>
+        <p:txBody>
+          <a:bodyPr/>
+          <a:lstStyle/>
+          <a:p>
+            <a:r>
+              <a:rPr lang="de-DE" dirty="0" smtClean="0"/>
+              <a:t>Person A</a:t>
+            </a:r>
+            <a:endParaRPr lang="de-DE" dirty="0"/>
+          </a:p>
+        </p:txBody>
+      </p:sp>
+      <p:sp>
+        <p:nvSpPr>
+          <p:cNvPr id="12" name="Textplatzhalter 11"/>
+          <p:cNvSpPr>
+            <a:spLocks noGrp="1"/>
+          </p:cNvSpPr>
+          <p:nvPr>
+            <p:ph type="body" sz="half" idx="3"/>
+          </p:nvPr>
+        </p:nvSpPr>
+        <p:spPr/>
+        <p:txBody>
+          <a:bodyPr/>
+          <a:lstStyle/>
+          <a:p>
+            <a:r>
+              <a:rPr lang="de-DE" dirty="0" smtClean="0"/>
+              <a:t>Person B</a:t>
+            </a:r>
+            <a:endParaRPr lang="de-DE" dirty="0"/>
+          </a:p>
+        </p:txBody>
+      </p:sp>
+      <p:sp>
+        <p:nvSpPr>
+          <p:cNvPr id="3" name="Fußzeilenplatzhalter 2"/>
+          <p:cNvSpPr>
+            <a:spLocks noGrp="1"/>
+          </p:cNvSpPr>
+          <p:nvPr>
+            <p:ph type="ftr" sz="quarter" idx="11"/>
+          </p:nvPr>
+        </p:nvSpPr>
+        <p:spPr/>
+        <p:txBody>
+          <a:bodyPr/>
+          <a:lstStyle/>
+          <a:p>
+            <a:r>
+              <a:rPr lang="de-DE" smtClean="0"/>
+              <a:t>ePortfolio von Mehmet Ali Incekara</a:t>
+            </a:r>
+            <a:endParaRPr lang="de-DE"/>
+          </a:p>
+        </p:txBody>
+      </p:sp>
+      <p:sp>
+        <p:nvSpPr>
+          <p:cNvPr id="4" name="Foliennummernplatzhalter 3"/>
+          <p:cNvSpPr>
+            <a:spLocks noGrp="1"/>
+          </p:cNvSpPr>
+          <p:nvPr>
+            <p:ph type="sldNum" sz="quarter" idx="12"/>
+          </p:nvPr>
+        </p:nvSpPr>
+        <p:spPr/>
+        <p:txBody>
+          <a:bodyPr/>
+          <a:lstStyle/>
+          <a:p>
+            <a:fld id="{32988457-9EFF-4998-891D-85ECFB4B79A4}" type="slidenum">
+              <a:rPr lang="de-DE" smtClean="0"/>
+              <a:t>22</a:t>
+            </a:fld>
+            <a:endParaRPr lang="de-DE"/>
+          </a:p>
+        </p:txBody>
+      </p:sp>
+      <p:sp>
+        <p:nvSpPr>
+          <p:cNvPr id="11" name="Inhaltsplatzhalter 10"/>
+          <p:cNvSpPr>
+            <a:spLocks noGrp="1"/>
+          </p:cNvSpPr>
+          <p:nvPr>
+            <p:ph sz="quarter" idx="2"/>
+          </p:nvPr>
+        </p:nvSpPr>
+        <p:spPr/>
+        <p:txBody>
+          <a:bodyPr/>
+          <a:lstStyle/>
+          <a:p>
+            <a:pPr marL="0" indent="0">
+              <a:buNone/>
+            </a:pPr>
+            <a:r>
+              <a:rPr lang="de-DE" dirty="0" smtClean="0"/>
+              <a:t>1. Push der ersten Dateien</a:t>
+            </a:r>
+            <a:br>
+              <a:rPr lang="de-DE" dirty="0" smtClean="0"/>
+            </a:br>
+            <a:r>
+              <a:rPr lang="de-DE" dirty="0" smtClean="0"/>
+              <a:t> </a:t>
+            </a:r>
+            <a:r>
+              <a:rPr lang="de-DE" sz="1200" b="1" dirty="0" smtClean="0"/>
+              <a:t>(siehe Folie 13)</a:t>
+            </a:r>
+          </a:p>
+          <a:p>
+            <a:pPr marL="0" indent="0">
+              <a:buNone/>
+            </a:pPr>
+            <a:endParaRPr lang="de-DE" dirty="0" smtClean="0"/>
+          </a:p>
+          <a:p>
+            <a:pPr marL="0" indent="0">
+              <a:buNone/>
+            </a:pPr>
+            <a:r>
+              <a:rPr lang="de-DE" dirty="0" smtClean="0"/>
+              <a:t>2. Pull der Dateien von B*</a:t>
+            </a:r>
+          </a:p>
+        </p:txBody>
+      </p:sp>
+      <p:sp>
+        <p:nvSpPr>
+          <p:cNvPr id="13" name="Inhaltsplatzhalter 12"/>
+          <p:cNvSpPr>
+            <a:spLocks noGrp="1"/>
+          </p:cNvSpPr>
+          <p:nvPr>
+            <p:ph sz="quarter" idx="4"/>
+          </p:nvPr>
+        </p:nvSpPr>
+        <p:spPr/>
+        <p:txBody>
+          <a:bodyPr/>
+          <a:lstStyle/>
+          <a:p>
+            <a:pPr marL="0" indent="0">
+              <a:buNone/>
+            </a:pPr>
+            <a:r>
+              <a:rPr lang="de-DE" dirty="0" smtClean="0"/>
+              <a:t>1. Push der ersten Dateien (Redundanz ausgeschlossen)</a:t>
+            </a:r>
+          </a:p>
+          <a:p>
+            <a:pPr marL="0" indent="0">
+              <a:buNone/>
+            </a:pPr>
+            <a:endParaRPr lang="de-DE" dirty="0" smtClean="0"/>
+          </a:p>
+          <a:p>
+            <a:pPr marL="0" indent="0">
+              <a:buNone/>
+            </a:pPr>
+            <a:r>
+              <a:rPr lang="de-DE" dirty="0" smtClean="0"/>
+              <a:t>2. Pull der Dateien von A*</a:t>
+            </a:r>
+            <a:endParaRPr lang="de-DE" dirty="0"/>
+          </a:p>
+        </p:txBody>
+      </p:sp>
+      <p:sp>
+        <p:nvSpPr>
+          <p:cNvPr id="6" name="Textfeld 5"/>
+          <p:cNvSpPr txBox="1"/>
+          <p:nvPr/>
+        </p:nvSpPr>
+        <p:spPr>
+          <a:xfrm>
+            <a:off x="395536" y="4005064"/>
+            <a:ext cx="8468344" cy="369332"/>
+          </a:xfrm>
+          <a:prstGeom prst="rect">
+            <a:avLst/>
+          </a:prstGeom>
+          <a:noFill/>
+        </p:spPr>
+        <p:txBody>
+          <a:bodyPr wrap="none" rtlCol="0">
+            <a:spAutoFit/>
+          </a:bodyPr>
+          <a:lstStyle/>
+          <a:p>
+            <a:r>
+              <a:rPr lang="de-DE" dirty="0" smtClean="0"/>
+              <a:t>------------------------- gleiche Ausgangssituation für beide Beteiligte ----------------------------</a:t>
+            </a:r>
+            <a:endParaRPr lang="de-DE" dirty="0"/>
+          </a:p>
+        </p:txBody>
+      </p:sp>
+      <p:pic>
+        <p:nvPicPr>
+          <p:cNvPr id="1026" name="Picture 2"/>
+          <p:cNvPicPr>
+            <a:picLocks noChangeAspect="1" noChangeArrowheads="1"/>
+          </p:cNvPicPr>
+          <p:nvPr/>
+        </p:nvPicPr>
+        <p:blipFill rotWithShape="1">
+          <a:blip r:embed="rId3">
+            <a:extLst>
+              <a:ext uri="{28A0092B-C50C-407E-A947-70E740481C1C}">
+                <a14:useLocalDpi xmlns:a14="http://schemas.microsoft.com/office/drawing/2010/main" val="0"/>
+              </a:ext>
+            </a:extLst>
+          </a:blip>
+          <a:srcRect t="19553" b="15822"/>
+          <a:stretch/>
+        </p:blipFill>
+        <p:spPr bwMode="auto">
+          <a:xfrm>
+            <a:off x="2398936" y="4341852"/>
+            <a:ext cx="4461544" cy="1862916"/>
+          </a:xfrm>
+          <a:prstGeom prst="rect">
+            <a:avLst/>
+          </a:prstGeom>
+          <a:noFill/>
+          <a:ln>
+            <a:noFill/>
+          </a:ln>
+          <a:extLst>
+            <a:ext uri="{909E8E84-426E-40DD-AFC4-6F175D3DCCD1}">
+              <a14:hiddenFill xmlns:a14="http://schemas.microsoft.com/office/drawing/2010/main">
+                <a:solidFill>
+                  <a:schemeClr val="accent1"/>
+                </a:solidFill>
+              </a14:hiddenFill>
+            </a:ext>
+            <a:ext uri="{91240B29-F687-4F45-9708-019B960494DF}">
+              <a14:hiddenLine xmlns:a14="http://schemas.microsoft.com/office/drawing/2010/main" w="9525">
+                <a:solidFill>
+                  <a:schemeClr val="tx1"/>
+                </a:solidFill>
+                <a:miter lim="800000"/>
+                <a:headEnd/>
+                <a:tailEnd/>
+              </a14:hiddenLine>
+            </a:ext>
+          </a:extLst>
+        </p:spPr>
+      </p:pic>
+    </p:spTree>
+    <p:extLst>
+      <p:ext uri="{BB962C8B-B14F-4D97-AF65-F5344CB8AC3E}">
+        <p14:creationId xmlns:p14="http://schemas.microsoft.com/office/powerpoint/2010/main" val="2116319071"/>
+      </p:ext>
+    </p:extLst>
+  </p:cSld>
+  <p:clrMapOvr>
+    <a:masterClrMapping/>
+  </p:clrMapOvr>
+</p:sld>
+</file>
+
+<file path=ppt/slides/slide23.xml><?xml version="1.0" encoding="utf-8"?>
+<p:sld xmlns:a="http://schemas.openxmlformats.org/drawingml/2006/main" xmlns:r="http://schemas.openxmlformats.org/officeDocument/2006/relationships" xmlns:p="http://schemas.openxmlformats.org/presentationml/2006/main">
+  <p:cSld>
+    <p:spTree>
+      <p:nvGrpSpPr>
+        <p:cNvPr id="1" name=""/>
+        <p:cNvGrpSpPr/>
+        <p:nvPr/>
+      </p:nvGrpSpPr>
+      <p:grpSpPr>
+        <a:xfrm>
+          <a:off x="0" y="0"/>
+          <a:ext cx="0" cy="0"/>
+          <a:chOff x="0" y="0"/>
+          <a:chExt cx="0" cy="0"/>
+        </a:xfrm>
+      </p:grpSpPr>
+      <p:sp>
+        <p:nvSpPr>
+          <p:cNvPr id="9" name="Titel 8"/>
+          <p:cNvSpPr>
+            <a:spLocks noGrp="1"/>
+          </p:cNvSpPr>
+          <p:nvPr>
+            <p:ph type="title"/>
+          </p:nvPr>
+        </p:nvSpPr>
+        <p:spPr/>
+        <p:txBody>
+          <a:bodyPr>
+            <a:normAutofit/>
+          </a:bodyPr>
+          <a:lstStyle/>
+          <a:p>
+            <a:r>
+              <a:rPr lang="de-DE" dirty="0"/>
+              <a:t>Working </a:t>
+            </a:r>
+            <a:r>
+              <a:rPr lang="de-DE" dirty="0" err="1"/>
+              <a:t>together</a:t>
+            </a:r>
+            <a:r>
+              <a:rPr lang="de-DE" dirty="0"/>
+              <a:t> on a </a:t>
+            </a:r>
+            <a:r>
+              <a:rPr lang="de-DE" dirty="0" err="1"/>
+              <a:t>repository</a:t>
+            </a:r>
+            <a:r>
+              <a:rPr lang="de-DE" dirty="0"/>
+              <a:t> </a:t>
+            </a:r>
+            <a:r>
+              <a:rPr lang="de-DE" dirty="0" smtClean="0"/>
+              <a:t>(3.1)</a:t>
+            </a:r>
+            <a:br>
+              <a:rPr lang="de-DE" dirty="0" smtClean="0"/>
+            </a:br>
+            <a:r>
+              <a:rPr lang="de-DE" sz="2200" dirty="0" smtClean="0"/>
+              <a:t>(arbeiten ohne </a:t>
+            </a:r>
+            <a:r>
+              <a:rPr lang="de-DE" sz="2200" dirty="0" err="1" smtClean="0"/>
+              <a:t>Branches</a:t>
+            </a:r>
+            <a:r>
+              <a:rPr lang="de-DE" sz="2200" dirty="0" smtClean="0"/>
+              <a:t>)</a:t>
+            </a:r>
+            <a:endParaRPr lang="de-DE" dirty="0"/>
+          </a:p>
+        </p:txBody>
+      </p:sp>
+      <p:sp>
+        <p:nvSpPr>
+          <p:cNvPr id="10" name="Textplatzhalter 9"/>
+          <p:cNvSpPr>
+            <a:spLocks noGrp="1"/>
+          </p:cNvSpPr>
+          <p:nvPr>
+            <p:ph type="body" idx="1"/>
+          </p:nvPr>
+        </p:nvSpPr>
+        <p:spPr/>
+        <p:txBody>
+          <a:bodyPr/>
+          <a:lstStyle/>
+          <a:p>
+            <a:r>
+              <a:rPr lang="de-DE" dirty="0" smtClean="0"/>
+              <a:t>Person A</a:t>
+            </a:r>
+            <a:endParaRPr lang="de-DE" dirty="0"/>
+          </a:p>
+        </p:txBody>
+      </p:sp>
+      <p:sp>
+        <p:nvSpPr>
+          <p:cNvPr id="12" name="Textplatzhalter 11"/>
+          <p:cNvSpPr>
+            <a:spLocks noGrp="1"/>
+          </p:cNvSpPr>
+          <p:nvPr>
+            <p:ph type="body" sz="half" idx="3"/>
+          </p:nvPr>
+        </p:nvSpPr>
+        <p:spPr/>
+        <p:txBody>
+          <a:bodyPr/>
+          <a:lstStyle/>
+          <a:p>
+            <a:r>
+              <a:rPr lang="de-DE" dirty="0" smtClean="0"/>
+              <a:t>Person B</a:t>
+            </a:r>
+            <a:endParaRPr lang="de-DE" dirty="0"/>
+          </a:p>
+        </p:txBody>
+      </p:sp>
+      <p:sp>
+        <p:nvSpPr>
+          <p:cNvPr id="3" name="Fußzeilenplatzhalter 2"/>
+          <p:cNvSpPr>
+            <a:spLocks noGrp="1"/>
+          </p:cNvSpPr>
+          <p:nvPr>
+            <p:ph type="ftr" sz="quarter" idx="11"/>
+          </p:nvPr>
+        </p:nvSpPr>
+        <p:spPr/>
+        <p:txBody>
+          <a:bodyPr/>
+          <a:lstStyle/>
+          <a:p>
+            <a:r>
+              <a:rPr lang="de-DE" smtClean="0"/>
+              <a:t>ePortfolio von Mehmet Ali Incekara</a:t>
+            </a:r>
+            <a:endParaRPr lang="de-DE"/>
+          </a:p>
+        </p:txBody>
+      </p:sp>
+      <p:sp>
+        <p:nvSpPr>
+          <p:cNvPr id="4" name="Foliennummernplatzhalter 3"/>
+          <p:cNvSpPr>
+            <a:spLocks noGrp="1"/>
+          </p:cNvSpPr>
+          <p:nvPr>
+            <p:ph type="sldNum" sz="quarter" idx="12"/>
+          </p:nvPr>
+        </p:nvSpPr>
+        <p:spPr/>
+        <p:txBody>
+          <a:bodyPr/>
+          <a:lstStyle/>
+          <a:p>
+            <a:fld id="{32988457-9EFF-4998-891D-85ECFB4B79A4}" type="slidenum">
+              <a:rPr lang="de-DE" smtClean="0"/>
+              <a:t>23</a:t>
+            </a:fld>
+            <a:endParaRPr lang="de-DE"/>
+          </a:p>
+        </p:txBody>
+      </p:sp>
+      <p:cxnSp>
+        <p:nvCxnSpPr>
+          <p:cNvPr id="5" name="Gerade Verbindung mit Pfeil 4"/>
+          <p:cNvCxnSpPr/>
+          <p:nvPr/>
+        </p:nvCxnSpPr>
+        <p:spPr>
+          <a:xfrm>
+            <a:off x="827584" y="4221088"/>
+            <a:ext cx="7344816" cy="0"/>
+          </a:xfrm>
+          <a:prstGeom prst="straightConnector1">
+            <a:avLst/>
+          </a:prstGeom>
+          <a:ln w="57150">
+            <a:solidFill>
+              <a:schemeClr val="tx1"/>
+            </a:solidFill>
+            <a:tailEnd type="arrow"/>
+          </a:ln>
+        </p:spPr>
+        <p:style>
+          <a:lnRef idx="1">
+            <a:schemeClr val="accent1"/>
+          </a:lnRef>
+          <a:fillRef idx="0">
+            <a:schemeClr val="accent1"/>
+          </a:fillRef>
+          <a:effectRef idx="0">
+            <a:schemeClr val="accent1"/>
+          </a:effectRef>
+          <a:fontRef idx="minor">
+            <a:schemeClr val="tx1"/>
+          </a:fontRef>
+        </p:style>
+      </p:cxnSp>
+      <p:sp>
+        <p:nvSpPr>
+          <p:cNvPr id="7" name="Textfeld 6"/>
+          <p:cNvSpPr txBox="1"/>
+          <p:nvPr/>
+        </p:nvSpPr>
+        <p:spPr>
+          <a:xfrm>
+            <a:off x="8172400" y="3999279"/>
+            <a:ext cx="827471" cy="369332"/>
+          </a:xfrm>
+          <a:prstGeom prst="rect">
+            <a:avLst/>
+          </a:prstGeom>
+          <a:noFill/>
+        </p:spPr>
+        <p:txBody>
+          <a:bodyPr wrap="none" rtlCol="0">
+            <a:spAutoFit/>
+          </a:bodyPr>
+          <a:lstStyle/>
+          <a:p>
+            <a:r>
+              <a:rPr lang="de-DE" dirty="0" err="1" smtClean="0"/>
+              <a:t>master</a:t>
+            </a:r>
+            <a:endParaRPr lang="de-DE" dirty="0"/>
+          </a:p>
+        </p:txBody>
+      </p:sp>
+      <p:cxnSp>
+        <p:nvCxnSpPr>
+          <p:cNvPr id="14" name="Gerade Verbindung 13"/>
+          <p:cNvCxnSpPr/>
+          <p:nvPr/>
+        </p:nvCxnSpPr>
+        <p:spPr>
+          <a:xfrm>
+            <a:off x="899592" y="4087815"/>
+            <a:ext cx="0" cy="214863"/>
+          </a:xfrm>
+          <a:prstGeom prst="line">
+            <a:avLst/>
+          </a:prstGeom>
+          <a:ln w="38100">
+            <a:solidFill>
+              <a:srgbClr val="FFFF00"/>
+            </a:solidFill>
+          </a:ln>
+        </p:spPr>
+        <p:style>
+          <a:lnRef idx="1">
+            <a:schemeClr val="accent1"/>
+          </a:lnRef>
+          <a:fillRef idx="0">
+            <a:schemeClr val="accent1"/>
+          </a:fillRef>
+          <a:effectRef idx="0">
+            <a:schemeClr val="accent1"/>
+          </a:effectRef>
+          <a:fontRef idx="minor">
+            <a:schemeClr val="tx1"/>
+          </a:fontRef>
+        </p:style>
+      </p:cxnSp>
+      <p:cxnSp>
+        <p:nvCxnSpPr>
+          <p:cNvPr id="18" name="Gerade Verbindung 17"/>
+          <p:cNvCxnSpPr/>
+          <p:nvPr/>
+        </p:nvCxnSpPr>
+        <p:spPr>
+          <a:xfrm>
+            <a:off x="1907704" y="4087815"/>
+            <a:ext cx="0" cy="214863"/>
+          </a:xfrm>
+          <a:prstGeom prst="line">
+            <a:avLst/>
+          </a:prstGeom>
+          <a:ln w="38100">
+            <a:solidFill>
+              <a:srgbClr val="FFFF00"/>
+            </a:solidFill>
+          </a:ln>
+        </p:spPr>
+        <p:style>
+          <a:lnRef idx="1">
+            <a:schemeClr val="accent1"/>
+          </a:lnRef>
+          <a:fillRef idx="0">
+            <a:schemeClr val="accent1"/>
+          </a:fillRef>
+          <a:effectRef idx="0">
+            <a:schemeClr val="accent1"/>
+          </a:effectRef>
+          <a:fontRef idx="minor">
+            <a:schemeClr val="tx1"/>
+          </a:fontRef>
+        </p:style>
+      </p:cxnSp>
+      <p:cxnSp>
+        <p:nvCxnSpPr>
+          <p:cNvPr id="19" name="Gerade Verbindung 18"/>
+          <p:cNvCxnSpPr/>
+          <p:nvPr/>
+        </p:nvCxnSpPr>
+        <p:spPr>
+          <a:xfrm>
+            <a:off x="1788880" y="3495760"/>
+            <a:ext cx="0" cy="725328"/>
+          </a:xfrm>
+          <a:prstGeom prst="line">
+            <a:avLst/>
+          </a:prstGeom>
+          <a:ln w="38100">
+            <a:solidFill>
+              <a:srgbClr val="FF0000"/>
+            </a:solidFill>
+          </a:ln>
+        </p:spPr>
+        <p:style>
+          <a:lnRef idx="1">
+            <a:schemeClr val="accent1"/>
+          </a:lnRef>
+          <a:fillRef idx="0">
+            <a:schemeClr val="accent1"/>
+          </a:fillRef>
+          <a:effectRef idx="0">
+            <a:schemeClr val="accent1"/>
+          </a:effectRef>
+          <a:fontRef idx="minor">
+            <a:schemeClr val="tx1"/>
+          </a:fontRef>
+        </p:style>
+      </p:cxnSp>
+      <p:cxnSp>
+        <p:nvCxnSpPr>
+          <p:cNvPr id="21" name="Gerade Verbindung 20"/>
+          <p:cNvCxnSpPr/>
+          <p:nvPr/>
+        </p:nvCxnSpPr>
+        <p:spPr>
+          <a:xfrm>
+            <a:off x="2699792" y="4087813"/>
+            <a:ext cx="0" cy="214863"/>
+          </a:xfrm>
+          <a:prstGeom prst="line">
+            <a:avLst/>
+          </a:prstGeom>
+          <a:ln w="38100">
+            <a:solidFill>
+              <a:srgbClr val="FFFF00"/>
+            </a:solidFill>
+          </a:ln>
+        </p:spPr>
+        <p:style>
+          <a:lnRef idx="1">
+            <a:schemeClr val="accent1"/>
+          </a:lnRef>
+          <a:fillRef idx="0">
+            <a:schemeClr val="accent1"/>
+          </a:fillRef>
+          <a:effectRef idx="0">
+            <a:schemeClr val="accent1"/>
+          </a:effectRef>
+          <a:fontRef idx="minor">
+            <a:schemeClr val="tx1"/>
+          </a:fontRef>
+        </p:style>
+      </p:cxnSp>
+      <p:cxnSp>
+        <p:nvCxnSpPr>
+          <p:cNvPr id="22" name="Gerade Verbindung 21"/>
+          <p:cNvCxnSpPr/>
+          <p:nvPr/>
+        </p:nvCxnSpPr>
+        <p:spPr>
+          <a:xfrm>
+            <a:off x="2627784" y="3501008"/>
+            <a:ext cx="0" cy="729661"/>
+          </a:xfrm>
+          <a:prstGeom prst="line">
+            <a:avLst/>
+          </a:prstGeom>
+          <a:ln w="38100">
+            <a:solidFill>
+              <a:srgbClr val="00B050"/>
+            </a:solidFill>
+          </a:ln>
+        </p:spPr>
+        <p:style>
+          <a:lnRef idx="1">
+            <a:schemeClr val="accent1"/>
+          </a:lnRef>
+          <a:fillRef idx="0">
+            <a:schemeClr val="accent1"/>
+          </a:fillRef>
+          <a:effectRef idx="0">
+            <a:schemeClr val="accent1"/>
+          </a:effectRef>
+          <a:fontRef idx="minor">
+            <a:schemeClr val="tx1"/>
+          </a:fontRef>
+        </p:style>
+      </p:cxnSp>
+      <p:cxnSp>
+        <p:nvCxnSpPr>
+          <p:cNvPr id="23" name="Gerade Verbindung 22"/>
+          <p:cNvCxnSpPr/>
+          <p:nvPr/>
+        </p:nvCxnSpPr>
+        <p:spPr>
+          <a:xfrm>
+            <a:off x="3707904" y="4302678"/>
+            <a:ext cx="0" cy="214863"/>
+          </a:xfrm>
+          <a:prstGeom prst="line">
+            <a:avLst/>
+          </a:prstGeom>
+          <a:ln w="38100">
+            <a:solidFill>
+              <a:srgbClr val="00B050"/>
+            </a:solidFill>
+          </a:ln>
+        </p:spPr>
+        <p:style>
+          <a:lnRef idx="1">
+            <a:schemeClr val="accent1"/>
+          </a:lnRef>
+          <a:fillRef idx="0">
+            <a:schemeClr val="accent1"/>
+          </a:fillRef>
+          <a:effectRef idx="0">
+            <a:schemeClr val="accent1"/>
+          </a:effectRef>
+          <a:fontRef idx="minor">
+            <a:schemeClr val="tx1"/>
+          </a:fontRef>
+        </p:style>
+      </p:cxnSp>
+      <p:cxnSp>
+        <p:nvCxnSpPr>
+          <p:cNvPr id="24" name="Gerade Verbindung 23"/>
+          <p:cNvCxnSpPr/>
+          <p:nvPr/>
+        </p:nvCxnSpPr>
+        <p:spPr>
+          <a:xfrm>
+            <a:off x="3707904" y="3872952"/>
+            <a:ext cx="0" cy="214863"/>
+          </a:xfrm>
+          <a:prstGeom prst="line">
+            <a:avLst/>
+          </a:prstGeom>
+          <a:ln w="38100">
+            <a:solidFill>
+              <a:srgbClr val="FF0000"/>
+            </a:solidFill>
+          </a:ln>
+        </p:spPr>
+        <p:style>
+          <a:lnRef idx="1">
+            <a:schemeClr val="accent1"/>
+          </a:lnRef>
+          <a:fillRef idx="0">
+            <a:schemeClr val="accent1"/>
+          </a:fillRef>
+          <a:effectRef idx="0">
+            <a:schemeClr val="accent1"/>
+          </a:effectRef>
+          <a:fontRef idx="minor">
+            <a:schemeClr val="tx1"/>
+          </a:fontRef>
+        </p:style>
+      </p:cxnSp>
+      <p:cxnSp>
+        <p:nvCxnSpPr>
+          <p:cNvPr id="25" name="Gerade Verbindung 24"/>
+          <p:cNvCxnSpPr/>
+          <p:nvPr/>
+        </p:nvCxnSpPr>
+        <p:spPr>
+          <a:xfrm>
+            <a:off x="3851920" y="4102670"/>
+            <a:ext cx="0" cy="214863"/>
+          </a:xfrm>
+          <a:prstGeom prst="line">
+            <a:avLst/>
+          </a:prstGeom>
+          <a:ln w="38100">
+            <a:solidFill>
+              <a:srgbClr val="FFFF00"/>
+            </a:solidFill>
+          </a:ln>
+        </p:spPr>
+        <p:style>
+          <a:lnRef idx="1">
+            <a:schemeClr val="accent1"/>
+          </a:lnRef>
+          <a:fillRef idx="0">
+            <a:schemeClr val="accent1"/>
+          </a:fillRef>
+          <a:effectRef idx="0">
+            <a:schemeClr val="accent1"/>
+          </a:effectRef>
+          <a:fontRef idx="minor">
+            <a:schemeClr val="tx1"/>
+          </a:fontRef>
+        </p:style>
+      </p:cxnSp>
+      <p:sp>
+        <p:nvSpPr>
+          <p:cNvPr id="26" name="Textfeld 25"/>
+          <p:cNvSpPr txBox="1"/>
+          <p:nvPr/>
+        </p:nvSpPr>
+        <p:spPr>
+          <a:xfrm>
+            <a:off x="5508104" y="3852045"/>
+            <a:ext cx="415498" cy="369332"/>
+          </a:xfrm>
+          <a:prstGeom prst="rect">
+            <a:avLst/>
+          </a:prstGeom>
+          <a:noFill/>
+        </p:spPr>
+        <p:txBody>
+          <a:bodyPr wrap="none" rtlCol="0">
+            <a:spAutoFit/>
+          </a:bodyPr>
+          <a:lstStyle/>
+          <a:p>
+            <a:r>
+              <a:rPr lang="de-DE" dirty="0" smtClean="0"/>
+              <a:t>…</a:t>
+            </a:r>
+            <a:endParaRPr lang="de-DE" dirty="0"/>
+          </a:p>
+        </p:txBody>
+      </p:sp>
+      <p:sp>
+        <p:nvSpPr>
+          <p:cNvPr id="27" name="Textfeld 26"/>
+          <p:cNvSpPr txBox="1"/>
+          <p:nvPr/>
+        </p:nvSpPr>
+        <p:spPr>
+          <a:xfrm>
+            <a:off x="539552" y="4293096"/>
+            <a:ext cx="720080" cy="461665"/>
+          </a:xfrm>
+          <a:prstGeom prst="rect">
+            <a:avLst/>
+          </a:prstGeom>
+          <a:noFill/>
+        </p:spPr>
+        <p:txBody>
+          <a:bodyPr wrap="square" rtlCol="0">
+            <a:spAutoFit/>
+          </a:bodyPr>
+          <a:lstStyle/>
+          <a:p>
+            <a:r>
+              <a:rPr lang="de-DE" sz="1200" dirty="0" smtClean="0"/>
+              <a:t>pull von</a:t>
+            </a:r>
+            <a:br>
+              <a:rPr lang="de-DE" sz="1200" dirty="0" smtClean="0"/>
+            </a:br>
+            <a:r>
+              <a:rPr lang="de-DE" sz="1200" dirty="0" smtClean="0"/>
+              <a:t>A und B</a:t>
+            </a:r>
+            <a:endParaRPr lang="de-DE" sz="1200" dirty="0"/>
+          </a:p>
+        </p:txBody>
+      </p:sp>
+      <p:sp>
+        <p:nvSpPr>
+          <p:cNvPr id="28" name="Textfeld 27"/>
+          <p:cNvSpPr txBox="1"/>
+          <p:nvPr/>
+        </p:nvSpPr>
+        <p:spPr>
+          <a:xfrm>
+            <a:off x="1500848" y="2996951"/>
+            <a:ext cx="576064" cy="461665"/>
+          </a:xfrm>
+          <a:prstGeom prst="rect">
+            <a:avLst/>
+          </a:prstGeom>
+          <a:noFill/>
+        </p:spPr>
+        <p:txBody>
+          <a:bodyPr wrap="square" rtlCol="0">
+            <a:spAutoFit/>
+          </a:bodyPr>
+          <a:lstStyle/>
+          <a:p>
+            <a:r>
+              <a:rPr lang="de-DE" sz="1200" dirty="0"/>
+              <a:t>p</a:t>
+            </a:r>
+            <a:r>
+              <a:rPr lang="de-DE" sz="1200" dirty="0" smtClean="0"/>
+              <a:t>ush von A</a:t>
+            </a:r>
+            <a:endParaRPr lang="de-DE" sz="1200" dirty="0"/>
+          </a:p>
+        </p:txBody>
+      </p:sp>
+      <p:sp>
+        <p:nvSpPr>
+          <p:cNvPr id="29" name="Textfeld 28"/>
+          <p:cNvSpPr txBox="1"/>
+          <p:nvPr/>
+        </p:nvSpPr>
+        <p:spPr>
+          <a:xfrm>
+            <a:off x="1475656" y="4333547"/>
+            <a:ext cx="864096" cy="276999"/>
+          </a:xfrm>
+          <a:prstGeom prst="rect">
+            <a:avLst/>
+          </a:prstGeom>
+          <a:noFill/>
+        </p:spPr>
+        <p:txBody>
+          <a:bodyPr wrap="square" rtlCol="0">
+            <a:spAutoFit/>
+          </a:bodyPr>
+          <a:lstStyle/>
+          <a:p>
+            <a:r>
+              <a:rPr lang="de-DE" sz="1200" dirty="0" smtClean="0"/>
+              <a:t>pull von</a:t>
+            </a:r>
+            <a:r>
+              <a:rPr lang="de-DE" sz="1200" dirty="0"/>
+              <a:t> </a:t>
+            </a:r>
+            <a:r>
+              <a:rPr lang="de-DE" sz="1200" dirty="0" smtClean="0"/>
+              <a:t>B</a:t>
+            </a:r>
+            <a:endParaRPr lang="de-DE" sz="1200" dirty="0"/>
+          </a:p>
+        </p:txBody>
+      </p:sp>
+      <p:sp>
+        <p:nvSpPr>
+          <p:cNvPr id="34" name="Textfeld 33"/>
+          <p:cNvSpPr txBox="1"/>
+          <p:nvPr/>
+        </p:nvSpPr>
+        <p:spPr>
+          <a:xfrm>
+            <a:off x="2339752" y="2996952"/>
+            <a:ext cx="576064" cy="461665"/>
+          </a:xfrm>
+          <a:prstGeom prst="rect">
+            <a:avLst/>
+          </a:prstGeom>
+          <a:noFill/>
+        </p:spPr>
+        <p:txBody>
+          <a:bodyPr wrap="square" rtlCol="0">
+            <a:spAutoFit/>
+          </a:bodyPr>
+          <a:lstStyle/>
+          <a:p>
+            <a:r>
+              <a:rPr lang="de-DE" sz="1200" dirty="0"/>
+              <a:t>p</a:t>
+            </a:r>
+            <a:r>
+              <a:rPr lang="de-DE" sz="1200" dirty="0" smtClean="0"/>
+              <a:t>ush von B</a:t>
+            </a:r>
+            <a:endParaRPr lang="de-DE" sz="1200" dirty="0"/>
+          </a:p>
+        </p:txBody>
+      </p:sp>
+      <p:sp>
+        <p:nvSpPr>
+          <p:cNvPr id="35" name="Textfeld 34"/>
+          <p:cNvSpPr txBox="1"/>
+          <p:nvPr/>
+        </p:nvSpPr>
+        <p:spPr>
+          <a:xfrm>
+            <a:off x="2267744" y="4317533"/>
+            <a:ext cx="864096" cy="276999"/>
+          </a:xfrm>
+          <a:prstGeom prst="rect">
+            <a:avLst/>
+          </a:prstGeom>
+          <a:noFill/>
+        </p:spPr>
+        <p:txBody>
+          <a:bodyPr wrap="square" rtlCol="0">
+            <a:spAutoFit/>
+          </a:bodyPr>
+          <a:lstStyle/>
+          <a:p>
+            <a:r>
+              <a:rPr lang="de-DE" sz="1200" dirty="0" smtClean="0"/>
+              <a:t>pull von</a:t>
+            </a:r>
+            <a:r>
+              <a:rPr lang="de-DE" sz="1200" dirty="0"/>
+              <a:t> A</a:t>
+            </a:r>
+          </a:p>
+        </p:txBody>
+      </p:sp>
+      <p:sp>
+        <p:nvSpPr>
+          <p:cNvPr id="36" name="Textfeld 35"/>
+          <p:cNvSpPr txBox="1"/>
+          <p:nvPr/>
+        </p:nvSpPr>
+        <p:spPr>
+          <a:xfrm>
+            <a:off x="3419872" y="3380183"/>
+            <a:ext cx="576064" cy="461665"/>
+          </a:xfrm>
+          <a:prstGeom prst="rect">
+            <a:avLst/>
+          </a:prstGeom>
+          <a:noFill/>
+        </p:spPr>
+        <p:txBody>
+          <a:bodyPr wrap="square" rtlCol="0">
+            <a:spAutoFit/>
+          </a:bodyPr>
+          <a:lstStyle/>
+          <a:p>
+            <a:r>
+              <a:rPr lang="de-DE" sz="1200" dirty="0"/>
+              <a:t>p</a:t>
+            </a:r>
+            <a:r>
+              <a:rPr lang="de-DE" sz="1200" dirty="0" smtClean="0"/>
+              <a:t>ush von A</a:t>
+            </a:r>
+            <a:endParaRPr lang="de-DE" sz="1200" dirty="0"/>
+          </a:p>
+        </p:txBody>
+      </p:sp>
+      <p:sp>
+        <p:nvSpPr>
+          <p:cNvPr id="37" name="Textfeld 36"/>
+          <p:cNvSpPr txBox="1"/>
+          <p:nvPr/>
+        </p:nvSpPr>
+        <p:spPr>
+          <a:xfrm>
+            <a:off x="3419872" y="4610546"/>
+            <a:ext cx="576064" cy="461665"/>
+          </a:xfrm>
+          <a:prstGeom prst="rect">
+            <a:avLst/>
+          </a:prstGeom>
+          <a:noFill/>
+        </p:spPr>
+        <p:txBody>
+          <a:bodyPr wrap="square" rtlCol="0">
+            <a:spAutoFit/>
+          </a:bodyPr>
+          <a:lstStyle/>
+          <a:p>
+            <a:r>
+              <a:rPr lang="de-DE" sz="1200" dirty="0"/>
+              <a:t>p</a:t>
+            </a:r>
+            <a:r>
+              <a:rPr lang="de-DE" sz="1200" dirty="0" smtClean="0"/>
+              <a:t>ush von B</a:t>
+            </a:r>
+            <a:endParaRPr lang="de-DE" sz="1200" dirty="0"/>
+          </a:p>
+        </p:txBody>
+      </p:sp>
+      <p:sp>
+        <p:nvSpPr>
+          <p:cNvPr id="38" name="Textfeld 37"/>
+          <p:cNvSpPr txBox="1"/>
+          <p:nvPr/>
+        </p:nvSpPr>
+        <p:spPr>
+          <a:xfrm>
+            <a:off x="3779912" y="4221088"/>
+            <a:ext cx="720080" cy="461665"/>
+          </a:xfrm>
+          <a:prstGeom prst="rect">
+            <a:avLst/>
+          </a:prstGeom>
+          <a:noFill/>
+        </p:spPr>
+        <p:txBody>
+          <a:bodyPr wrap="square" rtlCol="0">
+            <a:spAutoFit/>
+          </a:bodyPr>
+          <a:lstStyle/>
+          <a:p>
+            <a:r>
+              <a:rPr lang="de-DE" sz="1200" dirty="0" smtClean="0"/>
+              <a:t>pull von</a:t>
+            </a:r>
+            <a:br>
+              <a:rPr lang="de-DE" sz="1200" dirty="0" smtClean="0"/>
+            </a:br>
+            <a:r>
+              <a:rPr lang="de-DE" sz="1200" dirty="0" smtClean="0"/>
+              <a:t>A und B</a:t>
+            </a:r>
+            <a:endParaRPr lang="de-DE" sz="1200" dirty="0"/>
+          </a:p>
+        </p:txBody>
+      </p:sp>
+      <p:sp>
+        <p:nvSpPr>
+          <p:cNvPr id="40" name="Textfeld 39"/>
+          <p:cNvSpPr txBox="1"/>
+          <p:nvPr/>
+        </p:nvSpPr>
+        <p:spPr>
+          <a:xfrm>
+            <a:off x="3455876" y="2712837"/>
+            <a:ext cx="792088" cy="461665"/>
+          </a:xfrm>
+          <a:prstGeom prst="rect">
+            <a:avLst/>
+          </a:prstGeom>
+          <a:noFill/>
+        </p:spPr>
+        <p:txBody>
+          <a:bodyPr wrap="square" rtlCol="0">
+            <a:spAutoFit/>
+          </a:bodyPr>
+          <a:lstStyle/>
+          <a:p>
+            <a:r>
+              <a:rPr lang="de-DE" sz="1200" dirty="0" err="1" smtClean="0"/>
+              <a:t>Merge</a:t>
+            </a:r>
+            <a:r>
+              <a:rPr lang="de-DE" sz="1200" dirty="0"/>
+              <a:t>-</a:t>
+            </a:r>
+            <a:r>
+              <a:rPr lang="de-DE" sz="1200" dirty="0" smtClean="0"/>
+              <a:t>problem</a:t>
+            </a:r>
+            <a:endParaRPr lang="de-DE" sz="1200" dirty="0"/>
+          </a:p>
+        </p:txBody>
+      </p:sp>
+      <p:sp>
+        <p:nvSpPr>
+          <p:cNvPr id="41" name="Gewitterblitz 40"/>
+          <p:cNvSpPr/>
+          <p:nvPr/>
+        </p:nvSpPr>
+        <p:spPr>
+          <a:xfrm>
+            <a:off x="3635896" y="2204864"/>
+            <a:ext cx="216024" cy="432048"/>
+          </a:xfrm>
+          <a:prstGeom prst="lightningBolt">
+            <a:avLst/>
+          </a:prstGeom>
+          <a:solidFill>
+            <a:srgbClr val="FFFF00"/>
+          </a:solidFill>
+          <a:ln>
+            <a:solidFill>
+              <a:srgbClr val="FFFF00"/>
+            </a:solidFill>
+          </a:ln>
+        </p:spPr>
+        <p:style>
+          <a:lnRef idx="2">
+            <a:schemeClr val="accent1">
+              <a:shade val="50000"/>
+            </a:schemeClr>
+          </a:lnRef>
+          <a:fillRef idx="1">
+            <a:schemeClr val="accent1"/>
+          </a:fillRef>
+          <a:effectRef idx="0">
+            <a:schemeClr val="accent1"/>
+          </a:effectRef>
+          <a:fontRef idx="minor">
+            <a:schemeClr val="lt1"/>
+          </a:fontRef>
+        </p:style>
+        <p:txBody>
+          <a:bodyPr rtlCol="0" anchor="ctr"/>
+          <a:lstStyle/>
+          <a:p>
+            <a:pPr algn="ctr"/>
+            <a:endParaRPr lang="de-DE"/>
+          </a:p>
+        </p:txBody>
+      </p:sp>
+    </p:spTree>
+    <p:extLst>
+      <p:ext uri="{BB962C8B-B14F-4D97-AF65-F5344CB8AC3E}">
+        <p14:creationId xmlns:p14="http://schemas.microsoft.com/office/powerpoint/2010/main" val="2116319071"/>
+      </p:ext>
+    </p:extLst>
+  </p:cSld>
+  <p:clrMapOvr>
+    <a:masterClrMapping/>
+  </p:clrMapOvr>
+</p:sld>
+</file>
+
+<file path=ppt/slides/slide24.xml><?xml version="1.0" encoding="utf-8"?>
+<p:sld xmlns:a="http://schemas.openxmlformats.org/drawingml/2006/main" xmlns:r="http://schemas.openxmlformats.org/officeDocument/2006/relationships" xmlns:p="http://schemas.openxmlformats.org/presentationml/2006/main">
+  <p:cSld>
+    <p:spTree>
+      <p:nvGrpSpPr>
+        <p:cNvPr id="1" name=""/>
+        <p:cNvGrpSpPr/>
+        <p:nvPr/>
+      </p:nvGrpSpPr>
+      <p:grpSpPr>
+        <a:xfrm>
+          <a:off x="0" y="0"/>
+          <a:ext cx="0" cy="0"/>
+          <a:chOff x="0" y="0"/>
+          <a:chExt cx="0" cy="0"/>
+        </a:xfrm>
+      </p:grpSpPr>
+      <p:sp>
+        <p:nvSpPr>
+          <p:cNvPr id="9" name="Titel 8"/>
+          <p:cNvSpPr>
+            <a:spLocks noGrp="1"/>
+          </p:cNvSpPr>
+          <p:nvPr>
+            <p:ph type="title"/>
+          </p:nvPr>
+        </p:nvSpPr>
+        <p:spPr/>
+        <p:txBody>
+          <a:bodyPr/>
+          <a:lstStyle/>
+          <a:p>
+            <a:r>
+              <a:rPr lang="de-DE" dirty="0"/>
+              <a:t>Working </a:t>
+            </a:r>
+            <a:r>
+              <a:rPr lang="de-DE" dirty="0" err="1"/>
+              <a:t>together</a:t>
+            </a:r>
+            <a:r>
+              <a:rPr lang="de-DE" dirty="0"/>
+              <a:t> on a </a:t>
+            </a:r>
+            <a:r>
+              <a:rPr lang="de-DE" dirty="0" err="1"/>
+              <a:t>repository</a:t>
+            </a:r>
+            <a:r>
+              <a:rPr lang="de-DE" dirty="0"/>
+              <a:t> (</a:t>
+            </a:r>
+            <a:r>
+              <a:rPr lang="de-DE" dirty="0" smtClean="0"/>
+              <a:t>3.2)</a:t>
+            </a:r>
+            <a:r>
+              <a:rPr lang="de-DE" dirty="0"/>
+              <a:t/>
+            </a:r>
+            <a:br>
+              <a:rPr lang="de-DE" dirty="0"/>
+            </a:br>
+            <a:r>
+              <a:rPr lang="de-DE" sz="2200" dirty="0"/>
+              <a:t>(arbeiten ohne </a:t>
+            </a:r>
+            <a:r>
+              <a:rPr lang="de-DE" sz="2200" dirty="0" err="1"/>
+              <a:t>Branches</a:t>
+            </a:r>
+            <a:r>
+              <a:rPr lang="de-DE" sz="2200" dirty="0"/>
+              <a:t>)</a:t>
+            </a:r>
+            <a:endParaRPr lang="de-DE" dirty="0"/>
+          </a:p>
+        </p:txBody>
+      </p:sp>
+      <p:sp>
+        <p:nvSpPr>
+          <p:cNvPr id="10" name="Textplatzhalter 9"/>
+          <p:cNvSpPr>
+            <a:spLocks noGrp="1"/>
+          </p:cNvSpPr>
+          <p:nvPr>
+            <p:ph type="body" idx="1"/>
+          </p:nvPr>
+        </p:nvSpPr>
+        <p:spPr/>
+        <p:txBody>
+          <a:bodyPr/>
+          <a:lstStyle/>
+          <a:p>
+            <a:r>
+              <a:rPr lang="de-DE" dirty="0" smtClean="0"/>
+              <a:t>Person A</a:t>
+            </a:r>
+            <a:endParaRPr lang="de-DE" dirty="0"/>
+          </a:p>
+        </p:txBody>
+      </p:sp>
+      <p:sp>
+        <p:nvSpPr>
+          <p:cNvPr id="12" name="Textplatzhalter 11"/>
+          <p:cNvSpPr>
+            <a:spLocks noGrp="1"/>
+          </p:cNvSpPr>
+          <p:nvPr>
+            <p:ph type="body" sz="half" idx="3"/>
+          </p:nvPr>
+        </p:nvSpPr>
+        <p:spPr/>
+        <p:txBody>
+          <a:bodyPr/>
+          <a:lstStyle/>
+          <a:p>
+            <a:r>
+              <a:rPr lang="de-DE" dirty="0" smtClean="0"/>
+              <a:t>Person B</a:t>
+            </a:r>
+            <a:endParaRPr lang="de-DE" dirty="0"/>
+          </a:p>
+        </p:txBody>
+      </p:sp>
+      <p:sp>
+        <p:nvSpPr>
+          <p:cNvPr id="3" name="Fußzeilenplatzhalter 2"/>
+          <p:cNvSpPr>
+            <a:spLocks noGrp="1"/>
+          </p:cNvSpPr>
+          <p:nvPr>
+            <p:ph type="ftr" sz="quarter" idx="11"/>
+          </p:nvPr>
+        </p:nvSpPr>
+        <p:spPr/>
+        <p:txBody>
+          <a:bodyPr/>
+          <a:lstStyle/>
+          <a:p>
+            <a:r>
+              <a:rPr lang="de-DE" smtClean="0"/>
+              <a:t>ePortfolio von Mehmet Ali Incekara</a:t>
+            </a:r>
+            <a:endParaRPr lang="de-DE"/>
+          </a:p>
+        </p:txBody>
+      </p:sp>
+      <p:sp>
+        <p:nvSpPr>
+          <p:cNvPr id="4" name="Foliennummernplatzhalter 3"/>
+          <p:cNvSpPr>
+            <a:spLocks noGrp="1"/>
+          </p:cNvSpPr>
+          <p:nvPr>
+            <p:ph type="sldNum" sz="quarter" idx="12"/>
+          </p:nvPr>
+        </p:nvSpPr>
+        <p:spPr/>
+        <p:txBody>
+          <a:bodyPr/>
+          <a:lstStyle/>
+          <a:p>
+            <a:fld id="{32988457-9EFF-4998-891D-85ECFB4B79A4}" type="slidenum">
+              <a:rPr lang="de-DE" smtClean="0"/>
+              <a:t>24</a:t>
+            </a:fld>
+            <a:endParaRPr lang="de-DE"/>
+          </a:p>
+        </p:txBody>
+      </p:sp>
+      <p:sp>
+        <p:nvSpPr>
+          <p:cNvPr id="11" name="Inhaltsplatzhalter 10"/>
+          <p:cNvSpPr>
+            <a:spLocks noGrp="1"/>
+          </p:cNvSpPr>
+          <p:nvPr>
+            <p:ph sz="quarter" idx="2"/>
+          </p:nvPr>
+        </p:nvSpPr>
+        <p:spPr/>
+        <p:txBody>
+          <a:bodyPr/>
+          <a:lstStyle/>
+          <a:p>
+            <a:pPr marL="0" indent="0">
+              <a:buNone/>
+            </a:pPr>
+            <a:endParaRPr lang="de-DE" dirty="0" smtClean="0"/>
+          </a:p>
+        </p:txBody>
+      </p:sp>
+      <p:sp>
+        <p:nvSpPr>
+          <p:cNvPr id="13" name="Inhaltsplatzhalter 12"/>
+          <p:cNvSpPr>
+            <a:spLocks noGrp="1"/>
+          </p:cNvSpPr>
+          <p:nvPr>
+            <p:ph sz="quarter" idx="4"/>
+          </p:nvPr>
+        </p:nvSpPr>
+        <p:spPr/>
+        <p:txBody>
+          <a:bodyPr/>
+          <a:lstStyle/>
+          <a:p>
+            <a:pPr marL="0" indent="0">
+              <a:buNone/>
+            </a:pPr>
+            <a:endParaRPr lang="de-DE" dirty="0"/>
+          </a:p>
+        </p:txBody>
+      </p:sp>
+    </p:spTree>
+    <p:extLst>
+      <p:ext uri="{BB962C8B-B14F-4D97-AF65-F5344CB8AC3E}">
+        <p14:creationId xmlns:p14="http://schemas.microsoft.com/office/powerpoint/2010/main" val="195546110"/>
+      </p:ext>
+    </p:extLst>
+  </p:cSld>
+  <p:clrMapOvr>
+    <a:masterClrMapping/>
+  </p:clrMapOvr>
+</p:sld>
+</file>
+
+<file path=ppt/slides/slide25.xml><?xml version="1.0" encoding="utf-8"?>
+<p:sld xmlns:a="http://schemas.openxmlformats.org/drawingml/2006/main" xmlns:r="http://schemas.openxmlformats.org/officeDocument/2006/relationships" xmlns:p="http://schemas.openxmlformats.org/presentationml/2006/main">
+  <p:cSld>
+    <p:spTree>
+      <p:nvGrpSpPr>
+        <p:cNvPr id="1" name=""/>
+        <p:cNvGrpSpPr/>
+        <p:nvPr/>
+      </p:nvGrpSpPr>
+      <p:grpSpPr>
+        <a:xfrm>
+          <a:off x="0" y="0"/>
+          <a:ext cx="0" cy="0"/>
+          <a:chOff x="0" y="0"/>
+          <a:chExt cx="0" cy="0"/>
+        </a:xfrm>
+      </p:grpSpPr>
+      <p:sp>
+        <p:nvSpPr>
+          <p:cNvPr id="9" name="Titel 8"/>
+          <p:cNvSpPr>
+            <a:spLocks noGrp="1"/>
+          </p:cNvSpPr>
+          <p:nvPr>
+            <p:ph type="title"/>
+          </p:nvPr>
+        </p:nvSpPr>
+        <p:spPr/>
+        <p:txBody>
+          <a:bodyPr/>
+          <a:lstStyle/>
+          <a:p>
+            <a:r>
+              <a:rPr lang="de-DE" dirty="0"/>
+              <a:t>Working </a:t>
+            </a:r>
+            <a:r>
+              <a:rPr lang="de-DE" dirty="0" err="1"/>
+              <a:t>together</a:t>
+            </a:r>
+            <a:r>
+              <a:rPr lang="de-DE" dirty="0"/>
+              <a:t> on a </a:t>
+            </a:r>
+            <a:r>
+              <a:rPr lang="de-DE" dirty="0" err="1"/>
+              <a:t>repository</a:t>
+            </a:r>
+            <a:r>
+              <a:rPr lang="de-DE" dirty="0"/>
+              <a:t> (</a:t>
+            </a:r>
+            <a:r>
+              <a:rPr lang="de-DE" dirty="0" smtClean="0"/>
+              <a:t>3.3)</a:t>
+            </a:r>
+            <a:r>
+              <a:rPr lang="de-DE" dirty="0"/>
+              <a:t/>
+            </a:r>
+            <a:br>
+              <a:rPr lang="de-DE" dirty="0"/>
+            </a:br>
+            <a:r>
+              <a:rPr lang="de-DE" sz="2200" dirty="0"/>
+              <a:t>(arbeiten ohne </a:t>
+            </a:r>
+            <a:r>
+              <a:rPr lang="de-DE" sz="2200" dirty="0" err="1"/>
+              <a:t>Branches</a:t>
+            </a:r>
+            <a:r>
+              <a:rPr lang="de-DE" sz="2200" dirty="0"/>
+              <a:t>)</a:t>
+            </a:r>
+            <a:endParaRPr lang="de-DE" dirty="0"/>
+          </a:p>
+        </p:txBody>
+      </p:sp>
+      <p:sp>
+        <p:nvSpPr>
+          <p:cNvPr id="10" name="Textplatzhalter 9"/>
+          <p:cNvSpPr>
+            <a:spLocks noGrp="1"/>
+          </p:cNvSpPr>
+          <p:nvPr>
+            <p:ph type="body" idx="1"/>
+          </p:nvPr>
+        </p:nvSpPr>
+        <p:spPr/>
+        <p:txBody>
+          <a:bodyPr/>
+          <a:lstStyle/>
+          <a:p>
+            <a:r>
+              <a:rPr lang="de-DE" dirty="0" smtClean="0"/>
+              <a:t>Person A</a:t>
+            </a:r>
+            <a:endParaRPr lang="de-DE" dirty="0"/>
+          </a:p>
+        </p:txBody>
+      </p:sp>
+      <p:sp>
+        <p:nvSpPr>
+          <p:cNvPr id="12" name="Textplatzhalter 11"/>
+          <p:cNvSpPr>
+            <a:spLocks noGrp="1"/>
+          </p:cNvSpPr>
+          <p:nvPr>
+            <p:ph type="body" sz="half" idx="3"/>
+          </p:nvPr>
+        </p:nvSpPr>
+        <p:spPr/>
+        <p:txBody>
+          <a:bodyPr/>
+          <a:lstStyle/>
+          <a:p>
+            <a:r>
+              <a:rPr lang="de-DE" dirty="0" smtClean="0"/>
+              <a:t>Person B</a:t>
+            </a:r>
+            <a:endParaRPr lang="de-DE" dirty="0"/>
+          </a:p>
+        </p:txBody>
+      </p:sp>
+      <p:sp>
+        <p:nvSpPr>
+          <p:cNvPr id="3" name="Fußzeilenplatzhalter 2"/>
+          <p:cNvSpPr>
+            <a:spLocks noGrp="1"/>
+          </p:cNvSpPr>
+          <p:nvPr>
+            <p:ph type="ftr" sz="quarter" idx="11"/>
+          </p:nvPr>
+        </p:nvSpPr>
+        <p:spPr/>
+        <p:txBody>
+          <a:bodyPr/>
+          <a:lstStyle/>
+          <a:p>
+            <a:r>
+              <a:rPr lang="de-DE" smtClean="0"/>
+              <a:t>ePortfolio von Mehmet Ali Incekara</a:t>
+            </a:r>
+            <a:endParaRPr lang="de-DE"/>
+          </a:p>
+        </p:txBody>
+      </p:sp>
+      <p:sp>
+        <p:nvSpPr>
+          <p:cNvPr id="4" name="Foliennummernplatzhalter 3"/>
+          <p:cNvSpPr>
+            <a:spLocks noGrp="1"/>
+          </p:cNvSpPr>
+          <p:nvPr>
+            <p:ph type="sldNum" sz="quarter" idx="12"/>
+          </p:nvPr>
+        </p:nvSpPr>
+        <p:spPr/>
+        <p:txBody>
+          <a:bodyPr/>
+          <a:lstStyle/>
+          <a:p>
+            <a:fld id="{32988457-9EFF-4998-891D-85ECFB4B79A4}" type="slidenum">
+              <a:rPr lang="de-DE" smtClean="0"/>
+              <a:t>25</a:t>
+            </a:fld>
+            <a:endParaRPr lang="de-DE"/>
+          </a:p>
+        </p:txBody>
+      </p:sp>
+      <p:sp>
+        <p:nvSpPr>
+          <p:cNvPr id="11" name="Inhaltsplatzhalter 10"/>
+          <p:cNvSpPr>
+            <a:spLocks noGrp="1"/>
+          </p:cNvSpPr>
+          <p:nvPr>
+            <p:ph sz="quarter" idx="2"/>
+          </p:nvPr>
+        </p:nvSpPr>
+        <p:spPr/>
+        <p:txBody>
+          <a:bodyPr/>
+          <a:lstStyle/>
+          <a:p>
+            <a:pPr marL="0" indent="0">
+              <a:buNone/>
+            </a:pPr>
+            <a:endParaRPr lang="de-DE" dirty="0" smtClean="0"/>
+          </a:p>
+        </p:txBody>
+      </p:sp>
+      <p:sp>
+        <p:nvSpPr>
+          <p:cNvPr id="13" name="Inhaltsplatzhalter 12"/>
+          <p:cNvSpPr>
+            <a:spLocks noGrp="1"/>
+          </p:cNvSpPr>
+          <p:nvPr>
+            <p:ph sz="quarter" idx="4"/>
+          </p:nvPr>
+        </p:nvSpPr>
+        <p:spPr/>
+        <p:txBody>
+          <a:bodyPr/>
+          <a:lstStyle/>
+          <a:p>
+            <a:pPr marL="0" indent="0">
+              <a:buNone/>
+            </a:pPr>
+            <a:endParaRPr lang="de-DE" dirty="0"/>
+          </a:p>
+        </p:txBody>
+      </p:sp>
+    </p:spTree>
+    <p:extLst>
+      <p:ext uri="{BB962C8B-B14F-4D97-AF65-F5344CB8AC3E}">
+        <p14:creationId xmlns:p14="http://schemas.microsoft.com/office/powerpoint/2010/main" val="792097837"/>
+      </p:ext>
+    </p:extLst>
+  </p:cSld>
+  <p:clrMapOvr>
+    <a:masterClrMapping/>
+  </p:clrMapOvr>
+</p:sld>
+</file>
+
+<file path=ppt/slides/slide26.xml><?xml version="1.0" encoding="utf-8"?>
+<p:sld xmlns:a="http://schemas.openxmlformats.org/drawingml/2006/main" xmlns:r="http://schemas.openxmlformats.org/officeDocument/2006/relationships" xmlns:p="http://schemas.openxmlformats.org/presentationml/2006/main">
+  <p:cSld>
+    <p:spTree>
+      <p:nvGrpSpPr>
+        <p:cNvPr id="1" name=""/>
+        <p:cNvGrpSpPr/>
+        <p:nvPr/>
+      </p:nvGrpSpPr>
+      <p:grpSpPr>
+        <a:xfrm>
+          <a:off x="0" y="0"/>
+          <a:ext cx="0" cy="0"/>
+          <a:chOff x="0" y="0"/>
+          <a:chExt cx="0" cy="0"/>
+        </a:xfrm>
+      </p:grpSpPr>
+      <p:sp>
+        <p:nvSpPr>
+          <p:cNvPr id="9" name="Titel 8"/>
+          <p:cNvSpPr>
+            <a:spLocks noGrp="1"/>
+          </p:cNvSpPr>
+          <p:nvPr>
+            <p:ph type="title"/>
+          </p:nvPr>
+        </p:nvSpPr>
+        <p:spPr/>
+        <p:txBody>
+          <a:bodyPr>
+            <a:normAutofit fontScale="90000"/>
+          </a:bodyPr>
+          <a:lstStyle/>
+          <a:p>
+            <a:r>
+              <a:rPr lang="de-DE" dirty="0"/>
+              <a:t>Working </a:t>
+            </a:r>
+            <a:r>
+              <a:rPr lang="de-DE" dirty="0" err="1"/>
+              <a:t>together</a:t>
+            </a:r>
+            <a:r>
+              <a:rPr lang="de-DE" dirty="0"/>
+              <a:t> on a </a:t>
+            </a:r>
+            <a:r>
+              <a:rPr lang="de-DE" dirty="0" err="1"/>
+              <a:t>repository</a:t>
+            </a:r>
+            <a:r>
+              <a:rPr lang="de-DE" dirty="0"/>
+              <a:t> </a:t>
+            </a:r>
+            <a:r>
+              <a:rPr lang="de-DE" dirty="0" smtClean="0"/>
+              <a:t>(4.1)</a:t>
+            </a:r>
+            <a:r>
+              <a:rPr lang="de-DE" dirty="0"/>
+              <a:t/>
+            </a:r>
+            <a:br>
+              <a:rPr lang="de-DE" dirty="0"/>
+            </a:br>
+            <a:r>
+              <a:rPr lang="de-DE" sz="2400" dirty="0"/>
+              <a:t>(arbeiten </a:t>
+            </a:r>
+            <a:r>
+              <a:rPr lang="de-DE" sz="2400" dirty="0" smtClean="0"/>
+              <a:t>mit </a:t>
+            </a:r>
+            <a:r>
+              <a:rPr lang="de-DE" sz="2400" dirty="0" err="1" smtClean="0"/>
+              <a:t>Branches</a:t>
+            </a:r>
+            <a:r>
+              <a:rPr lang="de-DE" sz="2400" dirty="0"/>
+              <a:t>)</a:t>
+            </a:r>
+          </a:p>
+        </p:txBody>
+      </p:sp>
+      <p:sp>
+        <p:nvSpPr>
+          <p:cNvPr id="10" name="Textplatzhalter 9"/>
+          <p:cNvSpPr>
+            <a:spLocks noGrp="1"/>
+          </p:cNvSpPr>
+          <p:nvPr>
+            <p:ph type="body" idx="1"/>
+          </p:nvPr>
+        </p:nvSpPr>
+        <p:spPr/>
+        <p:txBody>
+          <a:bodyPr/>
+          <a:lstStyle/>
+          <a:p>
+            <a:r>
+              <a:rPr lang="de-DE" dirty="0" smtClean="0"/>
+              <a:t>Person A</a:t>
+            </a:r>
+            <a:endParaRPr lang="de-DE" dirty="0"/>
+          </a:p>
+        </p:txBody>
+      </p:sp>
+      <p:sp>
+        <p:nvSpPr>
+          <p:cNvPr id="12" name="Textplatzhalter 11"/>
+          <p:cNvSpPr>
+            <a:spLocks noGrp="1"/>
+          </p:cNvSpPr>
+          <p:nvPr>
+            <p:ph type="body" sz="half" idx="3"/>
+          </p:nvPr>
+        </p:nvSpPr>
+        <p:spPr/>
+        <p:txBody>
+          <a:bodyPr/>
+          <a:lstStyle/>
+          <a:p>
+            <a:r>
+              <a:rPr lang="de-DE" dirty="0" smtClean="0"/>
+              <a:t>Person B</a:t>
+            </a:r>
+            <a:endParaRPr lang="de-DE" dirty="0"/>
+          </a:p>
+        </p:txBody>
+      </p:sp>
+      <p:sp>
+        <p:nvSpPr>
+          <p:cNvPr id="3" name="Fußzeilenplatzhalter 2"/>
+          <p:cNvSpPr>
+            <a:spLocks noGrp="1"/>
+          </p:cNvSpPr>
+          <p:nvPr>
+            <p:ph type="ftr" sz="quarter" idx="11"/>
+          </p:nvPr>
+        </p:nvSpPr>
+        <p:spPr/>
+        <p:txBody>
+          <a:bodyPr/>
+          <a:lstStyle/>
+          <a:p>
+            <a:r>
+              <a:rPr lang="de-DE" smtClean="0"/>
+              <a:t>ePortfolio von Mehmet Ali Incekara</a:t>
+            </a:r>
+            <a:endParaRPr lang="de-DE"/>
+          </a:p>
+        </p:txBody>
+      </p:sp>
+      <p:sp>
+        <p:nvSpPr>
+          <p:cNvPr id="4" name="Foliennummernplatzhalter 3"/>
+          <p:cNvSpPr>
+            <a:spLocks noGrp="1"/>
+          </p:cNvSpPr>
+          <p:nvPr>
+            <p:ph type="sldNum" sz="quarter" idx="12"/>
+          </p:nvPr>
+        </p:nvSpPr>
+        <p:spPr/>
+        <p:txBody>
+          <a:bodyPr/>
+          <a:lstStyle/>
+          <a:p>
+            <a:fld id="{32988457-9EFF-4998-891D-85ECFB4B79A4}" type="slidenum">
+              <a:rPr lang="de-DE" smtClean="0"/>
+              <a:t>26</a:t>
+            </a:fld>
+            <a:endParaRPr lang="de-DE"/>
+          </a:p>
+        </p:txBody>
+      </p:sp>
+      <p:cxnSp>
+        <p:nvCxnSpPr>
+          <p:cNvPr id="14" name="Gerade Verbindung mit Pfeil 13"/>
+          <p:cNvCxnSpPr/>
+          <p:nvPr/>
+        </p:nvCxnSpPr>
+        <p:spPr>
+          <a:xfrm>
+            <a:off x="827584" y="4221088"/>
+            <a:ext cx="7344816" cy="0"/>
+          </a:xfrm>
+          <a:prstGeom prst="straightConnector1">
+            <a:avLst/>
+          </a:prstGeom>
+          <a:ln w="57150">
+            <a:solidFill>
+              <a:schemeClr val="tx1"/>
+            </a:solidFill>
+            <a:tailEnd type="arrow"/>
+          </a:ln>
+        </p:spPr>
+        <p:style>
+          <a:lnRef idx="1">
+            <a:schemeClr val="accent1"/>
+          </a:lnRef>
+          <a:fillRef idx="0">
+            <a:schemeClr val="accent1"/>
+          </a:fillRef>
+          <a:effectRef idx="0">
+            <a:schemeClr val="accent1"/>
+          </a:effectRef>
+          <a:fontRef idx="minor">
+            <a:schemeClr val="tx1"/>
+          </a:fontRef>
+        </p:style>
+      </p:cxnSp>
+      <p:cxnSp>
+        <p:nvCxnSpPr>
+          <p:cNvPr id="5" name="Gerade Verbindung 4"/>
+          <p:cNvCxnSpPr/>
+          <p:nvPr/>
+        </p:nvCxnSpPr>
+        <p:spPr>
+          <a:xfrm flipV="1">
+            <a:off x="1907704" y="3789040"/>
+            <a:ext cx="432048" cy="432048"/>
+          </a:xfrm>
+          <a:prstGeom prst="line">
+            <a:avLst/>
+          </a:prstGeom>
+          <a:ln w="28575">
+            <a:solidFill>
+              <a:srgbClr val="FF0000"/>
+            </a:solidFill>
+          </a:ln>
+        </p:spPr>
+        <p:style>
+          <a:lnRef idx="1">
+            <a:schemeClr val="accent1"/>
+          </a:lnRef>
+          <a:fillRef idx="0">
+            <a:schemeClr val="accent1"/>
+          </a:fillRef>
+          <a:effectRef idx="0">
+            <a:schemeClr val="accent1"/>
+          </a:effectRef>
+          <a:fontRef idx="minor">
+            <a:schemeClr val="tx1"/>
+          </a:fontRef>
+        </p:style>
+      </p:cxnSp>
+      <p:cxnSp>
+        <p:nvCxnSpPr>
+          <p:cNvPr id="7" name="Gerade Verbindung 6"/>
+          <p:cNvCxnSpPr/>
+          <p:nvPr/>
+        </p:nvCxnSpPr>
+        <p:spPr>
+          <a:xfrm>
+            <a:off x="2339752" y="3789040"/>
+            <a:ext cx="1656184" cy="0"/>
+          </a:xfrm>
+          <a:prstGeom prst="line">
+            <a:avLst/>
+          </a:prstGeom>
+          <a:ln w="28575">
+            <a:solidFill>
+              <a:srgbClr val="FF0000"/>
+            </a:solidFill>
+          </a:ln>
+        </p:spPr>
+        <p:style>
+          <a:lnRef idx="1">
+            <a:schemeClr val="accent1"/>
+          </a:lnRef>
+          <a:fillRef idx="0">
+            <a:schemeClr val="accent1"/>
+          </a:fillRef>
+          <a:effectRef idx="0">
+            <a:schemeClr val="accent1"/>
+          </a:effectRef>
+          <a:fontRef idx="minor">
+            <a:schemeClr val="tx1"/>
+          </a:fontRef>
+        </p:style>
+      </p:cxnSp>
+      <p:cxnSp>
+        <p:nvCxnSpPr>
+          <p:cNvPr id="15" name="Gerade Verbindung mit Pfeil 14"/>
+          <p:cNvCxnSpPr/>
+          <p:nvPr/>
+        </p:nvCxnSpPr>
+        <p:spPr>
+          <a:xfrm>
+            <a:off x="3995936" y="3789040"/>
+            <a:ext cx="432048" cy="432048"/>
+          </a:xfrm>
+          <a:prstGeom prst="straightConnector1">
+            <a:avLst/>
+          </a:prstGeom>
+          <a:ln w="28575">
+            <a:solidFill>
+              <a:srgbClr val="FF0000"/>
+            </a:solidFill>
+            <a:tailEnd type="arrow"/>
+          </a:ln>
+        </p:spPr>
+        <p:style>
+          <a:lnRef idx="1">
+            <a:schemeClr val="accent1"/>
+          </a:lnRef>
+          <a:fillRef idx="0">
+            <a:schemeClr val="accent1"/>
+          </a:fillRef>
+          <a:effectRef idx="0">
+            <a:schemeClr val="accent1"/>
+          </a:effectRef>
+          <a:fontRef idx="minor">
+            <a:schemeClr val="tx1"/>
+          </a:fontRef>
+        </p:style>
+      </p:cxnSp>
+      <p:cxnSp>
+        <p:nvCxnSpPr>
+          <p:cNvPr id="16" name="Gerade Verbindung 15"/>
+          <p:cNvCxnSpPr/>
+          <p:nvPr/>
+        </p:nvCxnSpPr>
+        <p:spPr>
+          <a:xfrm>
+            <a:off x="2771800" y="4221088"/>
+            <a:ext cx="288032" cy="360040"/>
+          </a:xfrm>
+          <a:prstGeom prst="line">
+            <a:avLst/>
+          </a:prstGeom>
+          <a:ln w="28575">
+            <a:solidFill>
+              <a:srgbClr val="00B050"/>
+            </a:solidFill>
+          </a:ln>
+        </p:spPr>
+        <p:style>
+          <a:lnRef idx="1">
+            <a:schemeClr val="accent1"/>
+          </a:lnRef>
+          <a:fillRef idx="0">
+            <a:schemeClr val="accent1"/>
+          </a:fillRef>
+          <a:effectRef idx="0">
+            <a:schemeClr val="accent1"/>
+          </a:effectRef>
+          <a:fontRef idx="minor">
+            <a:schemeClr val="tx1"/>
+          </a:fontRef>
+        </p:style>
+      </p:cxnSp>
+      <p:cxnSp>
+        <p:nvCxnSpPr>
+          <p:cNvPr id="17" name="Gerade Verbindung 16"/>
+          <p:cNvCxnSpPr/>
+          <p:nvPr/>
+        </p:nvCxnSpPr>
+        <p:spPr>
+          <a:xfrm>
+            <a:off x="3059832" y="4581128"/>
+            <a:ext cx="2520280" cy="0"/>
+          </a:xfrm>
+          <a:prstGeom prst="line">
+            <a:avLst/>
+          </a:prstGeom>
+          <a:ln w="28575">
+            <a:solidFill>
+              <a:srgbClr val="00B050"/>
+            </a:solidFill>
+          </a:ln>
+        </p:spPr>
+        <p:style>
+          <a:lnRef idx="1">
+            <a:schemeClr val="accent1"/>
+          </a:lnRef>
+          <a:fillRef idx="0">
+            <a:schemeClr val="accent1"/>
+          </a:fillRef>
+          <a:effectRef idx="0">
+            <a:schemeClr val="accent1"/>
+          </a:effectRef>
+          <a:fontRef idx="minor">
+            <a:schemeClr val="tx1"/>
+          </a:fontRef>
+        </p:style>
+      </p:cxnSp>
+      <p:cxnSp>
+        <p:nvCxnSpPr>
+          <p:cNvPr id="18" name="Gerade Verbindung mit Pfeil 17"/>
+          <p:cNvCxnSpPr/>
+          <p:nvPr/>
+        </p:nvCxnSpPr>
+        <p:spPr>
+          <a:xfrm flipV="1">
+            <a:off x="5580112" y="4217836"/>
+            <a:ext cx="432048" cy="360040"/>
+          </a:xfrm>
+          <a:prstGeom prst="straightConnector1">
+            <a:avLst/>
+          </a:prstGeom>
+          <a:ln w="28575">
+            <a:solidFill>
+              <a:srgbClr val="00B050"/>
+            </a:solidFill>
+            <a:tailEnd type="arrow"/>
+          </a:ln>
+        </p:spPr>
+        <p:style>
+          <a:lnRef idx="1">
+            <a:schemeClr val="accent1"/>
+          </a:lnRef>
+          <a:fillRef idx="0">
+            <a:schemeClr val="accent1"/>
+          </a:fillRef>
+          <a:effectRef idx="0">
+            <a:schemeClr val="accent1"/>
+          </a:effectRef>
+          <a:fontRef idx="minor">
+            <a:schemeClr val="tx1"/>
+          </a:fontRef>
+        </p:style>
+      </p:cxnSp>
+      <p:sp>
+        <p:nvSpPr>
+          <p:cNvPr id="29" name="Textfeld 28"/>
+          <p:cNvSpPr txBox="1"/>
+          <p:nvPr/>
+        </p:nvSpPr>
+        <p:spPr>
+          <a:xfrm>
+            <a:off x="2652084" y="3429000"/>
+            <a:ext cx="1031520" cy="276999"/>
+          </a:xfrm>
+          <a:prstGeom prst="rect">
+            <a:avLst/>
+          </a:prstGeom>
+          <a:noFill/>
+        </p:spPr>
+        <p:txBody>
+          <a:bodyPr wrap="square" rtlCol="0">
+            <a:spAutoFit/>
+          </a:bodyPr>
+          <a:lstStyle/>
+          <a:p>
+            <a:r>
+              <a:rPr lang="de-DE" sz="1200" dirty="0" err="1" smtClean="0"/>
+              <a:t>Branch</a:t>
+            </a:r>
+            <a:r>
+              <a:rPr lang="de-DE" sz="1200" dirty="0" smtClean="0"/>
+              <a:t> von A</a:t>
+            </a:r>
+            <a:endParaRPr lang="de-DE" sz="1200" dirty="0"/>
+          </a:p>
+        </p:txBody>
+      </p:sp>
+      <p:sp>
+        <p:nvSpPr>
+          <p:cNvPr id="30" name="Textfeld 29"/>
+          <p:cNvSpPr txBox="1"/>
+          <p:nvPr/>
+        </p:nvSpPr>
+        <p:spPr>
+          <a:xfrm>
+            <a:off x="3984232" y="4653136"/>
+            <a:ext cx="1031520" cy="276999"/>
+          </a:xfrm>
+          <a:prstGeom prst="rect">
+            <a:avLst/>
+          </a:prstGeom>
+          <a:noFill/>
+        </p:spPr>
+        <p:txBody>
+          <a:bodyPr wrap="square" rtlCol="0">
+            <a:spAutoFit/>
+          </a:bodyPr>
+          <a:lstStyle/>
+          <a:p>
+            <a:r>
+              <a:rPr lang="de-DE" sz="1200" dirty="0" err="1" smtClean="0"/>
+              <a:t>Branch</a:t>
+            </a:r>
+            <a:r>
+              <a:rPr lang="de-DE" sz="1200" dirty="0" smtClean="0"/>
+              <a:t> von B</a:t>
+            </a:r>
+            <a:endParaRPr lang="de-DE" sz="1200" dirty="0"/>
+          </a:p>
+        </p:txBody>
+      </p:sp>
+      <p:cxnSp>
+        <p:nvCxnSpPr>
+          <p:cNvPr id="31" name="Gerade Verbindung 30"/>
+          <p:cNvCxnSpPr/>
+          <p:nvPr/>
+        </p:nvCxnSpPr>
+        <p:spPr>
+          <a:xfrm>
+            <a:off x="2699792" y="4087815"/>
+            <a:ext cx="0" cy="214863"/>
+          </a:xfrm>
+          <a:prstGeom prst="line">
+            <a:avLst/>
+          </a:prstGeom>
+          <a:ln w="38100">
+            <a:solidFill>
+              <a:srgbClr val="FFFF00"/>
+            </a:solidFill>
+          </a:ln>
+        </p:spPr>
+        <p:style>
+          <a:lnRef idx="1">
+            <a:schemeClr val="accent1"/>
+          </a:lnRef>
+          <a:fillRef idx="0">
+            <a:schemeClr val="accent1"/>
+          </a:fillRef>
+          <a:effectRef idx="0">
+            <a:schemeClr val="accent1"/>
+          </a:effectRef>
+          <a:fontRef idx="minor">
+            <a:schemeClr val="tx1"/>
+          </a:fontRef>
+        </p:style>
+      </p:cxnSp>
+      <p:sp>
+        <p:nvSpPr>
+          <p:cNvPr id="32" name="Textfeld 31"/>
+          <p:cNvSpPr txBox="1"/>
+          <p:nvPr/>
+        </p:nvSpPr>
+        <p:spPr>
+          <a:xfrm>
+            <a:off x="2195736" y="4333547"/>
+            <a:ext cx="864096" cy="276999"/>
+          </a:xfrm>
+          <a:prstGeom prst="rect">
+            <a:avLst/>
+          </a:prstGeom>
+          <a:noFill/>
+        </p:spPr>
+        <p:txBody>
+          <a:bodyPr wrap="square" rtlCol="0">
+            <a:spAutoFit/>
+          </a:bodyPr>
+          <a:lstStyle/>
+          <a:p>
+            <a:r>
+              <a:rPr lang="de-DE" sz="1200" dirty="0" smtClean="0"/>
+              <a:t>pull von</a:t>
+            </a:r>
+            <a:r>
+              <a:rPr lang="de-DE" sz="1200" dirty="0"/>
+              <a:t> </a:t>
+            </a:r>
+            <a:r>
+              <a:rPr lang="de-DE" sz="1200" dirty="0"/>
+              <a:t>B</a:t>
+            </a:r>
+            <a:endParaRPr lang="de-DE" sz="1200" dirty="0"/>
+          </a:p>
+        </p:txBody>
+      </p:sp>
+      <p:cxnSp>
+        <p:nvCxnSpPr>
+          <p:cNvPr id="33" name="Gerade Verbindung 32"/>
+          <p:cNvCxnSpPr/>
+          <p:nvPr/>
+        </p:nvCxnSpPr>
+        <p:spPr>
+          <a:xfrm>
+            <a:off x="4211960" y="4077072"/>
+            <a:ext cx="0" cy="214863"/>
+          </a:xfrm>
+          <a:prstGeom prst="line">
+            <a:avLst/>
+          </a:prstGeom>
+          <a:ln w="38100">
+            <a:solidFill>
+              <a:srgbClr val="FFFF00"/>
+            </a:solidFill>
+          </a:ln>
+        </p:spPr>
+        <p:style>
+          <a:lnRef idx="1">
+            <a:schemeClr val="accent1"/>
+          </a:lnRef>
+          <a:fillRef idx="0">
+            <a:schemeClr val="accent1"/>
+          </a:fillRef>
+          <a:effectRef idx="0">
+            <a:schemeClr val="accent1"/>
+          </a:effectRef>
+          <a:fontRef idx="minor">
+            <a:schemeClr val="tx1"/>
+          </a:fontRef>
+        </p:style>
+      </p:cxnSp>
+      <p:sp>
+        <p:nvSpPr>
+          <p:cNvPr id="34" name="Textfeld 33"/>
+          <p:cNvSpPr txBox="1"/>
+          <p:nvPr/>
+        </p:nvSpPr>
+        <p:spPr>
+          <a:xfrm>
+            <a:off x="3779912" y="4322804"/>
+            <a:ext cx="864096" cy="276999"/>
+          </a:xfrm>
+          <a:prstGeom prst="rect">
+            <a:avLst/>
+          </a:prstGeom>
+          <a:noFill/>
+        </p:spPr>
+        <p:txBody>
+          <a:bodyPr wrap="square" rtlCol="0">
+            <a:spAutoFit/>
+          </a:bodyPr>
+          <a:lstStyle/>
+          <a:p>
+            <a:r>
+              <a:rPr lang="de-DE" sz="1200" dirty="0" smtClean="0"/>
+              <a:t>pull von</a:t>
+            </a:r>
+            <a:r>
+              <a:rPr lang="de-DE" sz="1200" dirty="0"/>
+              <a:t> </a:t>
+            </a:r>
+            <a:r>
+              <a:rPr lang="de-DE" sz="1200" dirty="0" smtClean="0"/>
+              <a:t>A</a:t>
+            </a:r>
+            <a:endParaRPr lang="de-DE" sz="1200" dirty="0"/>
+          </a:p>
+        </p:txBody>
+      </p:sp>
+      <p:cxnSp>
+        <p:nvCxnSpPr>
+          <p:cNvPr id="35" name="Gerade Verbindung 34"/>
+          <p:cNvCxnSpPr/>
+          <p:nvPr/>
+        </p:nvCxnSpPr>
+        <p:spPr>
+          <a:xfrm>
+            <a:off x="5796136" y="4077072"/>
+            <a:ext cx="0" cy="214863"/>
+          </a:xfrm>
+          <a:prstGeom prst="line">
+            <a:avLst/>
+          </a:prstGeom>
+          <a:ln w="38100">
+            <a:solidFill>
+              <a:srgbClr val="FFFF00"/>
+            </a:solidFill>
+          </a:ln>
+        </p:spPr>
+        <p:style>
+          <a:lnRef idx="1">
+            <a:schemeClr val="accent1"/>
+          </a:lnRef>
+          <a:fillRef idx="0">
+            <a:schemeClr val="accent1"/>
+          </a:fillRef>
+          <a:effectRef idx="0">
+            <a:schemeClr val="accent1"/>
+          </a:effectRef>
+          <a:fontRef idx="minor">
+            <a:schemeClr val="tx1"/>
+          </a:fontRef>
+        </p:style>
+      </p:cxnSp>
+      <p:sp>
+        <p:nvSpPr>
+          <p:cNvPr id="36" name="Textfeld 35"/>
+          <p:cNvSpPr txBox="1"/>
+          <p:nvPr/>
+        </p:nvSpPr>
+        <p:spPr>
+          <a:xfrm>
+            <a:off x="5364088" y="3789040"/>
+            <a:ext cx="864096" cy="276999"/>
+          </a:xfrm>
+          <a:prstGeom prst="rect">
+            <a:avLst/>
+          </a:prstGeom>
+          <a:noFill/>
+        </p:spPr>
+        <p:txBody>
+          <a:bodyPr wrap="square" rtlCol="0">
+            <a:spAutoFit/>
+          </a:bodyPr>
+          <a:lstStyle/>
+          <a:p>
+            <a:r>
+              <a:rPr lang="de-DE" sz="1200" dirty="0" smtClean="0"/>
+              <a:t>pull von</a:t>
+            </a:r>
+            <a:r>
+              <a:rPr lang="de-DE" sz="1200" dirty="0"/>
+              <a:t> </a:t>
+            </a:r>
+            <a:r>
+              <a:rPr lang="de-DE" sz="1200" dirty="0" smtClean="0"/>
+              <a:t>B</a:t>
+            </a:r>
+            <a:endParaRPr lang="de-DE" sz="1200" dirty="0"/>
+          </a:p>
+        </p:txBody>
+      </p:sp>
+      <p:cxnSp>
+        <p:nvCxnSpPr>
+          <p:cNvPr id="37" name="Gerade Verbindung 36"/>
+          <p:cNvCxnSpPr/>
+          <p:nvPr/>
+        </p:nvCxnSpPr>
+        <p:spPr>
+          <a:xfrm>
+            <a:off x="1835696" y="4077072"/>
+            <a:ext cx="0" cy="214863"/>
+          </a:xfrm>
+          <a:prstGeom prst="line">
+            <a:avLst/>
+          </a:prstGeom>
+          <a:ln w="38100">
+            <a:solidFill>
+              <a:srgbClr val="FFFF00"/>
+            </a:solidFill>
+          </a:ln>
+        </p:spPr>
+        <p:style>
+          <a:lnRef idx="1">
+            <a:schemeClr val="accent1"/>
+          </a:lnRef>
+          <a:fillRef idx="0">
+            <a:schemeClr val="accent1"/>
+          </a:fillRef>
+          <a:effectRef idx="0">
+            <a:schemeClr val="accent1"/>
+          </a:effectRef>
+          <a:fontRef idx="minor">
+            <a:schemeClr val="tx1"/>
+          </a:fontRef>
+        </p:style>
+      </p:cxnSp>
+      <p:sp>
+        <p:nvSpPr>
+          <p:cNvPr id="38" name="Textfeld 37"/>
+          <p:cNvSpPr txBox="1"/>
+          <p:nvPr/>
+        </p:nvSpPr>
+        <p:spPr>
+          <a:xfrm>
+            <a:off x="1403648" y="4322804"/>
+            <a:ext cx="864096" cy="276999"/>
+          </a:xfrm>
+          <a:prstGeom prst="rect">
+            <a:avLst/>
+          </a:prstGeom>
+          <a:noFill/>
+        </p:spPr>
+        <p:txBody>
+          <a:bodyPr wrap="square" rtlCol="0">
+            <a:spAutoFit/>
+          </a:bodyPr>
+          <a:lstStyle/>
+          <a:p>
+            <a:r>
+              <a:rPr lang="de-DE" sz="1200" dirty="0" smtClean="0"/>
+              <a:t>pull von</a:t>
+            </a:r>
+            <a:r>
+              <a:rPr lang="de-DE" sz="1200" dirty="0"/>
+              <a:t> </a:t>
+            </a:r>
+            <a:r>
+              <a:rPr lang="de-DE" sz="1200" dirty="0"/>
+              <a:t>A</a:t>
+            </a:r>
+            <a:endParaRPr lang="de-DE" sz="1200" dirty="0"/>
+          </a:p>
+        </p:txBody>
+      </p:sp>
+      <p:cxnSp>
+        <p:nvCxnSpPr>
+          <p:cNvPr id="41" name="Gerade Verbindung 40"/>
+          <p:cNvCxnSpPr/>
+          <p:nvPr/>
+        </p:nvCxnSpPr>
+        <p:spPr>
+          <a:xfrm>
+            <a:off x="4572000" y="4078233"/>
+            <a:ext cx="0" cy="214863"/>
+          </a:xfrm>
+          <a:prstGeom prst="line">
+            <a:avLst/>
+          </a:prstGeom>
+          <a:ln w="38100">
+            <a:solidFill>
+              <a:srgbClr val="FFC000"/>
+            </a:solidFill>
+          </a:ln>
+        </p:spPr>
+        <p:style>
+          <a:lnRef idx="1">
+            <a:schemeClr val="accent1"/>
+          </a:lnRef>
+          <a:fillRef idx="0">
+            <a:schemeClr val="accent1"/>
+          </a:fillRef>
+          <a:effectRef idx="0">
+            <a:schemeClr val="accent1"/>
+          </a:effectRef>
+          <a:fontRef idx="minor">
+            <a:schemeClr val="tx1"/>
+          </a:fontRef>
+        </p:style>
+      </p:cxnSp>
+      <p:sp>
+        <p:nvSpPr>
+          <p:cNvPr id="42" name="Textfeld 41"/>
+          <p:cNvSpPr txBox="1"/>
+          <p:nvPr/>
+        </p:nvSpPr>
+        <p:spPr>
+          <a:xfrm>
+            <a:off x="4139952" y="3800073"/>
+            <a:ext cx="864096" cy="276999"/>
+          </a:xfrm>
+          <a:prstGeom prst="rect">
+            <a:avLst/>
+          </a:prstGeom>
+          <a:noFill/>
+        </p:spPr>
+        <p:txBody>
+          <a:bodyPr wrap="square" rtlCol="0">
+            <a:spAutoFit/>
+          </a:bodyPr>
+          <a:lstStyle/>
+          <a:p>
+            <a:r>
+              <a:rPr lang="de-DE" sz="1200" dirty="0" smtClean="0"/>
+              <a:t>pull von</a:t>
+            </a:r>
+            <a:r>
+              <a:rPr lang="de-DE" sz="1200" dirty="0"/>
+              <a:t> </a:t>
+            </a:r>
+            <a:r>
+              <a:rPr lang="de-DE" sz="1200" dirty="0" smtClean="0"/>
+              <a:t>A</a:t>
+            </a:r>
+            <a:endParaRPr lang="de-DE" sz="1200" dirty="0"/>
+          </a:p>
+        </p:txBody>
+      </p:sp>
+      <p:cxnSp>
+        <p:nvCxnSpPr>
+          <p:cNvPr id="43" name="Gerade Verbindung 42"/>
+          <p:cNvCxnSpPr/>
+          <p:nvPr/>
+        </p:nvCxnSpPr>
+        <p:spPr>
+          <a:xfrm>
+            <a:off x="6156176" y="4078233"/>
+            <a:ext cx="0" cy="214863"/>
+          </a:xfrm>
+          <a:prstGeom prst="line">
+            <a:avLst/>
+          </a:prstGeom>
+          <a:ln w="38100">
+            <a:solidFill>
+              <a:srgbClr val="FFC000"/>
+            </a:solidFill>
+          </a:ln>
+        </p:spPr>
+        <p:style>
+          <a:lnRef idx="1">
+            <a:schemeClr val="accent1"/>
+          </a:lnRef>
+          <a:fillRef idx="0">
+            <a:schemeClr val="accent1"/>
+          </a:fillRef>
+          <a:effectRef idx="0">
+            <a:schemeClr val="accent1"/>
+          </a:effectRef>
+          <a:fontRef idx="minor">
+            <a:schemeClr val="tx1"/>
+          </a:fontRef>
+        </p:style>
+      </p:cxnSp>
+      <p:sp>
+        <p:nvSpPr>
+          <p:cNvPr id="44" name="Textfeld 43"/>
+          <p:cNvSpPr txBox="1"/>
+          <p:nvPr/>
+        </p:nvSpPr>
+        <p:spPr>
+          <a:xfrm>
+            <a:off x="5724128" y="4304129"/>
+            <a:ext cx="864096" cy="276999"/>
+          </a:xfrm>
+          <a:prstGeom prst="rect">
+            <a:avLst/>
+          </a:prstGeom>
+          <a:noFill/>
+        </p:spPr>
+        <p:txBody>
+          <a:bodyPr wrap="square" rtlCol="0">
+            <a:spAutoFit/>
+          </a:bodyPr>
+          <a:lstStyle/>
+          <a:p>
+            <a:r>
+              <a:rPr lang="de-DE" sz="1200" dirty="0" smtClean="0"/>
+              <a:t>pull von</a:t>
+            </a:r>
+            <a:r>
+              <a:rPr lang="de-DE" sz="1200" dirty="0"/>
+              <a:t> </a:t>
+            </a:r>
+            <a:r>
+              <a:rPr lang="de-DE" sz="1200" dirty="0" smtClean="0"/>
+              <a:t>A</a:t>
+            </a:r>
+            <a:endParaRPr lang="de-DE" sz="1200" dirty="0"/>
+          </a:p>
+        </p:txBody>
+      </p:sp>
+    </p:spTree>
+    <p:extLst>
+      <p:ext uri="{BB962C8B-B14F-4D97-AF65-F5344CB8AC3E}">
+        <p14:creationId xmlns:p14="http://schemas.microsoft.com/office/powerpoint/2010/main" val="2116319071"/>
+      </p:ext>
+    </p:extLst>
+  </p:cSld>
+  <p:clrMapOvr>
+    <a:masterClrMapping/>
+  </p:clrMapOvr>
+</p:sld>
+</file>
+
+<file path=ppt/slides/slide27.xml><?xml version="1.0" encoding="utf-8"?>
+<p:sld xmlns:a="http://schemas.openxmlformats.org/drawingml/2006/main" xmlns:r="http://schemas.openxmlformats.org/officeDocument/2006/relationships" xmlns:p="http://schemas.openxmlformats.org/presentationml/2006/main">
+  <p:cSld>
+    <p:spTree>
+      <p:nvGrpSpPr>
+        <p:cNvPr id="1" name=""/>
+        <p:cNvGrpSpPr/>
+        <p:nvPr/>
+      </p:nvGrpSpPr>
+      <p:grpSpPr>
+        <a:xfrm>
+          <a:off x="0" y="0"/>
+          <a:ext cx="0" cy="0"/>
+          <a:chOff x="0" y="0"/>
+          <a:chExt cx="0" cy="0"/>
+        </a:xfrm>
+      </p:grpSpPr>
+      <p:sp>
+        <p:nvSpPr>
+          <p:cNvPr id="9" name="Titel 8"/>
+          <p:cNvSpPr>
+            <a:spLocks noGrp="1"/>
+          </p:cNvSpPr>
+          <p:nvPr>
+            <p:ph type="title"/>
+          </p:nvPr>
+        </p:nvSpPr>
+        <p:spPr/>
+        <p:txBody>
+          <a:bodyPr/>
+          <a:lstStyle/>
+          <a:p>
+            <a:r>
+              <a:rPr lang="de-DE" dirty="0"/>
+              <a:t>Working </a:t>
+            </a:r>
+            <a:r>
+              <a:rPr lang="de-DE" dirty="0" err="1"/>
+              <a:t>together</a:t>
+            </a:r>
+            <a:r>
+              <a:rPr lang="de-DE" dirty="0"/>
+              <a:t> on a </a:t>
+            </a:r>
+            <a:r>
+              <a:rPr lang="de-DE" dirty="0" err="1"/>
+              <a:t>repository</a:t>
+            </a:r>
+            <a:r>
+              <a:rPr lang="de-DE" dirty="0"/>
+              <a:t> </a:t>
+            </a:r>
+            <a:r>
+              <a:rPr lang="de-DE" dirty="0" smtClean="0"/>
+              <a:t>(4.2)</a:t>
+            </a:r>
+            <a:r>
+              <a:rPr lang="de-DE" dirty="0"/>
+              <a:t/>
+            </a:r>
+            <a:br>
+              <a:rPr lang="de-DE" dirty="0"/>
+            </a:br>
+            <a:r>
+              <a:rPr lang="de-DE" sz="2200" dirty="0"/>
+              <a:t>(arbeiten </a:t>
+            </a:r>
+            <a:r>
+              <a:rPr lang="de-DE" sz="2200" dirty="0" smtClean="0"/>
+              <a:t>mit </a:t>
+            </a:r>
+            <a:r>
+              <a:rPr lang="de-DE" sz="2200" dirty="0" err="1" smtClean="0"/>
+              <a:t>Branches</a:t>
+            </a:r>
+            <a:r>
+              <a:rPr lang="de-DE" sz="2200" dirty="0"/>
+              <a:t>)</a:t>
+            </a:r>
+            <a:endParaRPr lang="de-DE" dirty="0"/>
+          </a:p>
+        </p:txBody>
+      </p:sp>
+      <p:sp>
+        <p:nvSpPr>
+          <p:cNvPr id="10" name="Textplatzhalter 9"/>
+          <p:cNvSpPr>
+            <a:spLocks noGrp="1"/>
+          </p:cNvSpPr>
+          <p:nvPr>
+            <p:ph type="body" idx="1"/>
+          </p:nvPr>
+        </p:nvSpPr>
+        <p:spPr/>
+        <p:txBody>
+          <a:bodyPr/>
+          <a:lstStyle/>
+          <a:p>
+            <a:r>
+              <a:rPr lang="de-DE" dirty="0" smtClean="0"/>
+              <a:t>Person A</a:t>
+            </a:r>
+            <a:endParaRPr lang="de-DE" dirty="0"/>
+          </a:p>
+        </p:txBody>
+      </p:sp>
+      <p:sp>
+        <p:nvSpPr>
+          <p:cNvPr id="12" name="Textplatzhalter 11"/>
+          <p:cNvSpPr>
+            <a:spLocks noGrp="1"/>
+          </p:cNvSpPr>
+          <p:nvPr>
+            <p:ph type="body" sz="half" idx="3"/>
+          </p:nvPr>
+        </p:nvSpPr>
+        <p:spPr/>
+        <p:txBody>
+          <a:bodyPr/>
+          <a:lstStyle/>
+          <a:p>
+            <a:r>
+              <a:rPr lang="de-DE" dirty="0" smtClean="0"/>
+              <a:t>Person B</a:t>
+            </a:r>
+            <a:endParaRPr lang="de-DE" dirty="0"/>
+          </a:p>
+        </p:txBody>
+      </p:sp>
+      <p:sp>
+        <p:nvSpPr>
+          <p:cNvPr id="3" name="Fußzeilenplatzhalter 2"/>
+          <p:cNvSpPr>
+            <a:spLocks noGrp="1"/>
+          </p:cNvSpPr>
+          <p:nvPr>
+            <p:ph type="ftr" sz="quarter" idx="11"/>
+          </p:nvPr>
+        </p:nvSpPr>
+        <p:spPr/>
+        <p:txBody>
+          <a:bodyPr/>
+          <a:lstStyle/>
+          <a:p>
+            <a:r>
+              <a:rPr lang="de-DE" smtClean="0"/>
+              <a:t>ePortfolio von Mehmet Ali Incekara</a:t>
+            </a:r>
+            <a:endParaRPr lang="de-DE"/>
+          </a:p>
+        </p:txBody>
+      </p:sp>
+      <p:sp>
+        <p:nvSpPr>
+          <p:cNvPr id="4" name="Foliennummernplatzhalter 3"/>
+          <p:cNvSpPr>
+            <a:spLocks noGrp="1"/>
+          </p:cNvSpPr>
+          <p:nvPr>
+            <p:ph type="sldNum" sz="quarter" idx="12"/>
+          </p:nvPr>
+        </p:nvSpPr>
+        <p:spPr/>
+        <p:txBody>
+          <a:bodyPr/>
+          <a:lstStyle/>
+          <a:p>
+            <a:fld id="{32988457-9EFF-4998-891D-85ECFB4B79A4}" type="slidenum">
+              <a:rPr lang="de-DE" smtClean="0"/>
+              <a:t>27</a:t>
+            </a:fld>
+            <a:endParaRPr lang="de-DE"/>
+          </a:p>
+        </p:txBody>
+      </p:sp>
+      <p:sp>
+        <p:nvSpPr>
+          <p:cNvPr id="11" name="Inhaltsplatzhalter 10"/>
+          <p:cNvSpPr>
+            <a:spLocks noGrp="1"/>
+          </p:cNvSpPr>
+          <p:nvPr>
+            <p:ph sz="quarter" idx="2"/>
+          </p:nvPr>
+        </p:nvSpPr>
+        <p:spPr/>
+        <p:txBody>
+          <a:bodyPr/>
+          <a:lstStyle/>
+          <a:p>
+            <a:pPr marL="0" indent="0">
+              <a:buNone/>
+            </a:pPr>
+            <a:endParaRPr lang="de-DE" dirty="0" smtClean="0"/>
+          </a:p>
+        </p:txBody>
+      </p:sp>
+      <p:sp>
+        <p:nvSpPr>
+          <p:cNvPr id="13" name="Inhaltsplatzhalter 12"/>
+          <p:cNvSpPr>
+            <a:spLocks noGrp="1"/>
+          </p:cNvSpPr>
+          <p:nvPr>
+            <p:ph sz="quarter" idx="4"/>
+          </p:nvPr>
+        </p:nvSpPr>
+        <p:spPr/>
+        <p:txBody>
+          <a:bodyPr/>
+          <a:lstStyle/>
+          <a:p>
+            <a:pPr marL="0" indent="0">
+              <a:buNone/>
+            </a:pPr>
+            <a:endParaRPr lang="de-DE" dirty="0"/>
+          </a:p>
+        </p:txBody>
+      </p:sp>
+    </p:spTree>
+    <p:extLst>
+      <p:ext uri="{BB962C8B-B14F-4D97-AF65-F5344CB8AC3E}">
+        <p14:creationId xmlns:p14="http://schemas.microsoft.com/office/powerpoint/2010/main" val="4283742538"/>
+      </p:ext>
+    </p:extLst>
+  </p:cSld>
+  <p:clrMapOvr>
+    <a:masterClrMapping/>
+  </p:clrMapOvr>
+</p:sld>
+</file>
+
+<file path=ppt/slides/slide28.xml><?xml version="1.0" encoding="utf-8"?>
+<p:sld xmlns:a="http://schemas.openxmlformats.org/drawingml/2006/main" xmlns:r="http://schemas.openxmlformats.org/officeDocument/2006/relationships" xmlns:p="http://schemas.openxmlformats.org/presentationml/2006/main">
+  <p:cSld>
+    <p:spTree>
+      <p:nvGrpSpPr>
+        <p:cNvPr id="1" name=""/>
+        <p:cNvGrpSpPr/>
+        <p:nvPr/>
+      </p:nvGrpSpPr>
+      <p:grpSpPr>
+        <a:xfrm>
+          <a:off x="0" y="0"/>
+          <a:ext cx="0" cy="0"/>
+          <a:chOff x="0" y="0"/>
+          <a:chExt cx="0" cy="0"/>
+        </a:xfrm>
+      </p:grpSpPr>
+      <p:sp>
+        <p:nvSpPr>
+          <p:cNvPr id="9" name="Titel 8"/>
+          <p:cNvSpPr>
+            <a:spLocks noGrp="1"/>
+          </p:cNvSpPr>
+          <p:nvPr>
+            <p:ph type="title"/>
+          </p:nvPr>
+        </p:nvSpPr>
+        <p:spPr/>
+        <p:txBody>
+          <a:bodyPr/>
+          <a:lstStyle/>
+          <a:p>
+            <a:r>
+              <a:rPr lang="de-DE" dirty="0"/>
+              <a:t>Working </a:t>
+            </a:r>
+            <a:r>
+              <a:rPr lang="de-DE" dirty="0" err="1"/>
+              <a:t>together</a:t>
+            </a:r>
+            <a:r>
+              <a:rPr lang="de-DE" dirty="0"/>
+              <a:t> on a </a:t>
+            </a:r>
+            <a:r>
+              <a:rPr lang="de-DE" dirty="0" err="1"/>
+              <a:t>repository</a:t>
+            </a:r>
+            <a:r>
+              <a:rPr lang="de-DE" dirty="0"/>
+              <a:t> </a:t>
+            </a:r>
+            <a:r>
+              <a:rPr lang="de-DE" dirty="0" smtClean="0"/>
+              <a:t>(4.3)</a:t>
+            </a:r>
+            <a:r>
+              <a:rPr lang="de-DE" dirty="0"/>
+              <a:t/>
+            </a:r>
+            <a:br>
+              <a:rPr lang="de-DE" dirty="0"/>
+            </a:br>
+            <a:r>
+              <a:rPr lang="de-DE" sz="2200" dirty="0"/>
+              <a:t>(arbeiten </a:t>
+            </a:r>
+            <a:r>
+              <a:rPr lang="de-DE" sz="2200" dirty="0" smtClean="0"/>
+              <a:t>mit </a:t>
+            </a:r>
+            <a:r>
+              <a:rPr lang="de-DE" sz="2200" dirty="0" err="1" smtClean="0"/>
+              <a:t>Branches</a:t>
+            </a:r>
+            <a:r>
+              <a:rPr lang="de-DE" sz="2200" dirty="0"/>
+              <a:t>)</a:t>
+            </a:r>
+            <a:endParaRPr lang="de-DE" dirty="0"/>
+          </a:p>
+        </p:txBody>
+      </p:sp>
+      <p:sp>
+        <p:nvSpPr>
+          <p:cNvPr id="10" name="Textplatzhalter 9"/>
+          <p:cNvSpPr>
+            <a:spLocks noGrp="1"/>
+          </p:cNvSpPr>
+          <p:nvPr>
+            <p:ph type="body" idx="1"/>
+          </p:nvPr>
+        </p:nvSpPr>
+        <p:spPr/>
+        <p:txBody>
+          <a:bodyPr/>
+          <a:lstStyle/>
+          <a:p>
+            <a:r>
+              <a:rPr lang="de-DE" dirty="0" smtClean="0"/>
+              <a:t>Person A</a:t>
+            </a:r>
+            <a:endParaRPr lang="de-DE" dirty="0"/>
+          </a:p>
+        </p:txBody>
+      </p:sp>
+      <p:sp>
+        <p:nvSpPr>
+          <p:cNvPr id="12" name="Textplatzhalter 11"/>
+          <p:cNvSpPr>
+            <a:spLocks noGrp="1"/>
+          </p:cNvSpPr>
+          <p:nvPr>
+            <p:ph type="body" sz="half" idx="3"/>
+          </p:nvPr>
+        </p:nvSpPr>
+        <p:spPr/>
+        <p:txBody>
+          <a:bodyPr/>
+          <a:lstStyle/>
+          <a:p>
+            <a:r>
+              <a:rPr lang="de-DE" dirty="0" smtClean="0"/>
+              <a:t>Person B</a:t>
+            </a:r>
+            <a:endParaRPr lang="de-DE" dirty="0"/>
+          </a:p>
+        </p:txBody>
+      </p:sp>
+      <p:sp>
+        <p:nvSpPr>
+          <p:cNvPr id="3" name="Fußzeilenplatzhalter 2"/>
+          <p:cNvSpPr>
+            <a:spLocks noGrp="1"/>
+          </p:cNvSpPr>
+          <p:nvPr>
+            <p:ph type="ftr" sz="quarter" idx="11"/>
+          </p:nvPr>
+        </p:nvSpPr>
+        <p:spPr/>
+        <p:txBody>
+          <a:bodyPr/>
+          <a:lstStyle/>
+          <a:p>
+            <a:r>
+              <a:rPr lang="de-DE" smtClean="0"/>
+              <a:t>ePortfolio von Mehmet Ali Incekara</a:t>
+            </a:r>
+            <a:endParaRPr lang="de-DE"/>
+          </a:p>
+        </p:txBody>
+      </p:sp>
+      <p:sp>
+        <p:nvSpPr>
+          <p:cNvPr id="4" name="Foliennummernplatzhalter 3"/>
+          <p:cNvSpPr>
+            <a:spLocks noGrp="1"/>
+          </p:cNvSpPr>
+          <p:nvPr>
+            <p:ph type="sldNum" sz="quarter" idx="12"/>
+          </p:nvPr>
+        </p:nvSpPr>
+        <p:spPr/>
+        <p:txBody>
+          <a:bodyPr/>
+          <a:lstStyle/>
+          <a:p>
+            <a:fld id="{32988457-9EFF-4998-891D-85ECFB4B79A4}" type="slidenum">
+              <a:rPr lang="de-DE" smtClean="0"/>
+              <a:t>28</a:t>
+            </a:fld>
+            <a:endParaRPr lang="de-DE"/>
+          </a:p>
+        </p:txBody>
+      </p:sp>
+      <p:sp>
+        <p:nvSpPr>
+          <p:cNvPr id="11" name="Inhaltsplatzhalter 10"/>
+          <p:cNvSpPr>
+            <a:spLocks noGrp="1"/>
+          </p:cNvSpPr>
+          <p:nvPr>
+            <p:ph sz="quarter" idx="2"/>
+          </p:nvPr>
+        </p:nvSpPr>
+        <p:spPr/>
+        <p:txBody>
+          <a:bodyPr/>
+          <a:lstStyle/>
+          <a:p>
+            <a:pPr marL="0" indent="0">
+              <a:buNone/>
+            </a:pPr>
+            <a:endParaRPr lang="de-DE" dirty="0" smtClean="0"/>
+          </a:p>
+        </p:txBody>
+      </p:sp>
+      <p:sp>
+        <p:nvSpPr>
+          <p:cNvPr id="13" name="Inhaltsplatzhalter 12"/>
+          <p:cNvSpPr>
+            <a:spLocks noGrp="1"/>
+          </p:cNvSpPr>
+          <p:nvPr>
+            <p:ph sz="quarter" idx="4"/>
+          </p:nvPr>
+        </p:nvSpPr>
+        <p:spPr/>
+        <p:txBody>
+          <a:bodyPr/>
+          <a:lstStyle/>
+          <a:p>
+            <a:pPr marL="0" indent="0">
+              <a:buNone/>
+            </a:pPr>
+            <a:endParaRPr lang="de-DE" dirty="0"/>
+          </a:p>
+        </p:txBody>
+      </p:sp>
+    </p:spTree>
+    <p:extLst>
+      <p:ext uri="{BB962C8B-B14F-4D97-AF65-F5344CB8AC3E}">
+        <p14:creationId xmlns:p14="http://schemas.microsoft.com/office/powerpoint/2010/main" val="792097837"/>
+      </p:ext>
+    </p:extLst>
+  </p:cSld>
+  <p:clrMapOvr>
+    <a:masterClrMapping/>
+  </p:clrMapOvr>
+</p:sld>
+</file>
+
+<file path=ppt/slides/slide29.xml><?xml version="1.0" encoding="utf-8"?>
+<p:sld xmlns:a="http://schemas.openxmlformats.org/drawingml/2006/main" xmlns:r="http://schemas.openxmlformats.org/officeDocument/2006/relationships" xmlns:p="http://schemas.openxmlformats.org/presentationml/2006/main">
+  <p:cSld>
+    <p:spTree>
+      <p:nvGrpSpPr>
+        <p:cNvPr id="1" name=""/>
+        <p:cNvGrpSpPr/>
+        <p:nvPr/>
+      </p:nvGrpSpPr>
+      <p:grpSpPr>
+        <a:xfrm>
+          <a:off x="0" y="0"/>
+          <a:ext cx="0" cy="0"/>
+          <a:chOff x="0" y="0"/>
+          <a:chExt cx="0" cy="0"/>
+        </a:xfrm>
+      </p:grpSpPr>
+      <p:sp>
+        <p:nvSpPr>
+          <p:cNvPr id="2" name="Titel 1"/>
+          <p:cNvSpPr>
+            <a:spLocks noGrp="1"/>
+          </p:cNvSpPr>
+          <p:nvPr>
+            <p:ph type="title"/>
+          </p:nvPr>
+        </p:nvSpPr>
+        <p:spPr/>
+        <p:txBody>
+          <a:bodyPr>
+            <a:normAutofit/>
+          </a:bodyPr>
+          <a:lstStyle/>
+          <a:p>
             <a:r>
               <a:rPr lang="de-DE" dirty="0" smtClean="0"/>
               <a:t>Befehlsübersicht</a:t>
@@ -9604,7 +14563,7 @@
           <a:p>
             <a:fld id="{32988457-9EFF-4998-891D-85ECFB4B79A4}" type="slidenum">
               <a:rPr lang="de-DE" smtClean="0"/>
-              <a:t>21</a:t>
+              <a:t>29</a:t>
             </a:fld>
             <a:endParaRPr lang="de-DE"/>
           </a:p>
@@ -10430,475 +15389,6 @@
 </p:sld>
 </file>
 
-<file path=ppt/slides/slide22.xml><?xml version="1.0" encoding="utf-8"?>
-<p:sld xmlns:a="http://schemas.openxmlformats.org/drawingml/2006/main" xmlns:r="http://schemas.openxmlformats.org/officeDocument/2006/relationships" xmlns:p="http://schemas.openxmlformats.org/presentationml/2006/main">
-  <p:cSld>
-    <p:spTree>
-      <p:nvGrpSpPr>
-        <p:cNvPr id="1" name=""/>
-        <p:cNvGrpSpPr/>
-        <p:nvPr/>
-      </p:nvGrpSpPr>
-      <p:grpSpPr>
-        <a:xfrm>
-          <a:off x="0" y="0"/>
-          <a:ext cx="0" cy="0"/>
-          <a:chOff x="0" y="0"/>
-          <a:chExt cx="0" cy="0"/>
-        </a:xfrm>
-      </p:grpSpPr>
-      <p:sp>
-        <p:nvSpPr>
-          <p:cNvPr id="2" name="Titel 1"/>
-          <p:cNvSpPr>
-            <a:spLocks noGrp="1"/>
-          </p:cNvSpPr>
-          <p:nvPr>
-            <p:ph type="title"/>
-          </p:nvPr>
-        </p:nvSpPr>
-        <p:spPr/>
-        <p:txBody>
-          <a:bodyPr>
-            <a:normAutofit/>
-          </a:bodyPr>
-          <a:lstStyle/>
-          <a:p>
-            <a:r>
-              <a:rPr lang="de-DE" dirty="0"/>
-              <a:t>Weitere </a:t>
-            </a:r>
-            <a:r>
-              <a:rPr lang="de-DE" dirty="0" smtClean="0"/>
-              <a:t>Links/Tutorials</a:t>
-            </a:r>
-            <a:endParaRPr lang="de-DE" dirty="0"/>
-          </a:p>
-        </p:txBody>
-      </p:sp>
-      <p:sp>
-        <p:nvSpPr>
-          <p:cNvPr id="3" name="Fußzeilenplatzhalter 2"/>
-          <p:cNvSpPr>
-            <a:spLocks noGrp="1"/>
-          </p:cNvSpPr>
-          <p:nvPr>
-            <p:ph type="ftr" sz="quarter" idx="11"/>
-          </p:nvPr>
-        </p:nvSpPr>
-        <p:spPr/>
-        <p:txBody>
-          <a:bodyPr/>
-          <a:lstStyle/>
-          <a:p>
-            <a:r>
-              <a:rPr lang="de-DE" smtClean="0"/>
-              <a:t>ePortfolio von Mehmet Ali Incekara</a:t>
-            </a:r>
-            <a:endParaRPr lang="de-DE"/>
-          </a:p>
-        </p:txBody>
-      </p:sp>
-      <p:sp>
-        <p:nvSpPr>
-          <p:cNvPr id="4" name="Foliennummernplatzhalter 3"/>
-          <p:cNvSpPr>
-            <a:spLocks noGrp="1"/>
-          </p:cNvSpPr>
-          <p:nvPr>
-            <p:ph type="sldNum" sz="quarter" idx="12"/>
-          </p:nvPr>
-        </p:nvSpPr>
-        <p:spPr/>
-        <p:txBody>
-          <a:bodyPr/>
-          <a:lstStyle/>
-          <a:p>
-            <a:fld id="{32988457-9EFF-4998-891D-85ECFB4B79A4}" type="slidenum">
-              <a:rPr lang="de-DE" smtClean="0"/>
-              <a:t>22</a:t>
-            </a:fld>
-            <a:endParaRPr lang="de-DE"/>
-          </a:p>
-        </p:txBody>
-      </p:sp>
-      <p:sp>
-        <p:nvSpPr>
-          <p:cNvPr id="5" name="Inhaltsplatzhalter 4"/>
-          <p:cNvSpPr>
-            <a:spLocks noGrp="1"/>
-          </p:cNvSpPr>
-          <p:nvPr>
-            <p:ph sz="quarter" idx="1"/>
-          </p:nvPr>
-        </p:nvSpPr>
-        <p:spPr/>
-        <p:txBody>
-          <a:bodyPr/>
-          <a:lstStyle/>
-          <a:p>
-            <a:pPr marL="0" indent="0">
-              <a:buNone/>
-            </a:pPr>
-            <a:r>
-              <a:rPr lang="de-DE" dirty="0"/>
-              <a:t>w</a:t>
-            </a:r>
-            <a:r>
-              <a:rPr lang="de-DE" dirty="0" smtClean="0"/>
-              <a:t>eitere Tutorials:</a:t>
-            </a:r>
-          </a:p>
-          <a:p>
-            <a:r>
-              <a:rPr lang="de-DE" dirty="0" smtClean="0">
-                <a:hlinkClick r:id="rId2"/>
-              </a:rPr>
-              <a:t>https</a:t>
-            </a:r>
-            <a:r>
-              <a:rPr lang="de-DE" dirty="0">
-                <a:hlinkClick r:id="rId2"/>
-              </a:rPr>
-              <a:t>://</a:t>
-            </a:r>
-            <a:r>
-              <a:rPr lang="de-DE" dirty="0" smtClean="0">
-                <a:hlinkClick r:id="rId2"/>
-              </a:rPr>
-              <a:t>rogerdudler.github.io/git-guide/index.de.html</a:t>
-            </a:r>
-            <a:endParaRPr lang="de-DE" dirty="0" smtClean="0"/>
-          </a:p>
-          <a:p>
-            <a:r>
-              <a:rPr lang="de-DE" dirty="0">
-                <a:hlinkClick r:id="rId3"/>
-              </a:rPr>
-              <a:t>https://www.atlassian.com/git/tutorials</a:t>
-            </a:r>
-            <a:r>
-              <a:rPr lang="de-DE" dirty="0" smtClean="0">
-                <a:hlinkClick r:id="rId3"/>
-              </a:rPr>
-              <a:t>/</a:t>
-            </a:r>
-            <a:endParaRPr lang="de-DE" dirty="0" smtClean="0"/>
-          </a:p>
-          <a:p>
-            <a:r>
-              <a:rPr lang="de-DE" dirty="0">
-                <a:hlinkClick r:id="rId4"/>
-              </a:rPr>
-              <a:t>http://</a:t>
-            </a:r>
-            <a:r>
-              <a:rPr lang="de-DE" dirty="0" smtClean="0">
-                <a:hlinkClick r:id="rId4"/>
-              </a:rPr>
-              <a:t>git-scm.com/docs/gittutorial</a:t>
-            </a:r>
-            <a:endParaRPr lang="de-DE" dirty="0" smtClean="0"/>
-          </a:p>
-          <a:p>
-            <a:pPr marL="0" indent="0">
-              <a:buNone/>
-            </a:pPr>
-            <a:r>
-              <a:rPr lang="de-DE" dirty="0"/>
-              <a:t>w</a:t>
-            </a:r>
-            <a:r>
-              <a:rPr lang="de-DE" dirty="0" smtClean="0"/>
-              <a:t>eitere Links:</a:t>
-            </a:r>
-          </a:p>
-          <a:p>
-            <a:r>
-              <a:rPr lang="de-DE" dirty="0">
-                <a:hlinkClick r:id="rId5"/>
-              </a:rPr>
-              <a:t>https://</a:t>
-            </a:r>
-            <a:r>
-              <a:rPr lang="de-DE" dirty="0" smtClean="0">
-                <a:hlinkClick r:id="rId5"/>
-              </a:rPr>
-              <a:t>git-scm.com/book/de/v1</a:t>
-            </a:r>
-            <a:endParaRPr lang="de-DE" dirty="0"/>
-          </a:p>
-          <a:p>
-            <a:r>
-              <a:rPr lang="de-DE" dirty="0">
-                <a:hlinkClick r:id="rId6"/>
-              </a:rPr>
-              <a:t>https://</a:t>
-            </a:r>
-            <a:r>
-              <a:rPr lang="de-DE" dirty="0" smtClean="0">
-                <a:hlinkClick r:id="rId6"/>
-              </a:rPr>
-              <a:t>git-scm.com/about</a:t>
-            </a:r>
-            <a:endParaRPr lang="de-DE" dirty="0" smtClean="0"/>
-          </a:p>
-          <a:p>
-            <a:endParaRPr lang="de-DE" dirty="0" smtClean="0"/>
-          </a:p>
-          <a:p>
-            <a:endParaRPr lang="de-DE" dirty="0"/>
-          </a:p>
-        </p:txBody>
-      </p:sp>
-    </p:spTree>
-    <p:extLst>
-      <p:ext uri="{BB962C8B-B14F-4D97-AF65-F5344CB8AC3E}">
-        <p14:creationId xmlns:p14="http://schemas.microsoft.com/office/powerpoint/2010/main" val="3137063874"/>
-      </p:ext>
-    </p:extLst>
-  </p:cSld>
-  <p:clrMapOvr>
-    <a:masterClrMapping/>
-  </p:clrMapOvr>
-</p:sld>
-</file>
-
-<file path=ppt/slides/slide23.xml><?xml version="1.0" encoding="utf-8"?>
-<p:sld xmlns:a="http://schemas.openxmlformats.org/drawingml/2006/main" xmlns:r="http://schemas.openxmlformats.org/officeDocument/2006/relationships" xmlns:p="http://schemas.openxmlformats.org/presentationml/2006/main">
-  <p:cSld>
-    <p:spTree>
-      <p:nvGrpSpPr>
-        <p:cNvPr id="1" name=""/>
-        <p:cNvGrpSpPr/>
-        <p:nvPr/>
-      </p:nvGrpSpPr>
-      <p:grpSpPr>
-        <a:xfrm>
-          <a:off x="0" y="0"/>
-          <a:ext cx="0" cy="0"/>
-          <a:chOff x="0" y="0"/>
-          <a:chExt cx="0" cy="0"/>
-        </a:xfrm>
-      </p:grpSpPr>
-      <p:sp>
-        <p:nvSpPr>
-          <p:cNvPr id="2" name="Titel 1"/>
-          <p:cNvSpPr>
-            <a:spLocks noGrp="1"/>
-          </p:cNvSpPr>
-          <p:nvPr>
-            <p:ph type="title"/>
-          </p:nvPr>
-        </p:nvSpPr>
-        <p:spPr/>
-        <p:txBody>
-          <a:bodyPr/>
-          <a:lstStyle/>
-          <a:p>
-            <a:r>
-              <a:rPr lang="de-DE" dirty="0" smtClean="0"/>
-              <a:t>Quellen</a:t>
-            </a:r>
-            <a:endParaRPr lang="de-DE" dirty="0"/>
-          </a:p>
-        </p:txBody>
-      </p:sp>
-      <p:sp>
-        <p:nvSpPr>
-          <p:cNvPr id="3" name="Fußzeilenplatzhalter 2"/>
-          <p:cNvSpPr>
-            <a:spLocks noGrp="1"/>
-          </p:cNvSpPr>
-          <p:nvPr>
-            <p:ph type="ftr" sz="quarter" idx="11"/>
-          </p:nvPr>
-        </p:nvSpPr>
-        <p:spPr/>
-        <p:txBody>
-          <a:bodyPr/>
-          <a:lstStyle/>
-          <a:p>
-            <a:r>
-              <a:rPr lang="de-DE" smtClean="0"/>
-              <a:t>ePortfolio von Mehmet Ali Incekara</a:t>
-            </a:r>
-            <a:endParaRPr lang="de-DE"/>
-          </a:p>
-        </p:txBody>
-      </p:sp>
-      <p:sp>
-        <p:nvSpPr>
-          <p:cNvPr id="4" name="Foliennummernplatzhalter 3"/>
-          <p:cNvSpPr>
-            <a:spLocks noGrp="1"/>
-          </p:cNvSpPr>
-          <p:nvPr>
-            <p:ph type="sldNum" sz="quarter" idx="12"/>
-          </p:nvPr>
-        </p:nvSpPr>
-        <p:spPr/>
-        <p:txBody>
-          <a:bodyPr/>
-          <a:lstStyle/>
-          <a:p>
-            <a:fld id="{32988457-9EFF-4998-891D-85ECFB4B79A4}" type="slidenum">
-              <a:rPr lang="de-DE" smtClean="0"/>
-              <a:t>23</a:t>
-            </a:fld>
-            <a:endParaRPr lang="de-DE"/>
-          </a:p>
-        </p:txBody>
-      </p:sp>
-      <p:sp>
-        <p:nvSpPr>
-          <p:cNvPr id="5" name="Inhaltsplatzhalter 4"/>
-          <p:cNvSpPr>
-            <a:spLocks noGrp="1"/>
-          </p:cNvSpPr>
-          <p:nvPr>
-            <p:ph sz="quarter" idx="1"/>
-          </p:nvPr>
-        </p:nvSpPr>
-        <p:spPr>
-          <a:xfrm>
-            <a:off x="457200" y="1219200"/>
-            <a:ext cx="8435280" cy="4937760"/>
-          </a:xfrm>
-        </p:spPr>
-        <p:txBody>
-          <a:bodyPr>
-            <a:normAutofit/>
-          </a:bodyPr>
-          <a:lstStyle/>
-          <a:p>
-            <a:pPr marL="0" indent="0">
-              <a:buNone/>
-            </a:pPr>
-            <a:r>
-              <a:rPr lang="de-DE" sz="2000" b="1" dirty="0" err="1" smtClean="0"/>
-              <a:t>git</a:t>
-            </a:r>
-            <a:r>
-              <a:rPr lang="de-DE" sz="2000" b="1" dirty="0" smtClean="0"/>
-              <a:t>:</a:t>
-            </a:r>
-          </a:p>
-          <a:p>
-            <a:r>
-              <a:rPr lang="de-DE" sz="2000" dirty="0" smtClean="0"/>
-              <a:t>https</a:t>
-            </a:r>
-            <a:r>
-              <a:rPr lang="de-DE" sz="2000" dirty="0"/>
-              <a:t>://</a:t>
-            </a:r>
-            <a:r>
-              <a:rPr lang="de-DE" sz="2000" dirty="0" smtClean="0"/>
-              <a:t>git-scm.com </a:t>
-            </a:r>
-            <a:r>
-              <a:rPr lang="de-DE" sz="1200" dirty="0"/>
-              <a:t>(</a:t>
-            </a:r>
-            <a:r>
-              <a:rPr lang="de-DE" sz="1200" dirty="0" smtClean="0"/>
-              <a:t>19.10.2015</a:t>
-            </a:r>
-            <a:r>
-              <a:rPr lang="de-DE" sz="1200" dirty="0"/>
-              <a:t>)</a:t>
-            </a:r>
-            <a:endParaRPr lang="de-DE" sz="1200" dirty="0" smtClean="0"/>
-          </a:p>
-          <a:p>
-            <a:r>
-              <a:rPr lang="de-DE" sz="2000" dirty="0"/>
-              <a:t>https://</a:t>
-            </a:r>
-            <a:r>
-              <a:rPr lang="de-DE" sz="2000" dirty="0" smtClean="0"/>
-              <a:t>rogerdudler.github.io/git-guide/index.de.html </a:t>
-            </a:r>
-            <a:r>
-              <a:rPr lang="de-DE" sz="1100" dirty="0" smtClean="0"/>
-              <a:t>(19.10.2015)</a:t>
-            </a:r>
-            <a:endParaRPr lang="de-DE" sz="2000" dirty="0" smtClean="0"/>
-          </a:p>
-          <a:p>
-            <a:pPr marL="0" indent="0">
-              <a:buNone/>
-            </a:pPr>
-            <a:r>
-              <a:rPr lang="de-DE" sz="2000" b="1" dirty="0" err="1" smtClean="0"/>
-              <a:t>GitHub</a:t>
-            </a:r>
-            <a:r>
-              <a:rPr lang="de-DE" sz="2000" b="1" dirty="0"/>
-              <a:t>:</a:t>
-            </a:r>
-            <a:endParaRPr lang="de-DE" sz="2000" b="1" dirty="0" smtClean="0"/>
-          </a:p>
-          <a:p>
-            <a:r>
-              <a:rPr lang="de-DE" sz="2000" dirty="0" smtClean="0"/>
-              <a:t>https</a:t>
-            </a:r>
-            <a:r>
-              <a:rPr lang="de-DE" sz="2000" dirty="0"/>
-              <a:t>://</a:t>
-            </a:r>
-            <a:r>
-              <a:rPr lang="de-DE" sz="2000" dirty="0" smtClean="0"/>
-              <a:t>github.com </a:t>
-            </a:r>
-            <a:r>
-              <a:rPr lang="de-DE" sz="1100" dirty="0" smtClean="0"/>
-              <a:t>(19.10.2015)</a:t>
-            </a:r>
-          </a:p>
-          <a:p>
-            <a:pPr marL="0" indent="0">
-              <a:buNone/>
-            </a:pPr>
-            <a:r>
-              <a:rPr lang="de-DE" sz="2000" b="1" dirty="0" smtClean="0"/>
-              <a:t>Bilder:</a:t>
-            </a:r>
-            <a:endParaRPr lang="de-DE" sz="2000" b="1" dirty="0"/>
-          </a:p>
-          <a:p>
-            <a:r>
-              <a:rPr lang="de-DE" sz="2000" dirty="0" smtClean="0"/>
-              <a:t>selbstgemachte Screenshots</a:t>
-            </a:r>
-          </a:p>
-          <a:p>
-            <a:endParaRPr lang="de-DE" sz="2000" dirty="0" smtClean="0"/>
-          </a:p>
-        </p:txBody>
-      </p:sp>
-    </p:spTree>
-    <p:extLst>
-      <p:ext uri="{BB962C8B-B14F-4D97-AF65-F5344CB8AC3E}">
-        <p14:creationId xmlns:p14="http://schemas.microsoft.com/office/powerpoint/2010/main" val="1184464537"/>
-      </p:ext>
-    </p:extLst>
-  </p:cSld>
-  <p:clrMapOvr>
-    <a:masterClrMapping/>
-  </p:clrMapOvr>
-  <p:timing>
-    <p:tnLst>
-      <p:par>
-        <p:cTn id="1" dur="indefinite" restart="never" nodeType="tmRoot"/>
-      </p:par>
-    </p:tnLst>
-  </p:timing>
-</p:sld>
-</file>
-
 <file path=ppt/slides/slide3.xml><?xml version="1.0" encoding="utf-8"?>
 <p:sld xmlns:a="http://schemas.openxmlformats.org/drawingml/2006/main" xmlns:r="http://schemas.openxmlformats.org/officeDocument/2006/relationships" xmlns:p="http://schemas.openxmlformats.org/presentationml/2006/main">
   <p:cSld>
@@ -11115,6 +15605,475 @@
     <p:extLst>
       <p:ext uri="{BB962C8B-B14F-4D97-AF65-F5344CB8AC3E}">
         <p14:creationId xmlns:p14="http://schemas.microsoft.com/office/powerpoint/2010/main" val="668462337"/>
+      </p:ext>
+    </p:extLst>
+  </p:cSld>
+  <p:clrMapOvr>
+    <a:masterClrMapping/>
+  </p:clrMapOvr>
+  <p:timing>
+    <p:tnLst>
+      <p:par>
+        <p:cTn id="1" dur="indefinite" restart="never" nodeType="tmRoot"/>
+      </p:par>
+    </p:tnLst>
+  </p:timing>
+</p:sld>
+</file>
+
+<file path=ppt/slides/slide30.xml><?xml version="1.0" encoding="utf-8"?>
+<p:sld xmlns:a="http://schemas.openxmlformats.org/drawingml/2006/main" xmlns:r="http://schemas.openxmlformats.org/officeDocument/2006/relationships" xmlns:p="http://schemas.openxmlformats.org/presentationml/2006/main">
+  <p:cSld>
+    <p:spTree>
+      <p:nvGrpSpPr>
+        <p:cNvPr id="1" name=""/>
+        <p:cNvGrpSpPr/>
+        <p:nvPr/>
+      </p:nvGrpSpPr>
+      <p:grpSpPr>
+        <a:xfrm>
+          <a:off x="0" y="0"/>
+          <a:ext cx="0" cy="0"/>
+          <a:chOff x="0" y="0"/>
+          <a:chExt cx="0" cy="0"/>
+        </a:xfrm>
+      </p:grpSpPr>
+      <p:sp>
+        <p:nvSpPr>
+          <p:cNvPr id="2" name="Titel 1"/>
+          <p:cNvSpPr>
+            <a:spLocks noGrp="1"/>
+          </p:cNvSpPr>
+          <p:nvPr>
+            <p:ph type="title"/>
+          </p:nvPr>
+        </p:nvSpPr>
+        <p:spPr/>
+        <p:txBody>
+          <a:bodyPr>
+            <a:normAutofit/>
+          </a:bodyPr>
+          <a:lstStyle/>
+          <a:p>
+            <a:r>
+              <a:rPr lang="de-DE" dirty="0"/>
+              <a:t>Weitere </a:t>
+            </a:r>
+            <a:r>
+              <a:rPr lang="de-DE" dirty="0" smtClean="0"/>
+              <a:t>Links/Tutorials</a:t>
+            </a:r>
+            <a:endParaRPr lang="de-DE" dirty="0"/>
+          </a:p>
+        </p:txBody>
+      </p:sp>
+      <p:sp>
+        <p:nvSpPr>
+          <p:cNvPr id="3" name="Fußzeilenplatzhalter 2"/>
+          <p:cNvSpPr>
+            <a:spLocks noGrp="1"/>
+          </p:cNvSpPr>
+          <p:nvPr>
+            <p:ph type="ftr" sz="quarter" idx="11"/>
+          </p:nvPr>
+        </p:nvSpPr>
+        <p:spPr/>
+        <p:txBody>
+          <a:bodyPr/>
+          <a:lstStyle/>
+          <a:p>
+            <a:r>
+              <a:rPr lang="de-DE" smtClean="0"/>
+              <a:t>ePortfolio von Mehmet Ali Incekara</a:t>
+            </a:r>
+            <a:endParaRPr lang="de-DE"/>
+          </a:p>
+        </p:txBody>
+      </p:sp>
+      <p:sp>
+        <p:nvSpPr>
+          <p:cNvPr id="4" name="Foliennummernplatzhalter 3"/>
+          <p:cNvSpPr>
+            <a:spLocks noGrp="1"/>
+          </p:cNvSpPr>
+          <p:nvPr>
+            <p:ph type="sldNum" sz="quarter" idx="12"/>
+          </p:nvPr>
+        </p:nvSpPr>
+        <p:spPr/>
+        <p:txBody>
+          <a:bodyPr/>
+          <a:lstStyle/>
+          <a:p>
+            <a:fld id="{32988457-9EFF-4998-891D-85ECFB4B79A4}" type="slidenum">
+              <a:rPr lang="de-DE" smtClean="0"/>
+              <a:t>30</a:t>
+            </a:fld>
+            <a:endParaRPr lang="de-DE"/>
+          </a:p>
+        </p:txBody>
+      </p:sp>
+      <p:sp>
+        <p:nvSpPr>
+          <p:cNvPr id="5" name="Inhaltsplatzhalter 4"/>
+          <p:cNvSpPr>
+            <a:spLocks noGrp="1"/>
+          </p:cNvSpPr>
+          <p:nvPr>
+            <p:ph sz="quarter" idx="1"/>
+          </p:nvPr>
+        </p:nvSpPr>
+        <p:spPr/>
+        <p:txBody>
+          <a:bodyPr/>
+          <a:lstStyle/>
+          <a:p>
+            <a:pPr marL="0" indent="0">
+              <a:buNone/>
+            </a:pPr>
+            <a:r>
+              <a:rPr lang="de-DE" dirty="0"/>
+              <a:t>w</a:t>
+            </a:r>
+            <a:r>
+              <a:rPr lang="de-DE" dirty="0" smtClean="0"/>
+              <a:t>eitere Tutorials:</a:t>
+            </a:r>
+          </a:p>
+          <a:p>
+            <a:r>
+              <a:rPr lang="de-DE" dirty="0" smtClean="0">
+                <a:hlinkClick r:id="rId2"/>
+              </a:rPr>
+              <a:t>https</a:t>
+            </a:r>
+            <a:r>
+              <a:rPr lang="de-DE" dirty="0">
+                <a:hlinkClick r:id="rId2"/>
+              </a:rPr>
+              <a:t>://</a:t>
+            </a:r>
+            <a:r>
+              <a:rPr lang="de-DE" dirty="0" smtClean="0">
+                <a:hlinkClick r:id="rId2"/>
+              </a:rPr>
+              <a:t>rogerdudler.github.io/git-guide/index.de.html</a:t>
+            </a:r>
+            <a:endParaRPr lang="de-DE" dirty="0" smtClean="0"/>
+          </a:p>
+          <a:p>
+            <a:r>
+              <a:rPr lang="de-DE" dirty="0">
+                <a:hlinkClick r:id="rId3"/>
+              </a:rPr>
+              <a:t>https://www.atlassian.com/git/tutorials</a:t>
+            </a:r>
+            <a:r>
+              <a:rPr lang="de-DE" dirty="0" smtClean="0">
+                <a:hlinkClick r:id="rId3"/>
+              </a:rPr>
+              <a:t>/</a:t>
+            </a:r>
+            <a:endParaRPr lang="de-DE" dirty="0" smtClean="0"/>
+          </a:p>
+          <a:p>
+            <a:r>
+              <a:rPr lang="de-DE" dirty="0">
+                <a:hlinkClick r:id="rId4"/>
+              </a:rPr>
+              <a:t>http://</a:t>
+            </a:r>
+            <a:r>
+              <a:rPr lang="de-DE" dirty="0" smtClean="0">
+                <a:hlinkClick r:id="rId4"/>
+              </a:rPr>
+              <a:t>git-scm.com/docs/gittutorial</a:t>
+            </a:r>
+            <a:endParaRPr lang="de-DE" dirty="0" smtClean="0"/>
+          </a:p>
+          <a:p>
+            <a:pPr marL="0" indent="0">
+              <a:buNone/>
+            </a:pPr>
+            <a:r>
+              <a:rPr lang="de-DE" dirty="0"/>
+              <a:t>w</a:t>
+            </a:r>
+            <a:r>
+              <a:rPr lang="de-DE" dirty="0" smtClean="0"/>
+              <a:t>eitere Links:</a:t>
+            </a:r>
+          </a:p>
+          <a:p>
+            <a:r>
+              <a:rPr lang="de-DE" dirty="0">
+                <a:hlinkClick r:id="rId5"/>
+              </a:rPr>
+              <a:t>https://</a:t>
+            </a:r>
+            <a:r>
+              <a:rPr lang="de-DE" dirty="0" smtClean="0">
+                <a:hlinkClick r:id="rId5"/>
+              </a:rPr>
+              <a:t>git-scm.com/book/de/v1</a:t>
+            </a:r>
+            <a:endParaRPr lang="de-DE" dirty="0"/>
+          </a:p>
+          <a:p>
+            <a:r>
+              <a:rPr lang="de-DE" dirty="0">
+                <a:hlinkClick r:id="rId6"/>
+              </a:rPr>
+              <a:t>https://</a:t>
+            </a:r>
+            <a:r>
+              <a:rPr lang="de-DE" dirty="0" smtClean="0">
+                <a:hlinkClick r:id="rId6"/>
+              </a:rPr>
+              <a:t>git-scm.com/about</a:t>
+            </a:r>
+            <a:endParaRPr lang="de-DE" dirty="0" smtClean="0"/>
+          </a:p>
+          <a:p>
+            <a:endParaRPr lang="de-DE" dirty="0" smtClean="0"/>
+          </a:p>
+          <a:p>
+            <a:endParaRPr lang="de-DE" dirty="0"/>
+          </a:p>
+        </p:txBody>
+      </p:sp>
+    </p:spTree>
+    <p:extLst>
+      <p:ext uri="{BB962C8B-B14F-4D97-AF65-F5344CB8AC3E}">
+        <p14:creationId xmlns:p14="http://schemas.microsoft.com/office/powerpoint/2010/main" val="3137063874"/>
+      </p:ext>
+    </p:extLst>
+  </p:cSld>
+  <p:clrMapOvr>
+    <a:masterClrMapping/>
+  </p:clrMapOvr>
+</p:sld>
+</file>
+
+<file path=ppt/slides/slide31.xml><?xml version="1.0" encoding="utf-8"?>
+<p:sld xmlns:a="http://schemas.openxmlformats.org/drawingml/2006/main" xmlns:r="http://schemas.openxmlformats.org/officeDocument/2006/relationships" xmlns:p="http://schemas.openxmlformats.org/presentationml/2006/main">
+  <p:cSld>
+    <p:spTree>
+      <p:nvGrpSpPr>
+        <p:cNvPr id="1" name=""/>
+        <p:cNvGrpSpPr/>
+        <p:nvPr/>
+      </p:nvGrpSpPr>
+      <p:grpSpPr>
+        <a:xfrm>
+          <a:off x="0" y="0"/>
+          <a:ext cx="0" cy="0"/>
+          <a:chOff x="0" y="0"/>
+          <a:chExt cx="0" cy="0"/>
+        </a:xfrm>
+      </p:grpSpPr>
+      <p:sp>
+        <p:nvSpPr>
+          <p:cNvPr id="2" name="Titel 1"/>
+          <p:cNvSpPr>
+            <a:spLocks noGrp="1"/>
+          </p:cNvSpPr>
+          <p:nvPr>
+            <p:ph type="title"/>
+          </p:nvPr>
+        </p:nvSpPr>
+        <p:spPr/>
+        <p:txBody>
+          <a:bodyPr/>
+          <a:lstStyle/>
+          <a:p>
+            <a:r>
+              <a:rPr lang="de-DE" dirty="0" smtClean="0"/>
+              <a:t>Quellen</a:t>
+            </a:r>
+            <a:endParaRPr lang="de-DE" dirty="0"/>
+          </a:p>
+        </p:txBody>
+      </p:sp>
+      <p:sp>
+        <p:nvSpPr>
+          <p:cNvPr id="3" name="Fußzeilenplatzhalter 2"/>
+          <p:cNvSpPr>
+            <a:spLocks noGrp="1"/>
+          </p:cNvSpPr>
+          <p:nvPr>
+            <p:ph type="ftr" sz="quarter" idx="11"/>
+          </p:nvPr>
+        </p:nvSpPr>
+        <p:spPr/>
+        <p:txBody>
+          <a:bodyPr/>
+          <a:lstStyle/>
+          <a:p>
+            <a:r>
+              <a:rPr lang="de-DE" smtClean="0"/>
+              <a:t>ePortfolio von Mehmet Ali Incekara</a:t>
+            </a:r>
+            <a:endParaRPr lang="de-DE"/>
+          </a:p>
+        </p:txBody>
+      </p:sp>
+      <p:sp>
+        <p:nvSpPr>
+          <p:cNvPr id="4" name="Foliennummernplatzhalter 3"/>
+          <p:cNvSpPr>
+            <a:spLocks noGrp="1"/>
+          </p:cNvSpPr>
+          <p:nvPr>
+            <p:ph type="sldNum" sz="quarter" idx="12"/>
+          </p:nvPr>
+        </p:nvSpPr>
+        <p:spPr/>
+        <p:txBody>
+          <a:bodyPr/>
+          <a:lstStyle/>
+          <a:p>
+            <a:fld id="{32988457-9EFF-4998-891D-85ECFB4B79A4}" type="slidenum">
+              <a:rPr lang="de-DE" smtClean="0"/>
+              <a:t>31</a:t>
+            </a:fld>
+            <a:endParaRPr lang="de-DE"/>
+          </a:p>
+        </p:txBody>
+      </p:sp>
+      <p:sp>
+        <p:nvSpPr>
+          <p:cNvPr id="5" name="Inhaltsplatzhalter 4"/>
+          <p:cNvSpPr>
+            <a:spLocks noGrp="1"/>
+          </p:cNvSpPr>
+          <p:nvPr>
+            <p:ph sz="quarter" idx="1"/>
+          </p:nvPr>
+        </p:nvSpPr>
+        <p:spPr>
+          <a:xfrm>
+            <a:off x="457200" y="1219200"/>
+            <a:ext cx="8435280" cy="4937760"/>
+          </a:xfrm>
+        </p:spPr>
+        <p:txBody>
+          <a:bodyPr>
+            <a:normAutofit/>
+          </a:bodyPr>
+          <a:lstStyle/>
+          <a:p>
+            <a:pPr marL="0" indent="0">
+              <a:buNone/>
+            </a:pPr>
+            <a:r>
+              <a:rPr lang="de-DE" sz="2000" b="1" dirty="0" err="1" smtClean="0"/>
+              <a:t>git</a:t>
+            </a:r>
+            <a:r>
+              <a:rPr lang="de-DE" sz="2000" b="1" dirty="0" smtClean="0"/>
+              <a:t>:</a:t>
+            </a:r>
+          </a:p>
+          <a:p>
+            <a:r>
+              <a:rPr lang="de-DE" sz="2000" dirty="0" smtClean="0"/>
+              <a:t>https</a:t>
+            </a:r>
+            <a:r>
+              <a:rPr lang="de-DE" sz="2000" dirty="0"/>
+              <a:t>://</a:t>
+            </a:r>
+            <a:r>
+              <a:rPr lang="de-DE" sz="2000" dirty="0" smtClean="0"/>
+              <a:t>git-scm.com </a:t>
+            </a:r>
+            <a:r>
+              <a:rPr lang="de-DE" sz="1200" dirty="0"/>
+              <a:t>(</a:t>
+            </a:r>
+            <a:r>
+              <a:rPr lang="de-DE" sz="1200" dirty="0" smtClean="0"/>
+              <a:t>19.10.2015</a:t>
+            </a:r>
+            <a:r>
+              <a:rPr lang="de-DE" sz="1200" dirty="0"/>
+              <a:t>)</a:t>
+            </a:r>
+            <a:endParaRPr lang="de-DE" sz="1200" dirty="0" smtClean="0"/>
+          </a:p>
+          <a:p>
+            <a:r>
+              <a:rPr lang="de-DE" sz="2000" dirty="0"/>
+              <a:t>https://</a:t>
+            </a:r>
+            <a:r>
+              <a:rPr lang="de-DE" sz="2000" dirty="0" smtClean="0"/>
+              <a:t>rogerdudler.github.io/git-guide/index.de.html </a:t>
+            </a:r>
+            <a:r>
+              <a:rPr lang="de-DE" sz="1100" dirty="0" smtClean="0"/>
+              <a:t>(19.10.2015)</a:t>
+            </a:r>
+            <a:endParaRPr lang="de-DE" sz="2000" dirty="0" smtClean="0"/>
+          </a:p>
+          <a:p>
+            <a:pPr marL="0" indent="0">
+              <a:buNone/>
+            </a:pPr>
+            <a:r>
+              <a:rPr lang="de-DE" sz="2000" b="1" dirty="0" err="1" smtClean="0"/>
+              <a:t>GitHub</a:t>
+            </a:r>
+            <a:r>
+              <a:rPr lang="de-DE" sz="2000" b="1" dirty="0"/>
+              <a:t>:</a:t>
+            </a:r>
+            <a:endParaRPr lang="de-DE" sz="2000" b="1" dirty="0" smtClean="0"/>
+          </a:p>
+          <a:p>
+            <a:r>
+              <a:rPr lang="de-DE" sz="2000" dirty="0" smtClean="0"/>
+              <a:t>https</a:t>
+            </a:r>
+            <a:r>
+              <a:rPr lang="de-DE" sz="2000" dirty="0"/>
+              <a:t>://</a:t>
+            </a:r>
+            <a:r>
+              <a:rPr lang="de-DE" sz="2000" dirty="0" smtClean="0"/>
+              <a:t>github.com </a:t>
+            </a:r>
+            <a:r>
+              <a:rPr lang="de-DE" sz="1100" dirty="0" smtClean="0"/>
+              <a:t>(19.10.2015)</a:t>
+            </a:r>
+          </a:p>
+          <a:p>
+            <a:pPr marL="0" indent="0">
+              <a:buNone/>
+            </a:pPr>
+            <a:r>
+              <a:rPr lang="de-DE" sz="2000" b="1" dirty="0" smtClean="0"/>
+              <a:t>Bilder:</a:t>
+            </a:r>
+            <a:endParaRPr lang="de-DE" sz="2000" b="1" dirty="0"/>
+          </a:p>
+          <a:p>
+            <a:r>
+              <a:rPr lang="de-DE" sz="2000" dirty="0" smtClean="0"/>
+              <a:t>selbstgemachte Screenshots</a:t>
+            </a:r>
+          </a:p>
+          <a:p>
+            <a:endParaRPr lang="de-DE" sz="2000" dirty="0" smtClean="0"/>
+          </a:p>
+        </p:txBody>
+      </p:sp>
+    </p:spTree>
+    <p:extLst>
+      <p:ext uri="{BB962C8B-B14F-4D97-AF65-F5344CB8AC3E}">
+        <p14:creationId xmlns:p14="http://schemas.microsoft.com/office/powerpoint/2010/main" val="1184464537"/>
       </p:ext>
     </p:extLst>
   </p:cSld>

--- a/Tutorial.pptx
+++ b/Tutorial.pptx
@@ -5,7 +5,7 @@
     <p:sldMasterId id="2147483660" r:id="rId1"/>
   </p:sldMasterIdLst>
   <p:notesMasterIdLst>
-    <p:notesMasterId r:id="rId33"/>
+    <p:notesMasterId r:id="rId30"/>
   </p:notesMasterIdLst>
   <p:sldIdLst>
     <p:sldId id="256" r:id="rId2"/>
@@ -31,14 +31,11 @@
     <p:sldId id="315" r:id="rId22"/>
     <p:sldId id="316" r:id="rId23"/>
     <p:sldId id="317" r:id="rId24"/>
-    <p:sldId id="319" r:id="rId25"/>
-    <p:sldId id="322" r:id="rId26"/>
-    <p:sldId id="318" r:id="rId27"/>
-    <p:sldId id="320" r:id="rId28"/>
-    <p:sldId id="321" r:id="rId29"/>
-    <p:sldId id="269" r:id="rId30"/>
-    <p:sldId id="302" r:id="rId31"/>
-    <p:sldId id="262" r:id="rId32"/>
+    <p:sldId id="318" r:id="rId25"/>
+    <p:sldId id="319" r:id="rId26"/>
+    <p:sldId id="269" r:id="rId27"/>
+    <p:sldId id="302" r:id="rId28"/>
+    <p:sldId id="262" r:id="rId29"/>
   </p:sldIdLst>
   <p:sldSz cx="9144000" cy="6858000" type="screen4x3"/>
   <p:notesSz cx="6858000" cy="9144000"/>
@@ -139,7 +136,7 @@
   </p:defaultTextStyle>
   <p:extLst>
     <p:ext uri="{EFAFB233-063F-42B5-8137-9DF3F51BA10A}">
-      <p15:sldGuideLst xmlns="" xmlns:p15="http://schemas.microsoft.com/office/powerpoint/2012/main">
+      <p15:sldGuideLst xmlns:p15="http://schemas.microsoft.com/office/powerpoint/2012/main" xmlns="">
         <p15:guide id="1" orient="horz" pos="2160">
           <p15:clr>
             <a:srgbClr val="A4A3A4"/>
@@ -238,7 +235,7 @@
           <a:p>
             <a:fld id="{D33A1A6D-234A-42C6-88C5-85D1460EE3B8}" type="datetimeFigureOut">
               <a:rPr lang="de-DE" smtClean="0"/>
-              <a:t>23.10.2015</a:t>
+              <a:t>25.10.2015</a:t>
             </a:fld>
             <a:endParaRPr lang="de-DE"/>
           </a:p>
@@ -2076,113 +2073,28 @@
           <a:bodyPr/>
           <a:lstStyle/>
           <a:p>
-            <a:pPr marL="0" indent="0">
-              <a:buFont typeface="Arial" charset="0"/>
-              <a:buNone/>
-            </a:pPr>
             <a:r>
               <a:rPr lang="de-DE" dirty="0" smtClean="0"/>
-              <a:t>*Es sollte zu keinen </a:t>
-            </a:r>
-            <a:r>
-              <a:rPr lang="de-DE" dirty="0" err="1" smtClean="0"/>
-              <a:t>Mergekonfikten</a:t>
-            </a:r>
-            <a:r>
-              <a:rPr lang="de-DE" dirty="0" smtClean="0"/>
-              <a:t> kommen,</a:t>
+              <a:t>(Info:</a:t>
             </a:r>
             <a:r>
               <a:rPr lang="de-DE" baseline="0" dirty="0" smtClean="0"/>
-              <a:t> da jede Person seine Dateien (redundante ausgeschlossen) auf den Server </a:t>
-            </a:r>
-            <a:r>
-              <a:rPr lang="de-DE" b="1" baseline="0" dirty="0" err="1" smtClean="0"/>
-              <a:t>push</a:t>
-            </a:r>
-            <a:r>
-              <a:rPr lang="de-DE" b="0" baseline="0" dirty="0" err="1" smtClean="0"/>
-              <a:t>ed</a:t>
-            </a:r>
-            <a:r>
-              <a:rPr lang="de-DE" b="0" baseline="0" dirty="0" smtClean="0"/>
-              <a:t>.</a:t>
-            </a:r>
-          </a:p>
-          <a:p>
-            <a:pPr marL="0" indent="0">
-              <a:buFont typeface="Arial" charset="0"/>
-              <a:buNone/>
-            </a:pPr>
-            <a:r>
-              <a:rPr lang="de-DE" dirty="0" smtClean="0"/>
-              <a:t>Der</a:t>
-            </a:r>
+              <a:t> es wird nicht unbedingt eine Organisation benötigt aber bietet sich an)</a:t>
+            </a:r>
+          </a:p>
+          <a:p>
             <a:r>
               <a:rPr lang="de-DE" baseline="0" dirty="0" smtClean="0"/>
-              <a:t> Befehl lautet: </a:t>
-            </a:r>
-            <a:r>
-              <a:rPr lang="de-DE" b="1" baseline="0" dirty="0" err="1" smtClean="0"/>
-              <a:t>git</a:t>
-            </a:r>
-            <a:r>
-              <a:rPr lang="de-DE" b="1" baseline="0" dirty="0" smtClean="0"/>
-              <a:t> pull</a:t>
-            </a:r>
-            <a:endParaRPr lang="de-DE" b="1" dirty="0" smtClean="0"/>
-          </a:p>
-          <a:p>
-            <a:endParaRPr lang="de-DE" dirty="0" smtClean="0"/>
-          </a:p>
-          <a:p>
-            <a:r>
-              <a:rPr lang="de-DE" dirty="0" smtClean="0"/>
-              <a:t>INFO: Vor jedem </a:t>
-            </a:r>
-            <a:r>
-              <a:rPr lang="de-DE" b="1" dirty="0" err="1" smtClean="0"/>
-              <a:t>commit</a:t>
-            </a:r>
-            <a:r>
-              <a:rPr lang="de-DE" b="1" baseline="0" dirty="0" smtClean="0"/>
-              <a:t> </a:t>
-            </a:r>
-            <a:r>
-              <a:rPr lang="de-DE" b="0" baseline="0" dirty="0" smtClean="0"/>
-              <a:t>lieber einmal das lokale Verzeichnis </a:t>
-            </a:r>
-            <a:r>
-              <a:rPr lang="de-DE" b="1" baseline="0" dirty="0" smtClean="0"/>
-              <a:t>pull</a:t>
-            </a:r>
-            <a:r>
-              <a:rPr lang="de-DE" b="0" baseline="0" dirty="0" smtClean="0"/>
-              <a:t>en, damit die Ausgangssituation identisch ist </a:t>
-            </a:r>
-            <a:r>
-              <a:rPr lang="de-DE" b="0" baseline="0" dirty="0" smtClean="0">
-                <a:sym typeface="Wingdings" panose="05000000000000000000" pitchFamily="2" charset="2"/>
-              </a:rPr>
-              <a:t> Befehl: </a:t>
-            </a:r>
-            <a:r>
-              <a:rPr lang="de-DE" b="1" baseline="0" dirty="0" err="1" smtClean="0">
-                <a:sym typeface="Wingdings" panose="05000000000000000000" pitchFamily="2" charset="2"/>
-              </a:rPr>
-              <a:t>git</a:t>
-            </a:r>
-            <a:r>
-              <a:rPr lang="de-DE" b="1" baseline="0" dirty="0" smtClean="0">
-                <a:sym typeface="Wingdings" panose="05000000000000000000" pitchFamily="2" charset="2"/>
-              </a:rPr>
-              <a:t> pull</a:t>
-            </a:r>
-            <a:endParaRPr lang="de-DE" b="0" baseline="0" dirty="0" smtClean="0">
-              <a:sym typeface="Wingdings" panose="05000000000000000000" pitchFamily="2" charset="2"/>
-            </a:endParaRPr>
-          </a:p>
-          <a:p>
+              <a:t>(Wichtig: Eine klare Rollenteilung ist wichtig: Jeder Beteiligte soll an seinen Dateien arbeiten, damit es weniger zu </a:t>
+            </a:r>
+            <a:r>
+              <a:rPr lang="de-DE" baseline="0" dirty="0" err="1" smtClean="0"/>
+              <a:t>Mergeproblemen</a:t>
+            </a:r>
+            <a:r>
+              <a:rPr lang="de-DE" baseline="0" dirty="0" smtClean="0"/>
+              <a:t> kommt)</a:t>
+            </a:r>
             <a:endParaRPr lang="de-DE" dirty="0"/>
           </a:p>
         </p:txBody>
@@ -2204,7 +2116,7 @@
           <a:p>
             <a:fld id="{4A505144-3BC5-4B32-83CF-491494C34331}" type="slidenum">
               <a:rPr lang="de-DE" smtClean="0"/>
-              <a:t>22</a:t>
+              <a:t>21</a:t>
             </a:fld>
             <a:endParaRPr lang="de-DE"/>
           </a:p>
@@ -2213,7 +2125,7 @@
     </p:spTree>
     <p:extLst>
       <p:ext uri="{BB962C8B-B14F-4D97-AF65-F5344CB8AC3E}">
-        <p14:creationId xmlns:p14="http://schemas.microsoft.com/office/powerpoint/2010/main" val="3343837465"/>
+        <p14:creationId xmlns:p14="http://schemas.microsoft.com/office/powerpoint/2010/main" val="3048331627"/>
       </p:ext>
     </p:extLst>
   </p:cSld>
@@ -2408,23 +2320,129 @@
           <a:bodyPr/>
           <a:lstStyle/>
           <a:p>
-            <a:pPr marL="0" marR="0" indent="0" algn="l" defTabSz="914400" rtl="0" eaLnBrk="1" fontAlgn="auto" latinLnBrk="0" hangingPunct="1">
-              <a:lnSpc>
-                <a:spcPct val="100000"/>
-              </a:lnSpc>
-              <a:spcBef>
-                <a:spcPts val="0"/>
-              </a:spcBef>
-              <a:spcAft>
-                <a:spcPts val="0"/>
-              </a:spcAft>
-              <a:buClrTx/>
-              <a:buSzTx/>
-              <a:buFontTx/>
+            <a:pPr marL="0" indent="0">
+              <a:buFont typeface="Arial" charset="0"/>
               <a:buNone/>
-              <a:tabLst/>
-              <a:defRPr/>
             </a:pPr>
+            <a:r>
+              <a:rPr lang="de-DE" dirty="0" smtClean="0"/>
+              <a:t>1: Wenn beispielsweise</a:t>
+            </a:r>
+            <a:r>
+              <a:rPr lang="de-DE" baseline="0" dirty="0" smtClean="0"/>
+              <a:t> das Projekt eine Homepage ist und Person A die Index.html und Person B die style.css Datei erstellt pushen beide ihre Dateien in das gemeinsame Repository.</a:t>
+            </a:r>
+          </a:p>
+          <a:p>
+            <a:pPr marL="0" indent="0">
+              <a:buFont typeface="Arial" charset="0"/>
+              <a:buNone/>
+            </a:pPr>
+            <a:endParaRPr lang="de-DE" baseline="0" dirty="0" smtClean="0"/>
+          </a:p>
+          <a:p>
+            <a:pPr marL="0" indent="0">
+              <a:buFont typeface="Arial" charset="0"/>
+              <a:buNone/>
+            </a:pPr>
+            <a:r>
+              <a:rPr lang="de-DE" baseline="0" dirty="0" smtClean="0"/>
+              <a:t>2: Durch den Befehl </a:t>
+            </a:r>
+            <a:r>
+              <a:rPr lang="de-DE" b="1" baseline="0" dirty="0" err="1" smtClean="0"/>
+              <a:t>git</a:t>
+            </a:r>
+            <a:r>
+              <a:rPr lang="de-DE" b="1" baseline="0" dirty="0" smtClean="0"/>
+              <a:t> pull</a:t>
+            </a:r>
+            <a:r>
+              <a:rPr lang="de-DE" b="0" baseline="0" dirty="0" smtClean="0"/>
+              <a:t> bekommt Person A die .</a:t>
+            </a:r>
+            <a:r>
+              <a:rPr lang="de-DE" b="0" baseline="0" dirty="0" err="1" smtClean="0"/>
+              <a:t>css</a:t>
+            </a:r>
+            <a:r>
+              <a:rPr lang="de-DE" b="0" baseline="0" dirty="0" smtClean="0"/>
+              <a:t> Datei von B auf seine lokale Kopie (und umgekehrt)</a:t>
+            </a:r>
+            <a:endParaRPr lang="de-DE" dirty="0" smtClean="0"/>
+          </a:p>
+          <a:p>
+            <a:pPr marL="0" indent="0">
+              <a:buFont typeface="Arial" charset="0"/>
+              <a:buNone/>
+            </a:pPr>
+            <a:endParaRPr lang="de-DE" dirty="0" smtClean="0"/>
+          </a:p>
+          <a:p>
+            <a:pPr marL="0" indent="0">
+              <a:buFont typeface="Arial" charset="0"/>
+              <a:buNone/>
+            </a:pPr>
+            <a:r>
+              <a:rPr lang="de-DE" dirty="0" smtClean="0"/>
+              <a:t>*</a:t>
+            </a:r>
+            <a:r>
+              <a:rPr lang="de-DE" dirty="0" smtClean="0"/>
+              <a:t>Es sollte zu keinen </a:t>
+            </a:r>
+            <a:r>
+              <a:rPr lang="de-DE" dirty="0" err="1" smtClean="0"/>
+              <a:t>Mergekonfikten</a:t>
+            </a:r>
+            <a:r>
+              <a:rPr lang="de-DE" dirty="0" smtClean="0"/>
+              <a:t> kommen,</a:t>
+            </a:r>
+            <a:r>
+              <a:rPr lang="de-DE" baseline="0" dirty="0" smtClean="0"/>
+              <a:t> da jede Person seine Dateien (redundante ausgeschlossen) auf den Server </a:t>
+            </a:r>
+            <a:r>
+              <a:rPr lang="de-DE" b="1" baseline="0" dirty="0" err="1" smtClean="0"/>
+              <a:t>push</a:t>
+            </a:r>
+            <a:r>
+              <a:rPr lang="de-DE" b="0" baseline="0" dirty="0" err="1" smtClean="0"/>
+              <a:t>ed</a:t>
+            </a:r>
+            <a:r>
+              <a:rPr lang="de-DE" b="0" baseline="0" dirty="0" smtClean="0"/>
+              <a:t>.</a:t>
+            </a:r>
+          </a:p>
+          <a:p>
+            <a:pPr marL="0" indent="0">
+              <a:buFont typeface="Arial" charset="0"/>
+              <a:buNone/>
+            </a:pPr>
+            <a:r>
+              <a:rPr lang="de-DE" dirty="0" smtClean="0"/>
+              <a:t>Der</a:t>
+            </a:r>
+            <a:r>
+              <a:rPr lang="de-DE" baseline="0" dirty="0" smtClean="0"/>
+              <a:t> Befehl lautet: </a:t>
+            </a:r>
+            <a:r>
+              <a:rPr lang="de-DE" b="1" baseline="0" dirty="0" err="1" smtClean="0"/>
+              <a:t>git</a:t>
+            </a:r>
+            <a:r>
+              <a:rPr lang="de-DE" b="1" baseline="0" dirty="0" smtClean="0"/>
+              <a:t> pull</a:t>
+            </a:r>
+            <a:endParaRPr lang="de-DE" b="1" dirty="0" smtClean="0"/>
+          </a:p>
+          <a:p>
+            <a:endParaRPr lang="de-DE" dirty="0" smtClean="0"/>
+          </a:p>
+          <a:p>
             <a:r>
               <a:rPr lang="de-DE" dirty="0" smtClean="0"/>
               <a:t>INFO: Vor jedem </a:t>
@@ -2467,187 +2485,12 @@
               </a:rPr>
               <a:t> pull</a:t>
             </a:r>
-          </a:p>
-          <a:p>
-            <a:pPr marL="0" marR="0" indent="0" algn="l" defTabSz="914400" rtl="0" eaLnBrk="1" fontAlgn="auto" latinLnBrk="0" hangingPunct="1">
-              <a:lnSpc>
-                <a:spcPct val="100000"/>
-              </a:lnSpc>
-              <a:spcBef>
-                <a:spcPts val="0"/>
-              </a:spcBef>
-              <a:spcAft>
-                <a:spcPts val="0"/>
-              </a:spcAft>
-              <a:buClrTx/>
-              <a:buSzTx/>
-              <a:buFontTx/>
-              <a:buNone/>
-              <a:tabLst/>
-              <a:defRPr/>
-            </a:pPr>
-            <a:endParaRPr lang="de-DE" b="1" baseline="0" dirty="0" smtClean="0">
-              <a:sym typeface="Wingdings" panose="05000000000000000000" pitchFamily="2" charset="2"/>
-            </a:endParaRPr>
-          </a:p>
-          <a:p>
-            <a:pPr marL="0" marR="0" indent="0" algn="l" defTabSz="914400" rtl="0" eaLnBrk="1" fontAlgn="auto" latinLnBrk="0" hangingPunct="1">
-              <a:lnSpc>
-                <a:spcPct val="100000"/>
-              </a:lnSpc>
-              <a:spcBef>
-                <a:spcPts val="0"/>
-              </a:spcBef>
-              <a:spcAft>
-                <a:spcPts val="0"/>
-              </a:spcAft>
-              <a:buClrTx/>
-              <a:buSzTx/>
-              <a:buFontTx/>
-              <a:buNone/>
-              <a:tabLst/>
-              <a:defRPr/>
-            </a:pPr>
-            <a:r>
-              <a:rPr lang="de-DE" b="1" baseline="0" dirty="0" smtClean="0">
-                <a:sym typeface="Wingdings" panose="05000000000000000000" pitchFamily="2" charset="2"/>
-              </a:rPr>
-              <a:t>GELB: </a:t>
-            </a:r>
-            <a:r>
-              <a:rPr lang="de-DE" b="0" baseline="0" dirty="0" smtClean="0">
-                <a:sym typeface="Wingdings" panose="05000000000000000000" pitchFamily="2" charset="2"/>
-              </a:rPr>
-              <a:t>pull</a:t>
-            </a:r>
-          </a:p>
-          <a:p>
-            <a:pPr marL="0" marR="0" indent="0" algn="l" defTabSz="914400" rtl="0" eaLnBrk="1" fontAlgn="auto" latinLnBrk="0" hangingPunct="1">
-              <a:lnSpc>
-                <a:spcPct val="100000"/>
-              </a:lnSpc>
-              <a:spcBef>
-                <a:spcPts val="0"/>
-              </a:spcBef>
-              <a:spcAft>
-                <a:spcPts val="0"/>
-              </a:spcAft>
-              <a:buClrTx/>
-              <a:buSzTx/>
-              <a:buFontTx/>
-              <a:buNone/>
-              <a:tabLst/>
-              <a:defRPr/>
-            </a:pPr>
-            <a:r>
-              <a:rPr lang="de-DE" b="1" baseline="0" dirty="0" smtClean="0">
-                <a:sym typeface="Wingdings" panose="05000000000000000000" pitchFamily="2" charset="2"/>
-              </a:rPr>
-              <a:t>ROT: </a:t>
-            </a:r>
-            <a:r>
-              <a:rPr lang="de-DE" b="0" baseline="0" dirty="0" smtClean="0">
-                <a:sym typeface="Wingdings" panose="05000000000000000000" pitchFamily="2" charset="2"/>
-              </a:rPr>
-              <a:t>push von A</a:t>
-            </a:r>
-          </a:p>
-          <a:p>
-            <a:pPr marL="0" marR="0" indent="0" algn="l" defTabSz="914400" rtl="0" eaLnBrk="1" fontAlgn="auto" latinLnBrk="0" hangingPunct="1">
-              <a:lnSpc>
-                <a:spcPct val="100000"/>
-              </a:lnSpc>
-              <a:spcBef>
-                <a:spcPts val="0"/>
-              </a:spcBef>
-              <a:spcAft>
-                <a:spcPts val="0"/>
-              </a:spcAft>
-              <a:buClrTx/>
-              <a:buSzTx/>
-              <a:buFontTx/>
-              <a:buNone/>
-              <a:tabLst/>
-              <a:defRPr/>
-            </a:pPr>
-            <a:r>
-              <a:rPr lang="de-DE" b="1" baseline="0" dirty="0" smtClean="0">
-                <a:sym typeface="Wingdings" panose="05000000000000000000" pitchFamily="2" charset="2"/>
-              </a:rPr>
-              <a:t>GRÜN: </a:t>
-            </a:r>
-            <a:r>
-              <a:rPr lang="de-DE" b="0" baseline="0" dirty="0" smtClean="0">
-                <a:sym typeface="Wingdings" panose="05000000000000000000" pitchFamily="2" charset="2"/>
-              </a:rPr>
-              <a:t>push von B</a:t>
-            </a:r>
-          </a:p>
-          <a:p>
-            <a:pPr marL="0" marR="0" indent="0" algn="l" defTabSz="914400" rtl="0" eaLnBrk="1" fontAlgn="auto" latinLnBrk="0" hangingPunct="1">
-              <a:lnSpc>
-                <a:spcPct val="100000"/>
-              </a:lnSpc>
-              <a:spcBef>
-                <a:spcPts val="0"/>
-              </a:spcBef>
-              <a:spcAft>
-                <a:spcPts val="0"/>
-              </a:spcAft>
-              <a:buClrTx/>
-              <a:buSzTx/>
-              <a:buFontTx/>
-              <a:buNone/>
-              <a:tabLst/>
-              <a:defRPr/>
-            </a:pPr>
             <a:endParaRPr lang="de-DE" b="0" baseline="0" dirty="0" smtClean="0">
               <a:sym typeface="Wingdings" panose="05000000000000000000" pitchFamily="2" charset="2"/>
             </a:endParaRPr>
           </a:p>
           <a:p>
-            <a:pPr marL="0" marR="0" indent="0" algn="l" defTabSz="914400" rtl="0" eaLnBrk="1" fontAlgn="auto" latinLnBrk="0" hangingPunct="1">
-              <a:lnSpc>
-                <a:spcPct val="100000"/>
-              </a:lnSpc>
-              <a:spcBef>
-                <a:spcPts val="0"/>
-              </a:spcBef>
-              <a:spcAft>
-                <a:spcPts val="0"/>
-              </a:spcAft>
-              <a:buClrTx/>
-              <a:buSzTx/>
-              <a:buFontTx/>
-              <a:buNone/>
-              <a:tabLst/>
-              <a:defRPr/>
-            </a:pPr>
-            <a:endParaRPr lang="de-DE" b="0" baseline="0" dirty="0" smtClean="0">
-              <a:sym typeface="Wingdings" panose="05000000000000000000" pitchFamily="2" charset="2"/>
-            </a:endParaRPr>
-          </a:p>
-          <a:p>
-            <a:pPr marL="0" marR="0" indent="0" algn="l" defTabSz="914400" rtl="0" eaLnBrk="1" fontAlgn="auto" latinLnBrk="0" hangingPunct="1">
-              <a:lnSpc>
-                <a:spcPct val="100000"/>
-              </a:lnSpc>
-              <a:spcBef>
-                <a:spcPts val="0"/>
-              </a:spcBef>
-              <a:spcAft>
-                <a:spcPts val="0"/>
-              </a:spcAft>
-              <a:buClrTx/>
-              <a:buSzTx/>
-              <a:buFontTx/>
-              <a:buNone/>
-              <a:tabLst/>
-              <a:defRPr/>
-            </a:pPr>
-            <a:endParaRPr lang="de-DE" b="1" baseline="0" dirty="0" smtClean="0">
-              <a:sym typeface="Wingdings" panose="05000000000000000000" pitchFamily="2" charset="2"/>
-            </a:endParaRPr>
+            <a:endParaRPr lang="de-DE" dirty="0"/>
           </a:p>
         </p:txBody>
       </p:sp>
@@ -2668,7 +2511,7 @@
           <a:p>
             <a:fld id="{4A505144-3BC5-4B32-83CF-491494C34331}" type="slidenum">
               <a:rPr lang="de-DE" smtClean="0"/>
-              <a:t>23</a:t>
+              <a:t>22</a:t>
             </a:fld>
             <a:endParaRPr lang="de-DE"/>
           </a:p>
@@ -2677,7 +2520,7 @@
     </p:spTree>
     <p:extLst>
       <p:ext uri="{BB962C8B-B14F-4D97-AF65-F5344CB8AC3E}">
-        <p14:creationId xmlns:p14="http://schemas.microsoft.com/office/powerpoint/2010/main" val="1751113324"/>
+        <p14:creationId xmlns:p14="http://schemas.microsoft.com/office/powerpoint/2010/main" val="3343837465"/>
       </p:ext>
     </p:extLst>
   </p:cSld>
@@ -2731,69 +2574,405 @@
           <a:bodyPr/>
           <a:lstStyle/>
           <a:p>
-            <a:pPr marL="0" indent="0">
-              <a:buFont typeface="Arial" charset="0"/>
+            <a:pPr marL="0" marR="0" indent="0" algn="l" defTabSz="914400" rtl="0" eaLnBrk="1" fontAlgn="auto" latinLnBrk="0" hangingPunct="1">
+              <a:lnSpc>
+                <a:spcPct val="100000"/>
+              </a:lnSpc>
+              <a:spcBef>
+                <a:spcPts val="0"/>
+              </a:spcBef>
+              <a:spcAft>
+                <a:spcPts val="0"/>
+              </a:spcAft>
+              <a:buClrTx/>
+              <a:buSzTx/>
+              <a:buFontTx/>
               <a:buNone/>
+              <a:tabLst/>
+              <a:defRPr/>
             </a:pPr>
             <a:r>
               <a:rPr lang="de-DE" dirty="0" smtClean="0"/>
-              <a:t>*Es sollte zu keinen </a:t>
-            </a:r>
-            <a:r>
-              <a:rPr lang="de-DE" dirty="0" err="1" smtClean="0"/>
-              <a:t>Mergekonfikten</a:t>
-            </a:r>
+              <a:t>Wenn</a:t>
+            </a:r>
+            <a:r>
+              <a:rPr lang="de-DE" baseline="0" dirty="0" smtClean="0"/>
+              <a:t> Person A und B ohne </a:t>
+            </a:r>
+            <a:r>
+              <a:rPr lang="de-DE" baseline="0" dirty="0" err="1" smtClean="0"/>
+              <a:t>Branches</a:t>
+            </a:r>
+            <a:r>
+              <a:rPr lang="de-DE" baseline="0" dirty="0" smtClean="0"/>
+              <a:t> arbeiten kann es öfters zu </a:t>
+            </a:r>
+            <a:r>
+              <a:rPr lang="de-DE" baseline="0" dirty="0" err="1" smtClean="0"/>
+              <a:t>Mergeproblemen</a:t>
+            </a:r>
+            <a:r>
+              <a:rPr lang="de-DE" baseline="0" dirty="0" smtClean="0"/>
+              <a:t> kommen, da es vorkommen kann, dass beide an einer Datei arbeiten. Bleiben wir bei dem Beispiel mit der .</a:t>
+            </a:r>
+            <a:r>
+              <a:rPr lang="de-DE" baseline="0" dirty="0" err="1" smtClean="0"/>
+              <a:t>html</a:t>
+            </a:r>
+            <a:r>
+              <a:rPr lang="de-DE" baseline="0" dirty="0" smtClean="0"/>
+              <a:t> und .</a:t>
+            </a:r>
+            <a:r>
+              <a:rPr lang="de-DE" baseline="0" dirty="0" err="1" smtClean="0"/>
+              <a:t>css</a:t>
+            </a:r>
+            <a:r>
+              <a:rPr lang="de-DE" baseline="0" dirty="0" smtClean="0"/>
+              <a:t> Datei. </a:t>
+            </a:r>
+            <a:endParaRPr lang="de-DE" dirty="0" smtClean="0"/>
+          </a:p>
+          <a:p>
+            <a:pPr marL="0" marR="0" indent="0" algn="l" defTabSz="914400" rtl="0" eaLnBrk="1" fontAlgn="auto" latinLnBrk="0" hangingPunct="1">
+              <a:lnSpc>
+                <a:spcPct val="100000"/>
+              </a:lnSpc>
+              <a:spcBef>
+                <a:spcPts val="0"/>
+              </a:spcBef>
+              <a:spcAft>
+                <a:spcPts val="0"/>
+              </a:spcAft>
+              <a:buClrTx/>
+              <a:buSzTx/>
+              <a:buFontTx/>
+              <a:buNone/>
+              <a:tabLst/>
+              <a:defRPr/>
+            </a:pPr>
+            <a:endParaRPr lang="de-DE" dirty="0" smtClean="0"/>
+          </a:p>
+          <a:p>
+            <a:pPr marL="228600" marR="0" indent="-228600" algn="l" defTabSz="914400" rtl="0" eaLnBrk="1" fontAlgn="auto" latinLnBrk="0" hangingPunct="1">
+              <a:lnSpc>
+                <a:spcPct val="100000"/>
+              </a:lnSpc>
+              <a:spcBef>
+                <a:spcPts val="0"/>
+              </a:spcBef>
+              <a:spcAft>
+                <a:spcPts val="0"/>
+              </a:spcAft>
+              <a:buClrTx/>
+              <a:buSzTx/>
+              <a:buFontTx/>
+              <a:buAutoNum type="arabicParenR"/>
+              <a:tabLst/>
+              <a:defRPr/>
+            </a:pPr>
             <a:r>
               <a:rPr lang="de-DE" dirty="0" smtClean="0"/>
-              <a:t> kommen,</a:t>
+              <a:t>Der erste</a:t>
             </a:r>
             <a:r>
               <a:rPr lang="de-DE" baseline="0" dirty="0" smtClean="0"/>
-              <a:t> da jede Person seine Dateien (redundante ausgeschlossen) auf den Server </a:t>
+              <a:t> Pull (von Folie 22) von beiden.</a:t>
+            </a:r>
+          </a:p>
+          <a:p>
+            <a:pPr marL="228600" marR="0" indent="-228600" algn="l" defTabSz="914400" rtl="0" eaLnBrk="1" fontAlgn="auto" latinLnBrk="0" hangingPunct="1">
+              <a:lnSpc>
+                <a:spcPct val="100000"/>
+              </a:lnSpc>
+              <a:spcBef>
+                <a:spcPts val="0"/>
+              </a:spcBef>
+              <a:spcAft>
+                <a:spcPts val="0"/>
+              </a:spcAft>
+              <a:buClrTx/>
+              <a:buSzTx/>
+              <a:buFontTx/>
+              <a:buAutoNum type="arabicParenR"/>
+              <a:tabLst/>
+              <a:defRPr/>
+            </a:pPr>
+            <a:r>
+              <a:rPr lang="de-DE" baseline="0" dirty="0" smtClean="0"/>
+              <a:t>Person A erweitert die .</a:t>
+            </a:r>
+            <a:r>
+              <a:rPr lang="de-DE" baseline="0" dirty="0" err="1" smtClean="0"/>
+              <a:t>html</a:t>
+            </a:r>
+            <a:r>
+              <a:rPr lang="de-DE" baseline="0" dirty="0" smtClean="0"/>
+              <a:t> Datei mit Inhalt (Überschriften, Tabellen, Bilder) und</a:t>
+            </a:r>
+            <a:r>
+              <a:rPr lang="de-DE" b="1" baseline="0" dirty="0" smtClean="0"/>
+              <a:t> </a:t>
             </a:r>
             <a:r>
               <a:rPr lang="de-DE" b="1" baseline="0" dirty="0" err="1" smtClean="0"/>
               <a:t>push</a:t>
             </a:r>
             <a:r>
+              <a:rPr lang="de-DE" baseline="0" dirty="0" err="1" smtClean="0"/>
+              <a:t>ed</a:t>
+            </a:r>
+            <a:r>
+              <a:rPr lang="de-DE" baseline="0" dirty="0" smtClean="0"/>
+              <a:t> diese Änderungen. Person B führt daraufhin einen </a:t>
+            </a:r>
+            <a:r>
+              <a:rPr lang="de-DE" b="1" baseline="0" dirty="0" smtClean="0"/>
+              <a:t>pull </a:t>
+            </a:r>
+            <a:r>
+              <a:rPr lang="de-DE" b="0" baseline="0" dirty="0" smtClean="0"/>
+              <a:t>durch damit er mit seiner Arbeit beginnen kann.</a:t>
+            </a:r>
+          </a:p>
+          <a:p>
+            <a:pPr marL="228600" marR="0" indent="-228600" algn="l" defTabSz="914400" rtl="0" eaLnBrk="1" fontAlgn="auto" latinLnBrk="0" hangingPunct="1">
+              <a:lnSpc>
+                <a:spcPct val="100000"/>
+              </a:lnSpc>
+              <a:spcBef>
+                <a:spcPts val="0"/>
+              </a:spcBef>
+              <a:spcAft>
+                <a:spcPts val="0"/>
+              </a:spcAft>
+              <a:buClrTx/>
+              <a:buSzTx/>
+              <a:buFontTx/>
+              <a:buAutoNum type="arabicParenR"/>
+              <a:tabLst/>
+              <a:defRPr/>
+            </a:pPr>
+            <a:r>
+              <a:rPr lang="de-DE" b="0" baseline="0" dirty="0" smtClean="0"/>
+              <a:t>Person B hat seine arbeiten an seiner .</a:t>
+            </a:r>
+            <a:r>
+              <a:rPr lang="de-DE" b="0" baseline="0" dirty="0" err="1" smtClean="0"/>
+              <a:t>css</a:t>
+            </a:r>
+            <a:r>
+              <a:rPr lang="de-DE" b="0" baseline="0" dirty="0" smtClean="0"/>
+              <a:t> Datei beendet (Überschriften der .</a:t>
+            </a:r>
+            <a:r>
+              <a:rPr lang="de-DE" b="0" baseline="0" dirty="0" err="1" smtClean="0"/>
+              <a:t>html</a:t>
+            </a:r>
+            <a:r>
+              <a:rPr lang="de-DE" b="0" baseline="0" dirty="0" smtClean="0"/>
+              <a:t> Datei formatiert etc.) und </a:t>
+            </a:r>
+            <a:r>
+              <a:rPr lang="de-DE" b="1" baseline="0" dirty="0" err="1" smtClean="0"/>
+              <a:t>push</a:t>
+            </a:r>
+            <a:r>
               <a:rPr lang="de-DE" b="0" baseline="0" dirty="0" err="1" smtClean="0"/>
               <a:t>ed</a:t>
             </a:r>
             <a:r>
               <a:rPr lang="de-DE" b="0" baseline="0" dirty="0" smtClean="0"/>
-              <a:t>.</a:t>
-            </a:r>
-          </a:p>
-          <a:p>
-            <a:pPr marL="0" indent="0">
-              <a:buFont typeface="Arial" charset="0"/>
+              <a:t> seine Änderungen. </a:t>
+            </a:r>
+          </a:p>
+          <a:p>
+            <a:pPr marL="228600" marR="0" indent="-228600" algn="l" defTabSz="914400" rtl="0" eaLnBrk="1" fontAlgn="auto" latinLnBrk="0" hangingPunct="1">
+              <a:lnSpc>
+                <a:spcPct val="100000"/>
+              </a:lnSpc>
+              <a:spcBef>
+                <a:spcPts val="0"/>
+              </a:spcBef>
+              <a:spcAft>
+                <a:spcPts val="0"/>
+              </a:spcAft>
+              <a:buClrTx/>
+              <a:buSzTx/>
+              <a:buFontTx/>
+              <a:buAutoNum type="arabicParenR"/>
+              <a:tabLst/>
+              <a:defRPr/>
+            </a:pPr>
+            <a:r>
+              <a:rPr lang="de-DE" b="0" baseline="0" dirty="0" err="1" smtClean="0"/>
+              <a:t>Mergeproblem</a:t>
+            </a:r>
+            <a:r>
+              <a:rPr lang="de-DE" b="0" baseline="0" dirty="0" smtClean="0"/>
+              <a:t>, da beide an der HTML Datei einen Fehler gefunden haben und es schnell ändern wollten (eher unwahrscheinlich aber möglich). </a:t>
+            </a:r>
+            <a:r>
+              <a:rPr lang="de-DE" b="0" baseline="0" dirty="0" err="1" smtClean="0"/>
+              <a:t>Derjeniger</a:t>
+            </a:r>
+            <a:r>
+              <a:rPr lang="de-DE" b="0" baseline="0" dirty="0" smtClean="0"/>
+              <a:t> der als erstes </a:t>
+            </a:r>
+            <a:r>
+              <a:rPr lang="de-DE" b="0" baseline="0" dirty="0" err="1" smtClean="0"/>
+              <a:t>pushed</a:t>
+            </a:r>
+            <a:r>
+              <a:rPr lang="de-DE" b="0" baseline="0" dirty="0" smtClean="0"/>
+              <a:t> hat Glück, denn er muss nichts weiter machen. Doch die zweite Person hat ein </a:t>
+            </a:r>
+            <a:r>
+              <a:rPr lang="de-DE" b="0" baseline="0" dirty="0" err="1" smtClean="0"/>
+              <a:t>Mergingproblem</a:t>
+            </a:r>
+            <a:r>
+              <a:rPr lang="de-DE" b="0" baseline="0" dirty="0" smtClean="0"/>
+              <a:t>, da die Ausgangssituation der .</a:t>
+            </a:r>
+            <a:r>
+              <a:rPr lang="de-DE" b="0" baseline="0" dirty="0" err="1" smtClean="0"/>
+              <a:t>html</a:t>
+            </a:r>
+            <a:r>
+              <a:rPr lang="de-DE" b="0" baseline="0" dirty="0" smtClean="0"/>
+              <a:t> Datei auf dem Server (</a:t>
+            </a:r>
+            <a:r>
+              <a:rPr lang="de-DE" b="0" baseline="0" dirty="0" err="1" smtClean="0"/>
+              <a:t>GitHub</a:t>
+            </a:r>
+            <a:r>
+              <a:rPr lang="de-DE" b="0" baseline="0" dirty="0" smtClean="0"/>
+              <a:t>) und lokal unterschiedlich sind.</a:t>
+            </a:r>
+          </a:p>
+          <a:p>
+            <a:pPr marL="228600" marR="0" indent="-228600" algn="l" defTabSz="914400" rtl="0" eaLnBrk="1" fontAlgn="auto" latinLnBrk="0" hangingPunct="1">
+              <a:lnSpc>
+                <a:spcPct val="100000"/>
+              </a:lnSpc>
+              <a:spcBef>
+                <a:spcPts val="0"/>
+              </a:spcBef>
+              <a:spcAft>
+                <a:spcPts val="0"/>
+              </a:spcAft>
+              <a:buClrTx/>
+              <a:buSzTx/>
+              <a:buFontTx/>
+              <a:buAutoNum type="arabicParenR"/>
+              <a:tabLst/>
+              <a:defRPr/>
+            </a:pPr>
+            <a:endParaRPr lang="de-DE" b="0" baseline="0" dirty="0" smtClean="0"/>
+          </a:p>
+          <a:p>
+            <a:pPr marL="0" marR="0" indent="0" algn="l" defTabSz="914400" rtl="0" eaLnBrk="1" fontAlgn="auto" latinLnBrk="0" hangingPunct="1">
+              <a:lnSpc>
+                <a:spcPct val="100000"/>
+              </a:lnSpc>
+              <a:spcBef>
+                <a:spcPts val="0"/>
+              </a:spcBef>
+              <a:spcAft>
+                <a:spcPts val="0"/>
+              </a:spcAft>
+              <a:buClrTx/>
+              <a:buSzTx/>
+              <a:buFontTx/>
               <a:buNone/>
+              <a:tabLst/>
+              <a:defRPr/>
             </a:pPr>
             <a:r>
+              <a:rPr lang="de-DE" b="0" baseline="0" dirty="0" err="1" smtClean="0"/>
+              <a:t>Branches</a:t>
+            </a:r>
+            <a:r>
+              <a:rPr lang="de-DE" b="0" baseline="0" dirty="0" smtClean="0"/>
+              <a:t> sind nicht </a:t>
+            </a:r>
+            <a:r>
+              <a:rPr lang="de-DE" b="0" baseline="0" dirty="0" err="1" smtClean="0"/>
+              <a:t>notwenig</a:t>
+            </a:r>
+            <a:r>
+              <a:rPr lang="de-DE" b="0" baseline="0" dirty="0" smtClean="0"/>
+              <a:t>, wenn kleine Änderungen gemacht werden, wie in diesem Beispiel demonstriert, solange jede Person an seinen Dateien arbeitet und die Personen sich untereinander absprechen.</a:t>
+            </a:r>
+          </a:p>
+          <a:p>
+            <a:pPr marL="228600" marR="0" indent="-228600" algn="l" defTabSz="914400" rtl="0" eaLnBrk="1" fontAlgn="auto" latinLnBrk="0" hangingPunct="1">
+              <a:lnSpc>
+                <a:spcPct val="100000"/>
+              </a:lnSpc>
+              <a:spcBef>
+                <a:spcPts val="0"/>
+              </a:spcBef>
+              <a:spcAft>
+                <a:spcPts val="0"/>
+              </a:spcAft>
+              <a:buClrTx/>
+              <a:buSzTx/>
+              <a:buFontTx/>
+              <a:buAutoNum type="arabicParenR"/>
+              <a:tabLst/>
+              <a:defRPr/>
+            </a:pPr>
+            <a:endParaRPr lang="de-DE" dirty="0" smtClean="0"/>
+          </a:p>
+          <a:p>
+            <a:pPr marL="0" marR="0" indent="0" algn="l" defTabSz="914400" rtl="0" eaLnBrk="1" fontAlgn="auto" latinLnBrk="0" hangingPunct="1">
+              <a:lnSpc>
+                <a:spcPct val="100000"/>
+              </a:lnSpc>
+              <a:spcBef>
+                <a:spcPts val="0"/>
+              </a:spcBef>
+              <a:spcAft>
+                <a:spcPts val="0"/>
+              </a:spcAft>
+              <a:buClrTx/>
+              <a:buSzTx/>
+              <a:buFontTx/>
+              <a:buNone/>
+              <a:tabLst/>
+              <a:defRPr/>
+            </a:pPr>
+            <a:endParaRPr lang="de-DE" dirty="0" smtClean="0"/>
+          </a:p>
+          <a:p>
+            <a:pPr marL="0" marR="0" indent="0" algn="l" defTabSz="914400" rtl="0" eaLnBrk="1" fontAlgn="auto" latinLnBrk="0" hangingPunct="1">
+              <a:lnSpc>
+                <a:spcPct val="100000"/>
+              </a:lnSpc>
+              <a:spcBef>
+                <a:spcPts val="0"/>
+              </a:spcBef>
+              <a:spcAft>
+                <a:spcPts val="0"/>
+              </a:spcAft>
+              <a:buClrTx/>
+              <a:buSzTx/>
+              <a:buFontTx/>
+              <a:buNone/>
+              <a:tabLst/>
+              <a:defRPr/>
+            </a:pPr>
+            <a:r>
               <a:rPr lang="de-DE" dirty="0" smtClean="0"/>
-              <a:t>Der</a:t>
-            </a:r>
-            <a:r>
-              <a:rPr lang="de-DE" baseline="0" dirty="0" smtClean="0"/>
-              <a:t> Befehl lautet: </a:t>
-            </a:r>
-            <a:r>
-              <a:rPr lang="de-DE" b="1" baseline="0" dirty="0" err="1" smtClean="0"/>
-              <a:t>git</a:t>
-            </a:r>
-            <a:r>
-              <a:rPr lang="de-DE" b="1" baseline="0" dirty="0" smtClean="0"/>
-              <a:t> pull</a:t>
-            </a:r>
-            <a:endParaRPr lang="de-DE" b="1" dirty="0" smtClean="0"/>
-          </a:p>
-          <a:p>
-            <a:endParaRPr lang="de-DE" dirty="0" smtClean="0"/>
-          </a:p>
-          <a:p>
+              <a:t>INFO</a:t>
+            </a:r>
             <a:r>
               <a:rPr lang="de-DE" dirty="0" smtClean="0"/>
-              <a:t>INFO: Vor jedem </a:t>
+              <a:t>: Vor jedem </a:t>
             </a:r>
             <a:r>
               <a:rPr lang="de-DE" b="1" dirty="0" err="1" smtClean="0"/>
@@ -2833,12 +3012,187 @@
               </a:rPr>
               <a:t> pull</a:t>
             </a:r>
+          </a:p>
+          <a:p>
+            <a:pPr marL="0" marR="0" indent="0" algn="l" defTabSz="914400" rtl="0" eaLnBrk="1" fontAlgn="auto" latinLnBrk="0" hangingPunct="1">
+              <a:lnSpc>
+                <a:spcPct val="100000"/>
+              </a:lnSpc>
+              <a:spcBef>
+                <a:spcPts val="0"/>
+              </a:spcBef>
+              <a:spcAft>
+                <a:spcPts val="0"/>
+              </a:spcAft>
+              <a:buClrTx/>
+              <a:buSzTx/>
+              <a:buFontTx/>
+              <a:buNone/>
+              <a:tabLst/>
+              <a:defRPr/>
+            </a:pPr>
+            <a:endParaRPr lang="de-DE" b="1" baseline="0" dirty="0" smtClean="0">
+              <a:sym typeface="Wingdings" panose="05000000000000000000" pitchFamily="2" charset="2"/>
+            </a:endParaRPr>
+          </a:p>
+          <a:p>
+            <a:pPr marL="0" marR="0" indent="0" algn="l" defTabSz="914400" rtl="0" eaLnBrk="1" fontAlgn="auto" latinLnBrk="0" hangingPunct="1">
+              <a:lnSpc>
+                <a:spcPct val="100000"/>
+              </a:lnSpc>
+              <a:spcBef>
+                <a:spcPts val="0"/>
+              </a:spcBef>
+              <a:spcAft>
+                <a:spcPts val="0"/>
+              </a:spcAft>
+              <a:buClrTx/>
+              <a:buSzTx/>
+              <a:buFontTx/>
+              <a:buNone/>
+              <a:tabLst/>
+              <a:defRPr/>
+            </a:pPr>
+            <a:r>
+              <a:rPr lang="de-DE" b="1" baseline="0" dirty="0" smtClean="0">
+                <a:sym typeface="Wingdings" panose="05000000000000000000" pitchFamily="2" charset="2"/>
+              </a:rPr>
+              <a:t>GELB: </a:t>
+            </a:r>
+            <a:r>
+              <a:rPr lang="de-DE" b="0" baseline="0" dirty="0" smtClean="0">
+                <a:sym typeface="Wingdings" panose="05000000000000000000" pitchFamily="2" charset="2"/>
+              </a:rPr>
+              <a:t>pull</a:t>
+            </a:r>
+          </a:p>
+          <a:p>
+            <a:pPr marL="0" marR="0" indent="0" algn="l" defTabSz="914400" rtl="0" eaLnBrk="1" fontAlgn="auto" latinLnBrk="0" hangingPunct="1">
+              <a:lnSpc>
+                <a:spcPct val="100000"/>
+              </a:lnSpc>
+              <a:spcBef>
+                <a:spcPts val="0"/>
+              </a:spcBef>
+              <a:spcAft>
+                <a:spcPts val="0"/>
+              </a:spcAft>
+              <a:buClrTx/>
+              <a:buSzTx/>
+              <a:buFontTx/>
+              <a:buNone/>
+              <a:tabLst/>
+              <a:defRPr/>
+            </a:pPr>
+            <a:r>
+              <a:rPr lang="de-DE" b="1" baseline="0" dirty="0" smtClean="0">
+                <a:sym typeface="Wingdings" panose="05000000000000000000" pitchFamily="2" charset="2"/>
+              </a:rPr>
+              <a:t>ROT: </a:t>
+            </a:r>
+            <a:r>
+              <a:rPr lang="de-DE" b="0" baseline="0" dirty="0" smtClean="0">
+                <a:sym typeface="Wingdings" panose="05000000000000000000" pitchFamily="2" charset="2"/>
+              </a:rPr>
+              <a:t>push von A</a:t>
+            </a:r>
+          </a:p>
+          <a:p>
+            <a:pPr marL="0" marR="0" indent="0" algn="l" defTabSz="914400" rtl="0" eaLnBrk="1" fontAlgn="auto" latinLnBrk="0" hangingPunct="1">
+              <a:lnSpc>
+                <a:spcPct val="100000"/>
+              </a:lnSpc>
+              <a:spcBef>
+                <a:spcPts val="0"/>
+              </a:spcBef>
+              <a:spcAft>
+                <a:spcPts val="0"/>
+              </a:spcAft>
+              <a:buClrTx/>
+              <a:buSzTx/>
+              <a:buFontTx/>
+              <a:buNone/>
+              <a:tabLst/>
+              <a:defRPr/>
+            </a:pPr>
+            <a:r>
+              <a:rPr lang="de-DE" b="1" baseline="0" dirty="0" smtClean="0">
+                <a:sym typeface="Wingdings" panose="05000000000000000000" pitchFamily="2" charset="2"/>
+              </a:rPr>
+              <a:t>GRÜN: </a:t>
+            </a:r>
+            <a:r>
+              <a:rPr lang="de-DE" b="0" baseline="0" dirty="0" smtClean="0">
+                <a:sym typeface="Wingdings" panose="05000000000000000000" pitchFamily="2" charset="2"/>
+              </a:rPr>
+              <a:t>push von B</a:t>
+            </a:r>
+          </a:p>
+          <a:p>
+            <a:pPr marL="0" marR="0" indent="0" algn="l" defTabSz="914400" rtl="0" eaLnBrk="1" fontAlgn="auto" latinLnBrk="0" hangingPunct="1">
+              <a:lnSpc>
+                <a:spcPct val="100000"/>
+              </a:lnSpc>
+              <a:spcBef>
+                <a:spcPts val="0"/>
+              </a:spcBef>
+              <a:spcAft>
+                <a:spcPts val="0"/>
+              </a:spcAft>
+              <a:buClrTx/>
+              <a:buSzTx/>
+              <a:buFontTx/>
+              <a:buNone/>
+              <a:tabLst/>
+              <a:defRPr/>
+            </a:pPr>
             <a:endParaRPr lang="de-DE" b="0" baseline="0" dirty="0" smtClean="0">
               <a:sym typeface="Wingdings" panose="05000000000000000000" pitchFamily="2" charset="2"/>
             </a:endParaRPr>
           </a:p>
           <a:p>
-            <a:endParaRPr lang="de-DE" dirty="0"/>
+            <a:pPr marL="0" marR="0" indent="0" algn="l" defTabSz="914400" rtl="0" eaLnBrk="1" fontAlgn="auto" latinLnBrk="0" hangingPunct="1">
+              <a:lnSpc>
+                <a:spcPct val="100000"/>
+              </a:lnSpc>
+              <a:spcBef>
+                <a:spcPts val="0"/>
+              </a:spcBef>
+              <a:spcAft>
+                <a:spcPts val="0"/>
+              </a:spcAft>
+              <a:buClrTx/>
+              <a:buSzTx/>
+              <a:buFontTx/>
+              <a:buNone/>
+              <a:tabLst/>
+              <a:defRPr/>
+            </a:pPr>
+            <a:endParaRPr lang="de-DE" b="0" baseline="0" dirty="0" smtClean="0">
+              <a:sym typeface="Wingdings" panose="05000000000000000000" pitchFamily="2" charset="2"/>
+            </a:endParaRPr>
+          </a:p>
+          <a:p>
+            <a:pPr marL="0" marR="0" indent="0" algn="l" defTabSz="914400" rtl="0" eaLnBrk="1" fontAlgn="auto" latinLnBrk="0" hangingPunct="1">
+              <a:lnSpc>
+                <a:spcPct val="100000"/>
+              </a:lnSpc>
+              <a:spcBef>
+                <a:spcPts val="0"/>
+              </a:spcBef>
+              <a:spcAft>
+                <a:spcPts val="0"/>
+              </a:spcAft>
+              <a:buClrTx/>
+              <a:buSzTx/>
+              <a:buFontTx/>
+              <a:buNone/>
+              <a:tabLst/>
+              <a:defRPr/>
+            </a:pPr>
+            <a:endParaRPr lang="de-DE" b="1" baseline="0" dirty="0" smtClean="0">
+              <a:sym typeface="Wingdings" panose="05000000000000000000" pitchFamily="2" charset="2"/>
+            </a:endParaRPr>
           </a:p>
         </p:txBody>
       </p:sp>
@@ -2859,7 +3213,7 @@
           <a:p>
             <a:fld id="{4A505144-3BC5-4B32-83CF-491494C34331}" type="slidenum">
               <a:rPr lang="de-DE" smtClean="0"/>
-              <a:t>24</a:t>
+              <a:t>23</a:t>
             </a:fld>
             <a:endParaRPr lang="de-DE"/>
           </a:p>
@@ -2868,7 +3222,7 @@
     </p:spTree>
     <p:extLst>
       <p:ext uri="{BB962C8B-B14F-4D97-AF65-F5344CB8AC3E}">
-        <p14:creationId xmlns:p14="http://schemas.microsoft.com/office/powerpoint/2010/main" val="3343837465"/>
+        <p14:creationId xmlns:p14="http://schemas.microsoft.com/office/powerpoint/2010/main" val="1751113324"/>
       </p:ext>
     </p:extLst>
   </p:cSld>
@@ -2922,95 +3276,236 @@
           <a:bodyPr/>
           <a:lstStyle/>
           <a:p>
-            <a:pPr marL="0" indent="0">
-              <a:buFont typeface="Arial" charset="0"/>
+            <a:pPr marL="0" marR="0" indent="0" algn="l" defTabSz="914400" rtl="0" eaLnBrk="1" fontAlgn="auto" latinLnBrk="0" hangingPunct="1">
+              <a:lnSpc>
+                <a:spcPct val="100000"/>
+              </a:lnSpc>
+              <a:spcBef>
+                <a:spcPts val="0"/>
+              </a:spcBef>
+              <a:spcAft>
+                <a:spcPts val="0"/>
+              </a:spcAft>
+              <a:buClrTx/>
+              <a:buSzTx/>
+              <a:buFontTx/>
               <a:buNone/>
+              <a:tabLst/>
+              <a:defRPr/>
             </a:pPr>
             <a:r>
-              <a:rPr lang="de-DE" dirty="0" smtClean="0"/>
-              <a:t>*Es sollte zu keinen </a:t>
-            </a:r>
-            <a:r>
-              <a:rPr lang="de-DE" dirty="0" err="1" smtClean="0"/>
-              <a:t>Mergekonfikten</a:t>
-            </a:r>
-            <a:r>
-              <a:rPr lang="de-DE" dirty="0" smtClean="0"/>
-              <a:t> kommen,</a:t>
-            </a:r>
-            <a:r>
-              <a:rPr lang="de-DE" baseline="0" dirty="0" smtClean="0"/>
-              <a:t> da jede Person seine Dateien (redundante ausgeschlossen) auf den Server </a:t>
-            </a:r>
-            <a:r>
-              <a:rPr lang="de-DE" b="1" baseline="0" dirty="0" err="1" smtClean="0"/>
-              <a:t>push</a:t>
-            </a:r>
-            <a:r>
-              <a:rPr lang="de-DE" b="0" baseline="0" dirty="0" err="1" smtClean="0"/>
-              <a:t>ed</a:t>
-            </a:r>
-            <a:r>
-              <a:rPr lang="de-DE" b="0" baseline="0" dirty="0" smtClean="0"/>
-              <a:t>.</a:t>
-            </a:r>
-          </a:p>
-          <a:p>
-            <a:pPr marL="0" indent="0">
-              <a:buFont typeface="Arial" charset="0"/>
-              <a:buNone/>
-            </a:pPr>
-            <a:r>
-              <a:rPr lang="de-DE" dirty="0" smtClean="0"/>
-              <a:t>Der</a:t>
-            </a:r>
-            <a:r>
-              <a:rPr lang="de-DE" baseline="0" dirty="0" smtClean="0"/>
-              <a:t> Befehl lautet: </a:t>
-            </a:r>
-            <a:r>
-              <a:rPr lang="de-DE" b="1" baseline="0" dirty="0" err="1" smtClean="0"/>
-              <a:t>git</a:t>
-            </a:r>
-            <a:r>
-              <a:rPr lang="de-DE" b="1" baseline="0" dirty="0" smtClean="0"/>
-              <a:t> pull</a:t>
-            </a:r>
-            <a:endParaRPr lang="de-DE" b="1" dirty="0" smtClean="0"/>
-          </a:p>
-          <a:p>
-            <a:endParaRPr lang="de-DE" dirty="0" smtClean="0"/>
-          </a:p>
-          <a:p>
-            <a:r>
-              <a:rPr lang="de-DE" dirty="0" smtClean="0"/>
-              <a:t>INFO: Vor jedem </a:t>
-            </a:r>
-            <a:r>
-              <a:rPr lang="de-DE" b="1" dirty="0" err="1" smtClean="0"/>
-              <a:t>commit</a:t>
-            </a:r>
-            <a:r>
-              <a:rPr lang="de-DE" b="1" baseline="0" dirty="0" smtClean="0"/>
-              <a:t> </a:t>
-            </a:r>
-            <a:r>
-              <a:rPr lang="de-DE" b="0" baseline="0" dirty="0" smtClean="0"/>
-              <a:t>lieber einmal das lokale Verzeichnis </a:t>
-            </a:r>
-            <a:r>
-              <a:rPr lang="de-DE" b="1" baseline="0" dirty="0" smtClean="0"/>
-              <a:t>pull</a:t>
-            </a:r>
-            <a:r>
-              <a:rPr lang="de-DE" b="0" baseline="0" dirty="0" smtClean="0"/>
-              <a:t>en, damit die Ausgangssituation identisch ist </a:t>
+              <a:rPr lang="de-DE" b="0" baseline="0" dirty="0" err="1" smtClean="0">
+                <a:sym typeface="Wingdings" panose="05000000000000000000" pitchFamily="2" charset="2"/>
+              </a:rPr>
+              <a:t>Branches</a:t>
             </a:r>
             <a:r>
               <a:rPr lang="de-DE" b="0" baseline="0" dirty="0" smtClean="0">
                 <a:sym typeface="Wingdings" panose="05000000000000000000" pitchFamily="2" charset="2"/>
               </a:rPr>
-              <a:t> Befehl: </a:t>
+              <a:t> bieten sich an, wenn größere Änderungen anstehen oder neue Features hinzukommen.</a:t>
+            </a:r>
+          </a:p>
+          <a:p>
+            <a:pPr marL="0" marR="0" indent="0" algn="l" defTabSz="914400" rtl="0" eaLnBrk="1" fontAlgn="auto" latinLnBrk="0" hangingPunct="1">
+              <a:lnSpc>
+                <a:spcPct val="100000"/>
+              </a:lnSpc>
+              <a:spcBef>
+                <a:spcPts val="0"/>
+              </a:spcBef>
+              <a:spcAft>
+                <a:spcPts val="0"/>
+              </a:spcAft>
+              <a:buClrTx/>
+              <a:buSzTx/>
+              <a:buFontTx/>
+              <a:buNone/>
+              <a:tabLst/>
+              <a:defRPr/>
+            </a:pPr>
+            <a:endParaRPr lang="de-DE" b="0" baseline="0" dirty="0" smtClean="0">
+              <a:sym typeface="Wingdings" panose="05000000000000000000" pitchFamily="2" charset="2"/>
+            </a:endParaRPr>
+          </a:p>
+          <a:p>
+            <a:pPr marL="0" marR="0" indent="0" algn="l" defTabSz="914400" rtl="0" eaLnBrk="1" fontAlgn="auto" latinLnBrk="0" hangingPunct="1">
+              <a:lnSpc>
+                <a:spcPct val="100000"/>
+              </a:lnSpc>
+              <a:spcBef>
+                <a:spcPts val="0"/>
+              </a:spcBef>
+              <a:spcAft>
+                <a:spcPts val="0"/>
+              </a:spcAft>
+              <a:buClrTx/>
+              <a:buSzTx/>
+              <a:buFontTx/>
+              <a:buNone/>
+              <a:tabLst/>
+              <a:defRPr/>
+            </a:pPr>
+            <a:r>
+              <a:rPr lang="de-DE" b="0" baseline="0" dirty="0" smtClean="0">
+                <a:sym typeface="Wingdings" panose="05000000000000000000" pitchFamily="2" charset="2"/>
+              </a:rPr>
+              <a:t>Aktueller Stand des Projektes: eine index.html Seite mit einer Tabelle und Navigation zu weiteren Seiten und eine .</a:t>
+            </a:r>
+            <a:r>
+              <a:rPr lang="de-DE" b="0" baseline="0" dirty="0" err="1" smtClean="0">
+                <a:sym typeface="Wingdings" panose="05000000000000000000" pitchFamily="2" charset="2"/>
+              </a:rPr>
+              <a:t>css</a:t>
+            </a:r>
+            <a:r>
+              <a:rPr lang="de-DE" b="0" baseline="0" dirty="0" smtClean="0">
+                <a:sym typeface="Wingdings" panose="05000000000000000000" pitchFamily="2" charset="2"/>
+              </a:rPr>
+              <a:t> Datei, die diese Seite formatiert.</a:t>
+            </a:r>
+          </a:p>
+          <a:p>
+            <a:pPr marL="0" marR="0" indent="0" algn="l" defTabSz="914400" rtl="0" eaLnBrk="1" fontAlgn="auto" latinLnBrk="0" hangingPunct="1">
+              <a:lnSpc>
+                <a:spcPct val="100000"/>
+              </a:lnSpc>
+              <a:spcBef>
+                <a:spcPts val="0"/>
+              </a:spcBef>
+              <a:spcAft>
+                <a:spcPts val="0"/>
+              </a:spcAft>
+              <a:buClrTx/>
+              <a:buSzTx/>
+              <a:buFontTx/>
+              <a:buNone/>
+              <a:tabLst/>
+              <a:defRPr/>
+            </a:pPr>
+            <a:endParaRPr lang="de-DE" b="0" baseline="0" dirty="0" smtClean="0">
+              <a:sym typeface="Wingdings" panose="05000000000000000000" pitchFamily="2" charset="2"/>
+            </a:endParaRPr>
+          </a:p>
+          <a:p>
+            <a:pPr marL="0" marR="0" indent="0" algn="l" defTabSz="914400" rtl="0" eaLnBrk="1" fontAlgn="auto" latinLnBrk="0" hangingPunct="1">
+              <a:lnSpc>
+                <a:spcPct val="100000"/>
+              </a:lnSpc>
+              <a:spcBef>
+                <a:spcPts val="0"/>
+              </a:spcBef>
+              <a:spcAft>
+                <a:spcPts val="0"/>
+              </a:spcAft>
+              <a:buClrTx/>
+              <a:buSzTx/>
+              <a:buFontTx/>
+              <a:buNone/>
+              <a:tabLst/>
+              <a:defRPr/>
+            </a:pPr>
+            <a:r>
+              <a:rPr lang="de-DE" b="0" baseline="0" dirty="0" smtClean="0">
+                <a:sym typeface="Wingdings" panose="05000000000000000000" pitchFamily="2" charset="2"/>
+              </a:rPr>
+              <a:t>Person A erstellt einen </a:t>
+            </a:r>
+            <a:r>
+              <a:rPr lang="de-DE" b="0" baseline="0" dirty="0" err="1" smtClean="0">
+                <a:sym typeface="Wingdings" panose="05000000000000000000" pitchFamily="2" charset="2"/>
+              </a:rPr>
+              <a:t>Branch</a:t>
+            </a:r>
+            <a:r>
+              <a:rPr lang="de-DE" b="0" baseline="0" dirty="0" smtClean="0">
+                <a:sym typeface="Wingdings" panose="05000000000000000000" pitchFamily="2" charset="2"/>
+              </a:rPr>
+              <a:t> für die weiteren .</a:t>
+            </a:r>
+            <a:r>
+              <a:rPr lang="de-DE" b="0" baseline="0" dirty="0" err="1" smtClean="0">
+                <a:sym typeface="Wingdings" panose="05000000000000000000" pitchFamily="2" charset="2"/>
+              </a:rPr>
+              <a:t>html</a:t>
+            </a:r>
+            <a:r>
+              <a:rPr lang="de-DE" b="0" baseline="0" dirty="0" smtClean="0">
+                <a:sym typeface="Wingdings" panose="05000000000000000000" pitchFamily="2" charset="2"/>
+              </a:rPr>
+              <a:t> Seiten, die den Punkten in der index.html Navigation entsprechen. Vorteil des </a:t>
+            </a:r>
+            <a:r>
+              <a:rPr lang="de-DE" b="0" baseline="0" dirty="0" err="1" smtClean="0">
+                <a:sym typeface="Wingdings" panose="05000000000000000000" pitchFamily="2" charset="2"/>
+              </a:rPr>
+              <a:t>Branches</a:t>
+            </a:r>
+            <a:r>
+              <a:rPr lang="de-DE" b="0" baseline="0" dirty="0" smtClean="0">
+                <a:sym typeface="Wingdings" panose="05000000000000000000" pitchFamily="2" charset="2"/>
+              </a:rPr>
+              <a:t> ist, dass sich keine unfertigen HTML Seiten auf dem Server befinden. Er arbeitet unabhängig von den Änderungen von Person B auf dem </a:t>
+            </a:r>
+            <a:r>
+              <a:rPr lang="de-DE" b="0" baseline="0" dirty="0" err="1" smtClean="0">
+                <a:sym typeface="Wingdings" panose="05000000000000000000" pitchFamily="2" charset="2"/>
+              </a:rPr>
+              <a:t>Branch</a:t>
+            </a:r>
+            <a:r>
+              <a:rPr lang="de-DE" b="0" baseline="0" dirty="0" smtClean="0">
+                <a:sym typeface="Wingdings" panose="05000000000000000000" pitchFamily="2" charset="2"/>
+              </a:rPr>
+              <a:t>. Nach der Fertigstellung des </a:t>
+            </a:r>
+            <a:r>
+              <a:rPr lang="de-DE" b="0" baseline="0" dirty="0" err="1" smtClean="0">
+                <a:sym typeface="Wingdings" panose="05000000000000000000" pitchFamily="2" charset="2"/>
+              </a:rPr>
+              <a:t>Branches</a:t>
+            </a:r>
+            <a:r>
+              <a:rPr lang="de-DE" b="0" baseline="0" dirty="0" smtClean="0">
+                <a:sym typeface="Wingdings" panose="05000000000000000000" pitchFamily="2" charset="2"/>
+              </a:rPr>
+              <a:t> wird es Zeit den </a:t>
+            </a:r>
+            <a:r>
+              <a:rPr lang="de-DE" b="0" baseline="0" dirty="0" err="1" smtClean="0">
+                <a:sym typeface="Wingdings" panose="05000000000000000000" pitchFamily="2" charset="2"/>
+              </a:rPr>
+              <a:t>Branch</a:t>
+            </a:r>
+            <a:r>
+              <a:rPr lang="de-DE" b="0" baseline="0" dirty="0" smtClean="0">
+                <a:sym typeface="Wingdings" panose="05000000000000000000" pitchFamily="2" charset="2"/>
+              </a:rPr>
+              <a:t> mit dem Master </a:t>
+            </a:r>
+            <a:r>
+              <a:rPr lang="de-DE" b="0" baseline="0" dirty="0" err="1" smtClean="0">
+                <a:sym typeface="Wingdings" panose="05000000000000000000" pitchFamily="2" charset="2"/>
+              </a:rPr>
+              <a:t>Branch</a:t>
+            </a:r>
+            <a:r>
+              <a:rPr lang="de-DE" b="0" baseline="0" dirty="0" smtClean="0">
+                <a:sym typeface="Wingdings" panose="05000000000000000000" pitchFamily="2" charset="2"/>
+              </a:rPr>
+              <a:t> zu </a:t>
+            </a:r>
+            <a:r>
+              <a:rPr lang="de-DE" b="1" baseline="0" dirty="0" err="1" smtClean="0">
+                <a:sym typeface="Wingdings" panose="05000000000000000000" pitchFamily="2" charset="2"/>
+              </a:rPr>
+              <a:t>mergen</a:t>
+            </a:r>
+            <a:r>
+              <a:rPr lang="de-DE" b="0" baseline="0" dirty="0" smtClean="0">
+                <a:sym typeface="Wingdings" panose="05000000000000000000" pitchFamily="2" charset="2"/>
+              </a:rPr>
+              <a:t>. Dafür Listet die </a:t>
             </a:r>
             <a:r>
               <a:rPr lang="de-DE" b="1" baseline="0" dirty="0" err="1" smtClean="0">
@@ -3019,16 +3514,238 @@
               <a:t>git</a:t>
             </a:r>
             <a:r>
+              <a:rPr lang="de-DE" b="0" baseline="0" dirty="0" smtClean="0">
+                <a:sym typeface="Wingdings" panose="05000000000000000000" pitchFamily="2" charset="2"/>
+              </a:rPr>
+              <a:t> </a:t>
+            </a:r>
+            <a:r>
+              <a:rPr lang="de-DE" b="1" baseline="0" dirty="0" err="1" smtClean="0">
+                <a:sym typeface="Wingdings" panose="05000000000000000000" pitchFamily="2" charset="2"/>
+              </a:rPr>
+              <a:t>bash</a:t>
+            </a:r>
+            <a:r>
+              <a:rPr lang="de-DE" b="0" baseline="0" dirty="0" smtClean="0">
+                <a:sym typeface="Wingdings" panose="05000000000000000000" pitchFamily="2" charset="2"/>
+              </a:rPr>
+              <a:t> die Dateien auf, die sich von den Dateien des Master </a:t>
+            </a:r>
+            <a:r>
+              <a:rPr lang="de-DE" b="0" baseline="0" dirty="0" err="1" smtClean="0">
+                <a:sym typeface="Wingdings" panose="05000000000000000000" pitchFamily="2" charset="2"/>
+              </a:rPr>
+              <a:t>Branches</a:t>
+            </a:r>
+            <a:r>
+              <a:rPr lang="de-DE" b="0" baseline="0" dirty="0" smtClean="0">
+                <a:sym typeface="Wingdings" panose="05000000000000000000" pitchFamily="2" charset="2"/>
+              </a:rPr>
+              <a:t> unterscheiden. Person A muss beim </a:t>
+            </a:r>
+            <a:r>
+              <a:rPr lang="de-DE" b="0" baseline="0" dirty="0" err="1" smtClean="0">
+                <a:sym typeface="Wingdings" panose="05000000000000000000" pitchFamily="2" charset="2"/>
+              </a:rPr>
+              <a:t>mergen</a:t>
+            </a:r>
+            <a:r>
+              <a:rPr lang="de-DE" b="0" baseline="0" dirty="0" smtClean="0">
+                <a:sym typeface="Wingdings" panose="05000000000000000000" pitchFamily="2" charset="2"/>
+              </a:rPr>
+              <a:t> unterscheiden, welche Änderungen übernommen werden sollen und welche nicht.</a:t>
+            </a:r>
+          </a:p>
+          <a:p>
+            <a:pPr marL="0" marR="0" indent="0" algn="l" defTabSz="914400" rtl="0" eaLnBrk="1" fontAlgn="auto" latinLnBrk="0" hangingPunct="1">
+              <a:lnSpc>
+                <a:spcPct val="100000"/>
+              </a:lnSpc>
+              <a:spcBef>
+                <a:spcPts val="0"/>
+              </a:spcBef>
+              <a:spcAft>
+                <a:spcPts val="0"/>
+              </a:spcAft>
+              <a:buClrTx/>
+              <a:buSzTx/>
+              <a:buFontTx/>
+              <a:buNone/>
+              <a:tabLst/>
+              <a:defRPr/>
+            </a:pPr>
+            <a:endParaRPr lang="de-DE" b="0" baseline="0" dirty="0" smtClean="0">
+              <a:sym typeface="Wingdings" panose="05000000000000000000" pitchFamily="2" charset="2"/>
+            </a:endParaRPr>
+          </a:p>
+          <a:p>
+            <a:pPr marL="0" marR="0" indent="0" algn="l" defTabSz="914400" rtl="0" eaLnBrk="1" fontAlgn="auto" latinLnBrk="0" hangingPunct="1">
+              <a:lnSpc>
+                <a:spcPct val="100000"/>
+              </a:lnSpc>
+              <a:spcBef>
+                <a:spcPts val="0"/>
+              </a:spcBef>
+              <a:spcAft>
+                <a:spcPts val="0"/>
+              </a:spcAft>
+              <a:buClrTx/>
+              <a:buSzTx/>
+              <a:buFontTx/>
+              <a:buNone/>
+              <a:tabLst/>
+              <a:defRPr/>
+            </a:pPr>
+            <a:endParaRPr lang="de-DE" b="1" baseline="0" dirty="0" smtClean="0">
+              <a:sym typeface="Wingdings" panose="05000000000000000000" pitchFamily="2" charset="2"/>
+            </a:endParaRPr>
+          </a:p>
+          <a:p>
+            <a:pPr marL="0" marR="0" indent="0" algn="l" defTabSz="914400" rtl="0" eaLnBrk="1" fontAlgn="auto" latinLnBrk="0" hangingPunct="1">
+              <a:lnSpc>
+                <a:spcPct val="100000"/>
+              </a:lnSpc>
+              <a:spcBef>
+                <a:spcPts val="0"/>
+              </a:spcBef>
+              <a:spcAft>
+                <a:spcPts val="0"/>
+              </a:spcAft>
+              <a:buClrTx/>
+              <a:buSzTx/>
+              <a:buFontTx/>
+              <a:buNone/>
+              <a:tabLst/>
+              <a:defRPr/>
+            </a:pPr>
+            <a:r>
               <a:rPr lang="de-DE" b="1" baseline="0" dirty="0" smtClean="0">
                 <a:sym typeface="Wingdings" panose="05000000000000000000" pitchFamily="2" charset="2"/>
               </a:rPr>
-              <a:t> pull</a:t>
-            </a:r>
-            <a:endParaRPr lang="de-DE" b="0" baseline="0" dirty="0" smtClean="0">
+              <a:t>GELB</a:t>
+            </a:r>
+            <a:r>
+              <a:rPr lang="de-DE" b="1" baseline="0" dirty="0" smtClean="0">
+                <a:sym typeface="Wingdings" panose="05000000000000000000" pitchFamily="2" charset="2"/>
+              </a:rPr>
+              <a:t>: </a:t>
+            </a:r>
+            <a:r>
+              <a:rPr lang="de-DE" b="0" baseline="0" dirty="0" smtClean="0">
+                <a:sym typeface="Wingdings" panose="05000000000000000000" pitchFamily="2" charset="2"/>
+              </a:rPr>
+              <a:t>pull</a:t>
+            </a:r>
+          </a:p>
+          <a:p>
+            <a:pPr marL="0" marR="0" indent="0" algn="l" defTabSz="914400" rtl="0" eaLnBrk="1" fontAlgn="auto" latinLnBrk="0" hangingPunct="1">
+              <a:lnSpc>
+                <a:spcPct val="100000"/>
+              </a:lnSpc>
+              <a:spcBef>
+                <a:spcPts val="0"/>
+              </a:spcBef>
+              <a:spcAft>
+                <a:spcPts val="0"/>
+              </a:spcAft>
+              <a:buClrTx/>
+              <a:buSzTx/>
+              <a:buFontTx/>
+              <a:buNone/>
+              <a:tabLst/>
+              <a:defRPr/>
+            </a:pPr>
+            <a:r>
+              <a:rPr lang="de-DE" b="1" baseline="0" dirty="0" smtClean="0">
+                <a:sym typeface="Wingdings" panose="05000000000000000000" pitchFamily="2" charset="2"/>
+              </a:rPr>
+              <a:t>ORANGE: </a:t>
+            </a:r>
+            <a:r>
+              <a:rPr lang="de-DE" b="0" baseline="0" dirty="0" smtClean="0">
+                <a:sym typeface="Wingdings" panose="05000000000000000000" pitchFamily="2" charset="2"/>
+              </a:rPr>
+              <a:t>push</a:t>
+            </a:r>
+            <a:endParaRPr lang="de-DE" b="1" baseline="0" dirty="0" smtClean="0">
               <a:sym typeface="Wingdings" panose="05000000000000000000" pitchFamily="2" charset="2"/>
             </a:endParaRPr>
           </a:p>
           <a:p>
+            <a:pPr marL="0" marR="0" indent="0" algn="l" defTabSz="914400" rtl="0" eaLnBrk="1" fontAlgn="auto" latinLnBrk="0" hangingPunct="1">
+              <a:lnSpc>
+                <a:spcPct val="100000"/>
+              </a:lnSpc>
+              <a:spcBef>
+                <a:spcPts val="0"/>
+              </a:spcBef>
+              <a:spcAft>
+                <a:spcPts val="0"/>
+              </a:spcAft>
+              <a:buClrTx/>
+              <a:buSzTx/>
+              <a:buFontTx/>
+              <a:buNone/>
+              <a:tabLst/>
+              <a:defRPr/>
+            </a:pPr>
+            <a:r>
+              <a:rPr lang="de-DE" b="1" baseline="0" dirty="0" smtClean="0">
+                <a:sym typeface="Wingdings" panose="05000000000000000000" pitchFamily="2" charset="2"/>
+              </a:rPr>
+              <a:t>ROT: </a:t>
+            </a:r>
+            <a:r>
+              <a:rPr lang="de-DE" b="0" baseline="0" dirty="0" err="1" smtClean="0">
+                <a:sym typeface="Wingdings" panose="05000000000000000000" pitchFamily="2" charset="2"/>
+              </a:rPr>
+              <a:t>Branch</a:t>
+            </a:r>
+            <a:r>
+              <a:rPr lang="de-DE" b="0" baseline="0" dirty="0" smtClean="0">
+                <a:sym typeface="Wingdings" panose="05000000000000000000" pitchFamily="2" charset="2"/>
+              </a:rPr>
+              <a:t> von A</a:t>
+            </a:r>
+          </a:p>
+          <a:p>
+            <a:pPr marL="0" marR="0" indent="0" algn="l" defTabSz="914400" rtl="0" eaLnBrk="1" fontAlgn="auto" latinLnBrk="0" hangingPunct="1">
+              <a:lnSpc>
+                <a:spcPct val="100000"/>
+              </a:lnSpc>
+              <a:spcBef>
+                <a:spcPts val="0"/>
+              </a:spcBef>
+              <a:spcAft>
+                <a:spcPts val="0"/>
+              </a:spcAft>
+              <a:buClrTx/>
+              <a:buSzTx/>
+              <a:buFontTx/>
+              <a:buNone/>
+              <a:tabLst/>
+              <a:defRPr/>
+            </a:pPr>
+            <a:r>
+              <a:rPr lang="de-DE" b="1" baseline="0" dirty="0" smtClean="0">
+                <a:sym typeface="Wingdings" panose="05000000000000000000" pitchFamily="2" charset="2"/>
+              </a:rPr>
+              <a:t>GRÜN: </a:t>
+            </a:r>
+            <a:r>
+              <a:rPr lang="de-DE" b="0" baseline="0" dirty="0" err="1" smtClean="0">
+                <a:sym typeface="Wingdings" panose="05000000000000000000" pitchFamily="2" charset="2"/>
+              </a:rPr>
+              <a:t>Branch</a:t>
+            </a:r>
+            <a:r>
+              <a:rPr lang="de-DE" b="0" baseline="0" dirty="0" smtClean="0">
+                <a:sym typeface="Wingdings" panose="05000000000000000000" pitchFamily="2" charset="2"/>
+              </a:rPr>
+              <a:t> von B</a:t>
+            </a:r>
+          </a:p>
+          <a:p>
             <a:endParaRPr lang="de-DE" dirty="0"/>
           </a:p>
         </p:txBody>
@@ -3050,7 +3767,7 @@
           <a:p>
             <a:fld id="{4A505144-3BC5-4B32-83CF-491494C34331}" type="slidenum">
               <a:rPr lang="de-DE" smtClean="0"/>
-              <a:t>25</a:t>
+              <a:t>24</a:t>
             </a:fld>
             <a:endParaRPr lang="de-DE"/>
           </a:p>
@@ -3059,7 +3776,7 @@
     </p:spTree>
     <p:extLst>
       <p:ext uri="{BB962C8B-B14F-4D97-AF65-F5344CB8AC3E}">
-        <p14:creationId xmlns:p14="http://schemas.microsoft.com/office/powerpoint/2010/main" val="3343837465"/>
+        <p14:creationId xmlns:p14="http://schemas.microsoft.com/office/powerpoint/2010/main" val="3037083289"/>
       </p:ext>
     </p:extLst>
   </p:cSld>
@@ -3113,152 +3830,69 @@
           <a:bodyPr/>
           <a:lstStyle/>
           <a:p>
-            <a:pPr marL="0" marR="0" indent="0" algn="l" defTabSz="914400" rtl="0" eaLnBrk="1" fontAlgn="auto" latinLnBrk="0" hangingPunct="1">
-              <a:lnSpc>
-                <a:spcPct val="100000"/>
-              </a:lnSpc>
-              <a:spcBef>
-                <a:spcPts val="0"/>
-              </a:spcBef>
-              <a:spcAft>
-                <a:spcPts val="0"/>
-              </a:spcAft>
-              <a:buClrTx/>
-              <a:buSzTx/>
-              <a:buFontTx/>
-              <a:buNone/>
-              <a:tabLst/>
-              <a:defRPr/>
-            </a:pPr>
-            <a:r>
-              <a:rPr lang="de-DE" b="1" baseline="0" dirty="0" smtClean="0">
-                <a:sym typeface="Wingdings" panose="05000000000000000000" pitchFamily="2" charset="2"/>
-              </a:rPr>
-              <a:t>GELB: </a:t>
-            </a:r>
-            <a:r>
-              <a:rPr lang="de-DE" b="0" baseline="0" dirty="0" smtClean="0">
-                <a:sym typeface="Wingdings" panose="05000000000000000000" pitchFamily="2" charset="2"/>
-              </a:rPr>
-              <a:t>pull</a:t>
-            </a:r>
-          </a:p>
-          <a:p>
-            <a:pPr marL="0" marR="0" indent="0" algn="l" defTabSz="914400" rtl="0" eaLnBrk="1" fontAlgn="auto" latinLnBrk="0" hangingPunct="1">
-              <a:lnSpc>
-                <a:spcPct val="100000"/>
-              </a:lnSpc>
-              <a:spcBef>
-                <a:spcPts val="0"/>
-              </a:spcBef>
-              <a:spcAft>
-                <a:spcPts val="0"/>
-              </a:spcAft>
-              <a:buClrTx/>
-              <a:buSzTx/>
-              <a:buFontTx/>
-              <a:buNone/>
-              <a:tabLst/>
-              <a:defRPr/>
-            </a:pPr>
-            <a:r>
-              <a:rPr lang="de-DE" b="1" baseline="0" dirty="0" smtClean="0">
-                <a:sym typeface="Wingdings" panose="05000000000000000000" pitchFamily="2" charset="2"/>
-              </a:rPr>
-              <a:t>ORANGE</a:t>
-            </a:r>
-            <a:r>
-              <a:rPr lang="de-DE" b="1" baseline="0" smtClean="0">
-                <a:sym typeface="Wingdings" panose="05000000000000000000" pitchFamily="2" charset="2"/>
-              </a:rPr>
-              <a:t>: </a:t>
-            </a:r>
-            <a:r>
-              <a:rPr lang="de-DE" b="0" baseline="0" smtClean="0">
-                <a:sym typeface="Wingdings" panose="05000000000000000000" pitchFamily="2" charset="2"/>
-              </a:rPr>
-              <a:t>push</a:t>
-            </a:r>
-            <a:endParaRPr lang="de-DE" b="1" baseline="0" dirty="0" smtClean="0">
-              <a:sym typeface="Wingdings" panose="05000000000000000000" pitchFamily="2" charset="2"/>
-            </a:endParaRPr>
-          </a:p>
-          <a:p>
-            <a:pPr marL="0" marR="0" indent="0" algn="l" defTabSz="914400" rtl="0" eaLnBrk="1" fontAlgn="auto" latinLnBrk="0" hangingPunct="1">
-              <a:lnSpc>
-                <a:spcPct val="100000"/>
-              </a:lnSpc>
-              <a:spcBef>
-                <a:spcPts val="0"/>
-              </a:spcBef>
-              <a:spcAft>
-                <a:spcPts val="0"/>
-              </a:spcAft>
-              <a:buClrTx/>
-              <a:buSzTx/>
-              <a:buFontTx/>
-              <a:buNone/>
-              <a:tabLst/>
-              <a:defRPr/>
-            </a:pPr>
-            <a:r>
-              <a:rPr lang="de-DE" b="1" baseline="0" dirty="0" smtClean="0">
-                <a:sym typeface="Wingdings" panose="05000000000000000000" pitchFamily="2" charset="2"/>
-              </a:rPr>
-              <a:t>ROT: </a:t>
-            </a:r>
-            <a:r>
-              <a:rPr lang="de-DE" b="0" baseline="0" dirty="0" err="1" smtClean="0">
-                <a:sym typeface="Wingdings" panose="05000000000000000000" pitchFamily="2" charset="2"/>
-              </a:rPr>
-              <a:t>Branch</a:t>
-            </a:r>
-            <a:r>
-              <a:rPr lang="de-DE" b="0" baseline="0" dirty="0" smtClean="0">
-                <a:sym typeface="Wingdings" panose="05000000000000000000" pitchFamily="2" charset="2"/>
-              </a:rPr>
-              <a:t> von A</a:t>
-            </a:r>
-          </a:p>
-          <a:p>
-            <a:pPr marL="0" marR="0" indent="0" algn="l" defTabSz="914400" rtl="0" eaLnBrk="1" fontAlgn="auto" latinLnBrk="0" hangingPunct="1">
-              <a:lnSpc>
-                <a:spcPct val="100000"/>
-              </a:lnSpc>
-              <a:spcBef>
-                <a:spcPts val="0"/>
-              </a:spcBef>
-              <a:spcAft>
-                <a:spcPts val="0"/>
-              </a:spcAft>
-              <a:buClrTx/>
-              <a:buSzTx/>
-              <a:buFontTx/>
-              <a:buNone/>
-              <a:tabLst/>
-              <a:defRPr/>
-            </a:pPr>
-            <a:r>
-              <a:rPr lang="de-DE" b="1" baseline="0" dirty="0" smtClean="0">
-                <a:sym typeface="Wingdings" panose="05000000000000000000" pitchFamily="2" charset="2"/>
-              </a:rPr>
-              <a:t>GRÜN: </a:t>
-            </a:r>
-            <a:r>
-              <a:rPr lang="de-DE" b="0" baseline="0" dirty="0" err="1" smtClean="0">
-                <a:sym typeface="Wingdings" panose="05000000000000000000" pitchFamily="2" charset="2"/>
-              </a:rPr>
-              <a:t>Branch</a:t>
-            </a:r>
-            <a:r>
-              <a:rPr lang="de-DE" b="0" baseline="0" dirty="0" smtClean="0">
-                <a:sym typeface="Wingdings" panose="05000000000000000000" pitchFamily="2" charset="2"/>
-              </a:rPr>
-              <a:t> von B</a:t>
-            </a:r>
-          </a:p>
-          <a:p>
-            <a:endParaRPr lang="de-DE" dirty="0"/>
+            <a:r>
+              <a:rPr lang="de-DE" dirty="0" err="1" smtClean="0"/>
+              <a:t>IntelliJ</a:t>
+            </a:r>
+            <a:r>
+              <a:rPr lang="de-DE" dirty="0" smtClean="0"/>
+              <a:t> bietet eine extra grafische</a:t>
+            </a:r>
+            <a:r>
+              <a:rPr lang="de-DE" baseline="0" dirty="0" smtClean="0"/>
+              <a:t> Ansicht, um mit </a:t>
+            </a:r>
+            <a:r>
+              <a:rPr lang="de-DE" baseline="0" dirty="0" err="1" smtClean="0"/>
+              <a:t>Merging</a:t>
+            </a:r>
+            <a:r>
+              <a:rPr lang="de-DE" baseline="0" dirty="0" smtClean="0"/>
+              <a:t> Problemen umzugehen.</a:t>
+            </a:r>
+          </a:p>
+          <a:p>
+            <a:r>
+              <a:rPr lang="de-DE" baseline="0" dirty="0" smtClean="0"/>
+              <a:t/>
+            </a:r>
+            <a:br>
+              <a:rPr lang="de-DE" baseline="0" dirty="0" smtClean="0"/>
+            </a:br>
+            <a:r>
+              <a:rPr lang="de-DE" baseline="0" dirty="0" smtClean="0"/>
+              <a:t>Links der Bereich ist der Stand der lokalen Kopie und rechts der Bereich der Stand des </a:t>
+            </a:r>
+            <a:r>
+              <a:rPr lang="de-DE" baseline="0" dirty="0" err="1" smtClean="0"/>
+              <a:t>Repositories</a:t>
+            </a:r>
+            <a:r>
+              <a:rPr lang="de-DE" baseline="0" dirty="0" smtClean="0"/>
+              <a:t> auf dem Server.</a:t>
+            </a:r>
+          </a:p>
+          <a:p>
+            <a:endParaRPr lang="de-DE" baseline="0" dirty="0" smtClean="0"/>
+          </a:p>
+          <a:p>
+            <a:r>
+              <a:rPr lang="de-DE" baseline="0" dirty="0" smtClean="0"/>
+              <a:t>In der Mitte befindet sich ein Editor mit dem Ergebnis des </a:t>
+            </a:r>
+            <a:r>
+              <a:rPr lang="de-DE" baseline="0" dirty="0" err="1" smtClean="0"/>
+              <a:t>Merges</a:t>
+            </a:r>
+            <a:r>
+              <a:rPr lang="de-DE" baseline="0" dirty="0" smtClean="0"/>
+              <a:t>. Es soll überprüft werden ob alles (was im mittlerem Bereich steht) übernommen </a:t>
+            </a:r>
+            <a:r>
+              <a:rPr lang="de-DE" baseline="0" smtClean="0"/>
+              <a:t>werden soll.</a:t>
+            </a:r>
+            <a:endParaRPr lang="de-DE"/>
           </a:p>
         </p:txBody>
       </p:sp>
@@ -3279,7 +3913,7 @@
           <a:p>
             <a:fld id="{4A505144-3BC5-4B32-83CF-491494C34331}" type="slidenum">
               <a:rPr lang="de-DE" smtClean="0"/>
-              <a:t>26</a:t>
+              <a:t>25</a:t>
             </a:fld>
             <a:endParaRPr lang="de-DE"/>
           </a:p>
@@ -3288,389 +3922,7 @@
     </p:spTree>
     <p:extLst>
       <p:ext uri="{BB962C8B-B14F-4D97-AF65-F5344CB8AC3E}">
-        <p14:creationId xmlns:p14="http://schemas.microsoft.com/office/powerpoint/2010/main" val="3037083289"/>
-      </p:ext>
-    </p:extLst>
-  </p:cSld>
-  <p:clrMapOvr>
-    <a:masterClrMapping/>
-  </p:clrMapOvr>
-</p:notes>
-</file>
-
-<file path=ppt/notesSlides/notesSlide24.xml><?xml version="1.0" encoding="utf-8"?>
-<p:notes xmlns:a="http://schemas.openxmlformats.org/drawingml/2006/main" xmlns:r="http://schemas.openxmlformats.org/officeDocument/2006/relationships" xmlns:p="http://schemas.openxmlformats.org/presentationml/2006/main">
-  <p:cSld>
-    <p:spTree>
-      <p:nvGrpSpPr>
-        <p:cNvPr id="1" name=""/>
-        <p:cNvGrpSpPr/>
-        <p:nvPr/>
-      </p:nvGrpSpPr>
-      <p:grpSpPr>
-        <a:xfrm>
-          <a:off x="0" y="0"/>
-          <a:ext cx="0" cy="0"/>
-          <a:chOff x="0" y="0"/>
-          <a:chExt cx="0" cy="0"/>
-        </a:xfrm>
-      </p:grpSpPr>
-      <p:sp>
-        <p:nvSpPr>
-          <p:cNvPr id="2" name="Folienbildplatzhalter 1"/>
-          <p:cNvSpPr>
-            <a:spLocks noGrp="1" noRot="1" noChangeAspect="1"/>
-          </p:cNvSpPr>
-          <p:nvPr>
-            <p:ph type="sldImg"/>
-          </p:nvPr>
-        </p:nvSpPr>
-        <p:spPr/>
-      </p:sp>
-      <p:sp>
-        <p:nvSpPr>
-          <p:cNvPr id="3" name="Notizenplatzhalter 2"/>
-          <p:cNvSpPr>
-            <a:spLocks noGrp="1"/>
-          </p:cNvSpPr>
-          <p:nvPr>
-            <p:ph type="body" idx="1"/>
-          </p:nvPr>
-        </p:nvSpPr>
-        <p:spPr/>
-        <p:txBody>
-          <a:bodyPr/>
-          <a:lstStyle/>
-          <a:p>
-            <a:pPr marL="0" indent="0">
-              <a:buFont typeface="Arial" charset="0"/>
-              <a:buNone/>
-            </a:pPr>
-            <a:r>
-              <a:rPr lang="de-DE" dirty="0" smtClean="0"/>
-              <a:t>*Es sollte zu keinen </a:t>
-            </a:r>
-            <a:r>
-              <a:rPr lang="de-DE" dirty="0" err="1" smtClean="0"/>
-              <a:t>Mergekonfikten</a:t>
-            </a:r>
-            <a:r>
-              <a:rPr lang="de-DE" dirty="0" smtClean="0"/>
-              <a:t> kommen,</a:t>
-            </a:r>
-            <a:r>
-              <a:rPr lang="de-DE" baseline="0" dirty="0" smtClean="0"/>
-              <a:t> da jede Person seine Dateien (redundante ausgeschlossen) auf den Server </a:t>
-            </a:r>
-            <a:r>
-              <a:rPr lang="de-DE" b="1" baseline="0" dirty="0" err="1" smtClean="0"/>
-              <a:t>push</a:t>
-            </a:r>
-            <a:r>
-              <a:rPr lang="de-DE" b="0" baseline="0" dirty="0" err="1" smtClean="0"/>
-              <a:t>ed</a:t>
-            </a:r>
-            <a:r>
-              <a:rPr lang="de-DE" b="0" baseline="0" dirty="0" smtClean="0"/>
-              <a:t>.</a:t>
-            </a:r>
-          </a:p>
-          <a:p>
-            <a:pPr marL="0" indent="0">
-              <a:buFont typeface="Arial" charset="0"/>
-              <a:buNone/>
-            </a:pPr>
-            <a:r>
-              <a:rPr lang="de-DE" dirty="0" smtClean="0"/>
-              <a:t>Der</a:t>
-            </a:r>
-            <a:r>
-              <a:rPr lang="de-DE" baseline="0" dirty="0" smtClean="0"/>
-              <a:t> Befehl lautet: </a:t>
-            </a:r>
-            <a:r>
-              <a:rPr lang="de-DE" b="1" baseline="0" dirty="0" err="1" smtClean="0"/>
-              <a:t>git</a:t>
-            </a:r>
-            <a:r>
-              <a:rPr lang="de-DE" b="1" baseline="0" dirty="0" smtClean="0"/>
-              <a:t> pull</a:t>
-            </a:r>
-            <a:endParaRPr lang="de-DE" b="1" dirty="0" smtClean="0"/>
-          </a:p>
-          <a:p>
-            <a:endParaRPr lang="de-DE" dirty="0" smtClean="0"/>
-          </a:p>
-          <a:p>
-            <a:r>
-              <a:rPr lang="de-DE" dirty="0" smtClean="0"/>
-              <a:t>INFO: Vor jedem </a:t>
-            </a:r>
-            <a:r>
-              <a:rPr lang="de-DE" b="1" dirty="0" err="1" smtClean="0"/>
-              <a:t>commit</a:t>
-            </a:r>
-            <a:r>
-              <a:rPr lang="de-DE" b="1" baseline="0" dirty="0" smtClean="0"/>
-              <a:t> </a:t>
-            </a:r>
-            <a:r>
-              <a:rPr lang="de-DE" b="0" baseline="0" dirty="0" smtClean="0"/>
-              <a:t>lieber einmal das lokale Verzeichnis </a:t>
-            </a:r>
-            <a:r>
-              <a:rPr lang="de-DE" b="1" baseline="0" dirty="0" smtClean="0"/>
-              <a:t>pull</a:t>
-            </a:r>
-            <a:r>
-              <a:rPr lang="de-DE" b="0" baseline="0" dirty="0" smtClean="0"/>
-              <a:t>en, damit die Ausgangssituation identisch ist </a:t>
-            </a:r>
-            <a:r>
-              <a:rPr lang="de-DE" b="0" baseline="0" dirty="0" smtClean="0">
-                <a:sym typeface="Wingdings" panose="05000000000000000000" pitchFamily="2" charset="2"/>
-              </a:rPr>
-              <a:t> Befehl: </a:t>
-            </a:r>
-            <a:r>
-              <a:rPr lang="de-DE" b="1" baseline="0" dirty="0" err="1" smtClean="0">
-                <a:sym typeface="Wingdings" panose="05000000000000000000" pitchFamily="2" charset="2"/>
-              </a:rPr>
-              <a:t>git</a:t>
-            </a:r>
-            <a:r>
-              <a:rPr lang="de-DE" b="1" baseline="0" dirty="0" smtClean="0">
-                <a:sym typeface="Wingdings" panose="05000000000000000000" pitchFamily="2" charset="2"/>
-              </a:rPr>
-              <a:t> pull</a:t>
-            </a:r>
-            <a:endParaRPr lang="de-DE" b="0" baseline="0" dirty="0" smtClean="0">
-              <a:sym typeface="Wingdings" panose="05000000000000000000" pitchFamily="2" charset="2"/>
-            </a:endParaRPr>
-          </a:p>
-          <a:p>
-            <a:endParaRPr lang="de-DE" dirty="0"/>
-          </a:p>
-        </p:txBody>
-      </p:sp>
-      <p:sp>
-        <p:nvSpPr>
-          <p:cNvPr id="4" name="Foliennummernplatzhalter 3"/>
-          <p:cNvSpPr>
-            <a:spLocks noGrp="1"/>
-          </p:cNvSpPr>
-          <p:nvPr>
-            <p:ph type="sldNum" sz="quarter" idx="10"/>
-          </p:nvPr>
-        </p:nvSpPr>
-        <p:spPr/>
-        <p:txBody>
-          <a:bodyPr/>
-          <a:lstStyle/>
-          <a:p>
-            <a:fld id="{4A505144-3BC5-4B32-83CF-491494C34331}" type="slidenum">
-              <a:rPr lang="de-DE" smtClean="0"/>
-              <a:t>27</a:t>
-            </a:fld>
-            <a:endParaRPr lang="de-DE"/>
-          </a:p>
-        </p:txBody>
-      </p:sp>
-    </p:spTree>
-    <p:extLst>
-      <p:ext uri="{BB962C8B-B14F-4D97-AF65-F5344CB8AC3E}">
-        <p14:creationId xmlns:p14="http://schemas.microsoft.com/office/powerpoint/2010/main" val="3343837465"/>
-      </p:ext>
-    </p:extLst>
-  </p:cSld>
-  <p:clrMapOvr>
-    <a:masterClrMapping/>
-  </p:clrMapOvr>
-</p:notes>
-</file>
-
-<file path=ppt/notesSlides/notesSlide25.xml><?xml version="1.0" encoding="utf-8"?>
-<p:notes xmlns:a="http://schemas.openxmlformats.org/drawingml/2006/main" xmlns:r="http://schemas.openxmlformats.org/officeDocument/2006/relationships" xmlns:p="http://schemas.openxmlformats.org/presentationml/2006/main">
-  <p:cSld>
-    <p:spTree>
-      <p:nvGrpSpPr>
-        <p:cNvPr id="1" name=""/>
-        <p:cNvGrpSpPr/>
-        <p:nvPr/>
-      </p:nvGrpSpPr>
-      <p:grpSpPr>
-        <a:xfrm>
-          <a:off x="0" y="0"/>
-          <a:ext cx="0" cy="0"/>
-          <a:chOff x="0" y="0"/>
-          <a:chExt cx="0" cy="0"/>
-        </a:xfrm>
-      </p:grpSpPr>
-      <p:sp>
-        <p:nvSpPr>
-          <p:cNvPr id="2" name="Folienbildplatzhalter 1"/>
-          <p:cNvSpPr>
-            <a:spLocks noGrp="1" noRot="1" noChangeAspect="1"/>
-          </p:cNvSpPr>
-          <p:nvPr>
-            <p:ph type="sldImg"/>
-          </p:nvPr>
-        </p:nvSpPr>
-        <p:spPr/>
-      </p:sp>
-      <p:sp>
-        <p:nvSpPr>
-          <p:cNvPr id="3" name="Notizenplatzhalter 2"/>
-          <p:cNvSpPr>
-            <a:spLocks noGrp="1"/>
-          </p:cNvSpPr>
-          <p:nvPr>
-            <p:ph type="body" idx="1"/>
-          </p:nvPr>
-        </p:nvSpPr>
-        <p:spPr/>
-        <p:txBody>
-          <a:bodyPr/>
-          <a:lstStyle/>
-          <a:p>
-            <a:pPr marL="0" indent="0">
-              <a:buFont typeface="Arial" charset="0"/>
-              <a:buNone/>
-            </a:pPr>
-            <a:r>
-              <a:rPr lang="de-DE" dirty="0" smtClean="0"/>
-              <a:t>*Es sollte zu keinen </a:t>
-            </a:r>
-            <a:r>
-              <a:rPr lang="de-DE" dirty="0" err="1" smtClean="0"/>
-              <a:t>Mergekonfikten</a:t>
-            </a:r>
-            <a:r>
-              <a:rPr lang="de-DE" dirty="0" smtClean="0"/>
-              <a:t> kommen,</a:t>
-            </a:r>
-            <a:r>
-              <a:rPr lang="de-DE" baseline="0" dirty="0" smtClean="0"/>
-              <a:t> da jede Person seine Dateien (redundante ausgeschlossen) auf den Server </a:t>
-            </a:r>
-            <a:r>
-              <a:rPr lang="de-DE" b="1" baseline="0" dirty="0" err="1" smtClean="0"/>
-              <a:t>push</a:t>
-            </a:r>
-            <a:r>
-              <a:rPr lang="de-DE" b="0" baseline="0" dirty="0" err="1" smtClean="0"/>
-              <a:t>ed</a:t>
-            </a:r>
-            <a:r>
-              <a:rPr lang="de-DE" b="0" baseline="0" dirty="0" smtClean="0"/>
-              <a:t>.</a:t>
-            </a:r>
-          </a:p>
-          <a:p>
-            <a:pPr marL="0" indent="0">
-              <a:buFont typeface="Arial" charset="0"/>
-              <a:buNone/>
-            </a:pPr>
-            <a:r>
-              <a:rPr lang="de-DE" dirty="0" smtClean="0"/>
-              <a:t>Der</a:t>
-            </a:r>
-            <a:r>
-              <a:rPr lang="de-DE" baseline="0" dirty="0" smtClean="0"/>
-              <a:t> Befehl lautet: </a:t>
-            </a:r>
-            <a:r>
-              <a:rPr lang="de-DE" b="1" baseline="0" dirty="0" err="1" smtClean="0"/>
-              <a:t>git</a:t>
-            </a:r>
-            <a:r>
-              <a:rPr lang="de-DE" b="1" baseline="0" dirty="0" smtClean="0"/>
-              <a:t> pull</a:t>
-            </a:r>
-            <a:endParaRPr lang="de-DE" b="1" dirty="0" smtClean="0"/>
-          </a:p>
-          <a:p>
-            <a:endParaRPr lang="de-DE" dirty="0" smtClean="0"/>
-          </a:p>
-          <a:p>
-            <a:r>
-              <a:rPr lang="de-DE" dirty="0" smtClean="0"/>
-              <a:t>INFO: Vor jedem </a:t>
-            </a:r>
-            <a:r>
-              <a:rPr lang="de-DE" b="1" dirty="0" err="1" smtClean="0"/>
-              <a:t>commit</a:t>
-            </a:r>
-            <a:r>
-              <a:rPr lang="de-DE" b="1" baseline="0" dirty="0" smtClean="0"/>
-              <a:t> </a:t>
-            </a:r>
-            <a:r>
-              <a:rPr lang="de-DE" b="0" baseline="0" dirty="0" smtClean="0"/>
-              <a:t>lieber einmal das lokale Verzeichnis </a:t>
-            </a:r>
-            <a:r>
-              <a:rPr lang="de-DE" b="1" baseline="0" dirty="0" smtClean="0"/>
-              <a:t>pull</a:t>
-            </a:r>
-            <a:r>
-              <a:rPr lang="de-DE" b="0" baseline="0" dirty="0" smtClean="0"/>
-              <a:t>en, damit die Ausgangssituation identisch ist </a:t>
-            </a:r>
-            <a:r>
-              <a:rPr lang="de-DE" b="0" baseline="0" dirty="0" smtClean="0">
-                <a:sym typeface="Wingdings" panose="05000000000000000000" pitchFamily="2" charset="2"/>
-              </a:rPr>
-              <a:t> Befehl: </a:t>
-            </a:r>
-            <a:r>
-              <a:rPr lang="de-DE" b="1" baseline="0" dirty="0" err="1" smtClean="0">
-                <a:sym typeface="Wingdings" panose="05000000000000000000" pitchFamily="2" charset="2"/>
-              </a:rPr>
-              <a:t>git</a:t>
-            </a:r>
-            <a:r>
-              <a:rPr lang="de-DE" b="1" baseline="0" dirty="0" smtClean="0">
-                <a:sym typeface="Wingdings" panose="05000000000000000000" pitchFamily="2" charset="2"/>
-              </a:rPr>
-              <a:t> pull</a:t>
-            </a:r>
-            <a:endParaRPr lang="de-DE" b="0" baseline="0" dirty="0" smtClean="0">
-              <a:sym typeface="Wingdings" panose="05000000000000000000" pitchFamily="2" charset="2"/>
-            </a:endParaRPr>
-          </a:p>
-          <a:p>
-            <a:endParaRPr lang="de-DE" dirty="0"/>
-          </a:p>
-        </p:txBody>
-      </p:sp>
-      <p:sp>
-        <p:nvSpPr>
-          <p:cNvPr id="4" name="Foliennummernplatzhalter 3"/>
-          <p:cNvSpPr>
-            <a:spLocks noGrp="1"/>
-          </p:cNvSpPr>
-          <p:nvPr>
-            <p:ph type="sldNum" sz="quarter" idx="10"/>
-          </p:nvPr>
-        </p:nvSpPr>
-        <p:spPr/>
-        <p:txBody>
-          <a:bodyPr/>
-          <a:lstStyle/>
-          <a:p>
-            <a:fld id="{4A505144-3BC5-4B32-83CF-491494C34331}" type="slidenum">
-              <a:rPr lang="de-DE" smtClean="0"/>
-              <a:t>28</a:t>
-            </a:fld>
-            <a:endParaRPr lang="de-DE"/>
-          </a:p>
-        </p:txBody>
-      </p:sp>
-    </p:spTree>
-    <p:extLst>
-      <p:ext uri="{BB962C8B-B14F-4D97-AF65-F5344CB8AC3E}">
-        <p14:creationId xmlns:p14="http://schemas.microsoft.com/office/powerpoint/2010/main" val="3343837465"/>
+        <p14:creationId xmlns:p14="http://schemas.microsoft.com/office/powerpoint/2010/main" val="2005315903"/>
       </p:ext>
     </p:extLst>
   </p:cSld>
@@ -4947,7 +5199,7 @@
           <a:p>
             <a:fld id="{D74EE171-6FB9-44C2-999A-3C78585CC55F}" type="datetime1">
               <a:rPr lang="de-DE" smtClean="0"/>
-              <a:t>23.10.2015</a:t>
+              <a:t>25.10.2015</a:t>
             </a:fld>
             <a:endParaRPr lang="de-DE"/>
           </a:p>
@@ -5310,7 +5562,7 @@
           <a:p>
             <a:fld id="{966EF4C5-04F6-4CAA-916B-E3B314346F2C}" type="datetime1">
               <a:rPr lang="de-DE" smtClean="0"/>
-              <a:t>23.10.2015</a:t>
+              <a:t>25.10.2015</a:t>
             </a:fld>
             <a:endParaRPr lang="de-DE"/>
           </a:p>
@@ -5489,7 +5741,7 @@
           <a:p>
             <a:fld id="{D4A1C9C1-76E8-482F-AC38-46CD1EA3A4C9}" type="datetime1">
               <a:rPr lang="de-DE" smtClean="0"/>
-              <a:t>23.10.2015</a:t>
+              <a:t>25.10.2015</a:t>
             </a:fld>
             <a:endParaRPr lang="de-DE"/>
           </a:p>
@@ -5728,7 +5980,7 @@
           <a:p>
             <a:fld id="{09957CAC-BFF1-498D-82E7-9462D790BC9E}" type="datetime1">
               <a:rPr lang="de-DE" smtClean="0"/>
-              <a:t>23.10.2015</a:t>
+              <a:t>25.10.2015</a:t>
             </a:fld>
             <a:endParaRPr lang="de-DE"/>
           </a:p>
@@ -6001,7 +6253,7 @@
           <a:p>
             <a:fld id="{67E9C1B2-C123-4CB8-B829-0B1DE6516455}" type="datetime1">
               <a:rPr lang="de-DE" smtClean="0"/>
-              <a:t>23.10.2015</a:t>
+              <a:t>25.10.2015</a:t>
             </a:fld>
             <a:endParaRPr lang="de-DE"/>
           </a:p>
@@ -6225,7 +6477,7 @@
           <a:p>
             <a:fld id="{5F82951D-51DD-43CB-9395-2CD87029427A}" type="datetime1">
               <a:rPr lang="de-DE" smtClean="0"/>
-              <a:t>23.10.2015</a:t>
+              <a:t>25.10.2015</a:t>
             </a:fld>
             <a:endParaRPr lang="de-DE"/>
           </a:p>
@@ -6581,7 +6833,7 @@
           <a:p>
             <a:fld id="{F75640B3-CD2F-468A-9D6A-8FCCA521EAD8}" type="datetime1">
               <a:rPr lang="de-DE" smtClean="0"/>
-              <a:t>23.10.2015</a:t>
+              <a:t>25.10.2015</a:t>
             </a:fld>
             <a:endParaRPr lang="de-DE"/>
           </a:p>
@@ -6817,7 +7069,7 @@
           <a:p>
             <a:fld id="{66B70435-1AE2-40EE-BD35-BF23134777A3}" type="datetime1">
               <a:rPr lang="de-DE" smtClean="0"/>
-              <a:t>23.10.2015</a:t>
+              <a:t>25.10.2015</a:t>
             </a:fld>
             <a:endParaRPr lang="de-DE"/>
           </a:p>
@@ -6961,7 +7213,7 @@
           <a:p>
             <a:fld id="{8264DE6B-16CC-45D3-A85A-C342E3C400B1}" type="datetime1">
               <a:rPr lang="de-DE" smtClean="0"/>
-              <a:t>23.10.2015</a:t>
+              <a:t>25.10.2015</a:t>
             </a:fld>
             <a:endParaRPr lang="de-DE"/>
           </a:p>
@@ -7242,7 +7494,7 @@
           <a:p>
             <a:fld id="{3012F5FB-2D99-4EE6-8329-8BC403EF3BB7}" type="datetime1">
               <a:rPr lang="de-DE" smtClean="0"/>
-              <a:t>23.10.2015</a:t>
+              <a:t>25.10.2015</a:t>
             </a:fld>
             <a:endParaRPr lang="de-DE"/>
           </a:p>
@@ -7653,7 +7905,7 @@
           <a:p>
             <a:fld id="{4ACBB3FE-65F3-496E-9475-85FAF27CCA0A}" type="datetime1">
               <a:rPr lang="de-DE" smtClean="0"/>
-              <a:t>23.10.2015</a:t>
+              <a:t>25.10.2015</a:t>
             </a:fld>
             <a:endParaRPr lang="de-DE"/>
           </a:p>
@@ -7995,7 +8247,7 @@
           <a:p>
             <a:fld id="{1198494A-36A3-42DF-97C6-C12EB15310DD}" type="datetime1">
               <a:rPr lang="de-DE" smtClean="0"/>
-              <a:t>23.10.2015</a:t>
+              <a:t>25.10.2015</a:t>
             </a:fld>
             <a:endParaRPr lang="de-DE"/>
           </a:p>
@@ -12565,7 +12817,7 @@
         </p:nvSpPr>
         <p:spPr>
           <a:xfrm>
-            <a:off x="3635896" y="2204864"/>
+            <a:off x="4139952" y="2712837"/>
             <a:ext cx="216024" cy="432048"/>
           </a:xfrm>
           <a:prstGeom prst="lightningBolt">
@@ -12605,6 +12857,134 @@
           </a:p>
         </p:txBody>
       </p:sp>
+      <p:sp>
+        <p:nvSpPr>
+          <p:cNvPr id="2" name="Textfeld 1"/>
+          <p:cNvSpPr txBox="1"/>
+          <p:nvPr/>
+        </p:nvSpPr>
+        <p:spPr>
+          <a:xfrm>
+            <a:off x="723903" y="2020198"/>
+            <a:ext cx="351378" cy="369332"/>
+          </a:xfrm>
+          <a:prstGeom prst="rect">
+            <a:avLst/>
+          </a:prstGeom>
+          <a:noFill/>
+        </p:spPr>
+        <p:txBody>
+          <a:bodyPr wrap="none" rtlCol="0">
+            <a:spAutoFit/>
+          </a:bodyPr>
+          <a:lstStyle/>
+          <a:p>
+            <a:r>
+              <a:rPr lang="de-DE" dirty="0" smtClean="0"/>
+              <a:t>1.</a:t>
+            </a:r>
+            <a:endParaRPr lang="de-DE" dirty="0"/>
+          </a:p>
+        </p:txBody>
+      </p:sp>
+      <p:sp>
+        <p:nvSpPr>
+          <p:cNvPr id="30" name="Textfeld 29"/>
+          <p:cNvSpPr txBox="1"/>
+          <p:nvPr/>
+        </p:nvSpPr>
+        <p:spPr>
+          <a:xfrm>
+            <a:off x="1613191" y="2020198"/>
+            <a:ext cx="351378" cy="369332"/>
+          </a:xfrm>
+          <a:prstGeom prst="rect">
+            <a:avLst/>
+          </a:prstGeom>
+          <a:noFill/>
+        </p:spPr>
+        <p:txBody>
+          <a:bodyPr wrap="none" rtlCol="0">
+            <a:spAutoFit/>
+          </a:bodyPr>
+          <a:lstStyle/>
+          <a:p>
+            <a:r>
+              <a:rPr lang="de-DE" dirty="0"/>
+              <a:t>2</a:t>
+            </a:r>
+            <a:r>
+              <a:rPr lang="de-DE" dirty="0" smtClean="0"/>
+              <a:t>.</a:t>
+            </a:r>
+            <a:endParaRPr lang="de-DE" dirty="0"/>
+          </a:p>
+        </p:txBody>
+      </p:sp>
+      <p:sp>
+        <p:nvSpPr>
+          <p:cNvPr id="31" name="Textfeld 30"/>
+          <p:cNvSpPr txBox="1"/>
+          <p:nvPr/>
+        </p:nvSpPr>
+        <p:spPr>
+          <a:xfrm>
+            <a:off x="2492430" y="2033090"/>
+            <a:ext cx="351378" cy="369332"/>
+          </a:xfrm>
+          <a:prstGeom prst="rect">
+            <a:avLst/>
+          </a:prstGeom>
+          <a:noFill/>
+        </p:spPr>
+        <p:txBody>
+          <a:bodyPr wrap="none" rtlCol="0">
+            <a:spAutoFit/>
+          </a:bodyPr>
+          <a:lstStyle/>
+          <a:p>
+            <a:r>
+              <a:rPr lang="de-DE" dirty="0" smtClean="0"/>
+              <a:t>3.</a:t>
+            </a:r>
+            <a:endParaRPr lang="de-DE" dirty="0"/>
+          </a:p>
+        </p:txBody>
+      </p:sp>
+      <p:sp>
+        <p:nvSpPr>
+          <p:cNvPr id="32" name="Textfeld 31"/>
+          <p:cNvSpPr txBox="1"/>
+          <p:nvPr/>
+        </p:nvSpPr>
+        <p:spPr>
+          <a:xfrm>
+            <a:off x="3532215" y="2020198"/>
+            <a:ext cx="351378" cy="369332"/>
+          </a:xfrm>
+          <a:prstGeom prst="rect">
+            <a:avLst/>
+          </a:prstGeom>
+          <a:noFill/>
+        </p:spPr>
+        <p:txBody>
+          <a:bodyPr wrap="none" rtlCol="0">
+            <a:spAutoFit/>
+          </a:bodyPr>
+          <a:lstStyle/>
+          <a:p>
+            <a:r>
+              <a:rPr lang="de-DE" dirty="0"/>
+              <a:t>4</a:t>
+            </a:r>
+            <a:r>
+              <a:rPr lang="de-DE" dirty="0" smtClean="0"/>
+              <a:t>.</a:t>
+            </a:r>
+            <a:endParaRPr lang="de-DE" dirty="0"/>
+          </a:p>
+        </p:txBody>
+      </p:sp>
     </p:spTree>
     <p:extLst>
       <p:ext uri="{BB962C8B-B14F-4D97-AF65-F5344CB8AC3E}">
@@ -12647,7 +13027,9 @@
         </p:nvSpPr>
         <p:spPr/>
         <p:txBody>
-          <a:bodyPr/>
+          <a:bodyPr>
+            <a:normAutofit fontScale="90000"/>
+          </a:bodyPr>
           <a:lstStyle/>
           <a:p>
             <a:r>
@@ -12668,11 +13050,11 @@
             </a:r>
             <a:r>
               <a:rPr lang="de-DE" dirty="0"/>
-              <a:t> (</a:t>
+              <a:t> </a:t>
             </a:r>
             <a:r>
               <a:rPr lang="de-DE" dirty="0" smtClean="0"/>
-              <a:t>3.2)</a:t>
+              <a:t>(3.2)</a:t>
             </a:r>
             <a:r>
               <a:rPr lang="de-DE" dirty="0"/>
@@ -12682,18 +13064,21 @@
               <a:rPr lang="de-DE" dirty="0"/>
             </a:br>
             <a:r>
-              <a:rPr lang="de-DE" sz="2200" dirty="0"/>
-              <a:t>(arbeiten ohne </a:t>
-            </a:r>
-            <a:r>
-              <a:rPr lang="de-DE" sz="2200" dirty="0" err="1"/>
+              <a:rPr lang="de-DE" sz="2400" dirty="0"/>
+              <a:t>(arbeiten </a:t>
+            </a:r>
+            <a:r>
+              <a:rPr lang="de-DE" sz="2400" dirty="0" smtClean="0"/>
+              <a:t>mit </a:t>
+            </a:r>
+            <a:r>
+              <a:rPr lang="de-DE" sz="2400" dirty="0" err="1" smtClean="0"/>
               <a:t>Branches</a:t>
             </a:r>
             <a:r>
-              <a:rPr lang="de-DE" sz="2200" dirty="0"/>
+              <a:rPr lang="de-DE" sz="2400" dirty="0"/>
               <a:t>)</a:t>
             </a:r>
-            <a:endParaRPr lang="de-DE" dirty="0"/>
           </a:p>
         </p:txBody>
       </p:sp>
@@ -12784,467 +13169,6 @@
             <a:fld id="{32988457-9EFF-4998-891D-85ECFB4B79A4}" type="slidenum">
               <a:rPr lang="de-DE" smtClean="0"/>
               <a:t>24</a:t>
-            </a:fld>
-            <a:endParaRPr lang="de-DE"/>
-          </a:p>
-        </p:txBody>
-      </p:sp>
-      <p:sp>
-        <p:nvSpPr>
-          <p:cNvPr id="11" name="Inhaltsplatzhalter 10"/>
-          <p:cNvSpPr>
-            <a:spLocks noGrp="1"/>
-          </p:cNvSpPr>
-          <p:nvPr>
-            <p:ph sz="quarter" idx="2"/>
-          </p:nvPr>
-        </p:nvSpPr>
-        <p:spPr/>
-        <p:txBody>
-          <a:bodyPr/>
-          <a:lstStyle/>
-          <a:p>
-            <a:pPr marL="0" indent="0">
-              <a:buNone/>
-            </a:pPr>
-            <a:endParaRPr lang="de-DE" dirty="0" smtClean="0"/>
-          </a:p>
-        </p:txBody>
-      </p:sp>
-      <p:sp>
-        <p:nvSpPr>
-          <p:cNvPr id="13" name="Inhaltsplatzhalter 12"/>
-          <p:cNvSpPr>
-            <a:spLocks noGrp="1"/>
-          </p:cNvSpPr>
-          <p:nvPr>
-            <p:ph sz="quarter" idx="4"/>
-          </p:nvPr>
-        </p:nvSpPr>
-        <p:spPr/>
-        <p:txBody>
-          <a:bodyPr/>
-          <a:lstStyle/>
-          <a:p>
-            <a:pPr marL="0" indent="0">
-              <a:buNone/>
-            </a:pPr>
-            <a:endParaRPr lang="de-DE" dirty="0"/>
-          </a:p>
-        </p:txBody>
-      </p:sp>
-    </p:spTree>
-    <p:extLst>
-      <p:ext uri="{BB962C8B-B14F-4D97-AF65-F5344CB8AC3E}">
-        <p14:creationId xmlns:p14="http://schemas.microsoft.com/office/powerpoint/2010/main" val="195546110"/>
-      </p:ext>
-    </p:extLst>
-  </p:cSld>
-  <p:clrMapOvr>
-    <a:masterClrMapping/>
-  </p:clrMapOvr>
-</p:sld>
-</file>
-
-<file path=ppt/slides/slide25.xml><?xml version="1.0" encoding="utf-8"?>
-<p:sld xmlns:a="http://schemas.openxmlformats.org/drawingml/2006/main" xmlns:r="http://schemas.openxmlformats.org/officeDocument/2006/relationships" xmlns:p="http://schemas.openxmlformats.org/presentationml/2006/main">
-  <p:cSld>
-    <p:spTree>
-      <p:nvGrpSpPr>
-        <p:cNvPr id="1" name=""/>
-        <p:cNvGrpSpPr/>
-        <p:nvPr/>
-      </p:nvGrpSpPr>
-      <p:grpSpPr>
-        <a:xfrm>
-          <a:off x="0" y="0"/>
-          <a:ext cx="0" cy="0"/>
-          <a:chOff x="0" y="0"/>
-          <a:chExt cx="0" cy="0"/>
-        </a:xfrm>
-      </p:grpSpPr>
-      <p:sp>
-        <p:nvSpPr>
-          <p:cNvPr id="9" name="Titel 8"/>
-          <p:cNvSpPr>
-            <a:spLocks noGrp="1"/>
-          </p:cNvSpPr>
-          <p:nvPr>
-            <p:ph type="title"/>
-          </p:nvPr>
-        </p:nvSpPr>
-        <p:spPr/>
-        <p:txBody>
-          <a:bodyPr/>
-          <a:lstStyle/>
-          <a:p>
-            <a:r>
-              <a:rPr lang="de-DE" dirty="0"/>
-              <a:t>Working </a:t>
-            </a:r>
-            <a:r>
-              <a:rPr lang="de-DE" dirty="0" err="1"/>
-              <a:t>together</a:t>
-            </a:r>
-            <a:r>
-              <a:rPr lang="de-DE" dirty="0"/>
-              <a:t> on a </a:t>
-            </a:r>
-            <a:r>
-              <a:rPr lang="de-DE" dirty="0" err="1"/>
-              <a:t>repository</a:t>
-            </a:r>
-            <a:r>
-              <a:rPr lang="de-DE" dirty="0"/>
-              <a:t> (</a:t>
-            </a:r>
-            <a:r>
-              <a:rPr lang="de-DE" dirty="0" smtClean="0"/>
-              <a:t>3.3)</a:t>
-            </a:r>
-            <a:r>
-              <a:rPr lang="de-DE" dirty="0"/>
-              <a:t/>
-            </a:r>
-            <a:br>
-              <a:rPr lang="de-DE" dirty="0"/>
-            </a:br>
-            <a:r>
-              <a:rPr lang="de-DE" sz="2200" dirty="0"/>
-              <a:t>(arbeiten ohne </a:t>
-            </a:r>
-            <a:r>
-              <a:rPr lang="de-DE" sz="2200" dirty="0" err="1"/>
-              <a:t>Branches</a:t>
-            </a:r>
-            <a:r>
-              <a:rPr lang="de-DE" sz="2200" dirty="0"/>
-              <a:t>)</a:t>
-            </a:r>
-            <a:endParaRPr lang="de-DE" dirty="0"/>
-          </a:p>
-        </p:txBody>
-      </p:sp>
-      <p:sp>
-        <p:nvSpPr>
-          <p:cNvPr id="10" name="Textplatzhalter 9"/>
-          <p:cNvSpPr>
-            <a:spLocks noGrp="1"/>
-          </p:cNvSpPr>
-          <p:nvPr>
-            <p:ph type="body" idx="1"/>
-          </p:nvPr>
-        </p:nvSpPr>
-        <p:spPr/>
-        <p:txBody>
-          <a:bodyPr/>
-          <a:lstStyle/>
-          <a:p>
-            <a:r>
-              <a:rPr lang="de-DE" dirty="0" smtClean="0"/>
-              <a:t>Person A</a:t>
-            </a:r>
-            <a:endParaRPr lang="de-DE" dirty="0"/>
-          </a:p>
-        </p:txBody>
-      </p:sp>
-      <p:sp>
-        <p:nvSpPr>
-          <p:cNvPr id="12" name="Textplatzhalter 11"/>
-          <p:cNvSpPr>
-            <a:spLocks noGrp="1"/>
-          </p:cNvSpPr>
-          <p:nvPr>
-            <p:ph type="body" sz="half" idx="3"/>
-          </p:nvPr>
-        </p:nvSpPr>
-        <p:spPr/>
-        <p:txBody>
-          <a:bodyPr/>
-          <a:lstStyle/>
-          <a:p>
-            <a:r>
-              <a:rPr lang="de-DE" dirty="0" smtClean="0"/>
-              <a:t>Person B</a:t>
-            </a:r>
-            <a:endParaRPr lang="de-DE" dirty="0"/>
-          </a:p>
-        </p:txBody>
-      </p:sp>
-      <p:sp>
-        <p:nvSpPr>
-          <p:cNvPr id="3" name="Fußzeilenplatzhalter 2"/>
-          <p:cNvSpPr>
-            <a:spLocks noGrp="1"/>
-          </p:cNvSpPr>
-          <p:nvPr>
-            <p:ph type="ftr" sz="quarter" idx="11"/>
-          </p:nvPr>
-        </p:nvSpPr>
-        <p:spPr/>
-        <p:txBody>
-          <a:bodyPr/>
-          <a:lstStyle/>
-          <a:p>
-            <a:r>
-              <a:rPr lang="de-DE" smtClean="0"/>
-              <a:t>ePortfolio von Mehmet Ali Incekara</a:t>
-            </a:r>
-            <a:endParaRPr lang="de-DE"/>
-          </a:p>
-        </p:txBody>
-      </p:sp>
-      <p:sp>
-        <p:nvSpPr>
-          <p:cNvPr id="4" name="Foliennummernplatzhalter 3"/>
-          <p:cNvSpPr>
-            <a:spLocks noGrp="1"/>
-          </p:cNvSpPr>
-          <p:nvPr>
-            <p:ph type="sldNum" sz="quarter" idx="12"/>
-          </p:nvPr>
-        </p:nvSpPr>
-        <p:spPr/>
-        <p:txBody>
-          <a:bodyPr/>
-          <a:lstStyle/>
-          <a:p>
-            <a:fld id="{32988457-9EFF-4998-891D-85ECFB4B79A4}" type="slidenum">
-              <a:rPr lang="de-DE" smtClean="0"/>
-              <a:t>25</a:t>
-            </a:fld>
-            <a:endParaRPr lang="de-DE"/>
-          </a:p>
-        </p:txBody>
-      </p:sp>
-      <p:sp>
-        <p:nvSpPr>
-          <p:cNvPr id="11" name="Inhaltsplatzhalter 10"/>
-          <p:cNvSpPr>
-            <a:spLocks noGrp="1"/>
-          </p:cNvSpPr>
-          <p:nvPr>
-            <p:ph sz="quarter" idx="2"/>
-          </p:nvPr>
-        </p:nvSpPr>
-        <p:spPr/>
-        <p:txBody>
-          <a:bodyPr/>
-          <a:lstStyle/>
-          <a:p>
-            <a:pPr marL="0" indent="0">
-              <a:buNone/>
-            </a:pPr>
-            <a:endParaRPr lang="de-DE" dirty="0" smtClean="0"/>
-          </a:p>
-        </p:txBody>
-      </p:sp>
-      <p:sp>
-        <p:nvSpPr>
-          <p:cNvPr id="13" name="Inhaltsplatzhalter 12"/>
-          <p:cNvSpPr>
-            <a:spLocks noGrp="1"/>
-          </p:cNvSpPr>
-          <p:nvPr>
-            <p:ph sz="quarter" idx="4"/>
-          </p:nvPr>
-        </p:nvSpPr>
-        <p:spPr/>
-        <p:txBody>
-          <a:bodyPr/>
-          <a:lstStyle/>
-          <a:p>
-            <a:pPr marL="0" indent="0">
-              <a:buNone/>
-            </a:pPr>
-            <a:endParaRPr lang="de-DE" dirty="0"/>
-          </a:p>
-        </p:txBody>
-      </p:sp>
-    </p:spTree>
-    <p:extLst>
-      <p:ext uri="{BB962C8B-B14F-4D97-AF65-F5344CB8AC3E}">
-        <p14:creationId xmlns:p14="http://schemas.microsoft.com/office/powerpoint/2010/main" val="792097837"/>
-      </p:ext>
-    </p:extLst>
-  </p:cSld>
-  <p:clrMapOvr>
-    <a:masterClrMapping/>
-  </p:clrMapOvr>
-</p:sld>
-</file>
-
-<file path=ppt/slides/slide26.xml><?xml version="1.0" encoding="utf-8"?>
-<p:sld xmlns:a="http://schemas.openxmlformats.org/drawingml/2006/main" xmlns:r="http://schemas.openxmlformats.org/officeDocument/2006/relationships" xmlns:p="http://schemas.openxmlformats.org/presentationml/2006/main">
-  <p:cSld>
-    <p:spTree>
-      <p:nvGrpSpPr>
-        <p:cNvPr id="1" name=""/>
-        <p:cNvGrpSpPr/>
-        <p:nvPr/>
-      </p:nvGrpSpPr>
-      <p:grpSpPr>
-        <a:xfrm>
-          <a:off x="0" y="0"/>
-          <a:ext cx="0" cy="0"/>
-          <a:chOff x="0" y="0"/>
-          <a:chExt cx="0" cy="0"/>
-        </a:xfrm>
-      </p:grpSpPr>
-      <p:sp>
-        <p:nvSpPr>
-          <p:cNvPr id="9" name="Titel 8"/>
-          <p:cNvSpPr>
-            <a:spLocks noGrp="1"/>
-          </p:cNvSpPr>
-          <p:nvPr>
-            <p:ph type="title"/>
-          </p:nvPr>
-        </p:nvSpPr>
-        <p:spPr/>
-        <p:txBody>
-          <a:bodyPr>
-            <a:normAutofit fontScale="90000"/>
-          </a:bodyPr>
-          <a:lstStyle/>
-          <a:p>
-            <a:r>
-              <a:rPr lang="de-DE" dirty="0"/>
-              <a:t>Working </a:t>
-            </a:r>
-            <a:r>
-              <a:rPr lang="de-DE" dirty="0" err="1"/>
-              <a:t>together</a:t>
-            </a:r>
-            <a:r>
-              <a:rPr lang="de-DE" dirty="0"/>
-              <a:t> on a </a:t>
-            </a:r>
-            <a:r>
-              <a:rPr lang="de-DE" dirty="0" err="1"/>
-              <a:t>repository</a:t>
-            </a:r>
-            <a:r>
-              <a:rPr lang="de-DE" dirty="0"/>
-              <a:t> </a:t>
-            </a:r>
-            <a:r>
-              <a:rPr lang="de-DE" dirty="0" smtClean="0"/>
-              <a:t>(4.1)</a:t>
-            </a:r>
-            <a:r>
-              <a:rPr lang="de-DE" dirty="0"/>
-              <a:t/>
-            </a:r>
-            <a:br>
-              <a:rPr lang="de-DE" dirty="0"/>
-            </a:br>
-            <a:r>
-              <a:rPr lang="de-DE" sz="2400" dirty="0"/>
-              <a:t>(arbeiten </a:t>
-            </a:r>
-            <a:r>
-              <a:rPr lang="de-DE" sz="2400" dirty="0" smtClean="0"/>
-              <a:t>mit </a:t>
-            </a:r>
-            <a:r>
-              <a:rPr lang="de-DE" sz="2400" dirty="0" err="1" smtClean="0"/>
-              <a:t>Branches</a:t>
-            </a:r>
-            <a:r>
-              <a:rPr lang="de-DE" sz="2400" dirty="0"/>
-              <a:t>)</a:t>
-            </a:r>
-          </a:p>
-        </p:txBody>
-      </p:sp>
-      <p:sp>
-        <p:nvSpPr>
-          <p:cNvPr id="10" name="Textplatzhalter 9"/>
-          <p:cNvSpPr>
-            <a:spLocks noGrp="1"/>
-          </p:cNvSpPr>
-          <p:nvPr>
-            <p:ph type="body" idx="1"/>
-          </p:nvPr>
-        </p:nvSpPr>
-        <p:spPr/>
-        <p:txBody>
-          <a:bodyPr/>
-          <a:lstStyle/>
-          <a:p>
-            <a:r>
-              <a:rPr lang="de-DE" dirty="0" smtClean="0"/>
-              <a:t>Person A</a:t>
-            </a:r>
-            <a:endParaRPr lang="de-DE" dirty="0"/>
-          </a:p>
-        </p:txBody>
-      </p:sp>
-      <p:sp>
-        <p:nvSpPr>
-          <p:cNvPr id="12" name="Textplatzhalter 11"/>
-          <p:cNvSpPr>
-            <a:spLocks noGrp="1"/>
-          </p:cNvSpPr>
-          <p:nvPr>
-            <p:ph type="body" sz="half" idx="3"/>
-          </p:nvPr>
-        </p:nvSpPr>
-        <p:spPr/>
-        <p:txBody>
-          <a:bodyPr/>
-          <a:lstStyle/>
-          <a:p>
-            <a:r>
-              <a:rPr lang="de-DE" dirty="0" smtClean="0"/>
-              <a:t>Person B</a:t>
-            </a:r>
-            <a:endParaRPr lang="de-DE" dirty="0"/>
-          </a:p>
-        </p:txBody>
-      </p:sp>
-      <p:sp>
-        <p:nvSpPr>
-          <p:cNvPr id="3" name="Fußzeilenplatzhalter 2"/>
-          <p:cNvSpPr>
-            <a:spLocks noGrp="1"/>
-          </p:cNvSpPr>
-          <p:nvPr>
-            <p:ph type="ftr" sz="quarter" idx="11"/>
-          </p:nvPr>
-        </p:nvSpPr>
-        <p:spPr/>
-        <p:txBody>
-          <a:bodyPr/>
-          <a:lstStyle/>
-          <a:p>
-            <a:r>
-              <a:rPr lang="de-DE" smtClean="0"/>
-              <a:t>ePortfolio von Mehmet Ali Incekara</a:t>
-            </a:r>
-            <a:endParaRPr lang="de-DE"/>
-          </a:p>
-        </p:txBody>
-      </p:sp>
-      <p:sp>
-        <p:nvSpPr>
-          <p:cNvPr id="4" name="Foliennummernplatzhalter 3"/>
-          <p:cNvSpPr>
-            <a:spLocks noGrp="1"/>
-          </p:cNvSpPr>
-          <p:nvPr>
-            <p:ph type="sldNum" sz="quarter" idx="12"/>
-          </p:nvPr>
-        </p:nvSpPr>
-        <p:spPr/>
-        <p:txBody>
-          <a:bodyPr/>
-          <a:lstStyle/>
-          <a:p>
-            <a:fld id="{32988457-9EFF-4998-891D-85ECFB4B79A4}" type="slidenum">
-              <a:rPr lang="de-DE" smtClean="0"/>
-              <a:t>26</a:t>
             </a:fld>
             <a:endParaRPr lang="de-DE"/>
           </a:p>
@@ -13629,13 +13553,8 @@
             </a:r>
             <a:r>
               <a:rPr lang="de-DE" sz="1200" dirty="0"/>
-              <a:t> </a:t>
-            </a:r>
-            <a:r>
-              <a:rPr lang="de-DE" sz="1200" dirty="0"/>
-              <a:t>B</a:t>
-            </a:r>
-            <a:endParaRPr lang="de-DE" sz="1200" dirty="0"/>
+              <a:t> B</a:t>
+            </a:r>
           </a:p>
         </p:txBody>
       </p:sp>
@@ -13848,13 +13767,8 @@
             </a:r>
             <a:r>
               <a:rPr lang="de-DE" sz="1200" dirty="0"/>
-              <a:t> </a:t>
-            </a:r>
-            <a:r>
-              <a:rPr lang="de-DE" sz="1200" dirty="0"/>
-              <a:t>A</a:t>
-            </a:r>
-            <a:endParaRPr lang="de-DE" sz="1200" dirty="0"/>
+              <a:t> A</a:t>
+            </a:r>
           </a:p>
         </p:txBody>
       </p:sp>
@@ -14017,7 +13931,7 @@
 </p:sld>
 </file>
 
-<file path=ppt/slides/slide27.xml><?xml version="1.0" encoding="utf-8"?>
+<file path=ppt/slides/slide25.xml><?xml version="1.0" encoding="utf-8"?>
 <p:sld xmlns:a="http://schemas.openxmlformats.org/drawingml/2006/main" xmlns:r="http://schemas.openxmlformats.org/officeDocument/2006/relationships" xmlns:p="http://schemas.openxmlformats.org/presentationml/2006/main">
   <p:cSld>
     <p:spTree>
@@ -14050,51 +13964,24 @@
           <a:lstStyle/>
           <a:p>
             <a:r>
-              <a:rPr lang="de-DE" dirty="0"/>
-              <a:t>Working </a:t>
-            </a:r>
-            <a:r>
-              <a:rPr lang="de-DE" dirty="0" err="1"/>
-              <a:t>together</a:t>
-            </a:r>
-            <a:r>
-              <a:rPr lang="de-DE" dirty="0"/>
-              <a:t> on a </a:t>
-            </a:r>
-            <a:r>
-              <a:rPr lang="de-DE" dirty="0" err="1"/>
-              <a:t>repository</a:t>
+              <a:rPr lang="de-DE" dirty="0" err="1" smtClean="0"/>
+              <a:t>Merging</a:t>
             </a:r>
             <a:r>
               <a:rPr lang="de-DE" dirty="0"/>
               <a:t> </a:t>
             </a:r>
             <a:r>
+              <a:rPr lang="de-DE" dirty="0" err="1" smtClean="0"/>
+              <a:t>with</a:t>
+            </a:r>
+            <a:r>
               <a:rPr lang="de-DE" dirty="0" smtClean="0"/>
-              <a:t>(4.2)</a:t>
-            </a:r>
-            <a:r>
-              <a:rPr lang="de-DE" dirty="0"/>
-              <a:t/>
-            </a:r>
-            <a:br>
-              <a:rPr lang="de-DE" dirty="0"/>
-            </a:br>
-            <a:r>
-              <a:rPr lang="de-DE" sz="2200" dirty="0"/>
-              <a:t>(arbeiten </a:t>
-            </a:r>
-            <a:r>
-              <a:rPr lang="de-DE" sz="2200" dirty="0" smtClean="0"/>
-              <a:t>mit </a:t>
-            </a:r>
-            <a:r>
-              <a:rPr lang="de-DE" sz="2200" dirty="0" err="1" smtClean="0"/>
-              <a:t>Branches</a:t>
-            </a:r>
-            <a:r>
-              <a:rPr lang="de-DE" sz="2200" dirty="0"/>
-              <a:t>)</a:t>
+              <a:t> </a:t>
+            </a:r>
+            <a:r>
+              <a:rPr lang="de-DE" dirty="0" err="1" smtClean="0"/>
+              <a:t>IntelliJ</a:t>
             </a:r>
             <a:endParaRPr lang="de-DE" dirty="0"/>
           </a:p>
@@ -14102,53 +13989,7 @@
       </p:sp>
       <p:sp>
         <p:nvSpPr>
-          <p:cNvPr id="10" name="Textplatzhalter 9"/>
-          <p:cNvSpPr>
-            <a:spLocks noGrp="1"/>
-          </p:cNvSpPr>
-          <p:nvPr>
-            <p:ph type="body" idx="1"/>
-          </p:nvPr>
-        </p:nvSpPr>
-        <p:spPr/>
-        <p:txBody>
-          <a:bodyPr/>
-          <a:lstStyle/>
-          <a:p>
-            <a:r>
-              <a:rPr lang="de-DE" dirty="0" smtClean="0"/>
-              <a:t>Person A</a:t>
-            </a:r>
-            <a:endParaRPr lang="de-DE" dirty="0"/>
-          </a:p>
-        </p:txBody>
-      </p:sp>
-      <p:sp>
-        <p:nvSpPr>
-          <p:cNvPr id="12" name="Textplatzhalter 11"/>
-          <p:cNvSpPr>
-            <a:spLocks noGrp="1"/>
-          </p:cNvSpPr>
-          <p:nvPr>
-            <p:ph type="body" sz="half" idx="3"/>
-          </p:nvPr>
-        </p:nvSpPr>
-        <p:spPr/>
-        <p:txBody>
-          <a:bodyPr/>
-          <a:lstStyle/>
-          <a:p>
-            <a:r>
-              <a:rPr lang="de-DE" dirty="0" smtClean="0"/>
-              <a:t>Person B</a:t>
-            </a:r>
-            <a:endParaRPr lang="de-DE" dirty="0"/>
-          </a:p>
-        </p:txBody>
-      </p:sp>
-      <p:sp>
-        <p:nvSpPr>
-          <p:cNvPr id="3" name="Fußzeilenplatzhalter 2"/>
+          <p:cNvPr id="5" name="Fußzeilenplatzhalter 4"/>
           <p:cNvSpPr>
             <a:spLocks noGrp="1"/>
           </p:cNvSpPr>
@@ -14171,7 +14012,7 @@
       </p:sp>
       <p:sp>
         <p:nvSpPr>
-          <p:cNvPr id="4" name="Foliennummernplatzhalter 3"/>
+          <p:cNvPr id="6" name="Foliennummernplatzhalter 5"/>
           <p:cNvSpPr>
             <a:spLocks noGrp="1"/>
           </p:cNvSpPr>
@@ -14186,60 +14027,86 @@
           <a:p>
             <a:fld id="{32988457-9EFF-4998-891D-85ECFB4B79A4}" type="slidenum">
               <a:rPr lang="de-DE" smtClean="0"/>
-              <a:t>27</a:t>
+              <a:t>25</a:t>
             </a:fld>
             <a:endParaRPr lang="de-DE"/>
           </a:p>
         </p:txBody>
       </p:sp>
-      <p:sp>
-        <p:nvSpPr>
-          <p:cNvPr id="11" name="Inhaltsplatzhalter 10"/>
-          <p:cNvSpPr>
-            <a:spLocks noGrp="1"/>
-          </p:cNvSpPr>
-          <p:nvPr>
-            <p:ph sz="quarter" idx="2"/>
-          </p:nvPr>
-        </p:nvSpPr>
-        <p:spPr/>
-        <p:txBody>
-          <a:bodyPr/>
-          <a:lstStyle/>
-          <a:p>
-            <a:pPr marL="0" indent="0">
-              <a:buNone/>
-            </a:pPr>
-            <a:endParaRPr lang="de-DE" dirty="0" smtClean="0"/>
-          </a:p>
-        </p:txBody>
-      </p:sp>
-      <p:sp>
-        <p:nvSpPr>
-          <p:cNvPr id="13" name="Inhaltsplatzhalter 12"/>
-          <p:cNvSpPr>
-            <a:spLocks noGrp="1"/>
-          </p:cNvSpPr>
-          <p:nvPr>
-            <p:ph sz="quarter" idx="4"/>
-          </p:nvPr>
-        </p:nvSpPr>
-        <p:spPr/>
-        <p:txBody>
-          <a:bodyPr/>
-          <a:lstStyle/>
-          <a:p>
-            <a:pPr marL="0" indent="0">
-              <a:buNone/>
-            </a:pPr>
-            <a:endParaRPr lang="de-DE" dirty="0"/>
+      <p:pic>
+        <p:nvPicPr>
+          <p:cNvPr id="1026" name="Picture 2" descr="https://www.jetbrains.com/img/webhelp/idea/ps_resolveConflict.png"/>
+          <p:cNvPicPr>
+            <a:picLocks noChangeAspect="1" noChangeArrowheads="1"/>
+          </p:cNvPicPr>
+          <p:nvPr/>
+        </p:nvPicPr>
+        <p:blipFill>
+          <a:blip r:embed="rId3">
+            <a:extLst>
+              <a:ext uri="{28A0092B-C50C-407E-A947-70E740481C1C}">
+                <a14:useLocalDpi xmlns:a14="http://schemas.microsoft.com/office/drawing/2010/main" val="0"/>
+              </a:ext>
+            </a:extLst>
+          </a:blip>
+          <a:srcRect/>
+          <a:stretch>
+            <a:fillRect/>
+          </a:stretch>
+        </p:blipFill>
+        <p:spPr bwMode="auto">
+          <a:xfrm>
+            <a:off x="1403648" y="1268760"/>
+            <a:ext cx="6296025" cy="4695825"/>
+          </a:xfrm>
+          <a:prstGeom prst="rect">
+            <a:avLst/>
+          </a:prstGeom>
+          <a:noFill/>
+          <a:extLst>
+            <a:ext uri="{909E8E84-426E-40DD-AFC4-6F175D3DCCD1}">
+              <a14:hiddenFill xmlns:a14="http://schemas.microsoft.com/office/drawing/2010/main">
+                <a:solidFill>
+                  <a:srgbClr val="FFFFFF"/>
+                </a:solidFill>
+              </a14:hiddenFill>
+            </a:ext>
+          </a:extLst>
+        </p:spPr>
+      </p:pic>
+      <p:sp>
+        <p:nvSpPr>
+          <p:cNvPr id="11" name="Textfeld 10"/>
+          <p:cNvSpPr txBox="1"/>
+          <p:nvPr/>
+        </p:nvSpPr>
+        <p:spPr>
+          <a:xfrm>
+            <a:off x="2339752" y="5949280"/>
+            <a:ext cx="4393319" cy="276999"/>
+          </a:xfrm>
+          <a:prstGeom prst="rect">
+            <a:avLst/>
+          </a:prstGeom>
+          <a:noFill/>
+        </p:spPr>
+        <p:txBody>
+          <a:bodyPr wrap="none" rtlCol="0">
+            <a:spAutoFit/>
+          </a:bodyPr>
+          <a:lstStyle/>
+          <a:p>
+            <a:r>
+              <a:rPr lang="de-DE" sz="1200" dirty="0"/>
+              <a:t>https://www.jetbrains.com/img/webhelp/idea/ps_resolveConflict.png</a:t>
+            </a:r>
           </a:p>
         </p:txBody>
       </p:sp>
     </p:spTree>
     <p:extLst>
       <p:ext uri="{BB962C8B-B14F-4D97-AF65-F5344CB8AC3E}">
-        <p14:creationId xmlns:p14="http://schemas.microsoft.com/office/powerpoint/2010/main" val="4283742538"/>
+        <p14:creationId xmlns:p14="http://schemas.microsoft.com/office/powerpoint/2010/main" val="888305478"/>
       </p:ext>
     </p:extLst>
   </p:cSld>
@@ -14249,7 +14116,7 @@
 </p:sld>
 </file>
 
-<file path=ppt/slides/slide28.xml><?xml version="1.0" encoding="utf-8"?>
+<file path=ppt/slides/slide26.xml><?xml version="1.0" encoding="utf-8"?>
 <p:sld xmlns:a="http://schemas.openxmlformats.org/drawingml/2006/main" xmlns:r="http://schemas.openxmlformats.org/officeDocument/2006/relationships" xmlns:p="http://schemas.openxmlformats.org/presentationml/2006/main">
   <p:cSld>
     <p:spTree>
@@ -14268,238 +14135,6 @@
       </p:grpSpPr>
       <p:sp>
         <p:nvSpPr>
-          <p:cNvPr id="9" name="Titel 8"/>
-          <p:cNvSpPr>
-            <a:spLocks noGrp="1"/>
-          </p:cNvSpPr>
-          <p:nvPr>
-            <p:ph type="title"/>
-          </p:nvPr>
-        </p:nvSpPr>
-        <p:spPr/>
-        <p:txBody>
-          <a:bodyPr/>
-          <a:lstStyle/>
-          <a:p>
-            <a:r>
-              <a:rPr lang="de-DE" dirty="0"/>
-              <a:t>Working </a:t>
-            </a:r>
-            <a:r>
-              <a:rPr lang="de-DE" dirty="0" err="1"/>
-              <a:t>together</a:t>
-            </a:r>
-            <a:r>
-              <a:rPr lang="de-DE" dirty="0"/>
-              <a:t> on a </a:t>
-            </a:r>
-            <a:r>
-              <a:rPr lang="de-DE" dirty="0" err="1"/>
-              <a:t>repository</a:t>
-            </a:r>
-            <a:r>
-              <a:rPr lang="de-DE" dirty="0"/>
-              <a:t> </a:t>
-            </a:r>
-            <a:r>
-              <a:rPr lang="de-DE" dirty="0" smtClean="0"/>
-              <a:t>(4.3)</a:t>
-            </a:r>
-            <a:r>
-              <a:rPr lang="de-DE" dirty="0"/>
-              <a:t/>
-            </a:r>
-            <a:br>
-              <a:rPr lang="de-DE" dirty="0"/>
-            </a:br>
-            <a:r>
-              <a:rPr lang="de-DE" sz="2200" dirty="0"/>
-              <a:t>(arbeiten </a:t>
-            </a:r>
-            <a:r>
-              <a:rPr lang="de-DE" sz="2200" dirty="0" smtClean="0"/>
-              <a:t>mit </a:t>
-            </a:r>
-            <a:r>
-              <a:rPr lang="de-DE" sz="2200" dirty="0" err="1" smtClean="0"/>
-              <a:t>Branches</a:t>
-            </a:r>
-            <a:r>
-              <a:rPr lang="de-DE" sz="2200" dirty="0"/>
-              <a:t>)</a:t>
-            </a:r>
-            <a:endParaRPr lang="de-DE" dirty="0"/>
-          </a:p>
-        </p:txBody>
-      </p:sp>
-      <p:sp>
-        <p:nvSpPr>
-          <p:cNvPr id="10" name="Textplatzhalter 9"/>
-          <p:cNvSpPr>
-            <a:spLocks noGrp="1"/>
-          </p:cNvSpPr>
-          <p:nvPr>
-            <p:ph type="body" idx="1"/>
-          </p:nvPr>
-        </p:nvSpPr>
-        <p:spPr/>
-        <p:txBody>
-          <a:bodyPr/>
-          <a:lstStyle/>
-          <a:p>
-            <a:r>
-              <a:rPr lang="de-DE" dirty="0" smtClean="0"/>
-              <a:t>Person A</a:t>
-            </a:r>
-            <a:endParaRPr lang="de-DE" dirty="0"/>
-          </a:p>
-        </p:txBody>
-      </p:sp>
-      <p:sp>
-        <p:nvSpPr>
-          <p:cNvPr id="12" name="Textplatzhalter 11"/>
-          <p:cNvSpPr>
-            <a:spLocks noGrp="1"/>
-          </p:cNvSpPr>
-          <p:nvPr>
-            <p:ph type="body" sz="half" idx="3"/>
-          </p:nvPr>
-        </p:nvSpPr>
-        <p:spPr/>
-        <p:txBody>
-          <a:bodyPr/>
-          <a:lstStyle/>
-          <a:p>
-            <a:r>
-              <a:rPr lang="de-DE" dirty="0" smtClean="0"/>
-              <a:t>Person B</a:t>
-            </a:r>
-            <a:endParaRPr lang="de-DE" dirty="0"/>
-          </a:p>
-        </p:txBody>
-      </p:sp>
-      <p:sp>
-        <p:nvSpPr>
-          <p:cNvPr id="3" name="Fußzeilenplatzhalter 2"/>
-          <p:cNvSpPr>
-            <a:spLocks noGrp="1"/>
-          </p:cNvSpPr>
-          <p:nvPr>
-            <p:ph type="ftr" sz="quarter" idx="11"/>
-          </p:nvPr>
-        </p:nvSpPr>
-        <p:spPr/>
-        <p:txBody>
-          <a:bodyPr/>
-          <a:lstStyle/>
-          <a:p>
-            <a:r>
-              <a:rPr lang="de-DE" smtClean="0"/>
-              <a:t>ePortfolio von Mehmet Ali Incekara</a:t>
-            </a:r>
-            <a:endParaRPr lang="de-DE"/>
-          </a:p>
-        </p:txBody>
-      </p:sp>
-      <p:sp>
-        <p:nvSpPr>
-          <p:cNvPr id="4" name="Foliennummernplatzhalter 3"/>
-          <p:cNvSpPr>
-            <a:spLocks noGrp="1"/>
-          </p:cNvSpPr>
-          <p:nvPr>
-            <p:ph type="sldNum" sz="quarter" idx="12"/>
-          </p:nvPr>
-        </p:nvSpPr>
-        <p:spPr/>
-        <p:txBody>
-          <a:bodyPr/>
-          <a:lstStyle/>
-          <a:p>
-            <a:fld id="{32988457-9EFF-4998-891D-85ECFB4B79A4}" type="slidenum">
-              <a:rPr lang="de-DE" smtClean="0"/>
-              <a:t>28</a:t>
-            </a:fld>
-            <a:endParaRPr lang="de-DE"/>
-          </a:p>
-        </p:txBody>
-      </p:sp>
-      <p:sp>
-        <p:nvSpPr>
-          <p:cNvPr id="11" name="Inhaltsplatzhalter 10"/>
-          <p:cNvSpPr>
-            <a:spLocks noGrp="1"/>
-          </p:cNvSpPr>
-          <p:nvPr>
-            <p:ph sz="quarter" idx="2"/>
-          </p:nvPr>
-        </p:nvSpPr>
-        <p:spPr/>
-        <p:txBody>
-          <a:bodyPr/>
-          <a:lstStyle/>
-          <a:p>
-            <a:pPr marL="0" indent="0">
-              <a:buNone/>
-            </a:pPr>
-            <a:endParaRPr lang="de-DE" dirty="0" smtClean="0"/>
-          </a:p>
-        </p:txBody>
-      </p:sp>
-      <p:sp>
-        <p:nvSpPr>
-          <p:cNvPr id="13" name="Inhaltsplatzhalter 12"/>
-          <p:cNvSpPr>
-            <a:spLocks noGrp="1"/>
-          </p:cNvSpPr>
-          <p:nvPr>
-            <p:ph sz="quarter" idx="4"/>
-          </p:nvPr>
-        </p:nvSpPr>
-        <p:spPr/>
-        <p:txBody>
-          <a:bodyPr/>
-          <a:lstStyle/>
-          <a:p>
-            <a:pPr marL="0" indent="0">
-              <a:buNone/>
-            </a:pPr>
-            <a:endParaRPr lang="de-DE" dirty="0"/>
-          </a:p>
-        </p:txBody>
-      </p:sp>
-    </p:spTree>
-    <p:extLst>
-      <p:ext uri="{BB962C8B-B14F-4D97-AF65-F5344CB8AC3E}">
-        <p14:creationId xmlns:p14="http://schemas.microsoft.com/office/powerpoint/2010/main" val="792097837"/>
-      </p:ext>
-    </p:extLst>
-  </p:cSld>
-  <p:clrMapOvr>
-    <a:masterClrMapping/>
-  </p:clrMapOvr>
-</p:sld>
-</file>
-
-<file path=ppt/slides/slide29.xml><?xml version="1.0" encoding="utf-8"?>
-<p:sld xmlns:a="http://schemas.openxmlformats.org/drawingml/2006/main" xmlns:r="http://schemas.openxmlformats.org/officeDocument/2006/relationships" xmlns:p="http://schemas.openxmlformats.org/presentationml/2006/main">
-  <p:cSld>
-    <p:spTree>
-      <p:nvGrpSpPr>
-        <p:cNvPr id="1" name=""/>
-        <p:cNvGrpSpPr/>
-        <p:nvPr/>
-      </p:nvGrpSpPr>
-      <p:grpSpPr>
-        <a:xfrm>
-          <a:off x="0" y="0"/>
-          <a:ext cx="0" cy="0"/>
-          <a:chOff x="0" y="0"/>
-          <a:chExt cx="0" cy="0"/>
-        </a:xfrm>
-      </p:grpSpPr>
-      <p:sp>
-        <p:nvSpPr>
           <p:cNvPr id="2" name="Titel 1"/>
           <p:cNvSpPr>
             <a:spLocks noGrp="1"/>
@@ -14563,7 +14198,7 @@
           <a:p>
             <a:fld id="{32988457-9EFF-4998-891D-85ECFB4B79A4}" type="slidenum">
               <a:rPr lang="de-DE" smtClean="0"/>
-              <a:t>29</a:t>
+              <a:t>26</a:t>
             </a:fld>
             <a:endParaRPr lang="de-DE"/>
           </a:p>
@@ -15389,6 +15024,475 @@
 </p:sld>
 </file>
 
+<file path=ppt/slides/slide27.xml><?xml version="1.0" encoding="utf-8"?>
+<p:sld xmlns:a="http://schemas.openxmlformats.org/drawingml/2006/main" xmlns:r="http://schemas.openxmlformats.org/officeDocument/2006/relationships" xmlns:p="http://schemas.openxmlformats.org/presentationml/2006/main">
+  <p:cSld>
+    <p:spTree>
+      <p:nvGrpSpPr>
+        <p:cNvPr id="1" name=""/>
+        <p:cNvGrpSpPr/>
+        <p:nvPr/>
+      </p:nvGrpSpPr>
+      <p:grpSpPr>
+        <a:xfrm>
+          <a:off x="0" y="0"/>
+          <a:ext cx="0" cy="0"/>
+          <a:chOff x="0" y="0"/>
+          <a:chExt cx="0" cy="0"/>
+        </a:xfrm>
+      </p:grpSpPr>
+      <p:sp>
+        <p:nvSpPr>
+          <p:cNvPr id="2" name="Titel 1"/>
+          <p:cNvSpPr>
+            <a:spLocks noGrp="1"/>
+          </p:cNvSpPr>
+          <p:nvPr>
+            <p:ph type="title"/>
+          </p:nvPr>
+        </p:nvSpPr>
+        <p:spPr/>
+        <p:txBody>
+          <a:bodyPr>
+            <a:normAutofit/>
+          </a:bodyPr>
+          <a:lstStyle/>
+          <a:p>
+            <a:r>
+              <a:rPr lang="de-DE" dirty="0"/>
+              <a:t>Weitere </a:t>
+            </a:r>
+            <a:r>
+              <a:rPr lang="de-DE" dirty="0" smtClean="0"/>
+              <a:t>Links/Tutorials</a:t>
+            </a:r>
+            <a:endParaRPr lang="de-DE" dirty="0"/>
+          </a:p>
+        </p:txBody>
+      </p:sp>
+      <p:sp>
+        <p:nvSpPr>
+          <p:cNvPr id="3" name="Fußzeilenplatzhalter 2"/>
+          <p:cNvSpPr>
+            <a:spLocks noGrp="1"/>
+          </p:cNvSpPr>
+          <p:nvPr>
+            <p:ph type="ftr" sz="quarter" idx="11"/>
+          </p:nvPr>
+        </p:nvSpPr>
+        <p:spPr/>
+        <p:txBody>
+          <a:bodyPr/>
+          <a:lstStyle/>
+          <a:p>
+            <a:r>
+              <a:rPr lang="de-DE" smtClean="0"/>
+              <a:t>ePortfolio von Mehmet Ali Incekara</a:t>
+            </a:r>
+            <a:endParaRPr lang="de-DE"/>
+          </a:p>
+        </p:txBody>
+      </p:sp>
+      <p:sp>
+        <p:nvSpPr>
+          <p:cNvPr id="4" name="Foliennummernplatzhalter 3"/>
+          <p:cNvSpPr>
+            <a:spLocks noGrp="1"/>
+          </p:cNvSpPr>
+          <p:nvPr>
+            <p:ph type="sldNum" sz="quarter" idx="12"/>
+          </p:nvPr>
+        </p:nvSpPr>
+        <p:spPr/>
+        <p:txBody>
+          <a:bodyPr/>
+          <a:lstStyle/>
+          <a:p>
+            <a:fld id="{32988457-9EFF-4998-891D-85ECFB4B79A4}" type="slidenum">
+              <a:rPr lang="de-DE" smtClean="0"/>
+              <a:t>27</a:t>
+            </a:fld>
+            <a:endParaRPr lang="de-DE"/>
+          </a:p>
+        </p:txBody>
+      </p:sp>
+      <p:sp>
+        <p:nvSpPr>
+          <p:cNvPr id="5" name="Inhaltsplatzhalter 4"/>
+          <p:cNvSpPr>
+            <a:spLocks noGrp="1"/>
+          </p:cNvSpPr>
+          <p:nvPr>
+            <p:ph sz="quarter" idx="1"/>
+          </p:nvPr>
+        </p:nvSpPr>
+        <p:spPr/>
+        <p:txBody>
+          <a:bodyPr/>
+          <a:lstStyle/>
+          <a:p>
+            <a:pPr marL="0" indent="0">
+              <a:buNone/>
+            </a:pPr>
+            <a:r>
+              <a:rPr lang="de-DE" dirty="0"/>
+              <a:t>w</a:t>
+            </a:r>
+            <a:r>
+              <a:rPr lang="de-DE" dirty="0" smtClean="0"/>
+              <a:t>eitere Tutorials:</a:t>
+            </a:r>
+          </a:p>
+          <a:p>
+            <a:r>
+              <a:rPr lang="de-DE" dirty="0" smtClean="0">
+                <a:hlinkClick r:id="rId2"/>
+              </a:rPr>
+              <a:t>https</a:t>
+            </a:r>
+            <a:r>
+              <a:rPr lang="de-DE" dirty="0">
+                <a:hlinkClick r:id="rId2"/>
+              </a:rPr>
+              <a:t>://</a:t>
+            </a:r>
+            <a:r>
+              <a:rPr lang="de-DE" dirty="0" smtClean="0">
+                <a:hlinkClick r:id="rId2"/>
+              </a:rPr>
+              <a:t>rogerdudler.github.io/git-guide/index.de.html</a:t>
+            </a:r>
+            <a:endParaRPr lang="de-DE" dirty="0" smtClean="0"/>
+          </a:p>
+          <a:p>
+            <a:r>
+              <a:rPr lang="de-DE" dirty="0">
+                <a:hlinkClick r:id="rId3"/>
+              </a:rPr>
+              <a:t>https://www.atlassian.com/git/tutorials</a:t>
+            </a:r>
+            <a:r>
+              <a:rPr lang="de-DE" dirty="0" smtClean="0">
+                <a:hlinkClick r:id="rId3"/>
+              </a:rPr>
+              <a:t>/</a:t>
+            </a:r>
+            <a:endParaRPr lang="de-DE" dirty="0" smtClean="0"/>
+          </a:p>
+          <a:p>
+            <a:r>
+              <a:rPr lang="de-DE" dirty="0">
+                <a:hlinkClick r:id="rId4"/>
+              </a:rPr>
+              <a:t>http://</a:t>
+            </a:r>
+            <a:r>
+              <a:rPr lang="de-DE" dirty="0" smtClean="0">
+                <a:hlinkClick r:id="rId4"/>
+              </a:rPr>
+              <a:t>git-scm.com/docs/gittutorial</a:t>
+            </a:r>
+            <a:endParaRPr lang="de-DE" dirty="0" smtClean="0"/>
+          </a:p>
+          <a:p>
+            <a:pPr marL="0" indent="0">
+              <a:buNone/>
+            </a:pPr>
+            <a:r>
+              <a:rPr lang="de-DE" dirty="0"/>
+              <a:t>w</a:t>
+            </a:r>
+            <a:r>
+              <a:rPr lang="de-DE" dirty="0" smtClean="0"/>
+              <a:t>eitere Links:</a:t>
+            </a:r>
+          </a:p>
+          <a:p>
+            <a:r>
+              <a:rPr lang="de-DE" dirty="0">
+                <a:hlinkClick r:id="rId5"/>
+              </a:rPr>
+              <a:t>https://</a:t>
+            </a:r>
+            <a:r>
+              <a:rPr lang="de-DE" dirty="0" smtClean="0">
+                <a:hlinkClick r:id="rId5"/>
+              </a:rPr>
+              <a:t>git-scm.com/book/de/v1</a:t>
+            </a:r>
+            <a:endParaRPr lang="de-DE" dirty="0"/>
+          </a:p>
+          <a:p>
+            <a:r>
+              <a:rPr lang="de-DE" dirty="0">
+                <a:hlinkClick r:id="rId6"/>
+              </a:rPr>
+              <a:t>https://</a:t>
+            </a:r>
+            <a:r>
+              <a:rPr lang="de-DE" dirty="0" smtClean="0">
+                <a:hlinkClick r:id="rId6"/>
+              </a:rPr>
+              <a:t>git-scm.com/about</a:t>
+            </a:r>
+            <a:endParaRPr lang="de-DE" dirty="0" smtClean="0"/>
+          </a:p>
+          <a:p>
+            <a:endParaRPr lang="de-DE" dirty="0" smtClean="0"/>
+          </a:p>
+          <a:p>
+            <a:endParaRPr lang="de-DE" dirty="0"/>
+          </a:p>
+        </p:txBody>
+      </p:sp>
+    </p:spTree>
+    <p:extLst>
+      <p:ext uri="{BB962C8B-B14F-4D97-AF65-F5344CB8AC3E}">
+        <p14:creationId xmlns:p14="http://schemas.microsoft.com/office/powerpoint/2010/main" val="3137063874"/>
+      </p:ext>
+    </p:extLst>
+  </p:cSld>
+  <p:clrMapOvr>
+    <a:masterClrMapping/>
+  </p:clrMapOvr>
+</p:sld>
+</file>
+
+<file path=ppt/slides/slide28.xml><?xml version="1.0" encoding="utf-8"?>
+<p:sld xmlns:a="http://schemas.openxmlformats.org/drawingml/2006/main" xmlns:r="http://schemas.openxmlformats.org/officeDocument/2006/relationships" xmlns:p="http://schemas.openxmlformats.org/presentationml/2006/main">
+  <p:cSld>
+    <p:spTree>
+      <p:nvGrpSpPr>
+        <p:cNvPr id="1" name=""/>
+        <p:cNvGrpSpPr/>
+        <p:nvPr/>
+      </p:nvGrpSpPr>
+      <p:grpSpPr>
+        <a:xfrm>
+          <a:off x="0" y="0"/>
+          <a:ext cx="0" cy="0"/>
+          <a:chOff x="0" y="0"/>
+          <a:chExt cx="0" cy="0"/>
+        </a:xfrm>
+      </p:grpSpPr>
+      <p:sp>
+        <p:nvSpPr>
+          <p:cNvPr id="2" name="Titel 1"/>
+          <p:cNvSpPr>
+            <a:spLocks noGrp="1"/>
+          </p:cNvSpPr>
+          <p:nvPr>
+            <p:ph type="title"/>
+          </p:nvPr>
+        </p:nvSpPr>
+        <p:spPr/>
+        <p:txBody>
+          <a:bodyPr/>
+          <a:lstStyle/>
+          <a:p>
+            <a:r>
+              <a:rPr lang="de-DE" dirty="0" smtClean="0"/>
+              <a:t>Quellen</a:t>
+            </a:r>
+            <a:endParaRPr lang="de-DE" dirty="0"/>
+          </a:p>
+        </p:txBody>
+      </p:sp>
+      <p:sp>
+        <p:nvSpPr>
+          <p:cNvPr id="3" name="Fußzeilenplatzhalter 2"/>
+          <p:cNvSpPr>
+            <a:spLocks noGrp="1"/>
+          </p:cNvSpPr>
+          <p:nvPr>
+            <p:ph type="ftr" sz="quarter" idx="11"/>
+          </p:nvPr>
+        </p:nvSpPr>
+        <p:spPr/>
+        <p:txBody>
+          <a:bodyPr/>
+          <a:lstStyle/>
+          <a:p>
+            <a:r>
+              <a:rPr lang="de-DE" smtClean="0"/>
+              <a:t>ePortfolio von Mehmet Ali Incekara</a:t>
+            </a:r>
+            <a:endParaRPr lang="de-DE"/>
+          </a:p>
+        </p:txBody>
+      </p:sp>
+      <p:sp>
+        <p:nvSpPr>
+          <p:cNvPr id="4" name="Foliennummernplatzhalter 3"/>
+          <p:cNvSpPr>
+            <a:spLocks noGrp="1"/>
+          </p:cNvSpPr>
+          <p:nvPr>
+            <p:ph type="sldNum" sz="quarter" idx="12"/>
+          </p:nvPr>
+        </p:nvSpPr>
+        <p:spPr/>
+        <p:txBody>
+          <a:bodyPr/>
+          <a:lstStyle/>
+          <a:p>
+            <a:fld id="{32988457-9EFF-4998-891D-85ECFB4B79A4}" type="slidenum">
+              <a:rPr lang="de-DE" smtClean="0"/>
+              <a:t>28</a:t>
+            </a:fld>
+            <a:endParaRPr lang="de-DE"/>
+          </a:p>
+        </p:txBody>
+      </p:sp>
+      <p:sp>
+        <p:nvSpPr>
+          <p:cNvPr id="5" name="Inhaltsplatzhalter 4"/>
+          <p:cNvSpPr>
+            <a:spLocks noGrp="1"/>
+          </p:cNvSpPr>
+          <p:nvPr>
+            <p:ph sz="quarter" idx="1"/>
+          </p:nvPr>
+        </p:nvSpPr>
+        <p:spPr>
+          <a:xfrm>
+            <a:off x="457200" y="1219200"/>
+            <a:ext cx="8435280" cy="4937760"/>
+          </a:xfrm>
+        </p:spPr>
+        <p:txBody>
+          <a:bodyPr>
+            <a:normAutofit/>
+          </a:bodyPr>
+          <a:lstStyle/>
+          <a:p>
+            <a:pPr marL="0" indent="0">
+              <a:buNone/>
+            </a:pPr>
+            <a:r>
+              <a:rPr lang="de-DE" sz="2000" b="1" dirty="0" err="1" smtClean="0"/>
+              <a:t>git</a:t>
+            </a:r>
+            <a:r>
+              <a:rPr lang="de-DE" sz="2000" b="1" dirty="0" smtClean="0"/>
+              <a:t>:</a:t>
+            </a:r>
+          </a:p>
+          <a:p>
+            <a:r>
+              <a:rPr lang="de-DE" sz="2000" dirty="0" smtClean="0"/>
+              <a:t>https</a:t>
+            </a:r>
+            <a:r>
+              <a:rPr lang="de-DE" sz="2000" dirty="0"/>
+              <a:t>://</a:t>
+            </a:r>
+            <a:r>
+              <a:rPr lang="de-DE" sz="2000" dirty="0" smtClean="0"/>
+              <a:t>git-scm.com </a:t>
+            </a:r>
+            <a:r>
+              <a:rPr lang="de-DE" sz="1200" dirty="0"/>
+              <a:t>(</a:t>
+            </a:r>
+            <a:r>
+              <a:rPr lang="de-DE" sz="1200" dirty="0" smtClean="0"/>
+              <a:t>19.10.2015</a:t>
+            </a:r>
+            <a:r>
+              <a:rPr lang="de-DE" sz="1200" dirty="0"/>
+              <a:t>)</a:t>
+            </a:r>
+            <a:endParaRPr lang="de-DE" sz="1200" dirty="0" smtClean="0"/>
+          </a:p>
+          <a:p>
+            <a:r>
+              <a:rPr lang="de-DE" sz="2000" dirty="0"/>
+              <a:t>https://</a:t>
+            </a:r>
+            <a:r>
+              <a:rPr lang="de-DE" sz="2000" dirty="0" smtClean="0"/>
+              <a:t>rogerdudler.github.io/git-guide/index.de.html </a:t>
+            </a:r>
+            <a:r>
+              <a:rPr lang="de-DE" sz="1100" dirty="0" smtClean="0"/>
+              <a:t>(19.10.2015)</a:t>
+            </a:r>
+            <a:endParaRPr lang="de-DE" sz="2000" dirty="0" smtClean="0"/>
+          </a:p>
+          <a:p>
+            <a:pPr marL="0" indent="0">
+              <a:buNone/>
+            </a:pPr>
+            <a:r>
+              <a:rPr lang="de-DE" sz="2000" b="1" dirty="0" err="1" smtClean="0"/>
+              <a:t>GitHub</a:t>
+            </a:r>
+            <a:r>
+              <a:rPr lang="de-DE" sz="2000" b="1" dirty="0"/>
+              <a:t>:</a:t>
+            </a:r>
+            <a:endParaRPr lang="de-DE" sz="2000" b="1" dirty="0" smtClean="0"/>
+          </a:p>
+          <a:p>
+            <a:r>
+              <a:rPr lang="de-DE" sz="2000" dirty="0" smtClean="0"/>
+              <a:t>https</a:t>
+            </a:r>
+            <a:r>
+              <a:rPr lang="de-DE" sz="2000" dirty="0"/>
+              <a:t>://</a:t>
+            </a:r>
+            <a:r>
+              <a:rPr lang="de-DE" sz="2000" dirty="0" smtClean="0"/>
+              <a:t>github.com </a:t>
+            </a:r>
+            <a:r>
+              <a:rPr lang="de-DE" sz="1100" dirty="0" smtClean="0"/>
+              <a:t>(19.10.2015)</a:t>
+            </a:r>
+          </a:p>
+          <a:p>
+            <a:pPr marL="0" indent="0">
+              <a:buNone/>
+            </a:pPr>
+            <a:r>
+              <a:rPr lang="de-DE" sz="2000" b="1" dirty="0" smtClean="0"/>
+              <a:t>Bilder:</a:t>
+            </a:r>
+            <a:endParaRPr lang="de-DE" sz="2000" b="1" dirty="0"/>
+          </a:p>
+          <a:p>
+            <a:r>
+              <a:rPr lang="de-DE" sz="2000" dirty="0" smtClean="0"/>
+              <a:t>selbstgemachte Screenshots</a:t>
+            </a:r>
+          </a:p>
+          <a:p>
+            <a:endParaRPr lang="de-DE" sz="2000" dirty="0" smtClean="0"/>
+          </a:p>
+        </p:txBody>
+      </p:sp>
+    </p:spTree>
+    <p:extLst>
+      <p:ext uri="{BB962C8B-B14F-4D97-AF65-F5344CB8AC3E}">
+        <p14:creationId xmlns:p14="http://schemas.microsoft.com/office/powerpoint/2010/main" val="1184464537"/>
+      </p:ext>
+    </p:extLst>
+  </p:cSld>
+  <p:clrMapOvr>
+    <a:masterClrMapping/>
+  </p:clrMapOvr>
+  <p:timing>
+    <p:tnLst>
+      <p:par>
+        <p:cTn id="1" dur="indefinite" restart="never" nodeType="tmRoot"/>
+      </p:par>
+    </p:tnLst>
+  </p:timing>
+</p:sld>
+</file>
+
 <file path=ppt/slides/slide3.xml><?xml version="1.0" encoding="utf-8"?>
 <p:sld xmlns:a="http://schemas.openxmlformats.org/drawingml/2006/main" xmlns:r="http://schemas.openxmlformats.org/officeDocument/2006/relationships" xmlns:p="http://schemas.openxmlformats.org/presentationml/2006/main">
   <p:cSld>
@@ -15541,7 +15645,15 @@
             </a:r>
             <a:r>
               <a:rPr lang="de-DE" dirty="0" smtClean="0"/>
-              <a:t> Accounts wird nicht extra behandelt, trotz allem noch einmal die Links:</a:t>
+              <a:t> Accounts wird nicht extra behandelt, trotz allem </a:t>
+            </a:r>
+            <a:r>
+              <a:rPr lang="de-DE" dirty="0" smtClean="0"/>
+              <a:t>hier </a:t>
+            </a:r>
+            <a:r>
+              <a:rPr lang="de-DE" dirty="0" smtClean="0"/>
+              <a:t>die Links:</a:t>
             </a:r>
             <a:br>
               <a:rPr lang="de-DE" dirty="0" smtClean="0"/>
@@ -15605,475 +15717,6 @@
     <p:extLst>
       <p:ext uri="{BB962C8B-B14F-4D97-AF65-F5344CB8AC3E}">
         <p14:creationId xmlns:p14="http://schemas.microsoft.com/office/powerpoint/2010/main" val="668462337"/>
-      </p:ext>
-    </p:extLst>
-  </p:cSld>
-  <p:clrMapOvr>
-    <a:masterClrMapping/>
-  </p:clrMapOvr>
-  <p:timing>
-    <p:tnLst>
-      <p:par>
-        <p:cTn id="1" dur="indefinite" restart="never" nodeType="tmRoot"/>
-      </p:par>
-    </p:tnLst>
-  </p:timing>
-</p:sld>
-</file>
-
-<file path=ppt/slides/slide30.xml><?xml version="1.0" encoding="utf-8"?>
-<p:sld xmlns:a="http://schemas.openxmlformats.org/drawingml/2006/main" xmlns:r="http://schemas.openxmlformats.org/officeDocument/2006/relationships" xmlns:p="http://schemas.openxmlformats.org/presentationml/2006/main">
-  <p:cSld>
-    <p:spTree>
-      <p:nvGrpSpPr>
-        <p:cNvPr id="1" name=""/>
-        <p:cNvGrpSpPr/>
-        <p:nvPr/>
-      </p:nvGrpSpPr>
-      <p:grpSpPr>
-        <a:xfrm>
-          <a:off x="0" y="0"/>
-          <a:ext cx="0" cy="0"/>
-          <a:chOff x="0" y="0"/>
-          <a:chExt cx="0" cy="0"/>
-        </a:xfrm>
-      </p:grpSpPr>
-      <p:sp>
-        <p:nvSpPr>
-          <p:cNvPr id="2" name="Titel 1"/>
-          <p:cNvSpPr>
-            <a:spLocks noGrp="1"/>
-          </p:cNvSpPr>
-          <p:nvPr>
-            <p:ph type="title"/>
-          </p:nvPr>
-        </p:nvSpPr>
-        <p:spPr/>
-        <p:txBody>
-          <a:bodyPr>
-            <a:normAutofit/>
-          </a:bodyPr>
-          <a:lstStyle/>
-          <a:p>
-            <a:r>
-              <a:rPr lang="de-DE" dirty="0"/>
-              <a:t>Weitere </a:t>
-            </a:r>
-            <a:r>
-              <a:rPr lang="de-DE" dirty="0" smtClean="0"/>
-              <a:t>Links/Tutorials</a:t>
-            </a:r>
-            <a:endParaRPr lang="de-DE" dirty="0"/>
-          </a:p>
-        </p:txBody>
-      </p:sp>
-      <p:sp>
-        <p:nvSpPr>
-          <p:cNvPr id="3" name="Fußzeilenplatzhalter 2"/>
-          <p:cNvSpPr>
-            <a:spLocks noGrp="1"/>
-          </p:cNvSpPr>
-          <p:nvPr>
-            <p:ph type="ftr" sz="quarter" idx="11"/>
-          </p:nvPr>
-        </p:nvSpPr>
-        <p:spPr/>
-        <p:txBody>
-          <a:bodyPr/>
-          <a:lstStyle/>
-          <a:p>
-            <a:r>
-              <a:rPr lang="de-DE" smtClean="0"/>
-              <a:t>ePortfolio von Mehmet Ali Incekara</a:t>
-            </a:r>
-            <a:endParaRPr lang="de-DE"/>
-          </a:p>
-        </p:txBody>
-      </p:sp>
-      <p:sp>
-        <p:nvSpPr>
-          <p:cNvPr id="4" name="Foliennummernplatzhalter 3"/>
-          <p:cNvSpPr>
-            <a:spLocks noGrp="1"/>
-          </p:cNvSpPr>
-          <p:nvPr>
-            <p:ph type="sldNum" sz="quarter" idx="12"/>
-          </p:nvPr>
-        </p:nvSpPr>
-        <p:spPr/>
-        <p:txBody>
-          <a:bodyPr/>
-          <a:lstStyle/>
-          <a:p>
-            <a:fld id="{32988457-9EFF-4998-891D-85ECFB4B79A4}" type="slidenum">
-              <a:rPr lang="de-DE" smtClean="0"/>
-              <a:t>30</a:t>
-            </a:fld>
-            <a:endParaRPr lang="de-DE"/>
-          </a:p>
-        </p:txBody>
-      </p:sp>
-      <p:sp>
-        <p:nvSpPr>
-          <p:cNvPr id="5" name="Inhaltsplatzhalter 4"/>
-          <p:cNvSpPr>
-            <a:spLocks noGrp="1"/>
-          </p:cNvSpPr>
-          <p:nvPr>
-            <p:ph sz="quarter" idx="1"/>
-          </p:nvPr>
-        </p:nvSpPr>
-        <p:spPr/>
-        <p:txBody>
-          <a:bodyPr/>
-          <a:lstStyle/>
-          <a:p>
-            <a:pPr marL="0" indent="0">
-              <a:buNone/>
-            </a:pPr>
-            <a:r>
-              <a:rPr lang="de-DE" dirty="0"/>
-              <a:t>w</a:t>
-            </a:r>
-            <a:r>
-              <a:rPr lang="de-DE" dirty="0" smtClean="0"/>
-              <a:t>eitere Tutorials:</a:t>
-            </a:r>
-          </a:p>
-          <a:p>
-            <a:r>
-              <a:rPr lang="de-DE" dirty="0" smtClean="0">
-                <a:hlinkClick r:id="rId2"/>
-              </a:rPr>
-              <a:t>https</a:t>
-            </a:r>
-            <a:r>
-              <a:rPr lang="de-DE" dirty="0">
-                <a:hlinkClick r:id="rId2"/>
-              </a:rPr>
-              <a:t>://</a:t>
-            </a:r>
-            <a:r>
-              <a:rPr lang="de-DE" dirty="0" smtClean="0">
-                <a:hlinkClick r:id="rId2"/>
-              </a:rPr>
-              <a:t>rogerdudler.github.io/git-guide/index.de.html</a:t>
-            </a:r>
-            <a:endParaRPr lang="de-DE" dirty="0" smtClean="0"/>
-          </a:p>
-          <a:p>
-            <a:r>
-              <a:rPr lang="de-DE" dirty="0">
-                <a:hlinkClick r:id="rId3"/>
-              </a:rPr>
-              <a:t>https://www.atlassian.com/git/tutorials</a:t>
-            </a:r>
-            <a:r>
-              <a:rPr lang="de-DE" dirty="0" smtClean="0">
-                <a:hlinkClick r:id="rId3"/>
-              </a:rPr>
-              <a:t>/</a:t>
-            </a:r>
-            <a:endParaRPr lang="de-DE" dirty="0" smtClean="0"/>
-          </a:p>
-          <a:p>
-            <a:r>
-              <a:rPr lang="de-DE" dirty="0">
-                <a:hlinkClick r:id="rId4"/>
-              </a:rPr>
-              <a:t>http://</a:t>
-            </a:r>
-            <a:r>
-              <a:rPr lang="de-DE" dirty="0" smtClean="0">
-                <a:hlinkClick r:id="rId4"/>
-              </a:rPr>
-              <a:t>git-scm.com/docs/gittutorial</a:t>
-            </a:r>
-            <a:endParaRPr lang="de-DE" dirty="0" smtClean="0"/>
-          </a:p>
-          <a:p>
-            <a:pPr marL="0" indent="0">
-              <a:buNone/>
-            </a:pPr>
-            <a:r>
-              <a:rPr lang="de-DE" dirty="0"/>
-              <a:t>w</a:t>
-            </a:r>
-            <a:r>
-              <a:rPr lang="de-DE" dirty="0" smtClean="0"/>
-              <a:t>eitere Links:</a:t>
-            </a:r>
-          </a:p>
-          <a:p>
-            <a:r>
-              <a:rPr lang="de-DE" dirty="0">
-                <a:hlinkClick r:id="rId5"/>
-              </a:rPr>
-              <a:t>https://</a:t>
-            </a:r>
-            <a:r>
-              <a:rPr lang="de-DE" dirty="0" smtClean="0">
-                <a:hlinkClick r:id="rId5"/>
-              </a:rPr>
-              <a:t>git-scm.com/book/de/v1</a:t>
-            </a:r>
-            <a:endParaRPr lang="de-DE" dirty="0"/>
-          </a:p>
-          <a:p>
-            <a:r>
-              <a:rPr lang="de-DE" dirty="0">
-                <a:hlinkClick r:id="rId6"/>
-              </a:rPr>
-              <a:t>https://</a:t>
-            </a:r>
-            <a:r>
-              <a:rPr lang="de-DE" dirty="0" smtClean="0">
-                <a:hlinkClick r:id="rId6"/>
-              </a:rPr>
-              <a:t>git-scm.com/about</a:t>
-            </a:r>
-            <a:endParaRPr lang="de-DE" dirty="0" smtClean="0"/>
-          </a:p>
-          <a:p>
-            <a:endParaRPr lang="de-DE" dirty="0" smtClean="0"/>
-          </a:p>
-          <a:p>
-            <a:endParaRPr lang="de-DE" dirty="0"/>
-          </a:p>
-        </p:txBody>
-      </p:sp>
-    </p:spTree>
-    <p:extLst>
-      <p:ext uri="{BB962C8B-B14F-4D97-AF65-F5344CB8AC3E}">
-        <p14:creationId xmlns:p14="http://schemas.microsoft.com/office/powerpoint/2010/main" val="3137063874"/>
-      </p:ext>
-    </p:extLst>
-  </p:cSld>
-  <p:clrMapOvr>
-    <a:masterClrMapping/>
-  </p:clrMapOvr>
-</p:sld>
-</file>
-
-<file path=ppt/slides/slide31.xml><?xml version="1.0" encoding="utf-8"?>
-<p:sld xmlns:a="http://schemas.openxmlformats.org/drawingml/2006/main" xmlns:r="http://schemas.openxmlformats.org/officeDocument/2006/relationships" xmlns:p="http://schemas.openxmlformats.org/presentationml/2006/main">
-  <p:cSld>
-    <p:spTree>
-      <p:nvGrpSpPr>
-        <p:cNvPr id="1" name=""/>
-        <p:cNvGrpSpPr/>
-        <p:nvPr/>
-      </p:nvGrpSpPr>
-      <p:grpSpPr>
-        <a:xfrm>
-          <a:off x="0" y="0"/>
-          <a:ext cx="0" cy="0"/>
-          <a:chOff x="0" y="0"/>
-          <a:chExt cx="0" cy="0"/>
-        </a:xfrm>
-      </p:grpSpPr>
-      <p:sp>
-        <p:nvSpPr>
-          <p:cNvPr id="2" name="Titel 1"/>
-          <p:cNvSpPr>
-            <a:spLocks noGrp="1"/>
-          </p:cNvSpPr>
-          <p:nvPr>
-            <p:ph type="title"/>
-          </p:nvPr>
-        </p:nvSpPr>
-        <p:spPr/>
-        <p:txBody>
-          <a:bodyPr/>
-          <a:lstStyle/>
-          <a:p>
-            <a:r>
-              <a:rPr lang="de-DE" dirty="0" smtClean="0"/>
-              <a:t>Quellen</a:t>
-            </a:r>
-            <a:endParaRPr lang="de-DE" dirty="0"/>
-          </a:p>
-        </p:txBody>
-      </p:sp>
-      <p:sp>
-        <p:nvSpPr>
-          <p:cNvPr id="3" name="Fußzeilenplatzhalter 2"/>
-          <p:cNvSpPr>
-            <a:spLocks noGrp="1"/>
-          </p:cNvSpPr>
-          <p:nvPr>
-            <p:ph type="ftr" sz="quarter" idx="11"/>
-          </p:nvPr>
-        </p:nvSpPr>
-        <p:spPr/>
-        <p:txBody>
-          <a:bodyPr/>
-          <a:lstStyle/>
-          <a:p>
-            <a:r>
-              <a:rPr lang="de-DE" smtClean="0"/>
-              <a:t>ePortfolio von Mehmet Ali Incekara</a:t>
-            </a:r>
-            <a:endParaRPr lang="de-DE"/>
-          </a:p>
-        </p:txBody>
-      </p:sp>
-      <p:sp>
-        <p:nvSpPr>
-          <p:cNvPr id="4" name="Foliennummernplatzhalter 3"/>
-          <p:cNvSpPr>
-            <a:spLocks noGrp="1"/>
-          </p:cNvSpPr>
-          <p:nvPr>
-            <p:ph type="sldNum" sz="quarter" idx="12"/>
-          </p:nvPr>
-        </p:nvSpPr>
-        <p:spPr/>
-        <p:txBody>
-          <a:bodyPr/>
-          <a:lstStyle/>
-          <a:p>
-            <a:fld id="{32988457-9EFF-4998-891D-85ECFB4B79A4}" type="slidenum">
-              <a:rPr lang="de-DE" smtClean="0"/>
-              <a:t>31</a:t>
-            </a:fld>
-            <a:endParaRPr lang="de-DE"/>
-          </a:p>
-        </p:txBody>
-      </p:sp>
-      <p:sp>
-        <p:nvSpPr>
-          <p:cNvPr id="5" name="Inhaltsplatzhalter 4"/>
-          <p:cNvSpPr>
-            <a:spLocks noGrp="1"/>
-          </p:cNvSpPr>
-          <p:nvPr>
-            <p:ph sz="quarter" idx="1"/>
-          </p:nvPr>
-        </p:nvSpPr>
-        <p:spPr>
-          <a:xfrm>
-            <a:off x="457200" y="1219200"/>
-            <a:ext cx="8435280" cy="4937760"/>
-          </a:xfrm>
-        </p:spPr>
-        <p:txBody>
-          <a:bodyPr>
-            <a:normAutofit/>
-          </a:bodyPr>
-          <a:lstStyle/>
-          <a:p>
-            <a:pPr marL="0" indent="0">
-              <a:buNone/>
-            </a:pPr>
-            <a:r>
-              <a:rPr lang="de-DE" sz="2000" b="1" dirty="0" err="1" smtClean="0"/>
-              <a:t>git</a:t>
-            </a:r>
-            <a:r>
-              <a:rPr lang="de-DE" sz="2000" b="1" dirty="0" smtClean="0"/>
-              <a:t>:</a:t>
-            </a:r>
-          </a:p>
-          <a:p>
-            <a:r>
-              <a:rPr lang="de-DE" sz="2000" dirty="0" smtClean="0"/>
-              <a:t>https</a:t>
-            </a:r>
-            <a:r>
-              <a:rPr lang="de-DE" sz="2000" dirty="0"/>
-              <a:t>://</a:t>
-            </a:r>
-            <a:r>
-              <a:rPr lang="de-DE" sz="2000" dirty="0" smtClean="0"/>
-              <a:t>git-scm.com </a:t>
-            </a:r>
-            <a:r>
-              <a:rPr lang="de-DE" sz="1200" dirty="0"/>
-              <a:t>(</a:t>
-            </a:r>
-            <a:r>
-              <a:rPr lang="de-DE" sz="1200" dirty="0" smtClean="0"/>
-              <a:t>19.10.2015</a:t>
-            </a:r>
-            <a:r>
-              <a:rPr lang="de-DE" sz="1200" dirty="0"/>
-              <a:t>)</a:t>
-            </a:r>
-            <a:endParaRPr lang="de-DE" sz="1200" dirty="0" smtClean="0"/>
-          </a:p>
-          <a:p>
-            <a:r>
-              <a:rPr lang="de-DE" sz="2000" dirty="0"/>
-              <a:t>https://</a:t>
-            </a:r>
-            <a:r>
-              <a:rPr lang="de-DE" sz="2000" dirty="0" smtClean="0"/>
-              <a:t>rogerdudler.github.io/git-guide/index.de.html </a:t>
-            </a:r>
-            <a:r>
-              <a:rPr lang="de-DE" sz="1100" dirty="0" smtClean="0"/>
-              <a:t>(19.10.2015)</a:t>
-            </a:r>
-            <a:endParaRPr lang="de-DE" sz="2000" dirty="0" smtClean="0"/>
-          </a:p>
-          <a:p>
-            <a:pPr marL="0" indent="0">
-              <a:buNone/>
-            </a:pPr>
-            <a:r>
-              <a:rPr lang="de-DE" sz="2000" b="1" dirty="0" err="1" smtClean="0"/>
-              <a:t>GitHub</a:t>
-            </a:r>
-            <a:r>
-              <a:rPr lang="de-DE" sz="2000" b="1" dirty="0"/>
-              <a:t>:</a:t>
-            </a:r>
-            <a:endParaRPr lang="de-DE" sz="2000" b="1" dirty="0" smtClean="0"/>
-          </a:p>
-          <a:p>
-            <a:r>
-              <a:rPr lang="de-DE" sz="2000" dirty="0" smtClean="0"/>
-              <a:t>https</a:t>
-            </a:r>
-            <a:r>
-              <a:rPr lang="de-DE" sz="2000" dirty="0"/>
-              <a:t>://</a:t>
-            </a:r>
-            <a:r>
-              <a:rPr lang="de-DE" sz="2000" dirty="0" smtClean="0"/>
-              <a:t>github.com </a:t>
-            </a:r>
-            <a:r>
-              <a:rPr lang="de-DE" sz="1100" dirty="0" smtClean="0"/>
-              <a:t>(19.10.2015)</a:t>
-            </a:r>
-          </a:p>
-          <a:p>
-            <a:pPr marL="0" indent="0">
-              <a:buNone/>
-            </a:pPr>
-            <a:r>
-              <a:rPr lang="de-DE" sz="2000" b="1" dirty="0" smtClean="0"/>
-              <a:t>Bilder:</a:t>
-            </a:r>
-            <a:endParaRPr lang="de-DE" sz="2000" b="1" dirty="0"/>
-          </a:p>
-          <a:p>
-            <a:r>
-              <a:rPr lang="de-DE" sz="2000" dirty="0" smtClean="0"/>
-              <a:t>selbstgemachte Screenshots</a:t>
-            </a:r>
-          </a:p>
-          <a:p>
-            <a:endParaRPr lang="de-DE" sz="2000" dirty="0" smtClean="0"/>
-          </a:p>
-        </p:txBody>
-      </p:sp>
-    </p:spTree>
-    <p:extLst>
-      <p:ext uri="{BB962C8B-B14F-4D97-AF65-F5344CB8AC3E}">
-        <p14:creationId xmlns:p14="http://schemas.microsoft.com/office/powerpoint/2010/main" val="1184464537"/>
       </p:ext>
     </p:extLst>
   </p:cSld>
